--- a/Web Design Course.pptx
+++ b/Web Design Course.pptx
@@ -2,10 +2,19 @@
 <file path=ppt/presentation.xml><?xml version="1.0" encoding="utf-8"?>
 <p:presentation xmlns:a="http://schemas.openxmlformats.org/drawingml/2006/main" xmlns:r="http://schemas.openxmlformats.org/officeDocument/2006/relationships" xmlns:p="http://schemas.openxmlformats.org/presentationml/2006/main" saveSubsetFonts="1">
   <p:sldMasterIdLst>
-    <p:sldMasterId id="2147483648" r:id="rId1"/>
+    <p:sldMasterId id="2147484008" r:id="rId1"/>
   </p:sldMasterIdLst>
   <p:sldIdLst>
-    <p:sldId id="257" r:id="rId2"/>
+    <p:sldId id="258" r:id="rId2"/>
+    <p:sldId id="257" r:id="rId3"/>
+    <p:sldId id="262" r:id="rId4"/>
+    <p:sldId id="261" r:id="rId5"/>
+    <p:sldId id="263" r:id="rId6"/>
+    <p:sldId id="264" r:id="rId7"/>
+    <p:sldId id="265" r:id="rId8"/>
+    <p:sldId id="266" r:id="rId9"/>
+    <p:sldId id="267" r:id="rId10"/>
+    <p:sldId id="268" r:id="rId11"/>
   </p:sldIdLst>
   <p:sldSz cx="12192000" cy="6858000"/>
   <p:notesSz cx="6858000" cy="9144000"/>
@@ -13,7 +22,7 @@
     <a:defPPr>
       <a:defRPr lang="en-US"/>
     </a:defPPr>
-    <a:lvl1pPr marL="0" algn="l" defTabSz="914400" rtl="0" eaLnBrk="1" latinLnBrk="0" hangingPunct="1">
+    <a:lvl1pPr marL="0" algn="l" defTabSz="457200" rtl="0" eaLnBrk="1" latinLnBrk="0" hangingPunct="1">
       <a:defRPr sz="1800" kern="1200">
         <a:solidFill>
           <a:schemeClr val="tx1"/>
@@ -23,7 +32,7 @@
         <a:cs typeface="+mn-cs"/>
       </a:defRPr>
     </a:lvl1pPr>
-    <a:lvl2pPr marL="457200" algn="l" defTabSz="914400" rtl="0" eaLnBrk="1" latinLnBrk="0" hangingPunct="1">
+    <a:lvl2pPr marL="457200" algn="l" defTabSz="457200" rtl="0" eaLnBrk="1" latinLnBrk="0" hangingPunct="1">
       <a:defRPr sz="1800" kern="1200">
         <a:solidFill>
           <a:schemeClr val="tx1"/>
@@ -33,7 +42,7 @@
         <a:cs typeface="+mn-cs"/>
       </a:defRPr>
     </a:lvl2pPr>
-    <a:lvl3pPr marL="914400" algn="l" defTabSz="914400" rtl="0" eaLnBrk="1" latinLnBrk="0" hangingPunct="1">
+    <a:lvl3pPr marL="914400" algn="l" defTabSz="457200" rtl="0" eaLnBrk="1" latinLnBrk="0" hangingPunct="1">
       <a:defRPr sz="1800" kern="1200">
         <a:solidFill>
           <a:schemeClr val="tx1"/>
@@ -43,7 +52,7 @@
         <a:cs typeface="+mn-cs"/>
       </a:defRPr>
     </a:lvl3pPr>
-    <a:lvl4pPr marL="1371600" algn="l" defTabSz="914400" rtl="0" eaLnBrk="1" latinLnBrk="0" hangingPunct="1">
+    <a:lvl4pPr marL="1371600" algn="l" defTabSz="457200" rtl="0" eaLnBrk="1" latinLnBrk="0" hangingPunct="1">
       <a:defRPr sz="1800" kern="1200">
         <a:solidFill>
           <a:schemeClr val="tx1"/>
@@ -53,7 +62,7 @@
         <a:cs typeface="+mn-cs"/>
       </a:defRPr>
     </a:lvl4pPr>
-    <a:lvl5pPr marL="1828800" algn="l" defTabSz="914400" rtl="0" eaLnBrk="1" latinLnBrk="0" hangingPunct="1">
+    <a:lvl5pPr marL="1828800" algn="l" defTabSz="457200" rtl="0" eaLnBrk="1" latinLnBrk="0" hangingPunct="1">
       <a:defRPr sz="1800" kern="1200">
         <a:solidFill>
           <a:schemeClr val="tx1"/>
@@ -63,7 +72,7 @@
         <a:cs typeface="+mn-cs"/>
       </a:defRPr>
     </a:lvl5pPr>
-    <a:lvl6pPr marL="2286000" algn="l" defTabSz="914400" rtl="0" eaLnBrk="1" latinLnBrk="0" hangingPunct="1">
+    <a:lvl6pPr marL="2286000" algn="l" defTabSz="457200" rtl="0" eaLnBrk="1" latinLnBrk="0" hangingPunct="1">
       <a:defRPr sz="1800" kern="1200">
         <a:solidFill>
           <a:schemeClr val="tx1"/>
@@ -73,7 +82,7 @@
         <a:cs typeface="+mn-cs"/>
       </a:defRPr>
     </a:lvl6pPr>
-    <a:lvl7pPr marL="2743200" algn="l" defTabSz="914400" rtl="0" eaLnBrk="1" latinLnBrk="0" hangingPunct="1">
+    <a:lvl7pPr marL="2743200" algn="l" defTabSz="457200" rtl="0" eaLnBrk="1" latinLnBrk="0" hangingPunct="1">
       <a:defRPr sz="1800" kern="1200">
         <a:solidFill>
           <a:schemeClr val="tx1"/>
@@ -83,7 +92,7 @@
         <a:cs typeface="+mn-cs"/>
       </a:defRPr>
     </a:lvl7pPr>
-    <a:lvl8pPr marL="3200400" algn="l" defTabSz="914400" rtl="0" eaLnBrk="1" latinLnBrk="0" hangingPunct="1">
+    <a:lvl8pPr marL="3200400" algn="l" defTabSz="457200" rtl="0" eaLnBrk="1" latinLnBrk="0" hangingPunct="1">
       <a:defRPr sz="1800" kern="1200">
         <a:solidFill>
           <a:schemeClr val="tx1"/>
@@ -93,7 +102,7 @@
         <a:cs typeface="+mn-cs"/>
       </a:defRPr>
     </a:lvl8pPr>
-    <a:lvl9pPr marL="3657600" algn="l" defTabSz="914400" rtl="0" eaLnBrk="1" latinLnBrk="0" hangingPunct="1">
+    <a:lvl9pPr marL="3657600" algn="l" defTabSz="457200" rtl="0" eaLnBrk="1" latinLnBrk="0" hangingPunct="1">
       <a:defRPr sz="1800" kern="1200">
         <a:solidFill>
           <a:schemeClr val="tx1"/>
@@ -113,7 +122,7 @@
 </file>
 
 <file path=ppt/slideLayouts/slideLayout1.xml><?xml version="1.0" encoding="utf-8"?>
-<p:sldLayout xmlns:a="http://schemas.openxmlformats.org/drawingml/2006/main" xmlns:r="http://schemas.openxmlformats.org/officeDocument/2006/relationships" xmlns:p="http://schemas.openxmlformats.org/presentationml/2006/main" type="title" preserve="1">
+<p:sldLayout xmlns:a="http://schemas.openxmlformats.org/drawingml/2006/main" xmlns:r="http://schemas.openxmlformats.org/officeDocument/2006/relationships" xmlns:p="http://schemas.openxmlformats.org/presentationml/2006/main" showMasterSp="0" type="title" preserve="1">
   <p:cSld name="Title Slide">
     <p:spTree>
       <p:nvGrpSpPr>
@@ -129,15 +138,539 @@
           <a:chExt cx="0" cy="0"/>
         </a:xfrm>
       </p:grpSpPr>
-      <p:sp>
-        <p:nvSpPr>
-          <p:cNvPr id="2" name="Title 1">
-            <a:extLst>
-              <a:ext uri="{FF2B5EF4-FFF2-40B4-BE49-F238E27FC236}">
-                <a16:creationId xmlns:a16="http://schemas.microsoft.com/office/drawing/2014/main" id="{2564A27C-80B0-4D03-8048-CCC02B2E8FC3}"/>
-              </a:ext>
-            </a:extLst>
-          </p:cNvPr>
+      <p:grpSp>
+        <p:nvGrpSpPr>
+          <p:cNvPr id="7" name="Group 6"/>
+          <p:cNvGrpSpPr/>
+          <p:nvPr/>
+        </p:nvGrpSpPr>
+        <p:grpSpPr>
+          <a:xfrm>
+            <a:off x="0" y="-8467"/>
+            <a:ext cx="12192000" cy="6866467"/>
+            <a:chOff x="0" y="-8467"/>
+            <a:chExt cx="12192000" cy="6866467"/>
+          </a:xfrm>
+        </p:grpSpPr>
+        <p:cxnSp>
+          <p:nvCxnSpPr>
+            <p:cNvPr id="32" name="Straight Connector 31"/>
+            <p:cNvCxnSpPr/>
+            <p:nvPr/>
+          </p:nvCxnSpPr>
+          <p:spPr>
+            <a:xfrm>
+              <a:off x="9371012" y="0"/>
+              <a:ext cx="1219200" cy="6858000"/>
+            </a:xfrm>
+            <a:prstGeom prst="line">
+              <a:avLst/>
+            </a:prstGeom>
+            <a:ln w="9525">
+              <a:solidFill>
+                <a:schemeClr val="bg1">
+                  <a:lumMod val="75000"/>
+                </a:schemeClr>
+              </a:solidFill>
+            </a:ln>
+          </p:spPr>
+          <p:style>
+            <a:lnRef idx="2">
+              <a:schemeClr val="accent1"/>
+            </a:lnRef>
+            <a:fillRef idx="0">
+              <a:schemeClr val="accent1"/>
+            </a:fillRef>
+            <a:effectRef idx="1">
+              <a:schemeClr val="accent1"/>
+            </a:effectRef>
+            <a:fontRef idx="minor">
+              <a:schemeClr val="tx1"/>
+            </a:fontRef>
+          </p:style>
+        </p:cxnSp>
+        <p:cxnSp>
+          <p:nvCxnSpPr>
+            <p:cNvPr id="21" name="Straight Connector 20"/>
+            <p:cNvCxnSpPr/>
+            <p:nvPr/>
+          </p:nvCxnSpPr>
+          <p:spPr>
+            <a:xfrm flipH="1">
+              <a:off x="7425267" y="3681413"/>
+              <a:ext cx="4763558" cy="3176587"/>
+            </a:xfrm>
+            <a:prstGeom prst="line">
+              <a:avLst/>
+            </a:prstGeom>
+            <a:ln w="9525">
+              <a:solidFill>
+                <a:schemeClr val="bg1">
+                  <a:lumMod val="85000"/>
+                </a:schemeClr>
+              </a:solidFill>
+            </a:ln>
+          </p:spPr>
+          <p:style>
+            <a:lnRef idx="2">
+              <a:schemeClr val="accent1"/>
+            </a:lnRef>
+            <a:fillRef idx="0">
+              <a:schemeClr val="accent1"/>
+            </a:fillRef>
+            <a:effectRef idx="1">
+              <a:schemeClr val="accent1"/>
+            </a:effectRef>
+            <a:fontRef idx="minor">
+              <a:schemeClr val="tx1"/>
+            </a:fontRef>
+          </p:style>
+        </p:cxnSp>
+        <p:sp>
+          <p:nvSpPr>
+            <p:cNvPr id="24" name="Rectangle 23"/>
+            <p:cNvSpPr/>
+            <p:nvPr/>
+          </p:nvSpPr>
+          <p:spPr>
+            <a:xfrm>
+              <a:off x="9181476" y="-8467"/>
+              <a:ext cx="3007349" cy="6866467"/>
+            </a:xfrm>
+            <a:custGeom>
+              <a:avLst/>
+              <a:gdLst/>
+              <a:ahLst/>
+              <a:cxnLst/>
+              <a:rect l="l" t="t" r="r" b="b"/>
+              <a:pathLst>
+                <a:path w="3007349" h="6866467">
+                  <a:moveTo>
+                    <a:pt x="2045532" y="0"/>
+                  </a:moveTo>
+                  <a:lnTo>
+                    <a:pt x="3007349" y="0"/>
+                  </a:lnTo>
+                  <a:lnTo>
+                    <a:pt x="3007349" y="6866467"/>
+                  </a:lnTo>
+                  <a:lnTo>
+                    <a:pt x="0" y="6866467"/>
+                  </a:lnTo>
+                  <a:lnTo>
+                    <a:pt x="2045532" y="0"/>
+                  </a:lnTo>
+                  <a:close/>
+                </a:path>
+              </a:pathLst>
+            </a:custGeom>
+            <a:solidFill>
+              <a:schemeClr val="accent1">
+                <a:alpha val="30000"/>
+              </a:schemeClr>
+            </a:solidFill>
+            <a:ln>
+              <a:noFill/>
+            </a:ln>
+            <a:effectLst/>
+          </p:spPr>
+          <p:style>
+            <a:lnRef idx="1">
+              <a:schemeClr val="accent1"/>
+            </a:lnRef>
+            <a:fillRef idx="3">
+              <a:schemeClr val="accent1"/>
+            </a:fillRef>
+            <a:effectRef idx="2">
+              <a:schemeClr val="accent1"/>
+            </a:effectRef>
+            <a:fontRef idx="minor">
+              <a:schemeClr val="lt1"/>
+            </a:fontRef>
+          </p:style>
+        </p:sp>
+        <p:sp>
+          <p:nvSpPr>
+            <p:cNvPr id="26" name="Rectangle 25"/>
+            <p:cNvSpPr/>
+            <p:nvPr/>
+          </p:nvSpPr>
+          <p:spPr>
+            <a:xfrm>
+              <a:off x="9603442" y="-8467"/>
+              <a:ext cx="2588558" cy="6866467"/>
+            </a:xfrm>
+            <a:custGeom>
+              <a:avLst/>
+              <a:gdLst/>
+              <a:ahLst/>
+              <a:cxnLst/>
+              <a:rect l="l" t="t" r="r" b="b"/>
+              <a:pathLst>
+                <a:path w="2573311" h="6866467">
+                  <a:moveTo>
+                    <a:pt x="0" y="0"/>
+                  </a:moveTo>
+                  <a:lnTo>
+                    <a:pt x="2573311" y="0"/>
+                  </a:lnTo>
+                  <a:lnTo>
+                    <a:pt x="2573311" y="6866467"/>
+                  </a:lnTo>
+                  <a:lnTo>
+                    <a:pt x="1202336" y="6866467"/>
+                  </a:lnTo>
+                  <a:lnTo>
+                    <a:pt x="0" y="0"/>
+                  </a:lnTo>
+                  <a:close/>
+                </a:path>
+              </a:pathLst>
+            </a:custGeom>
+            <a:solidFill>
+              <a:schemeClr val="accent1">
+                <a:alpha val="20000"/>
+              </a:schemeClr>
+            </a:solidFill>
+            <a:ln>
+              <a:noFill/>
+            </a:ln>
+            <a:effectLst/>
+          </p:spPr>
+          <p:style>
+            <a:lnRef idx="1">
+              <a:schemeClr val="accent1"/>
+            </a:lnRef>
+            <a:fillRef idx="3">
+              <a:schemeClr val="accent1"/>
+            </a:fillRef>
+            <a:effectRef idx="2">
+              <a:schemeClr val="accent1"/>
+            </a:effectRef>
+            <a:fontRef idx="minor">
+              <a:schemeClr val="lt1"/>
+            </a:fontRef>
+          </p:style>
+        </p:sp>
+        <p:sp>
+          <p:nvSpPr>
+            <p:cNvPr id="27" name="Isosceles Triangle 26"/>
+            <p:cNvSpPr/>
+            <p:nvPr/>
+          </p:nvSpPr>
+          <p:spPr>
+            <a:xfrm>
+              <a:off x="8932333" y="3048000"/>
+              <a:ext cx="3259667" cy="3810000"/>
+            </a:xfrm>
+            <a:prstGeom prst="triangle">
+              <a:avLst>
+                <a:gd name="adj" fmla="val 100000"/>
+              </a:avLst>
+            </a:prstGeom>
+            <a:solidFill>
+              <a:schemeClr val="accent2">
+                <a:alpha val="72000"/>
+              </a:schemeClr>
+            </a:solidFill>
+            <a:ln>
+              <a:noFill/>
+            </a:ln>
+            <a:effectLst/>
+          </p:spPr>
+          <p:style>
+            <a:lnRef idx="1">
+              <a:schemeClr val="accent1"/>
+            </a:lnRef>
+            <a:fillRef idx="3">
+              <a:schemeClr val="accent1"/>
+            </a:fillRef>
+            <a:effectRef idx="2">
+              <a:schemeClr val="accent1"/>
+            </a:effectRef>
+            <a:fontRef idx="minor">
+              <a:schemeClr val="lt1"/>
+            </a:fontRef>
+          </p:style>
+        </p:sp>
+        <p:sp>
+          <p:nvSpPr>
+            <p:cNvPr id="28" name="Rectangle 27"/>
+            <p:cNvSpPr/>
+            <p:nvPr/>
+          </p:nvSpPr>
+          <p:spPr>
+            <a:xfrm>
+              <a:off x="9334500" y="-8467"/>
+              <a:ext cx="2854326" cy="6866467"/>
+            </a:xfrm>
+            <a:custGeom>
+              <a:avLst/>
+              <a:gdLst/>
+              <a:ahLst/>
+              <a:cxnLst/>
+              <a:rect l="l" t="t" r="r" b="b"/>
+              <a:pathLst>
+                <a:path w="2858013" h="6866467">
+                  <a:moveTo>
+                    <a:pt x="0" y="0"/>
+                  </a:moveTo>
+                  <a:lnTo>
+                    <a:pt x="2858013" y="0"/>
+                  </a:lnTo>
+                  <a:lnTo>
+                    <a:pt x="2858013" y="6866467"/>
+                  </a:lnTo>
+                  <a:lnTo>
+                    <a:pt x="2473942" y="6866467"/>
+                  </a:lnTo>
+                  <a:lnTo>
+                    <a:pt x="0" y="0"/>
+                  </a:lnTo>
+                  <a:close/>
+                </a:path>
+              </a:pathLst>
+            </a:custGeom>
+            <a:solidFill>
+              <a:schemeClr val="accent2">
+                <a:lumMod val="75000"/>
+                <a:alpha val="70000"/>
+              </a:schemeClr>
+            </a:solidFill>
+            <a:ln>
+              <a:noFill/>
+            </a:ln>
+            <a:effectLst/>
+          </p:spPr>
+          <p:style>
+            <a:lnRef idx="1">
+              <a:schemeClr val="accent1"/>
+            </a:lnRef>
+            <a:fillRef idx="3">
+              <a:schemeClr val="accent1"/>
+            </a:fillRef>
+            <a:effectRef idx="2">
+              <a:schemeClr val="accent1"/>
+            </a:effectRef>
+            <a:fontRef idx="minor">
+              <a:schemeClr val="lt1"/>
+            </a:fontRef>
+          </p:style>
+        </p:sp>
+        <p:sp>
+          <p:nvSpPr>
+            <p:cNvPr id="29" name="Rectangle 28"/>
+            <p:cNvSpPr/>
+            <p:nvPr/>
+          </p:nvSpPr>
+          <p:spPr>
+            <a:xfrm>
+              <a:off x="10898730" y="-8467"/>
+              <a:ext cx="1290094" cy="6866467"/>
+            </a:xfrm>
+            <a:custGeom>
+              <a:avLst/>
+              <a:gdLst/>
+              <a:ahLst/>
+              <a:cxnLst/>
+              <a:rect l="l" t="t" r="r" b="b"/>
+              <a:pathLst>
+                <a:path w="1290094" h="6858000">
+                  <a:moveTo>
+                    <a:pt x="1019735" y="0"/>
+                  </a:moveTo>
+                  <a:lnTo>
+                    <a:pt x="1290094" y="0"/>
+                  </a:lnTo>
+                  <a:lnTo>
+                    <a:pt x="1290094" y="6858000"/>
+                  </a:lnTo>
+                  <a:lnTo>
+                    <a:pt x="0" y="6858000"/>
+                  </a:lnTo>
+                  <a:lnTo>
+                    <a:pt x="1019735" y="0"/>
+                  </a:lnTo>
+                  <a:close/>
+                </a:path>
+              </a:pathLst>
+            </a:custGeom>
+            <a:solidFill>
+              <a:schemeClr val="accent1">
+                <a:lumMod val="60000"/>
+                <a:lumOff val="40000"/>
+                <a:alpha val="70000"/>
+              </a:schemeClr>
+            </a:solidFill>
+            <a:ln>
+              <a:noFill/>
+            </a:ln>
+            <a:effectLst/>
+          </p:spPr>
+          <p:style>
+            <a:lnRef idx="1">
+              <a:schemeClr val="accent1"/>
+            </a:lnRef>
+            <a:fillRef idx="3">
+              <a:schemeClr val="accent1"/>
+            </a:fillRef>
+            <a:effectRef idx="2">
+              <a:schemeClr val="accent1"/>
+            </a:effectRef>
+            <a:fontRef idx="minor">
+              <a:schemeClr val="lt1"/>
+            </a:fontRef>
+          </p:style>
+        </p:sp>
+        <p:sp>
+          <p:nvSpPr>
+            <p:cNvPr id="30" name="Rectangle 29"/>
+            <p:cNvSpPr/>
+            <p:nvPr/>
+          </p:nvSpPr>
+          <p:spPr>
+            <a:xfrm>
+              <a:off x="10938999" y="-8467"/>
+              <a:ext cx="1249825" cy="6866467"/>
+            </a:xfrm>
+            <a:custGeom>
+              <a:avLst/>
+              <a:gdLst/>
+              <a:ahLst/>
+              <a:cxnLst/>
+              <a:rect l="l" t="t" r="r" b="b"/>
+              <a:pathLst>
+                <a:path w="1249825" h="6858000">
+                  <a:moveTo>
+                    <a:pt x="0" y="0"/>
+                  </a:moveTo>
+                  <a:lnTo>
+                    <a:pt x="1249825" y="0"/>
+                  </a:lnTo>
+                  <a:lnTo>
+                    <a:pt x="1249825" y="6858000"/>
+                  </a:lnTo>
+                  <a:lnTo>
+                    <a:pt x="1109382" y="6858000"/>
+                  </a:lnTo>
+                  <a:lnTo>
+                    <a:pt x="0" y="0"/>
+                  </a:lnTo>
+                  <a:close/>
+                </a:path>
+              </a:pathLst>
+            </a:custGeom>
+            <a:solidFill>
+              <a:schemeClr val="accent1">
+                <a:alpha val="65000"/>
+              </a:schemeClr>
+            </a:solidFill>
+            <a:ln>
+              <a:noFill/>
+            </a:ln>
+            <a:effectLst/>
+          </p:spPr>
+          <p:style>
+            <a:lnRef idx="1">
+              <a:schemeClr val="accent1"/>
+            </a:lnRef>
+            <a:fillRef idx="3">
+              <a:schemeClr val="accent1"/>
+            </a:fillRef>
+            <a:effectRef idx="2">
+              <a:schemeClr val="accent1"/>
+            </a:effectRef>
+            <a:fontRef idx="minor">
+              <a:schemeClr val="lt1"/>
+            </a:fontRef>
+          </p:style>
+        </p:sp>
+        <p:sp>
+          <p:nvSpPr>
+            <p:cNvPr id="31" name="Isosceles Triangle 30"/>
+            <p:cNvSpPr/>
+            <p:nvPr/>
+          </p:nvSpPr>
+          <p:spPr>
+            <a:xfrm>
+              <a:off x="10371666" y="3589867"/>
+              <a:ext cx="1817159" cy="3268133"/>
+            </a:xfrm>
+            <a:prstGeom prst="triangle">
+              <a:avLst>
+                <a:gd name="adj" fmla="val 100000"/>
+              </a:avLst>
+            </a:prstGeom>
+            <a:solidFill>
+              <a:schemeClr val="accent1">
+                <a:alpha val="80000"/>
+              </a:schemeClr>
+            </a:solidFill>
+            <a:ln>
+              <a:noFill/>
+            </a:ln>
+            <a:effectLst/>
+          </p:spPr>
+          <p:style>
+            <a:lnRef idx="1">
+              <a:schemeClr val="accent1"/>
+            </a:lnRef>
+            <a:fillRef idx="3">
+              <a:schemeClr val="accent1"/>
+            </a:fillRef>
+            <a:effectRef idx="2">
+              <a:schemeClr val="accent1"/>
+            </a:effectRef>
+            <a:fontRef idx="minor">
+              <a:schemeClr val="lt1"/>
+            </a:fontRef>
+          </p:style>
+        </p:sp>
+        <p:sp>
+          <p:nvSpPr>
+            <p:cNvPr id="19" name="Isosceles Triangle 18"/>
+            <p:cNvSpPr/>
+            <p:nvPr/>
+          </p:nvSpPr>
+          <p:spPr>
+            <a:xfrm rot="10800000">
+              <a:off x="0" y="0"/>
+              <a:ext cx="842596" cy="5666154"/>
+            </a:xfrm>
+            <a:prstGeom prst="triangle">
+              <a:avLst>
+                <a:gd name="adj" fmla="val 100000"/>
+              </a:avLst>
+            </a:prstGeom>
+            <a:solidFill>
+              <a:schemeClr val="accent1">
+                <a:alpha val="85000"/>
+              </a:schemeClr>
+            </a:solidFill>
+            <a:ln>
+              <a:noFill/>
+            </a:ln>
+            <a:effectLst/>
+          </p:spPr>
+          <p:style>
+            <a:lnRef idx="1">
+              <a:schemeClr val="accent1"/>
+            </a:lnRef>
+            <a:fillRef idx="3">
+              <a:schemeClr val="accent1"/>
+            </a:fillRef>
+            <a:effectRef idx="2">
+              <a:schemeClr val="accent1"/>
+            </a:effectRef>
+            <a:fontRef idx="minor">
+              <a:schemeClr val="lt1"/>
+            </a:fontRef>
+          </p:style>
+        </p:sp>
+      </p:grpSp>
+      <p:sp>
+        <p:nvSpPr>
+          <p:cNvPr id="2" name="Title 1"/>
           <p:cNvSpPr>
             <a:spLocks noGrp="1"/>
           </p:cNvSpPr>
@@ -147,15 +680,21 @@
         </p:nvSpPr>
         <p:spPr>
           <a:xfrm>
-            <a:off x="1524000" y="1122363"/>
-            <a:ext cx="9144000" cy="2387600"/>
+            <a:off x="1507067" y="2404534"/>
+            <a:ext cx="7766936" cy="1646302"/>
           </a:xfrm>
         </p:spPr>
         <p:txBody>
-          <a:bodyPr anchor="b"/>
+          <a:bodyPr anchor="b">
+            <a:noAutofit/>
+          </a:bodyPr>
           <a:lstStyle>
-            <a:lvl1pPr algn="ctr">
-              <a:defRPr sz="6000"/>
+            <a:lvl1pPr algn="r">
+              <a:defRPr sz="5400">
+                <a:solidFill>
+                  <a:schemeClr val="accent1"/>
+                </a:solidFill>
+              </a:defRPr>
             </a:lvl1pPr>
           </a:lstStyle>
           <a:p>
@@ -163,19 +702,13 @@
               <a:rPr lang="en-US"/>
               <a:t>Click to edit Master title style</a:t>
             </a:r>
-            <a:endParaRPr lang="en-IN"/>
-          </a:p>
-        </p:txBody>
-      </p:sp>
-      <p:sp>
-        <p:nvSpPr>
-          <p:cNvPr id="3" name="Subtitle 2">
-            <a:extLst>
-              <a:ext uri="{FF2B5EF4-FFF2-40B4-BE49-F238E27FC236}">
-                <a16:creationId xmlns:a16="http://schemas.microsoft.com/office/drawing/2014/main" id="{7CA88D85-8EAF-441E-9D27-21C7064A105B}"/>
-              </a:ext>
-            </a:extLst>
-          </p:cNvPr>
+            <a:endParaRPr lang="en-US" dirty="0"/>
+          </a:p>
+        </p:txBody>
+      </p:sp>
+      <p:sp>
+        <p:nvSpPr>
+          <p:cNvPr id="3" name="Subtitle 2"/>
           <p:cNvSpPr>
             <a:spLocks noGrp="1"/>
           </p:cNvSpPr>
@@ -185,48 +718,103 @@
         </p:nvSpPr>
         <p:spPr>
           <a:xfrm>
-            <a:off x="1524000" y="3602038"/>
-            <a:ext cx="9144000" cy="1655762"/>
+            <a:off x="1507067" y="4050833"/>
+            <a:ext cx="7766936" cy="1096899"/>
           </a:xfrm>
         </p:spPr>
         <p:txBody>
-          <a:bodyPr/>
+          <a:bodyPr anchor="t"/>
           <a:lstStyle>
-            <a:lvl1pPr marL="0" indent="0" algn="ctr">
-              <a:buNone/>
-              <a:defRPr sz="2400"/>
+            <a:lvl1pPr marL="0" indent="0" algn="r">
+              <a:buNone/>
+              <a:defRPr>
+                <a:solidFill>
+                  <a:schemeClr val="tx1">
+                    <a:lumMod val="50000"/>
+                    <a:lumOff val="50000"/>
+                  </a:schemeClr>
+                </a:solidFill>
+              </a:defRPr>
             </a:lvl1pPr>
             <a:lvl2pPr marL="457200" indent="0" algn="ctr">
               <a:buNone/>
-              <a:defRPr sz="2000"/>
+              <a:defRPr>
+                <a:solidFill>
+                  <a:schemeClr val="tx1">
+                    <a:tint val="75000"/>
+                  </a:schemeClr>
+                </a:solidFill>
+              </a:defRPr>
             </a:lvl2pPr>
             <a:lvl3pPr marL="914400" indent="0" algn="ctr">
               <a:buNone/>
-              <a:defRPr sz="1800"/>
+              <a:defRPr>
+                <a:solidFill>
+                  <a:schemeClr val="tx1">
+                    <a:tint val="75000"/>
+                  </a:schemeClr>
+                </a:solidFill>
+              </a:defRPr>
             </a:lvl3pPr>
             <a:lvl4pPr marL="1371600" indent="0" algn="ctr">
               <a:buNone/>
-              <a:defRPr sz="1600"/>
+              <a:defRPr>
+                <a:solidFill>
+                  <a:schemeClr val="tx1">
+                    <a:tint val="75000"/>
+                  </a:schemeClr>
+                </a:solidFill>
+              </a:defRPr>
             </a:lvl4pPr>
             <a:lvl5pPr marL="1828800" indent="0" algn="ctr">
               <a:buNone/>
-              <a:defRPr sz="1600"/>
+              <a:defRPr>
+                <a:solidFill>
+                  <a:schemeClr val="tx1">
+                    <a:tint val="75000"/>
+                  </a:schemeClr>
+                </a:solidFill>
+              </a:defRPr>
             </a:lvl5pPr>
             <a:lvl6pPr marL="2286000" indent="0" algn="ctr">
               <a:buNone/>
-              <a:defRPr sz="1600"/>
+              <a:defRPr>
+                <a:solidFill>
+                  <a:schemeClr val="tx1">
+                    <a:tint val="75000"/>
+                  </a:schemeClr>
+                </a:solidFill>
+              </a:defRPr>
             </a:lvl6pPr>
             <a:lvl7pPr marL="2743200" indent="0" algn="ctr">
               <a:buNone/>
-              <a:defRPr sz="1600"/>
+              <a:defRPr>
+                <a:solidFill>
+                  <a:schemeClr val="tx1">
+                    <a:tint val="75000"/>
+                  </a:schemeClr>
+                </a:solidFill>
+              </a:defRPr>
             </a:lvl7pPr>
             <a:lvl8pPr marL="3200400" indent="0" algn="ctr">
               <a:buNone/>
-              <a:defRPr sz="1600"/>
+              <a:defRPr>
+                <a:solidFill>
+                  <a:schemeClr val="tx1">
+                    <a:tint val="75000"/>
+                  </a:schemeClr>
+                </a:solidFill>
+              </a:defRPr>
             </a:lvl8pPr>
             <a:lvl9pPr marL="3657600" indent="0" algn="ctr">
               <a:buNone/>
-              <a:defRPr sz="1600"/>
+              <a:defRPr>
+                <a:solidFill>
+                  <a:schemeClr val="tx1">
+                    <a:tint val="75000"/>
+                  </a:schemeClr>
+                </a:solidFill>
+              </a:defRPr>
             </a:lvl9pPr>
           </a:lstStyle>
           <a:p>
@@ -234,19 +822,13 @@
               <a:rPr lang="en-US"/>
               <a:t>Click to edit Master subtitle style</a:t>
             </a:r>
-            <a:endParaRPr lang="en-IN"/>
-          </a:p>
-        </p:txBody>
-      </p:sp>
-      <p:sp>
-        <p:nvSpPr>
-          <p:cNvPr id="4" name="Date Placeholder 3">
-            <a:extLst>
-              <a:ext uri="{FF2B5EF4-FFF2-40B4-BE49-F238E27FC236}">
-                <a16:creationId xmlns:a16="http://schemas.microsoft.com/office/drawing/2014/main" id="{A762D876-EAA4-437D-94C1-D4CFC60878B2}"/>
-              </a:ext>
-            </a:extLst>
-          </p:cNvPr>
+            <a:endParaRPr lang="en-US" dirty="0"/>
+          </a:p>
+        </p:txBody>
+      </p:sp>
+      <p:sp>
+        <p:nvSpPr>
+          <p:cNvPr id="4" name="Date Placeholder 3"/>
           <p:cNvSpPr>
             <a:spLocks noGrp="1"/>
           </p:cNvSpPr>
@@ -261,7 +843,7 @@
           <a:p>
             <a:fld id="{75E69215-EAA4-4F90-9BCE-10367BACC5EF}" type="datetimeFigureOut">
               <a:rPr lang="en-IN" smtClean="0"/>
-              <a:t>14-11-2020</a:t>
+              <a:t>17-11-2020</a:t>
             </a:fld>
             <a:endParaRPr lang="en-IN"/>
           </a:p>
@@ -269,13 +851,7 @@
       </p:sp>
       <p:sp>
         <p:nvSpPr>
-          <p:cNvPr id="5" name="Footer Placeholder 4">
-            <a:extLst>
-              <a:ext uri="{FF2B5EF4-FFF2-40B4-BE49-F238E27FC236}">
-                <a16:creationId xmlns:a16="http://schemas.microsoft.com/office/drawing/2014/main" id="{88305A14-5C37-4B87-9F09-1B910CA2E1B7}"/>
-              </a:ext>
-            </a:extLst>
-          </p:cNvPr>
+          <p:cNvPr id="5" name="Footer Placeholder 4"/>
           <p:cNvSpPr>
             <a:spLocks noGrp="1"/>
           </p:cNvSpPr>
@@ -294,13 +870,7 @@
       </p:sp>
       <p:sp>
         <p:nvSpPr>
-          <p:cNvPr id="6" name="Slide Number Placeholder 5">
-            <a:extLst>
-              <a:ext uri="{FF2B5EF4-FFF2-40B4-BE49-F238E27FC236}">
-                <a16:creationId xmlns:a16="http://schemas.microsoft.com/office/drawing/2014/main" id="{12E8AC82-A0E6-4337-960E-F34EB3AFB576}"/>
-              </a:ext>
-            </a:extLst>
-          </p:cNvPr>
+          <p:cNvPr id="6" name="Slide Number Placeholder 5"/>
           <p:cNvSpPr>
             <a:spLocks noGrp="1"/>
           </p:cNvSpPr>
@@ -324,7 +894,7 @@
     </p:spTree>
     <p:extLst>
       <p:ext uri="{BB962C8B-B14F-4D97-AF65-F5344CB8AC3E}">
-        <p14:creationId xmlns:p14="http://schemas.microsoft.com/office/powerpoint/2010/main" val="1477490137"/>
+        <p14:creationId xmlns:p14="http://schemas.microsoft.com/office/powerpoint/2010/main" val="3883670585"/>
       </p:ext>
     </p:extLst>
   </p:cSld>
@@ -335,6 +905,1619 @@
 </file>
 
 <file path=ppt/slideLayouts/slideLayout10.xml><?xml version="1.0" encoding="utf-8"?>
+<p:sldLayout xmlns:a="http://schemas.openxmlformats.org/drawingml/2006/main" xmlns:r="http://schemas.openxmlformats.org/officeDocument/2006/relationships" xmlns:p="http://schemas.openxmlformats.org/presentationml/2006/main" preserve="1">
+  <p:cSld name="Title and Caption">
+    <p:spTree>
+      <p:nvGrpSpPr>
+        <p:cNvPr id="1" name=""/>
+        <p:cNvGrpSpPr/>
+        <p:nvPr/>
+      </p:nvGrpSpPr>
+      <p:grpSpPr>
+        <a:xfrm>
+          <a:off x="0" y="0"/>
+          <a:ext cx="0" cy="0"/>
+          <a:chOff x="0" y="0"/>
+          <a:chExt cx="0" cy="0"/>
+        </a:xfrm>
+      </p:grpSpPr>
+      <p:sp>
+        <p:nvSpPr>
+          <p:cNvPr id="2" name="Title 1"/>
+          <p:cNvSpPr>
+            <a:spLocks noGrp="1"/>
+          </p:cNvSpPr>
+          <p:nvPr>
+            <p:ph type="title"/>
+          </p:nvPr>
+        </p:nvSpPr>
+        <p:spPr>
+          <a:xfrm>
+            <a:off x="677335" y="609600"/>
+            <a:ext cx="8596668" cy="3403600"/>
+          </a:xfrm>
+        </p:spPr>
+        <p:txBody>
+          <a:bodyPr anchor="ctr">
+            <a:normAutofit/>
+          </a:bodyPr>
+          <a:lstStyle>
+            <a:lvl1pPr algn="l">
+              <a:defRPr sz="4400" b="0" cap="none"/>
+            </a:lvl1pPr>
+          </a:lstStyle>
+          <a:p>
+            <a:r>
+              <a:rPr lang="en-US"/>
+              <a:t>Click to edit Master title style</a:t>
+            </a:r>
+            <a:endParaRPr lang="en-US" dirty="0"/>
+          </a:p>
+        </p:txBody>
+      </p:sp>
+      <p:sp>
+        <p:nvSpPr>
+          <p:cNvPr id="3" name="Text Placeholder 2"/>
+          <p:cNvSpPr>
+            <a:spLocks noGrp="1"/>
+          </p:cNvSpPr>
+          <p:nvPr>
+            <p:ph type="body" idx="1"/>
+          </p:nvPr>
+        </p:nvSpPr>
+        <p:spPr>
+          <a:xfrm>
+            <a:off x="677335" y="4470400"/>
+            <a:ext cx="8596668" cy="1570962"/>
+          </a:xfrm>
+        </p:spPr>
+        <p:txBody>
+          <a:bodyPr anchor="ctr">
+            <a:normAutofit/>
+          </a:bodyPr>
+          <a:lstStyle>
+            <a:lvl1pPr marL="0" indent="0" algn="l">
+              <a:buNone/>
+              <a:defRPr sz="1800">
+                <a:solidFill>
+                  <a:schemeClr val="tx1">
+                    <a:lumMod val="75000"/>
+                    <a:lumOff val="25000"/>
+                  </a:schemeClr>
+                </a:solidFill>
+              </a:defRPr>
+            </a:lvl1pPr>
+            <a:lvl2pPr marL="457200" indent="0">
+              <a:buNone/>
+              <a:defRPr sz="1800">
+                <a:solidFill>
+                  <a:schemeClr val="tx1">
+                    <a:tint val="75000"/>
+                  </a:schemeClr>
+                </a:solidFill>
+              </a:defRPr>
+            </a:lvl2pPr>
+            <a:lvl3pPr marL="914400" indent="0">
+              <a:buNone/>
+              <a:defRPr sz="1600">
+                <a:solidFill>
+                  <a:schemeClr val="tx1">
+                    <a:tint val="75000"/>
+                  </a:schemeClr>
+                </a:solidFill>
+              </a:defRPr>
+            </a:lvl3pPr>
+            <a:lvl4pPr marL="1371600" indent="0">
+              <a:buNone/>
+              <a:defRPr sz="1400">
+                <a:solidFill>
+                  <a:schemeClr val="tx1">
+                    <a:tint val="75000"/>
+                  </a:schemeClr>
+                </a:solidFill>
+              </a:defRPr>
+            </a:lvl4pPr>
+            <a:lvl5pPr marL="1828800" indent="0">
+              <a:buNone/>
+              <a:defRPr sz="1400">
+                <a:solidFill>
+                  <a:schemeClr val="tx1">
+                    <a:tint val="75000"/>
+                  </a:schemeClr>
+                </a:solidFill>
+              </a:defRPr>
+            </a:lvl5pPr>
+            <a:lvl6pPr marL="2286000" indent="0">
+              <a:buNone/>
+              <a:defRPr sz="1400">
+                <a:solidFill>
+                  <a:schemeClr val="tx1">
+                    <a:tint val="75000"/>
+                  </a:schemeClr>
+                </a:solidFill>
+              </a:defRPr>
+            </a:lvl6pPr>
+            <a:lvl7pPr marL="2743200" indent="0">
+              <a:buNone/>
+              <a:defRPr sz="1400">
+                <a:solidFill>
+                  <a:schemeClr val="tx1">
+                    <a:tint val="75000"/>
+                  </a:schemeClr>
+                </a:solidFill>
+              </a:defRPr>
+            </a:lvl7pPr>
+            <a:lvl8pPr marL="3200400" indent="0">
+              <a:buNone/>
+              <a:defRPr sz="1400">
+                <a:solidFill>
+                  <a:schemeClr val="tx1">
+                    <a:tint val="75000"/>
+                  </a:schemeClr>
+                </a:solidFill>
+              </a:defRPr>
+            </a:lvl8pPr>
+            <a:lvl9pPr marL="3657600" indent="0">
+              <a:buNone/>
+              <a:defRPr sz="1400">
+                <a:solidFill>
+                  <a:schemeClr val="tx1">
+                    <a:tint val="75000"/>
+                  </a:schemeClr>
+                </a:solidFill>
+              </a:defRPr>
+            </a:lvl9pPr>
+          </a:lstStyle>
+          <a:p>
+            <a:pPr lvl="0"/>
+            <a:r>
+              <a:rPr lang="en-US"/>
+              <a:t>Click to edit Master text styles</a:t>
+            </a:r>
+          </a:p>
+        </p:txBody>
+      </p:sp>
+      <p:sp>
+        <p:nvSpPr>
+          <p:cNvPr id="4" name="Date Placeholder 3"/>
+          <p:cNvSpPr>
+            <a:spLocks noGrp="1"/>
+          </p:cNvSpPr>
+          <p:nvPr>
+            <p:ph type="dt" sz="half" idx="10"/>
+          </p:nvPr>
+        </p:nvSpPr>
+        <p:spPr/>
+        <p:txBody>
+          <a:bodyPr/>
+          <a:lstStyle/>
+          <a:p>
+            <a:fld id="{75E69215-EAA4-4F90-9BCE-10367BACC5EF}" type="datetimeFigureOut">
+              <a:rPr lang="en-IN" smtClean="0"/>
+              <a:t>17-11-2020</a:t>
+            </a:fld>
+            <a:endParaRPr lang="en-IN"/>
+          </a:p>
+        </p:txBody>
+      </p:sp>
+      <p:sp>
+        <p:nvSpPr>
+          <p:cNvPr id="5" name="Footer Placeholder 4"/>
+          <p:cNvSpPr>
+            <a:spLocks noGrp="1"/>
+          </p:cNvSpPr>
+          <p:nvPr>
+            <p:ph type="ftr" sz="quarter" idx="11"/>
+          </p:nvPr>
+        </p:nvSpPr>
+        <p:spPr/>
+        <p:txBody>
+          <a:bodyPr/>
+          <a:lstStyle/>
+          <a:p>
+            <a:endParaRPr lang="en-IN"/>
+          </a:p>
+        </p:txBody>
+      </p:sp>
+      <p:sp>
+        <p:nvSpPr>
+          <p:cNvPr id="6" name="Slide Number Placeholder 5"/>
+          <p:cNvSpPr>
+            <a:spLocks noGrp="1"/>
+          </p:cNvSpPr>
+          <p:nvPr>
+            <p:ph type="sldNum" sz="quarter" idx="12"/>
+          </p:nvPr>
+        </p:nvSpPr>
+        <p:spPr/>
+        <p:txBody>
+          <a:bodyPr/>
+          <a:lstStyle/>
+          <a:p>
+            <a:fld id="{85C98DE2-2D92-44D8-9472-508274B7FBAE}" type="slidenum">
+              <a:rPr lang="en-IN" smtClean="0"/>
+              <a:t>‹#›</a:t>
+            </a:fld>
+            <a:endParaRPr lang="en-IN"/>
+          </a:p>
+        </p:txBody>
+      </p:sp>
+    </p:spTree>
+    <p:extLst>
+      <p:ext uri="{BB962C8B-B14F-4D97-AF65-F5344CB8AC3E}">
+        <p14:creationId xmlns:p14="http://schemas.microsoft.com/office/powerpoint/2010/main" val="3145178224"/>
+      </p:ext>
+    </p:extLst>
+  </p:cSld>
+  <p:clrMapOvr>
+    <a:masterClrMapping/>
+  </p:clrMapOvr>
+</p:sldLayout>
+</file>
+
+<file path=ppt/slideLayouts/slideLayout11.xml><?xml version="1.0" encoding="utf-8"?>
+<p:sldLayout xmlns:a="http://schemas.openxmlformats.org/drawingml/2006/main" xmlns:r="http://schemas.openxmlformats.org/officeDocument/2006/relationships" xmlns:p="http://schemas.openxmlformats.org/presentationml/2006/main" preserve="1">
+  <p:cSld name="Quote with Caption">
+    <p:spTree>
+      <p:nvGrpSpPr>
+        <p:cNvPr id="1" name=""/>
+        <p:cNvGrpSpPr/>
+        <p:nvPr/>
+      </p:nvGrpSpPr>
+      <p:grpSpPr>
+        <a:xfrm>
+          <a:off x="0" y="0"/>
+          <a:ext cx="0" cy="0"/>
+          <a:chOff x="0" y="0"/>
+          <a:chExt cx="0" cy="0"/>
+        </a:xfrm>
+      </p:grpSpPr>
+      <p:sp>
+        <p:nvSpPr>
+          <p:cNvPr id="2" name="Title 1"/>
+          <p:cNvSpPr>
+            <a:spLocks noGrp="1"/>
+          </p:cNvSpPr>
+          <p:nvPr>
+            <p:ph type="title"/>
+          </p:nvPr>
+        </p:nvSpPr>
+        <p:spPr>
+          <a:xfrm>
+            <a:off x="931334" y="609600"/>
+            <a:ext cx="8094134" cy="3022600"/>
+          </a:xfrm>
+        </p:spPr>
+        <p:txBody>
+          <a:bodyPr anchor="ctr">
+            <a:normAutofit/>
+          </a:bodyPr>
+          <a:lstStyle>
+            <a:lvl1pPr algn="l">
+              <a:defRPr sz="4400" b="0" cap="none"/>
+            </a:lvl1pPr>
+          </a:lstStyle>
+          <a:p>
+            <a:r>
+              <a:rPr lang="en-US"/>
+              <a:t>Click to edit Master title style</a:t>
+            </a:r>
+            <a:endParaRPr lang="en-US" dirty="0"/>
+          </a:p>
+        </p:txBody>
+      </p:sp>
+      <p:sp>
+        <p:nvSpPr>
+          <p:cNvPr id="23" name="Text Placeholder 9"/>
+          <p:cNvSpPr>
+            <a:spLocks noGrp="1"/>
+          </p:cNvSpPr>
+          <p:nvPr>
+            <p:ph type="body" sz="quarter" idx="13"/>
+          </p:nvPr>
+        </p:nvSpPr>
+        <p:spPr>
+          <a:xfrm>
+            <a:off x="1366139" y="3632200"/>
+            <a:ext cx="7224524" cy="381000"/>
+          </a:xfrm>
+        </p:spPr>
+        <p:txBody>
+          <a:bodyPr anchor="ctr">
+            <a:noAutofit/>
+          </a:bodyPr>
+          <a:lstStyle>
+            <a:lvl1pPr marL="0" indent="0">
+              <a:buFontTx/>
+              <a:buNone/>
+              <a:defRPr sz="1600">
+                <a:solidFill>
+                  <a:schemeClr val="tx1">
+                    <a:lumMod val="50000"/>
+                    <a:lumOff val="50000"/>
+                  </a:schemeClr>
+                </a:solidFill>
+              </a:defRPr>
+            </a:lvl1pPr>
+            <a:lvl2pPr marL="457200" indent="0">
+              <a:buFontTx/>
+              <a:buNone/>
+              <a:defRPr/>
+            </a:lvl2pPr>
+            <a:lvl3pPr marL="914400" indent="0">
+              <a:buFontTx/>
+              <a:buNone/>
+              <a:defRPr/>
+            </a:lvl3pPr>
+            <a:lvl4pPr marL="1371600" indent="0">
+              <a:buFontTx/>
+              <a:buNone/>
+              <a:defRPr/>
+            </a:lvl4pPr>
+            <a:lvl5pPr marL="1828800" indent="0">
+              <a:buFontTx/>
+              <a:buNone/>
+              <a:defRPr/>
+            </a:lvl5pPr>
+          </a:lstStyle>
+          <a:p>
+            <a:pPr lvl="0"/>
+            <a:r>
+              <a:rPr lang="en-US"/>
+              <a:t>Click to edit Master text styles</a:t>
+            </a:r>
+          </a:p>
+        </p:txBody>
+      </p:sp>
+      <p:sp>
+        <p:nvSpPr>
+          <p:cNvPr id="3" name="Text Placeholder 2"/>
+          <p:cNvSpPr>
+            <a:spLocks noGrp="1"/>
+          </p:cNvSpPr>
+          <p:nvPr>
+            <p:ph type="body" idx="1"/>
+          </p:nvPr>
+        </p:nvSpPr>
+        <p:spPr>
+          <a:xfrm>
+            <a:off x="677335" y="4470400"/>
+            <a:ext cx="8596668" cy="1570962"/>
+          </a:xfrm>
+        </p:spPr>
+        <p:txBody>
+          <a:bodyPr anchor="ctr">
+            <a:normAutofit/>
+          </a:bodyPr>
+          <a:lstStyle>
+            <a:lvl1pPr marL="0" indent="0" algn="l">
+              <a:buNone/>
+              <a:defRPr sz="1800">
+                <a:solidFill>
+                  <a:schemeClr val="tx1">
+                    <a:lumMod val="75000"/>
+                    <a:lumOff val="25000"/>
+                  </a:schemeClr>
+                </a:solidFill>
+              </a:defRPr>
+            </a:lvl1pPr>
+            <a:lvl2pPr marL="457200" indent="0">
+              <a:buNone/>
+              <a:defRPr sz="1800">
+                <a:solidFill>
+                  <a:schemeClr val="tx1">
+                    <a:tint val="75000"/>
+                  </a:schemeClr>
+                </a:solidFill>
+              </a:defRPr>
+            </a:lvl2pPr>
+            <a:lvl3pPr marL="914400" indent="0">
+              <a:buNone/>
+              <a:defRPr sz="1600">
+                <a:solidFill>
+                  <a:schemeClr val="tx1">
+                    <a:tint val="75000"/>
+                  </a:schemeClr>
+                </a:solidFill>
+              </a:defRPr>
+            </a:lvl3pPr>
+            <a:lvl4pPr marL="1371600" indent="0">
+              <a:buNone/>
+              <a:defRPr sz="1400">
+                <a:solidFill>
+                  <a:schemeClr val="tx1">
+                    <a:tint val="75000"/>
+                  </a:schemeClr>
+                </a:solidFill>
+              </a:defRPr>
+            </a:lvl4pPr>
+            <a:lvl5pPr marL="1828800" indent="0">
+              <a:buNone/>
+              <a:defRPr sz="1400">
+                <a:solidFill>
+                  <a:schemeClr val="tx1">
+                    <a:tint val="75000"/>
+                  </a:schemeClr>
+                </a:solidFill>
+              </a:defRPr>
+            </a:lvl5pPr>
+            <a:lvl6pPr marL="2286000" indent="0">
+              <a:buNone/>
+              <a:defRPr sz="1400">
+                <a:solidFill>
+                  <a:schemeClr val="tx1">
+                    <a:tint val="75000"/>
+                  </a:schemeClr>
+                </a:solidFill>
+              </a:defRPr>
+            </a:lvl6pPr>
+            <a:lvl7pPr marL="2743200" indent="0">
+              <a:buNone/>
+              <a:defRPr sz="1400">
+                <a:solidFill>
+                  <a:schemeClr val="tx1">
+                    <a:tint val="75000"/>
+                  </a:schemeClr>
+                </a:solidFill>
+              </a:defRPr>
+            </a:lvl7pPr>
+            <a:lvl8pPr marL="3200400" indent="0">
+              <a:buNone/>
+              <a:defRPr sz="1400">
+                <a:solidFill>
+                  <a:schemeClr val="tx1">
+                    <a:tint val="75000"/>
+                  </a:schemeClr>
+                </a:solidFill>
+              </a:defRPr>
+            </a:lvl8pPr>
+            <a:lvl9pPr marL="3657600" indent="0">
+              <a:buNone/>
+              <a:defRPr sz="1400">
+                <a:solidFill>
+                  <a:schemeClr val="tx1">
+                    <a:tint val="75000"/>
+                  </a:schemeClr>
+                </a:solidFill>
+              </a:defRPr>
+            </a:lvl9pPr>
+          </a:lstStyle>
+          <a:p>
+            <a:pPr lvl="0"/>
+            <a:r>
+              <a:rPr lang="en-US"/>
+              <a:t>Click to edit Master text styles</a:t>
+            </a:r>
+          </a:p>
+        </p:txBody>
+      </p:sp>
+      <p:sp>
+        <p:nvSpPr>
+          <p:cNvPr id="4" name="Date Placeholder 3"/>
+          <p:cNvSpPr>
+            <a:spLocks noGrp="1"/>
+          </p:cNvSpPr>
+          <p:nvPr>
+            <p:ph type="dt" sz="half" idx="10"/>
+          </p:nvPr>
+        </p:nvSpPr>
+        <p:spPr/>
+        <p:txBody>
+          <a:bodyPr/>
+          <a:lstStyle/>
+          <a:p>
+            <a:fld id="{75E69215-EAA4-4F90-9BCE-10367BACC5EF}" type="datetimeFigureOut">
+              <a:rPr lang="en-IN" smtClean="0"/>
+              <a:t>17-11-2020</a:t>
+            </a:fld>
+            <a:endParaRPr lang="en-IN"/>
+          </a:p>
+        </p:txBody>
+      </p:sp>
+      <p:sp>
+        <p:nvSpPr>
+          <p:cNvPr id="5" name="Footer Placeholder 4"/>
+          <p:cNvSpPr>
+            <a:spLocks noGrp="1"/>
+          </p:cNvSpPr>
+          <p:nvPr>
+            <p:ph type="ftr" sz="quarter" idx="11"/>
+          </p:nvPr>
+        </p:nvSpPr>
+        <p:spPr/>
+        <p:txBody>
+          <a:bodyPr/>
+          <a:lstStyle/>
+          <a:p>
+            <a:endParaRPr lang="en-IN"/>
+          </a:p>
+        </p:txBody>
+      </p:sp>
+      <p:sp>
+        <p:nvSpPr>
+          <p:cNvPr id="6" name="Slide Number Placeholder 5"/>
+          <p:cNvSpPr>
+            <a:spLocks noGrp="1"/>
+          </p:cNvSpPr>
+          <p:nvPr>
+            <p:ph type="sldNum" sz="quarter" idx="12"/>
+          </p:nvPr>
+        </p:nvSpPr>
+        <p:spPr/>
+        <p:txBody>
+          <a:bodyPr/>
+          <a:lstStyle/>
+          <a:p>
+            <a:fld id="{85C98DE2-2D92-44D8-9472-508274B7FBAE}" type="slidenum">
+              <a:rPr lang="en-IN" smtClean="0"/>
+              <a:t>‹#›</a:t>
+            </a:fld>
+            <a:endParaRPr lang="en-IN"/>
+          </a:p>
+        </p:txBody>
+      </p:sp>
+      <p:sp>
+        <p:nvSpPr>
+          <p:cNvPr id="20" name="TextBox 19"/>
+          <p:cNvSpPr txBox="1"/>
+          <p:nvPr/>
+        </p:nvSpPr>
+        <p:spPr>
+          <a:xfrm>
+            <a:off x="541870" y="790378"/>
+            <a:ext cx="609600" cy="584776"/>
+          </a:xfrm>
+          <a:prstGeom prst="rect">
+            <a:avLst/>
+          </a:prstGeom>
+        </p:spPr>
+        <p:txBody>
+          <a:bodyPr vert="horz" lIns="91440" tIns="45720" rIns="91440" bIns="45720" rtlCol="0" anchor="ctr">
+            <a:noAutofit/>
+          </a:bodyPr>
+          <a:lstStyle/>
+          <a:p>
+            <a:pPr lvl="0"/>
+            <a:r>
+              <a:rPr lang="en-US" sz="8000" baseline="0" dirty="0">
+                <a:ln w="3175" cmpd="sng">
+                  <a:noFill/>
+                </a:ln>
+                <a:solidFill>
+                  <a:schemeClr val="accent1">
+                    <a:lumMod val="60000"/>
+                    <a:lumOff val="40000"/>
+                  </a:schemeClr>
+                </a:solidFill>
+                <a:effectLst/>
+                <a:latin typeface="Arial"/>
+              </a:rPr>
+              <a:t>“</a:t>
+            </a:r>
+          </a:p>
+        </p:txBody>
+      </p:sp>
+      <p:sp>
+        <p:nvSpPr>
+          <p:cNvPr id="22" name="TextBox 21"/>
+          <p:cNvSpPr txBox="1"/>
+          <p:nvPr/>
+        </p:nvSpPr>
+        <p:spPr>
+          <a:xfrm>
+            <a:off x="8893011" y="2886556"/>
+            <a:ext cx="609600" cy="584776"/>
+          </a:xfrm>
+          <a:prstGeom prst="rect">
+            <a:avLst/>
+          </a:prstGeom>
+        </p:spPr>
+        <p:txBody>
+          <a:bodyPr vert="horz" lIns="91440" tIns="45720" rIns="91440" bIns="45720" rtlCol="0" anchor="ctr">
+            <a:noAutofit/>
+          </a:bodyPr>
+          <a:lstStyle/>
+          <a:p>
+            <a:pPr lvl="0"/>
+            <a:r>
+              <a:rPr lang="en-US" sz="8000" baseline="0" dirty="0">
+                <a:ln w="3175" cmpd="sng">
+                  <a:noFill/>
+                </a:ln>
+                <a:solidFill>
+                  <a:schemeClr val="accent1">
+                    <a:lumMod val="60000"/>
+                    <a:lumOff val="40000"/>
+                  </a:schemeClr>
+                </a:solidFill>
+                <a:latin typeface="Arial"/>
+              </a:rPr>
+              <a:t>”</a:t>
+            </a:r>
+            <a:endParaRPr lang="en-US" dirty="0">
+              <a:solidFill>
+                <a:schemeClr val="accent1">
+                  <a:lumMod val="60000"/>
+                  <a:lumOff val="40000"/>
+                </a:schemeClr>
+              </a:solidFill>
+              <a:latin typeface="Arial"/>
+            </a:endParaRPr>
+          </a:p>
+        </p:txBody>
+      </p:sp>
+    </p:spTree>
+    <p:extLst>
+      <p:ext uri="{BB962C8B-B14F-4D97-AF65-F5344CB8AC3E}">
+        <p14:creationId xmlns:p14="http://schemas.microsoft.com/office/powerpoint/2010/main" val="2357226764"/>
+      </p:ext>
+    </p:extLst>
+  </p:cSld>
+  <p:clrMapOvr>
+    <a:masterClrMapping/>
+  </p:clrMapOvr>
+</p:sldLayout>
+</file>
+
+<file path=ppt/slideLayouts/slideLayout12.xml><?xml version="1.0" encoding="utf-8"?>
+<p:sldLayout xmlns:a="http://schemas.openxmlformats.org/drawingml/2006/main" xmlns:r="http://schemas.openxmlformats.org/officeDocument/2006/relationships" xmlns:p="http://schemas.openxmlformats.org/presentationml/2006/main" preserve="1">
+  <p:cSld name="Name Card">
+    <p:spTree>
+      <p:nvGrpSpPr>
+        <p:cNvPr id="1" name=""/>
+        <p:cNvGrpSpPr/>
+        <p:nvPr/>
+      </p:nvGrpSpPr>
+      <p:grpSpPr>
+        <a:xfrm>
+          <a:off x="0" y="0"/>
+          <a:ext cx="0" cy="0"/>
+          <a:chOff x="0" y="0"/>
+          <a:chExt cx="0" cy="0"/>
+        </a:xfrm>
+      </p:grpSpPr>
+      <p:sp>
+        <p:nvSpPr>
+          <p:cNvPr id="2" name="Title 1"/>
+          <p:cNvSpPr>
+            <a:spLocks noGrp="1"/>
+          </p:cNvSpPr>
+          <p:nvPr>
+            <p:ph type="title"/>
+          </p:nvPr>
+        </p:nvSpPr>
+        <p:spPr>
+          <a:xfrm>
+            <a:off x="677335" y="1931988"/>
+            <a:ext cx="8596668" cy="2595460"/>
+          </a:xfrm>
+        </p:spPr>
+        <p:txBody>
+          <a:bodyPr anchor="b">
+            <a:normAutofit/>
+          </a:bodyPr>
+          <a:lstStyle>
+            <a:lvl1pPr algn="l">
+              <a:defRPr sz="4400" b="0" cap="none"/>
+            </a:lvl1pPr>
+          </a:lstStyle>
+          <a:p>
+            <a:r>
+              <a:rPr lang="en-US"/>
+              <a:t>Click to edit Master title style</a:t>
+            </a:r>
+            <a:endParaRPr lang="en-US" dirty="0"/>
+          </a:p>
+        </p:txBody>
+      </p:sp>
+      <p:sp>
+        <p:nvSpPr>
+          <p:cNvPr id="3" name="Text Placeholder 2"/>
+          <p:cNvSpPr>
+            <a:spLocks noGrp="1"/>
+          </p:cNvSpPr>
+          <p:nvPr>
+            <p:ph type="body" idx="1"/>
+          </p:nvPr>
+        </p:nvSpPr>
+        <p:spPr>
+          <a:xfrm>
+            <a:off x="677335" y="4527448"/>
+            <a:ext cx="8596668" cy="1513914"/>
+          </a:xfrm>
+        </p:spPr>
+        <p:txBody>
+          <a:bodyPr anchor="t">
+            <a:normAutofit/>
+          </a:bodyPr>
+          <a:lstStyle>
+            <a:lvl1pPr marL="0" indent="0" algn="l">
+              <a:buNone/>
+              <a:defRPr sz="1800">
+                <a:solidFill>
+                  <a:schemeClr val="tx1">
+                    <a:lumMod val="75000"/>
+                    <a:lumOff val="25000"/>
+                  </a:schemeClr>
+                </a:solidFill>
+              </a:defRPr>
+            </a:lvl1pPr>
+            <a:lvl2pPr marL="457200" indent="0">
+              <a:buNone/>
+              <a:defRPr sz="1800">
+                <a:solidFill>
+                  <a:schemeClr val="tx1">
+                    <a:tint val="75000"/>
+                  </a:schemeClr>
+                </a:solidFill>
+              </a:defRPr>
+            </a:lvl2pPr>
+            <a:lvl3pPr marL="914400" indent="0">
+              <a:buNone/>
+              <a:defRPr sz="1600">
+                <a:solidFill>
+                  <a:schemeClr val="tx1">
+                    <a:tint val="75000"/>
+                  </a:schemeClr>
+                </a:solidFill>
+              </a:defRPr>
+            </a:lvl3pPr>
+            <a:lvl4pPr marL="1371600" indent="0">
+              <a:buNone/>
+              <a:defRPr sz="1400">
+                <a:solidFill>
+                  <a:schemeClr val="tx1">
+                    <a:tint val="75000"/>
+                  </a:schemeClr>
+                </a:solidFill>
+              </a:defRPr>
+            </a:lvl4pPr>
+            <a:lvl5pPr marL="1828800" indent="0">
+              <a:buNone/>
+              <a:defRPr sz="1400">
+                <a:solidFill>
+                  <a:schemeClr val="tx1">
+                    <a:tint val="75000"/>
+                  </a:schemeClr>
+                </a:solidFill>
+              </a:defRPr>
+            </a:lvl5pPr>
+            <a:lvl6pPr marL="2286000" indent="0">
+              <a:buNone/>
+              <a:defRPr sz="1400">
+                <a:solidFill>
+                  <a:schemeClr val="tx1">
+                    <a:tint val="75000"/>
+                  </a:schemeClr>
+                </a:solidFill>
+              </a:defRPr>
+            </a:lvl6pPr>
+            <a:lvl7pPr marL="2743200" indent="0">
+              <a:buNone/>
+              <a:defRPr sz="1400">
+                <a:solidFill>
+                  <a:schemeClr val="tx1">
+                    <a:tint val="75000"/>
+                  </a:schemeClr>
+                </a:solidFill>
+              </a:defRPr>
+            </a:lvl7pPr>
+            <a:lvl8pPr marL="3200400" indent="0">
+              <a:buNone/>
+              <a:defRPr sz="1400">
+                <a:solidFill>
+                  <a:schemeClr val="tx1">
+                    <a:tint val="75000"/>
+                  </a:schemeClr>
+                </a:solidFill>
+              </a:defRPr>
+            </a:lvl8pPr>
+            <a:lvl9pPr marL="3657600" indent="0">
+              <a:buNone/>
+              <a:defRPr sz="1400">
+                <a:solidFill>
+                  <a:schemeClr val="tx1">
+                    <a:tint val="75000"/>
+                  </a:schemeClr>
+                </a:solidFill>
+              </a:defRPr>
+            </a:lvl9pPr>
+          </a:lstStyle>
+          <a:p>
+            <a:pPr lvl="0"/>
+            <a:r>
+              <a:rPr lang="en-US"/>
+              <a:t>Click to edit Master text styles</a:t>
+            </a:r>
+          </a:p>
+        </p:txBody>
+      </p:sp>
+      <p:sp>
+        <p:nvSpPr>
+          <p:cNvPr id="4" name="Date Placeholder 3"/>
+          <p:cNvSpPr>
+            <a:spLocks noGrp="1"/>
+          </p:cNvSpPr>
+          <p:nvPr>
+            <p:ph type="dt" sz="half" idx="10"/>
+          </p:nvPr>
+        </p:nvSpPr>
+        <p:spPr/>
+        <p:txBody>
+          <a:bodyPr/>
+          <a:lstStyle/>
+          <a:p>
+            <a:fld id="{75E69215-EAA4-4F90-9BCE-10367BACC5EF}" type="datetimeFigureOut">
+              <a:rPr lang="en-IN" smtClean="0"/>
+              <a:t>17-11-2020</a:t>
+            </a:fld>
+            <a:endParaRPr lang="en-IN"/>
+          </a:p>
+        </p:txBody>
+      </p:sp>
+      <p:sp>
+        <p:nvSpPr>
+          <p:cNvPr id="5" name="Footer Placeholder 4"/>
+          <p:cNvSpPr>
+            <a:spLocks noGrp="1"/>
+          </p:cNvSpPr>
+          <p:nvPr>
+            <p:ph type="ftr" sz="quarter" idx="11"/>
+          </p:nvPr>
+        </p:nvSpPr>
+        <p:spPr/>
+        <p:txBody>
+          <a:bodyPr/>
+          <a:lstStyle/>
+          <a:p>
+            <a:endParaRPr lang="en-IN"/>
+          </a:p>
+        </p:txBody>
+      </p:sp>
+      <p:sp>
+        <p:nvSpPr>
+          <p:cNvPr id="6" name="Slide Number Placeholder 5"/>
+          <p:cNvSpPr>
+            <a:spLocks noGrp="1"/>
+          </p:cNvSpPr>
+          <p:nvPr>
+            <p:ph type="sldNum" sz="quarter" idx="12"/>
+          </p:nvPr>
+        </p:nvSpPr>
+        <p:spPr/>
+        <p:txBody>
+          <a:bodyPr/>
+          <a:lstStyle/>
+          <a:p>
+            <a:fld id="{85C98DE2-2D92-44D8-9472-508274B7FBAE}" type="slidenum">
+              <a:rPr lang="en-IN" smtClean="0"/>
+              <a:t>‹#›</a:t>
+            </a:fld>
+            <a:endParaRPr lang="en-IN"/>
+          </a:p>
+        </p:txBody>
+      </p:sp>
+    </p:spTree>
+    <p:extLst>
+      <p:ext uri="{BB962C8B-B14F-4D97-AF65-F5344CB8AC3E}">
+        <p14:creationId xmlns:p14="http://schemas.microsoft.com/office/powerpoint/2010/main" val="2064003592"/>
+      </p:ext>
+    </p:extLst>
+  </p:cSld>
+  <p:clrMapOvr>
+    <a:masterClrMapping/>
+  </p:clrMapOvr>
+</p:sldLayout>
+</file>
+
+<file path=ppt/slideLayouts/slideLayout13.xml><?xml version="1.0" encoding="utf-8"?>
+<p:sldLayout xmlns:a="http://schemas.openxmlformats.org/drawingml/2006/main" xmlns:r="http://schemas.openxmlformats.org/officeDocument/2006/relationships" xmlns:p="http://schemas.openxmlformats.org/presentationml/2006/main" preserve="1">
+  <p:cSld name="Quote Name Card">
+    <p:spTree>
+      <p:nvGrpSpPr>
+        <p:cNvPr id="1" name=""/>
+        <p:cNvGrpSpPr/>
+        <p:nvPr/>
+      </p:nvGrpSpPr>
+      <p:grpSpPr>
+        <a:xfrm>
+          <a:off x="0" y="0"/>
+          <a:ext cx="0" cy="0"/>
+          <a:chOff x="0" y="0"/>
+          <a:chExt cx="0" cy="0"/>
+        </a:xfrm>
+      </p:grpSpPr>
+      <p:sp>
+        <p:nvSpPr>
+          <p:cNvPr id="2" name="Title 1"/>
+          <p:cNvSpPr>
+            <a:spLocks noGrp="1"/>
+          </p:cNvSpPr>
+          <p:nvPr>
+            <p:ph type="title"/>
+          </p:nvPr>
+        </p:nvSpPr>
+        <p:spPr>
+          <a:xfrm>
+            <a:off x="931334" y="609600"/>
+            <a:ext cx="8094134" cy="3022600"/>
+          </a:xfrm>
+        </p:spPr>
+        <p:txBody>
+          <a:bodyPr anchor="ctr">
+            <a:normAutofit/>
+          </a:bodyPr>
+          <a:lstStyle>
+            <a:lvl1pPr algn="l">
+              <a:defRPr sz="4400" b="0" cap="none"/>
+            </a:lvl1pPr>
+          </a:lstStyle>
+          <a:p>
+            <a:r>
+              <a:rPr lang="en-US"/>
+              <a:t>Click to edit Master title style</a:t>
+            </a:r>
+            <a:endParaRPr lang="en-US" dirty="0"/>
+          </a:p>
+        </p:txBody>
+      </p:sp>
+      <p:sp>
+        <p:nvSpPr>
+          <p:cNvPr id="23" name="Text Placeholder 9"/>
+          <p:cNvSpPr>
+            <a:spLocks noGrp="1"/>
+          </p:cNvSpPr>
+          <p:nvPr>
+            <p:ph type="body" sz="quarter" idx="13"/>
+          </p:nvPr>
+        </p:nvSpPr>
+        <p:spPr>
+          <a:xfrm>
+            <a:off x="677332" y="4013200"/>
+            <a:ext cx="8596669" cy="514248"/>
+          </a:xfrm>
+        </p:spPr>
+        <p:txBody>
+          <a:bodyPr anchor="b">
+            <a:noAutofit/>
+          </a:bodyPr>
+          <a:lstStyle>
+            <a:lvl1pPr marL="0" indent="0">
+              <a:buFontTx/>
+              <a:buNone/>
+              <a:defRPr sz="2400">
+                <a:solidFill>
+                  <a:schemeClr val="tx1">
+                    <a:lumMod val="75000"/>
+                    <a:lumOff val="25000"/>
+                  </a:schemeClr>
+                </a:solidFill>
+              </a:defRPr>
+            </a:lvl1pPr>
+            <a:lvl2pPr marL="457200" indent="0">
+              <a:buFontTx/>
+              <a:buNone/>
+              <a:defRPr/>
+            </a:lvl2pPr>
+            <a:lvl3pPr marL="914400" indent="0">
+              <a:buFontTx/>
+              <a:buNone/>
+              <a:defRPr/>
+            </a:lvl3pPr>
+            <a:lvl4pPr marL="1371600" indent="0">
+              <a:buFontTx/>
+              <a:buNone/>
+              <a:defRPr/>
+            </a:lvl4pPr>
+            <a:lvl5pPr marL="1828800" indent="0">
+              <a:buFontTx/>
+              <a:buNone/>
+              <a:defRPr/>
+            </a:lvl5pPr>
+          </a:lstStyle>
+          <a:p>
+            <a:pPr lvl="0"/>
+            <a:r>
+              <a:rPr lang="en-US"/>
+              <a:t>Click to edit Master text styles</a:t>
+            </a:r>
+          </a:p>
+        </p:txBody>
+      </p:sp>
+      <p:sp>
+        <p:nvSpPr>
+          <p:cNvPr id="3" name="Text Placeholder 2"/>
+          <p:cNvSpPr>
+            <a:spLocks noGrp="1"/>
+          </p:cNvSpPr>
+          <p:nvPr>
+            <p:ph type="body" idx="1"/>
+          </p:nvPr>
+        </p:nvSpPr>
+        <p:spPr>
+          <a:xfrm>
+            <a:off x="677335" y="4527448"/>
+            <a:ext cx="8596668" cy="1513914"/>
+          </a:xfrm>
+        </p:spPr>
+        <p:txBody>
+          <a:bodyPr anchor="t">
+            <a:normAutofit/>
+          </a:bodyPr>
+          <a:lstStyle>
+            <a:lvl1pPr marL="0" indent="0" algn="l">
+              <a:buNone/>
+              <a:defRPr sz="1800">
+                <a:solidFill>
+                  <a:schemeClr val="tx1">
+                    <a:lumMod val="50000"/>
+                    <a:lumOff val="50000"/>
+                  </a:schemeClr>
+                </a:solidFill>
+              </a:defRPr>
+            </a:lvl1pPr>
+            <a:lvl2pPr marL="457200" indent="0">
+              <a:buNone/>
+              <a:defRPr sz="1800">
+                <a:solidFill>
+                  <a:schemeClr val="tx1">
+                    <a:tint val="75000"/>
+                  </a:schemeClr>
+                </a:solidFill>
+              </a:defRPr>
+            </a:lvl2pPr>
+            <a:lvl3pPr marL="914400" indent="0">
+              <a:buNone/>
+              <a:defRPr sz="1600">
+                <a:solidFill>
+                  <a:schemeClr val="tx1">
+                    <a:tint val="75000"/>
+                  </a:schemeClr>
+                </a:solidFill>
+              </a:defRPr>
+            </a:lvl3pPr>
+            <a:lvl4pPr marL="1371600" indent="0">
+              <a:buNone/>
+              <a:defRPr sz="1400">
+                <a:solidFill>
+                  <a:schemeClr val="tx1">
+                    <a:tint val="75000"/>
+                  </a:schemeClr>
+                </a:solidFill>
+              </a:defRPr>
+            </a:lvl4pPr>
+            <a:lvl5pPr marL="1828800" indent="0">
+              <a:buNone/>
+              <a:defRPr sz="1400">
+                <a:solidFill>
+                  <a:schemeClr val="tx1">
+                    <a:tint val="75000"/>
+                  </a:schemeClr>
+                </a:solidFill>
+              </a:defRPr>
+            </a:lvl5pPr>
+            <a:lvl6pPr marL="2286000" indent="0">
+              <a:buNone/>
+              <a:defRPr sz="1400">
+                <a:solidFill>
+                  <a:schemeClr val="tx1">
+                    <a:tint val="75000"/>
+                  </a:schemeClr>
+                </a:solidFill>
+              </a:defRPr>
+            </a:lvl6pPr>
+            <a:lvl7pPr marL="2743200" indent="0">
+              <a:buNone/>
+              <a:defRPr sz="1400">
+                <a:solidFill>
+                  <a:schemeClr val="tx1">
+                    <a:tint val="75000"/>
+                  </a:schemeClr>
+                </a:solidFill>
+              </a:defRPr>
+            </a:lvl7pPr>
+            <a:lvl8pPr marL="3200400" indent="0">
+              <a:buNone/>
+              <a:defRPr sz="1400">
+                <a:solidFill>
+                  <a:schemeClr val="tx1">
+                    <a:tint val="75000"/>
+                  </a:schemeClr>
+                </a:solidFill>
+              </a:defRPr>
+            </a:lvl8pPr>
+            <a:lvl9pPr marL="3657600" indent="0">
+              <a:buNone/>
+              <a:defRPr sz="1400">
+                <a:solidFill>
+                  <a:schemeClr val="tx1">
+                    <a:tint val="75000"/>
+                  </a:schemeClr>
+                </a:solidFill>
+              </a:defRPr>
+            </a:lvl9pPr>
+          </a:lstStyle>
+          <a:p>
+            <a:pPr lvl="0"/>
+            <a:r>
+              <a:rPr lang="en-US"/>
+              <a:t>Click to edit Master text styles</a:t>
+            </a:r>
+          </a:p>
+        </p:txBody>
+      </p:sp>
+      <p:sp>
+        <p:nvSpPr>
+          <p:cNvPr id="4" name="Date Placeholder 3"/>
+          <p:cNvSpPr>
+            <a:spLocks noGrp="1"/>
+          </p:cNvSpPr>
+          <p:nvPr>
+            <p:ph type="dt" sz="half" idx="10"/>
+          </p:nvPr>
+        </p:nvSpPr>
+        <p:spPr/>
+        <p:txBody>
+          <a:bodyPr/>
+          <a:lstStyle/>
+          <a:p>
+            <a:fld id="{75E69215-EAA4-4F90-9BCE-10367BACC5EF}" type="datetimeFigureOut">
+              <a:rPr lang="en-IN" smtClean="0"/>
+              <a:t>17-11-2020</a:t>
+            </a:fld>
+            <a:endParaRPr lang="en-IN"/>
+          </a:p>
+        </p:txBody>
+      </p:sp>
+      <p:sp>
+        <p:nvSpPr>
+          <p:cNvPr id="5" name="Footer Placeholder 4"/>
+          <p:cNvSpPr>
+            <a:spLocks noGrp="1"/>
+          </p:cNvSpPr>
+          <p:nvPr>
+            <p:ph type="ftr" sz="quarter" idx="11"/>
+          </p:nvPr>
+        </p:nvSpPr>
+        <p:spPr/>
+        <p:txBody>
+          <a:bodyPr/>
+          <a:lstStyle/>
+          <a:p>
+            <a:endParaRPr lang="en-IN"/>
+          </a:p>
+        </p:txBody>
+      </p:sp>
+      <p:sp>
+        <p:nvSpPr>
+          <p:cNvPr id="6" name="Slide Number Placeholder 5"/>
+          <p:cNvSpPr>
+            <a:spLocks noGrp="1"/>
+          </p:cNvSpPr>
+          <p:nvPr>
+            <p:ph type="sldNum" sz="quarter" idx="12"/>
+          </p:nvPr>
+        </p:nvSpPr>
+        <p:spPr/>
+        <p:txBody>
+          <a:bodyPr/>
+          <a:lstStyle/>
+          <a:p>
+            <a:fld id="{85C98DE2-2D92-44D8-9472-508274B7FBAE}" type="slidenum">
+              <a:rPr lang="en-IN" smtClean="0"/>
+              <a:t>‹#›</a:t>
+            </a:fld>
+            <a:endParaRPr lang="en-IN"/>
+          </a:p>
+        </p:txBody>
+      </p:sp>
+      <p:sp>
+        <p:nvSpPr>
+          <p:cNvPr id="24" name="TextBox 23"/>
+          <p:cNvSpPr txBox="1"/>
+          <p:nvPr/>
+        </p:nvSpPr>
+        <p:spPr>
+          <a:xfrm>
+            <a:off x="541870" y="790378"/>
+            <a:ext cx="609600" cy="584776"/>
+          </a:xfrm>
+          <a:prstGeom prst="rect">
+            <a:avLst/>
+          </a:prstGeom>
+        </p:spPr>
+        <p:txBody>
+          <a:bodyPr vert="horz" lIns="91440" tIns="45720" rIns="91440" bIns="45720" rtlCol="0" anchor="ctr">
+            <a:noAutofit/>
+          </a:bodyPr>
+          <a:lstStyle/>
+          <a:p>
+            <a:pPr lvl="0"/>
+            <a:r>
+              <a:rPr lang="en-US" sz="8000" baseline="0" dirty="0">
+                <a:ln w="3175" cmpd="sng">
+                  <a:noFill/>
+                </a:ln>
+                <a:solidFill>
+                  <a:schemeClr val="accent1">
+                    <a:lumMod val="60000"/>
+                    <a:lumOff val="40000"/>
+                  </a:schemeClr>
+                </a:solidFill>
+                <a:effectLst/>
+                <a:latin typeface="Arial"/>
+              </a:rPr>
+              <a:t>“</a:t>
+            </a:r>
+          </a:p>
+        </p:txBody>
+      </p:sp>
+      <p:sp>
+        <p:nvSpPr>
+          <p:cNvPr id="25" name="TextBox 24"/>
+          <p:cNvSpPr txBox="1"/>
+          <p:nvPr/>
+        </p:nvSpPr>
+        <p:spPr>
+          <a:xfrm>
+            <a:off x="8893011" y="2886556"/>
+            <a:ext cx="609600" cy="584776"/>
+          </a:xfrm>
+          <a:prstGeom prst="rect">
+            <a:avLst/>
+          </a:prstGeom>
+        </p:spPr>
+        <p:txBody>
+          <a:bodyPr vert="horz" lIns="91440" tIns="45720" rIns="91440" bIns="45720" rtlCol="0" anchor="ctr">
+            <a:noAutofit/>
+          </a:bodyPr>
+          <a:lstStyle/>
+          <a:p>
+            <a:pPr lvl="0"/>
+            <a:r>
+              <a:rPr lang="en-US" sz="8000" baseline="0" dirty="0">
+                <a:ln w="3175" cmpd="sng">
+                  <a:noFill/>
+                </a:ln>
+                <a:solidFill>
+                  <a:schemeClr val="accent1">
+                    <a:lumMod val="60000"/>
+                    <a:lumOff val="40000"/>
+                  </a:schemeClr>
+                </a:solidFill>
+                <a:effectLst/>
+                <a:latin typeface="Arial"/>
+              </a:rPr>
+              <a:t>”</a:t>
+            </a:r>
+          </a:p>
+        </p:txBody>
+      </p:sp>
+    </p:spTree>
+    <p:extLst>
+      <p:ext uri="{BB962C8B-B14F-4D97-AF65-F5344CB8AC3E}">
+        <p14:creationId xmlns:p14="http://schemas.microsoft.com/office/powerpoint/2010/main" val="1073702920"/>
+      </p:ext>
+    </p:extLst>
+  </p:cSld>
+  <p:clrMapOvr>
+    <a:masterClrMapping/>
+  </p:clrMapOvr>
+</p:sldLayout>
+</file>
+
+<file path=ppt/slideLayouts/slideLayout14.xml><?xml version="1.0" encoding="utf-8"?>
+<p:sldLayout xmlns:a="http://schemas.openxmlformats.org/drawingml/2006/main" xmlns:r="http://schemas.openxmlformats.org/officeDocument/2006/relationships" xmlns:p="http://schemas.openxmlformats.org/presentationml/2006/main" preserve="1">
+  <p:cSld name="True or False">
+    <p:spTree>
+      <p:nvGrpSpPr>
+        <p:cNvPr id="1" name=""/>
+        <p:cNvGrpSpPr/>
+        <p:nvPr/>
+      </p:nvGrpSpPr>
+      <p:grpSpPr>
+        <a:xfrm>
+          <a:off x="0" y="0"/>
+          <a:ext cx="0" cy="0"/>
+          <a:chOff x="0" y="0"/>
+          <a:chExt cx="0" cy="0"/>
+        </a:xfrm>
+      </p:grpSpPr>
+      <p:sp>
+        <p:nvSpPr>
+          <p:cNvPr id="2" name="Title 1"/>
+          <p:cNvSpPr>
+            <a:spLocks noGrp="1"/>
+          </p:cNvSpPr>
+          <p:nvPr>
+            <p:ph type="title"/>
+          </p:nvPr>
+        </p:nvSpPr>
+        <p:spPr>
+          <a:xfrm>
+            <a:off x="685799" y="609600"/>
+            <a:ext cx="8588203" cy="3022600"/>
+          </a:xfrm>
+        </p:spPr>
+        <p:txBody>
+          <a:bodyPr anchor="ctr">
+            <a:normAutofit/>
+          </a:bodyPr>
+          <a:lstStyle>
+            <a:lvl1pPr algn="l">
+              <a:defRPr sz="4400" b="0" cap="none"/>
+            </a:lvl1pPr>
+          </a:lstStyle>
+          <a:p>
+            <a:r>
+              <a:rPr lang="en-US"/>
+              <a:t>Click to edit Master title style</a:t>
+            </a:r>
+            <a:endParaRPr lang="en-US" dirty="0"/>
+          </a:p>
+        </p:txBody>
+      </p:sp>
+      <p:sp>
+        <p:nvSpPr>
+          <p:cNvPr id="23" name="Text Placeholder 9"/>
+          <p:cNvSpPr>
+            <a:spLocks noGrp="1"/>
+          </p:cNvSpPr>
+          <p:nvPr>
+            <p:ph type="body" sz="quarter" idx="13"/>
+          </p:nvPr>
+        </p:nvSpPr>
+        <p:spPr>
+          <a:xfrm>
+            <a:off x="677332" y="4013200"/>
+            <a:ext cx="8596669" cy="514248"/>
+          </a:xfrm>
+        </p:spPr>
+        <p:txBody>
+          <a:bodyPr anchor="b">
+            <a:noAutofit/>
+          </a:bodyPr>
+          <a:lstStyle>
+            <a:lvl1pPr marL="0" indent="0">
+              <a:buFontTx/>
+              <a:buNone/>
+              <a:defRPr sz="2400">
+                <a:solidFill>
+                  <a:schemeClr val="accent1"/>
+                </a:solidFill>
+              </a:defRPr>
+            </a:lvl1pPr>
+            <a:lvl2pPr marL="457200" indent="0">
+              <a:buFontTx/>
+              <a:buNone/>
+              <a:defRPr/>
+            </a:lvl2pPr>
+            <a:lvl3pPr marL="914400" indent="0">
+              <a:buFontTx/>
+              <a:buNone/>
+              <a:defRPr/>
+            </a:lvl3pPr>
+            <a:lvl4pPr marL="1371600" indent="0">
+              <a:buFontTx/>
+              <a:buNone/>
+              <a:defRPr/>
+            </a:lvl4pPr>
+            <a:lvl5pPr marL="1828800" indent="0">
+              <a:buFontTx/>
+              <a:buNone/>
+              <a:defRPr/>
+            </a:lvl5pPr>
+          </a:lstStyle>
+          <a:p>
+            <a:pPr lvl="0"/>
+            <a:r>
+              <a:rPr lang="en-US"/>
+              <a:t>Click to edit Master text styles</a:t>
+            </a:r>
+          </a:p>
+        </p:txBody>
+      </p:sp>
+      <p:sp>
+        <p:nvSpPr>
+          <p:cNvPr id="3" name="Text Placeholder 2"/>
+          <p:cNvSpPr>
+            <a:spLocks noGrp="1"/>
+          </p:cNvSpPr>
+          <p:nvPr>
+            <p:ph type="body" idx="1"/>
+          </p:nvPr>
+        </p:nvSpPr>
+        <p:spPr>
+          <a:xfrm>
+            <a:off x="677335" y="4527448"/>
+            <a:ext cx="8596668" cy="1513914"/>
+          </a:xfrm>
+        </p:spPr>
+        <p:txBody>
+          <a:bodyPr anchor="t">
+            <a:normAutofit/>
+          </a:bodyPr>
+          <a:lstStyle>
+            <a:lvl1pPr marL="0" indent="0" algn="l">
+              <a:buNone/>
+              <a:defRPr sz="1800">
+                <a:solidFill>
+                  <a:schemeClr val="tx1">
+                    <a:lumMod val="50000"/>
+                    <a:lumOff val="50000"/>
+                  </a:schemeClr>
+                </a:solidFill>
+              </a:defRPr>
+            </a:lvl1pPr>
+            <a:lvl2pPr marL="457200" indent="0">
+              <a:buNone/>
+              <a:defRPr sz="1800">
+                <a:solidFill>
+                  <a:schemeClr val="tx1">
+                    <a:tint val="75000"/>
+                  </a:schemeClr>
+                </a:solidFill>
+              </a:defRPr>
+            </a:lvl2pPr>
+            <a:lvl3pPr marL="914400" indent="0">
+              <a:buNone/>
+              <a:defRPr sz="1600">
+                <a:solidFill>
+                  <a:schemeClr val="tx1">
+                    <a:tint val="75000"/>
+                  </a:schemeClr>
+                </a:solidFill>
+              </a:defRPr>
+            </a:lvl3pPr>
+            <a:lvl4pPr marL="1371600" indent="0">
+              <a:buNone/>
+              <a:defRPr sz="1400">
+                <a:solidFill>
+                  <a:schemeClr val="tx1">
+                    <a:tint val="75000"/>
+                  </a:schemeClr>
+                </a:solidFill>
+              </a:defRPr>
+            </a:lvl4pPr>
+            <a:lvl5pPr marL="1828800" indent="0">
+              <a:buNone/>
+              <a:defRPr sz="1400">
+                <a:solidFill>
+                  <a:schemeClr val="tx1">
+                    <a:tint val="75000"/>
+                  </a:schemeClr>
+                </a:solidFill>
+              </a:defRPr>
+            </a:lvl5pPr>
+            <a:lvl6pPr marL="2286000" indent="0">
+              <a:buNone/>
+              <a:defRPr sz="1400">
+                <a:solidFill>
+                  <a:schemeClr val="tx1">
+                    <a:tint val="75000"/>
+                  </a:schemeClr>
+                </a:solidFill>
+              </a:defRPr>
+            </a:lvl6pPr>
+            <a:lvl7pPr marL="2743200" indent="0">
+              <a:buNone/>
+              <a:defRPr sz="1400">
+                <a:solidFill>
+                  <a:schemeClr val="tx1">
+                    <a:tint val="75000"/>
+                  </a:schemeClr>
+                </a:solidFill>
+              </a:defRPr>
+            </a:lvl7pPr>
+            <a:lvl8pPr marL="3200400" indent="0">
+              <a:buNone/>
+              <a:defRPr sz="1400">
+                <a:solidFill>
+                  <a:schemeClr val="tx1">
+                    <a:tint val="75000"/>
+                  </a:schemeClr>
+                </a:solidFill>
+              </a:defRPr>
+            </a:lvl8pPr>
+            <a:lvl9pPr marL="3657600" indent="0">
+              <a:buNone/>
+              <a:defRPr sz="1400">
+                <a:solidFill>
+                  <a:schemeClr val="tx1">
+                    <a:tint val="75000"/>
+                  </a:schemeClr>
+                </a:solidFill>
+              </a:defRPr>
+            </a:lvl9pPr>
+          </a:lstStyle>
+          <a:p>
+            <a:pPr lvl="0"/>
+            <a:r>
+              <a:rPr lang="en-US"/>
+              <a:t>Click to edit Master text styles</a:t>
+            </a:r>
+          </a:p>
+        </p:txBody>
+      </p:sp>
+      <p:sp>
+        <p:nvSpPr>
+          <p:cNvPr id="4" name="Date Placeholder 3"/>
+          <p:cNvSpPr>
+            <a:spLocks noGrp="1"/>
+          </p:cNvSpPr>
+          <p:nvPr>
+            <p:ph type="dt" sz="half" idx="10"/>
+          </p:nvPr>
+        </p:nvSpPr>
+        <p:spPr/>
+        <p:txBody>
+          <a:bodyPr/>
+          <a:lstStyle/>
+          <a:p>
+            <a:fld id="{75E69215-EAA4-4F90-9BCE-10367BACC5EF}" type="datetimeFigureOut">
+              <a:rPr lang="en-IN" smtClean="0"/>
+              <a:t>17-11-2020</a:t>
+            </a:fld>
+            <a:endParaRPr lang="en-IN"/>
+          </a:p>
+        </p:txBody>
+      </p:sp>
+      <p:sp>
+        <p:nvSpPr>
+          <p:cNvPr id="5" name="Footer Placeholder 4"/>
+          <p:cNvSpPr>
+            <a:spLocks noGrp="1"/>
+          </p:cNvSpPr>
+          <p:nvPr>
+            <p:ph type="ftr" sz="quarter" idx="11"/>
+          </p:nvPr>
+        </p:nvSpPr>
+        <p:spPr/>
+        <p:txBody>
+          <a:bodyPr/>
+          <a:lstStyle/>
+          <a:p>
+            <a:endParaRPr lang="en-IN"/>
+          </a:p>
+        </p:txBody>
+      </p:sp>
+      <p:sp>
+        <p:nvSpPr>
+          <p:cNvPr id="6" name="Slide Number Placeholder 5"/>
+          <p:cNvSpPr>
+            <a:spLocks noGrp="1"/>
+          </p:cNvSpPr>
+          <p:nvPr>
+            <p:ph type="sldNum" sz="quarter" idx="12"/>
+          </p:nvPr>
+        </p:nvSpPr>
+        <p:spPr/>
+        <p:txBody>
+          <a:bodyPr/>
+          <a:lstStyle/>
+          <a:p>
+            <a:fld id="{85C98DE2-2D92-44D8-9472-508274B7FBAE}" type="slidenum">
+              <a:rPr lang="en-IN" smtClean="0"/>
+              <a:t>‹#›</a:t>
+            </a:fld>
+            <a:endParaRPr lang="en-IN"/>
+          </a:p>
+        </p:txBody>
+      </p:sp>
+    </p:spTree>
+    <p:extLst>
+      <p:ext uri="{BB962C8B-B14F-4D97-AF65-F5344CB8AC3E}">
+        <p14:creationId xmlns:p14="http://schemas.microsoft.com/office/powerpoint/2010/main" val="3248363744"/>
+      </p:ext>
+    </p:extLst>
+  </p:cSld>
+  <p:clrMapOvr>
+    <a:masterClrMapping/>
+  </p:clrMapOvr>
+</p:sldLayout>
+</file>
+
+<file path=ppt/slideLayouts/slideLayout15.xml><?xml version="1.0" encoding="utf-8"?>
 <p:sldLayout xmlns:a="http://schemas.openxmlformats.org/drawingml/2006/main" xmlns:r="http://schemas.openxmlformats.org/officeDocument/2006/relationships" xmlns:p="http://schemas.openxmlformats.org/presentationml/2006/main" type="vertTx" preserve="1">
   <p:cSld name="Title and Vertical Text">
     <p:spTree>
@@ -353,13 +2536,7 @@
       </p:grpSpPr>
       <p:sp>
         <p:nvSpPr>
-          <p:cNvPr id="2" name="Title 1">
-            <a:extLst>
-              <a:ext uri="{FF2B5EF4-FFF2-40B4-BE49-F238E27FC236}">
-                <a16:creationId xmlns:a16="http://schemas.microsoft.com/office/drawing/2014/main" id="{0ACB5DAA-C57E-463E-8D72-17EF525ABA80}"/>
-              </a:ext>
-            </a:extLst>
-          </p:cNvPr>
+          <p:cNvPr id="2" name="Title 1"/>
           <p:cNvSpPr>
             <a:spLocks noGrp="1"/>
           </p:cNvSpPr>
@@ -376,19 +2553,13 @@
               <a:rPr lang="en-US"/>
               <a:t>Click to edit Master title style</a:t>
             </a:r>
-            <a:endParaRPr lang="en-IN"/>
-          </a:p>
-        </p:txBody>
-      </p:sp>
-      <p:sp>
-        <p:nvSpPr>
-          <p:cNvPr id="3" name="Vertical Text Placeholder 2">
-            <a:extLst>
-              <a:ext uri="{FF2B5EF4-FFF2-40B4-BE49-F238E27FC236}">
-                <a16:creationId xmlns:a16="http://schemas.microsoft.com/office/drawing/2014/main" id="{51906855-5B8A-40D5-BF36-5125180F5237}"/>
-              </a:ext>
-            </a:extLst>
-          </p:cNvPr>
+            <a:endParaRPr lang="en-US" dirty="0"/>
+          </a:p>
+        </p:txBody>
+      </p:sp>
+      <p:sp>
+        <p:nvSpPr>
+          <p:cNvPr id="3" name="Vertical Text Placeholder 2"/>
           <p:cNvSpPr>
             <a:spLocks noGrp="1"/>
           </p:cNvSpPr>
@@ -434,19 +2605,13 @@
               <a:rPr lang="en-US"/>
               <a:t>Fifth level</a:t>
             </a:r>
-            <a:endParaRPr lang="en-IN"/>
-          </a:p>
-        </p:txBody>
-      </p:sp>
-      <p:sp>
-        <p:nvSpPr>
-          <p:cNvPr id="4" name="Date Placeholder 3">
-            <a:extLst>
-              <a:ext uri="{FF2B5EF4-FFF2-40B4-BE49-F238E27FC236}">
-                <a16:creationId xmlns:a16="http://schemas.microsoft.com/office/drawing/2014/main" id="{7068B9C4-8F1E-48D7-9354-C7D410D3A45D}"/>
-              </a:ext>
-            </a:extLst>
-          </p:cNvPr>
+            <a:endParaRPr lang="en-US" dirty="0"/>
+          </a:p>
+        </p:txBody>
+      </p:sp>
+      <p:sp>
+        <p:nvSpPr>
+          <p:cNvPr id="4" name="Date Placeholder 3"/>
           <p:cNvSpPr>
             <a:spLocks noGrp="1"/>
           </p:cNvSpPr>
@@ -461,7 +2626,7 @@
           <a:p>
             <a:fld id="{75E69215-EAA4-4F90-9BCE-10367BACC5EF}" type="datetimeFigureOut">
               <a:rPr lang="en-IN" smtClean="0"/>
-              <a:t>14-11-2020</a:t>
+              <a:t>17-11-2020</a:t>
             </a:fld>
             <a:endParaRPr lang="en-IN"/>
           </a:p>
@@ -469,13 +2634,7 @@
       </p:sp>
       <p:sp>
         <p:nvSpPr>
-          <p:cNvPr id="5" name="Footer Placeholder 4">
-            <a:extLst>
-              <a:ext uri="{FF2B5EF4-FFF2-40B4-BE49-F238E27FC236}">
-                <a16:creationId xmlns:a16="http://schemas.microsoft.com/office/drawing/2014/main" id="{F7A9EFE4-7594-4CF8-B1A7-AC8CFA126E1A}"/>
-              </a:ext>
-            </a:extLst>
-          </p:cNvPr>
+          <p:cNvPr id="5" name="Footer Placeholder 4"/>
           <p:cNvSpPr>
             <a:spLocks noGrp="1"/>
           </p:cNvSpPr>
@@ -494,13 +2653,7 @@
       </p:sp>
       <p:sp>
         <p:nvSpPr>
-          <p:cNvPr id="6" name="Slide Number Placeholder 5">
-            <a:extLst>
-              <a:ext uri="{FF2B5EF4-FFF2-40B4-BE49-F238E27FC236}">
-                <a16:creationId xmlns:a16="http://schemas.microsoft.com/office/drawing/2014/main" id="{D8CADE6C-75D2-4AA2-98C3-6950889544AD}"/>
-              </a:ext>
-            </a:extLst>
-          </p:cNvPr>
+          <p:cNvPr id="6" name="Slide Number Placeholder 5"/>
           <p:cNvSpPr>
             <a:spLocks noGrp="1"/>
           </p:cNvSpPr>
@@ -524,7 +2677,7 @@
     </p:spTree>
     <p:extLst>
       <p:ext uri="{BB962C8B-B14F-4D97-AF65-F5344CB8AC3E}">
-        <p14:creationId xmlns:p14="http://schemas.microsoft.com/office/powerpoint/2010/main" val="3551563557"/>
+        <p14:creationId xmlns:p14="http://schemas.microsoft.com/office/powerpoint/2010/main" val="961654889"/>
       </p:ext>
     </p:extLst>
   </p:cSld>
@@ -534,7 +2687,7 @@
 </p:sldLayout>
 </file>
 
-<file path=ppt/slideLayouts/slideLayout11.xml><?xml version="1.0" encoding="utf-8"?>
+<file path=ppt/slideLayouts/slideLayout16.xml><?xml version="1.0" encoding="utf-8"?>
 <p:sldLayout xmlns:a="http://schemas.openxmlformats.org/drawingml/2006/main" xmlns:r="http://schemas.openxmlformats.org/officeDocument/2006/relationships" xmlns:p="http://schemas.openxmlformats.org/presentationml/2006/main" type="vertTitleAndTx" preserve="1">
   <p:cSld name="Vertical Title and Text">
     <p:spTree>
@@ -553,13 +2706,7 @@
       </p:grpSpPr>
       <p:sp>
         <p:nvSpPr>
-          <p:cNvPr id="2" name="Vertical Title 1">
-            <a:extLst>
-              <a:ext uri="{FF2B5EF4-FFF2-40B4-BE49-F238E27FC236}">
-                <a16:creationId xmlns:a16="http://schemas.microsoft.com/office/drawing/2014/main" id="{9F214B00-AEEF-430B-909F-EE9A439F23CF}"/>
-              </a:ext>
-            </a:extLst>
-          </p:cNvPr>
+          <p:cNvPr id="2" name="Vertical Title 1"/>
           <p:cNvSpPr>
             <a:spLocks noGrp="1"/>
           </p:cNvSpPr>
@@ -569,48 +2716,42 @@
         </p:nvSpPr>
         <p:spPr>
           <a:xfrm>
-            <a:off x="8724900" y="365125"/>
-            <a:ext cx="2628900" cy="5811838"/>
+            <a:off x="7967673" y="609599"/>
+            <a:ext cx="1304743" cy="5251451"/>
           </a:xfrm>
         </p:spPr>
         <p:txBody>
+          <a:bodyPr vert="eaVert" anchor="ctr"/>
+          <a:lstStyle/>
+          <a:p>
+            <a:r>
+              <a:rPr lang="en-US"/>
+              <a:t>Click to edit Master title style</a:t>
+            </a:r>
+            <a:endParaRPr lang="en-US" dirty="0"/>
+          </a:p>
+        </p:txBody>
+      </p:sp>
+      <p:sp>
+        <p:nvSpPr>
+          <p:cNvPr id="3" name="Vertical Text Placeholder 2"/>
+          <p:cNvSpPr>
+            <a:spLocks noGrp="1"/>
+          </p:cNvSpPr>
+          <p:nvPr>
+            <p:ph type="body" orient="vert" idx="1"/>
+          </p:nvPr>
+        </p:nvSpPr>
+        <p:spPr>
+          <a:xfrm>
+            <a:off x="677335" y="609600"/>
+            <a:ext cx="7060150" cy="5251450"/>
+          </a:xfrm>
+        </p:spPr>
+        <p:txBody>
           <a:bodyPr vert="eaVert"/>
           <a:lstStyle/>
           <a:p>
-            <a:r>
-              <a:rPr lang="en-US"/>
-              <a:t>Click to edit Master title style</a:t>
-            </a:r>
-            <a:endParaRPr lang="en-IN"/>
-          </a:p>
-        </p:txBody>
-      </p:sp>
-      <p:sp>
-        <p:nvSpPr>
-          <p:cNvPr id="3" name="Vertical Text Placeholder 2">
-            <a:extLst>
-              <a:ext uri="{FF2B5EF4-FFF2-40B4-BE49-F238E27FC236}">
-                <a16:creationId xmlns:a16="http://schemas.microsoft.com/office/drawing/2014/main" id="{734F2171-D48D-4262-B89F-C7ACF2C2FF89}"/>
-              </a:ext>
-            </a:extLst>
-          </p:cNvPr>
-          <p:cNvSpPr>
-            <a:spLocks noGrp="1"/>
-          </p:cNvSpPr>
-          <p:nvPr>
-            <p:ph type="body" orient="vert" idx="1"/>
-          </p:nvPr>
-        </p:nvSpPr>
-        <p:spPr>
-          <a:xfrm>
-            <a:off x="838200" y="365125"/>
-            <a:ext cx="7734300" cy="5811838"/>
-          </a:xfrm>
-        </p:spPr>
-        <p:txBody>
-          <a:bodyPr vert="eaVert"/>
-          <a:lstStyle/>
-          <a:p>
             <a:pPr lvl="0"/>
             <a:r>
               <a:rPr lang="en-US"/>
@@ -644,19 +2785,13 @@
               <a:rPr lang="en-US"/>
               <a:t>Fifth level</a:t>
             </a:r>
-            <a:endParaRPr lang="en-IN"/>
-          </a:p>
-        </p:txBody>
-      </p:sp>
-      <p:sp>
-        <p:nvSpPr>
-          <p:cNvPr id="4" name="Date Placeholder 3">
-            <a:extLst>
-              <a:ext uri="{FF2B5EF4-FFF2-40B4-BE49-F238E27FC236}">
-                <a16:creationId xmlns:a16="http://schemas.microsoft.com/office/drawing/2014/main" id="{C30E0C9D-74C0-4AD3-A3D2-F49C4FAFEA60}"/>
-              </a:ext>
-            </a:extLst>
-          </p:cNvPr>
+            <a:endParaRPr lang="en-US" dirty="0"/>
+          </a:p>
+        </p:txBody>
+      </p:sp>
+      <p:sp>
+        <p:nvSpPr>
+          <p:cNvPr id="4" name="Date Placeholder 3"/>
           <p:cNvSpPr>
             <a:spLocks noGrp="1"/>
           </p:cNvSpPr>
@@ -671,7 +2806,7 @@
           <a:p>
             <a:fld id="{75E69215-EAA4-4F90-9BCE-10367BACC5EF}" type="datetimeFigureOut">
               <a:rPr lang="en-IN" smtClean="0"/>
-              <a:t>14-11-2020</a:t>
+              <a:t>17-11-2020</a:t>
             </a:fld>
             <a:endParaRPr lang="en-IN"/>
           </a:p>
@@ -679,13 +2814,7 @@
       </p:sp>
       <p:sp>
         <p:nvSpPr>
-          <p:cNvPr id="5" name="Footer Placeholder 4">
-            <a:extLst>
-              <a:ext uri="{FF2B5EF4-FFF2-40B4-BE49-F238E27FC236}">
-                <a16:creationId xmlns:a16="http://schemas.microsoft.com/office/drawing/2014/main" id="{18409D07-951B-44A4-A6B6-630C7E7497BB}"/>
-              </a:ext>
-            </a:extLst>
-          </p:cNvPr>
+          <p:cNvPr id="5" name="Footer Placeholder 4"/>
           <p:cNvSpPr>
             <a:spLocks noGrp="1"/>
           </p:cNvSpPr>
@@ -704,13 +2833,7 @@
       </p:sp>
       <p:sp>
         <p:nvSpPr>
-          <p:cNvPr id="6" name="Slide Number Placeholder 5">
-            <a:extLst>
-              <a:ext uri="{FF2B5EF4-FFF2-40B4-BE49-F238E27FC236}">
-                <a16:creationId xmlns:a16="http://schemas.microsoft.com/office/drawing/2014/main" id="{7268E621-68CD-4E7A-8120-2920C951930E}"/>
-              </a:ext>
-            </a:extLst>
-          </p:cNvPr>
+          <p:cNvPr id="6" name="Slide Number Placeholder 5"/>
           <p:cNvSpPr>
             <a:spLocks noGrp="1"/>
           </p:cNvSpPr>
@@ -734,7 +2857,7 @@
     </p:spTree>
     <p:extLst>
       <p:ext uri="{BB962C8B-B14F-4D97-AF65-F5344CB8AC3E}">
-        <p14:creationId xmlns:p14="http://schemas.microsoft.com/office/powerpoint/2010/main" val="892577136"/>
+        <p14:creationId xmlns:p14="http://schemas.microsoft.com/office/powerpoint/2010/main" val="762533905"/>
       </p:ext>
     </p:extLst>
   </p:cSld>
@@ -763,18 +2886,41 @@
       </p:grpSpPr>
       <p:sp>
         <p:nvSpPr>
-          <p:cNvPr id="2" name="Title 1">
-            <a:extLst>
-              <a:ext uri="{FF2B5EF4-FFF2-40B4-BE49-F238E27FC236}">
-                <a16:creationId xmlns:a16="http://schemas.microsoft.com/office/drawing/2014/main" id="{5B606783-5C48-416B-BC17-D57BAD73939E}"/>
-              </a:ext>
-            </a:extLst>
-          </p:cNvPr>
+          <p:cNvPr id="2" name="Title 1"/>
           <p:cNvSpPr>
             <a:spLocks noGrp="1"/>
           </p:cNvSpPr>
           <p:nvPr>
             <p:ph type="title"/>
+          </p:nvPr>
+        </p:nvSpPr>
+        <p:spPr/>
+        <p:txBody>
+          <a:bodyPr>
+            <a:normAutofit/>
+          </a:bodyPr>
+          <a:lstStyle>
+            <a:lvl1pPr>
+              <a:defRPr sz="3600"/>
+            </a:lvl1pPr>
+          </a:lstStyle>
+          <a:p>
+            <a:r>
+              <a:rPr lang="en-US"/>
+              <a:t>Click to edit Master title style</a:t>
+            </a:r>
+            <a:endParaRPr lang="en-US" dirty="0"/>
+          </a:p>
+        </p:txBody>
+      </p:sp>
+      <p:sp>
+        <p:nvSpPr>
+          <p:cNvPr id="3" name="Content Placeholder 2"/>
+          <p:cNvSpPr>
+            <a:spLocks noGrp="1"/>
+          </p:cNvSpPr>
+          <p:nvPr>
+            <p:ph idx="1"/>
           </p:nvPr>
         </p:nvSpPr>
         <p:spPr/>
@@ -782,28 +2928,51 @@
           <a:bodyPr/>
           <a:lstStyle/>
           <a:p>
+            <a:pPr lvl="0"/>
             <a:r>
               <a:rPr lang="en-US"/>
-              <a:t>Click to edit Master title style</a:t>
-            </a:r>
-            <a:endParaRPr lang="en-IN"/>
-          </a:p>
-        </p:txBody>
-      </p:sp>
-      <p:sp>
-        <p:nvSpPr>
-          <p:cNvPr id="3" name="Content Placeholder 2">
-            <a:extLst>
-              <a:ext uri="{FF2B5EF4-FFF2-40B4-BE49-F238E27FC236}">
-                <a16:creationId xmlns:a16="http://schemas.microsoft.com/office/drawing/2014/main" id="{59A2638E-0AB1-4331-A78A-6B5DA9BEE000}"/>
-              </a:ext>
-            </a:extLst>
-          </p:cNvPr>
-          <p:cNvSpPr>
-            <a:spLocks noGrp="1"/>
-          </p:cNvSpPr>
-          <p:nvPr>
-            <p:ph idx="1"/>
+              <a:t>Click to edit Master text styles</a:t>
+            </a:r>
+          </a:p>
+          <a:p>
+            <a:pPr lvl="1"/>
+            <a:r>
+              <a:rPr lang="en-US"/>
+              <a:t>Second level</a:t>
+            </a:r>
+          </a:p>
+          <a:p>
+            <a:pPr lvl="2"/>
+            <a:r>
+              <a:rPr lang="en-US"/>
+              <a:t>Third level</a:t>
+            </a:r>
+          </a:p>
+          <a:p>
+            <a:pPr lvl="3"/>
+            <a:r>
+              <a:rPr lang="en-US"/>
+              <a:t>Fourth level</a:t>
+            </a:r>
+          </a:p>
+          <a:p>
+            <a:pPr lvl="4"/>
+            <a:r>
+              <a:rPr lang="en-US"/>
+              <a:t>Fifth level</a:t>
+            </a:r>
+            <a:endParaRPr lang="en-US" dirty="0"/>
+          </a:p>
+        </p:txBody>
+      </p:sp>
+      <p:sp>
+        <p:nvSpPr>
+          <p:cNvPr id="4" name="Date Placeholder 3"/>
+          <p:cNvSpPr>
+            <a:spLocks noGrp="1"/>
+          </p:cNvSpPr>
+          <p:nvPr>
+            <p:ph type="dt" sz="half" idx="10"/>
           </p:nvPr>
         </p:nvSpPr>
         <p:spPr/>
@@ -811,57 +2980,22 @@
           <a:bodyPr/>
           <a:lstStyle/>
           <a:p>
-            <a:pPr lvl="0"/>
-            <a:r>
-              <a:rPr lang="en-US"/>
-              <a:t>Click to edit Master text styles</a:t>
-            </a:r>
-          </a:p>
-          <a:p>
-            <a:pPr lvl="1"/>
-            <a:r>
-              <a:rPr lang="en-US"/>
-              <a:t>Second level</a:t>
-            </a:r>
-          </a:p>
-          <a:p>
-            <a:pPr lvl="2"/>
-            <a:r>
-              <a:rPr lang="en-US"/>
-              <a:t>Third level</a:t>
-            </a:r>
-          </a:p>
-          <a:p>
-            <a:pPr lvl="3"/>
-            <a:r>
-              <a:rPr lang="en-US"/>
-              <a:t>Fourth level</a:t>
-            </a:r>
-          </a:p>
-          <a:p>
-            <a:pPr lvl="4"/>
-            <a:r>
-              <a:rPr lang="en-US"/>
-              <a:t>Fifth level</a:t>
-            </a:r>
+            <a:fld id="{75E69215-EAA4-4F90-9BCE-10367BACC5EF}" type="datetimeFigureOut">
+              <a:rPr lang="en-IN" smtClean="0"/>
+              <a:t>17-11-2020</a:t>
+            </a:fld>
             <a:endParaRPr lang="en-IN"/>
           </a:p>
         </p:txBody>
       </p:sp>
       <p:sp>
         <p:nvSpPr>
-          <p:cNvPr id="4" name="Date Placeholder 3">
-            <a:extLst>
-              <a:ext uri="{FF2B5EF4-FFF2-40B4-BE49-F238E27FC236}">
-                <a16:creationId xmlns:a16="http://schemas.microsoft.com/office/drawing/2014/main" id="{FE7E8228-AF11-4447-ABFE-8EE01D4CF151}"/>
-              </a:ext>
-            </a:extLst>
-          </p:cNvPr>
-          <p:cNvSpPr>
-            <a:spLocks noGrp="1"/>
-          </p:cNvSpPr>
-          <p:nvPr>
-            <p:ph type="dt" sz="half" idx="10"/>
+          <p:cNvPr id="5" name="Footer Placeholder 4"/>
+          <p:cNvSpPr>
+            <a:spLocks noGrp="1"/>
+          </p:cNvSpPr>
+          <p:nvPr>
+            <p:ph type="ftr" sz="quarter" idx="11"/>
           </p:nvPr>
         </p:nvSpPr>
         <p:spPr/>
@@ -869,48 +3003,13 @@
           <a:bodyPr/>
           <a:lstStyle/>
           <a:p>
-            <a:fld id="{75E69215-EAA4-4F90-9BCE-10367BACC5EF}" type="datetimeFigureOut">
-              <a:rPr lang="en-IN" smtClean="0"/>
-              <a:t>14-11-2020</a:t>
-            </a:fld>
             <a:endParaRPr lang="en-IN"/>
           </a:p>
         </p:txBody>
       </p:sp>
       <p:sp>
         <p:nvSpPr>
-          <p:cNvPr id="5" name="Footer Placeholder 4">
-            <a:extLst>
-              <a:ext uri="{FF2B5EF4-FFF2-40B4-BE49-F238E27FC236}">
-                <a16:creationId xmlns:a16="http://schemas.microsoft.com/office/drawing/2014/main" id="{11B497E9-675F-4374-9807-D155DC102223}"/>
-              </a:ext>
-            </a:extLst>
-          </p:cNvPr>
-          <p:cNvSpPr>
-            <a:spLocks noGrp="1"/>
-          </p:cNvSpPr>
-          <p:nvPr>
-            <p:ph type="ftr" sz="quarter" idx="11"/>
-          </p:nvPr>
-        </p:nvSpPr>
-        <p:spPr/>
-        <p:txBody>
-          <a:bodyPr/>
-          <a:lstStyle/>
-          <a:p>
-            <a:endParaRPr lang="en-IN"/>
-          </a:p>
-        </p:txBody>
-      </p:sp>
-      <p:sp>
-        <p:nvSpPr>
-          <p:cNvPr id="6" name="Slide Number Placeholder 5">
-            <a:extLst>
-              <a:ext uri="{FF2B5EF4-FFF2-40B4-BE49-F238E27FC236}">
-                <a16:creationId xmlns:a16="http://schemas.microsoft.com/office/drawing/2014/main" id="{CF678F98-A932-4B7C-9DCC-21CCD67CEE33}"/>
-              </a:ext>
-            </a:extLst>
-          </p:cNvPr>
+          <p:cNvPr id="6" name="Slide Number Placeholder 5"/>
           <p:cNvSpPr>
             <a:spLocks noGrp="1"/>
           </p:cNvSpPr>
@@ -934,7 +3033,7 @@
     </p:spTree>
     <p:extLst>
       <p:ext uri="{BB962C8B-B14F-4D97-AF65-F5344CB8AC3E}">
-        <p14:creationId xmlns:p14="http://schemas.microsoft.com/office/powerpoint/2010/main" val="3468717779"/>
+        <p14:creationId xmlns:p14="http://schemas.microsoft.com/office/powerpoint/2010/main" val="544596772"/>
       </p:ext>
     </p:extLst>
   </p:cSld>
@@ -963,13 +3062,7 @@
       </p:grpSpPr>
       <p:sp>
         <p:nvSpPr>
-          <p:cNvPr id="2" name="Title 1">
-            <a:extLst>
-              <a:ext uri="{FF2B5EF4-FFF2-40B4-BE49-F238E27FC236}">
-                <a16:creationId xmlns:a16="http://schemas.microsoft.com/office/drawing/2014/main" id="{178F1CF6-37A4-4137-8B15-C04541852D9B}"/>
-              </a:ext>
-            </a:extLst>
-          </p:cNvPr>
+          <p:cNvPr id="2" name="Title 1"/>
           <p:cNvSpPr>
             <a:spLocks noGrp="1"/>
           </p:cNvSpPr>
@@ -979,15 +3072,15 @@
         </p:nvSpPr>
         <p:spPr>
           <a:xfrm>
-            <a:off x="831850" y="1709738"/>
-            <a:ext cx="10515600" cy="2852737"/>
+            <a:off x="677335" y="2700867"/>
+            <a:ext cx="8596668" cy="1826581"/>
           </a:xfrm>
         </p:spPr>
         <p:txBody>
           <a:bodyPr anchor="b"/>
           <a:lstStyle>
-            <a:lvl1pPr>
-              <a:defRPr sz="6000"/>
+            <a:lvl1pPr algn="l">
+              <a:defRPr sz="4000" b="0" cap="none"/>
             </a:lvl1pPr>
           </a:lstStyle>
           <a:p>
@@ -995,19 +3088,13 @@
               <a:rPr lang="en-US"/>
               <a:t>Click to edit Master title style</a:t>
             </a:r>
-            <a:endParaRPr lang="en-IN"/>
-          </a:p>
-        </p:txBody>
-      </p:sp>
-      <p:sp>
-        <p:nvSpPr>
-          <p:cNvPr id="3" name="Text Placeholder 2">
-            <a:extLst>
-              <a:ext uri="{FF2B5EF4-FFF2-40B4-BE49-F238E27FC236}">
-                <a16:creationId xmlns:a16="http://schemas.microsoft.com/office/drawing/2014/main" id="{B1817048-6753-4960-A7AF-51B6909E7CF9}"/>
-              </a:ext>
-            </a:extLst>
-          </p:cNvPr>
+            <a:endParaRPr lang="en-US" dirty="0"/>
+          </a:p>
+        </p:txBody>
+      </p:sp>
+      <p:sp>
+        <p:nvSpPr>
+          <p:cNvPr id="3" name="Text Placeholder 2"/>
           <p:cNvSpPr>
             <a:spLocks noGrp="1"/>
           </p:cNvSpPr>
@@ -1017,102 +3104,103 @@
         </p:nvSpPr>
         <p:spPr>
           <a:xfrm>
-            <a:off x="831850" y="4589463"/>
-            <a:ext cx="10515600" cy="1500187"/>
+            <a:off x="677335" y="4527448"/>
+            <a:ext cx="8596668" cy="860400"/>
           </a:xfrm>
         </p:spPr>
         <p:txBody>
-          <a:bodyPr/>
+          <a:bodyPr anchor="t"/>
           <a:lstStyle>
-            <a:lvl1pPr marL="0" indent="0">
-              <a:buNone/>
-              <a:defRPr sz="2400">
+            <a:lvl1pPr marL="0" indent="0" algn="l">
+              <a:buNone/>
+              <a:defRPr sz="2000">
+                <a:solidFill>
+                  <a:schemeClr val="tx1">
+                    <a:lumMod val="50000"/>
+                    <a:lumOff val="50000"/>
+                  </a:schemeClr>
+                </a:solidFill>
+              </a:defRPr>
+            </a:lvl1pPr>
+            <a:lvl2pPr marL="457200" indent="0">
+              <a:buNone/>
+              <a:defRPr sz="1800">
                 <a:solidFill>
                   <a:schemeClr val="tx1">
                     <a:tint val="75000"/>
                   </a:schemeClr>
                 </a:solidFill>
               </a:defRPr>
-            </a:lvl1pPr>
-            <a:lvl2pPr marL="457200" indent="0">
-              <a:buNone/>
-              <a:defRPr sz="2000">
+            </a:lvl2pPr>
+            <a:lvl3pPr marL="914400" indent="0">
+              <a:buNone/>
+              <a:defRPr sz="1600">
                 <a:solidFill>
                   <a:schemeClr val="tx1">
                     <a:tint val="75000"/>
                   </a:schemeClr>
                 </a:solidFill>
               </a:defRPr>
-            </a:lvl2pPr>
-            <a:lvl3pPr marL="914400" indent="0">
-              <a:buNone/>
-              <a:defRPr sz="1800">
+            </a:lvl3pPr>
+            <a:lvl4pPr marL="1371600" indent="0">
+              <a:buNone/>
+              <a:defRPr sz="1400">
                 <a:solidFill>
                   <a:schemeClr val="tx1">
                     <a:tint val="75000"/>
                   </a:schemeClr>
                 </a:solidFill>
               </a:defRPr>
-            </a:lvl3pPr>
-            <a:lvl4pPr marL="1371600" indent="0">
-              <a:buNone/>
-              <a:defRPr sz="1600">
+            </a:lvl4pPr>
+            <a:lvl5pPr marL="1828800" indent="0">
+              <a:buNone/>
+              <a:defRPr sz="1400">
                 <a:solidFill>
                   <a:schemeClr val="tx1">
                     <a:tint val="75000"/>
                   </a:schemeClr>
                 </a:solidFill>
               </a:defRPr>
-            </a:lvl4pPr>
-            <a:lvl5pPr marL="1828800" indent="0">
-              <a:buNone/>
-              <a:defRPr sz="1600">
+            </a:lvl5pPr>
+            <a:lvl6pPr marL="2286000" indent="0">
+              <a:buNone/>
+              <a:defRPr sz="1400">
                 <a:solidFill>
                   <a:schemeClr val="tx1">
                     <a:tint val="75000"/>
                   </a:schemeClr>
                 </a:solidFill>
               </a:defRPr>
-            </a:lvl5pPr>
-            <a:lvl6pPr marL="2286000" indent="0">
-              <a:buNone/>
-              <a:defRPr sz="1600">
+            </a:lvl6pPr>
+            <a:lvl7pPr marL="2743200" indent="0">
+              <a:buNone/>
+              <a:defRPr sz="1400">
                 <a:solidFill>
                   <a:schemeClr val="tx1">
                     <a:tint val="75000"/>
                   </a:schemeClr>
                 </a:solidFill>
               </a:defRPr>
-            </a:lvl6pPr>
-            <a:lvl7pPr marL="2743200" indent="0">
-              <a:buNone/>
-              <a:defRPr sz="1600">
+            </a:lvl7pPr>
+            <a:lvl8pPr marL="3200400" indent="0">
+              <a:buNone/>
+              <a:defRPr sz="1400">
                 <a:solidFill>
                   <a:schemeClr val="tx1">
                     <a:tint val="75000"/>
                   </a:schemeClr>
                 </a:solidFill>
               </a:defRPr>
-            </a:lvl7pPr>
-            <a:lvl8pPr marL="3200400" indent="0">
-              <a:buNone/>
-              <a:defRPr sz="1600">
+            </a:lvl8pPr>
+            <a:lvl9pPr marL="3657600" indent="0">
+              <a:buNone/>
+              <a:defRPr sz="1400">
                 <a:solidFill>
                   <a:schemeClr val="tx1">
                     <a:tint val="75000"/>
                   </a:schemeClr>
                 </a:solidFill>
               </a:defRPr>
-            </a:lvl8pPr>
-            <a:lvl9pPr marL="3657600" indent="0">
-              <a:buNone/>
-              <a:defRPr sz="1600">
-                <a:solidFill>
-                  <a:schemeClr val="tx1">
-                    <a:tint val="75000"/>
-                  </a:schemeClr>
-                </a:solidFill>
-              </a:defRPr>
             </a:lvl9pPr>
           </a:lstStyle>
           <a:p>
@@ -1126,13 +3214,7 @@
       </p:sp>
       <p:sp>
         <p:nvSpPr>
-          <p:cNvPr id="4" name="Date Placeholder 3">
-            <a:extLst>
-              <a:ext uri="{FF2B5EF4-FFF2-40B4-BE49-F238E27FC236}">
-                <a16:creationId xmlns:a16="http://schemas.microsoft.com/office/drawing/2014/main" id="{0C739A91-B156-42FC-9430-6B6415AC2F18}"/>
-              </a:ext>
-            </a:extLst>
-          </p:cNvPr>
+          <p:cNvPr id="4" name="Date Placeholder 3"/>
           <p:cNvSpPr>
             <a:spLocks noGrp="1"/>
           </p:cNvSpPr>
@@ -1147,7 +3229,7 @@
           <a:p>
             <a:fld id="{75E69215-EAA4-4F90-9BCE-10367BACC5EF}" type="datetimeFigureOut">
               <a:rPr lang="en-IN" smtClean="0"/>
-              <a:t>14-11-2020</a:t>
+              <a:t>17-11-2020</a:t>
             </a:fld>
             <a:endParaRPr lang="en-IN"/>
           </a:p>
@@ -1155,13 +3237,7 @@
       </p:sp>
       <p:sp>
         <p:nvSpPr>
-          <p:cNvPr id="5" name="Footer Placeholder 4">
-            <a:extLst>
-              <a:ext uri="{FF2B5EF4-FFF2-40B4-BE49-F238E27FC236}">
-                <a16:creationId xmlns:a16="http://schemas.microsoft.com/office/drawing/2014/main" id="{93880AA5-015C-4CC2-AB65-2528919D0CD6}"/>
-              </a:ext>
-            </a:extLst>
-          </p:cNvPr>
+          <p:cNvPr id="5" name="Footer Placeholder 4"/>
           <p:cNvSpPr>
             <a:spLocks noGrp="1"/>
           </p:cNvSpPr>
@@ -1180,13 +3256,7 @@
       </p:sp>
       <p:sp>
         <p:nvSpPr>
-          <p:cNvPr id="6" name="Slide Number Placeholder 5">
-            <a:extLst>
-              <a:ext uri="{FF2B5EF4-FFF2-40B4-BE49-F238E27FC236}">
-                <a16:creationId xmlns:a16="http://schemas.microsoft.com/office/drawing/2014/main" id="{43C3DE24-F8C2-43DF-AA5D-8C480B818AD5}"/>
-              </a:ext>
-            </a:extLst>
-          </p:cNvPr>
+          <p:cNvPr id="6" name="Slide Number Placeholder 5"/>
           <p:cNvSpPr>
             <a:spLocks noGrp="1"/>
           </p:cNvSpPr>
@@ -1210,7 +3280,7 @@
     </p:spTree>
     <p:extLst>
       <p:ext uri="{BB962C8B-B14F-4D97-AF65-F5344CB8AC3E}">
-        <p14:creationId xmlns:p14="http://schemas.microsoft.com/office/powerpoint/2010/main" val="3929739124"/>
+        <p14:creationId xmlns:p14="http://schemas.microsoft.com/office/powerpoint/2010/main" val="53706233"/>
       </p:ext>
     </p:extLst>
   </p:cSld>
@@ -1239,13 +3309,7 @@
       </p:grpSpPr>
       <p:sp>
         <p:nvSpPr>
-          <p:cNvPr id="2" name="Title 1">
-            <a:extLst>
-              <a:ext uri="{FF2B5EF4-FFF2-40B4-BE49-F238E27FC236}">
-                <a16:creationId xmlns:a16="http://schemas.microsoft.com/office/drawing/2014/main" id="{AE2434FA-6FF1-40D6-A566-51772991F36A}"/>
-              </a:ext>
-            </a:extLst>
-          </p:cNvPr>
+          <p:cNvPr id="2" name="Title 1"/>
           <p:cNvSpPr>
             <a:spLocks noGrp="1"/>
           </p:cNvSpPr>
@@ -1262,19 +3326,13 @@
               <a:rPr lang="en-US"/>
               <a:t>Click to edit Master title style</a:t>
             </a:r>
-            <a:endParaRPr lang="en-IN"/>
-          </a:p>
-        </p:txBody>
-      </p:sp>
-      <p:sp>
-        <p:nvSpPr>
-          <p:cNvPr id="3" name="Content Placeholder 2">
-            <a:extLst>
-              <a:ext uri="{FF2B5EF4-FFF2-40B4-BE49-F238E27FC236}">
-                <a16:creationId xmlns:a16="http://schemas.microsoft.com/office/drawing/2014/main" id="{428988F5-7D72-429A-8D02-9CB16D4FDE02}"/>
-              </a:ext>
-            </a:extLst>
-          </p:cNvPr>
+            <a:endParaRPr lang="en-US" dirty="0"/>
+          </a:p>
+        </p:txBody>
+      </p:sp>
+      <p:sp>
+        <p:nvSpPr>
+          <p:cNvPr id="3" name="Content Placeholder 2"/>
           <p:cNvSpPr>
             <a:spLocks noGrp="1"/>
           </p:cNvSpPr>
@@ -1284,8 +3342,8 @@
         </p:nvSpPr>
         <p:spPr>
           <a:xfrm>
-            <a:off x="838200" y="1825625"/>
-            <a:ext cx="5181600" cy="4351338"/>
+            <a:off x="677334" y="2160589"/>
+            <a:ext cx="4184035" cy="3880772"/>
           </a:xfrm>
         </p:spPr>
         <p:txBody>
@@ -1325,19 +3383,13 @@
               <a:rPr lang="en-US"/>
               <a:t>Fifth level</a:t>
             </a:r>
-            <a:endParaRPr lang="en-IN"/>
-          </a:p>
-        </p:txBody>
-      </p:sp>
-      <p:sp>
-        <p:nvSpPr>
-          <p:cNvPr id="4" name="Content Placeholder 3">
-            <a:extLst>
-              <a:ext uri="{FF2B5EF4-FFF2-40B4-BE49-F238E27FC236}">
-                <a16:creationId xmlns:a16="http://schemas.microsoft.com/office/drawing/2014/main" id="{0A6A770B-88D3-42AF-B699-A67B2D9BE40A}"/>
-              </a:ext>
-            </a:extLst>
-          </p:cNvPr>
+            <a:endParaRPr lang="en-US" dirty="0"/>
+          </a:p>
+        </p:txBody>
+      </p:sp>
+      <p:sp>
+        <p:nvSpPr>
+          <p:cNvPr id="4" name="Content Placeholder 3"/>
           <p:cNvSpPr>
             <a:spLocks noGrp="1"/>
           </p:cNvSpPr>
@@ -1347,8 +3399,8 @@
         </p:nvSpPr>
         <p:spPr>
           <a:xfrm>
-            <a:off x="6172200" y="1825625"/>
-            <a:ext cx="5181600" cy="4351338"/>
+            <a:off x="5089970" y="2160589"/>
+            <a:ext cx="4184034" cy="3880773"/>
           </a:xfrm>
         </p:spPr>
         <p:txBody>
@@ -1388,19 +3440,13 @@
               <a:rPr lang="en-US"/>
               <a:t>Fifth level</a:t>
             </a:r>
-            <a:endParaRPr lang="en-IN"/>
-          </a:p>
-        </p:txBody>
-      </p:sp>
-      <p:sp>
-        <p:nvSpPr>
-          <p:cNvPr id="5" name="Date Placeholder 4">
-            <a:extLst>
-              <a:ext uri="{FF2B5EF4-FFF2-40B4-BE49-F238E27FC236}">
-                <a16:creationId xmlns:a16="http://schemas.microsoft.com/office/drawing/2014/main" id="{CB8BB8CE-65C9-4160-B654-0F4547C34832}"/>
-              </a:ext>
-            </a:extLst>
-          </p:cNvPr>
+            <a:endParaRPr lang="en-US" dirty="0"/>
+          </a:p>
+        </p:txBody>
+      </p:sp>
+      <p:sp>
+        <p:nvSpPr>
+          <p:cNvPr id="5" name="Date Placeholder 4"/>
           <p:cNvSpPr>
             <a:spLocks noGrp="1"/>
           </p:cNvSpPr>
@@ -1415,7 +3461,7 @@
           <a:p>
             <a:fld id="{75E69215-EAA4-4F90-9BCE-10367BACC5EF}" type="datetimeFigureOut">
               <a:rPr lang="en-IN" smtClean="0"/>
-              <a:t>14-11-2020</a:t>
+              <a:t>17-11-2020</a:t>
             </a:fld>
             <a:endParaRPr lang="en-IN"/>
           </a:p>
@@ -1423,13 +3469,7 @@
       </p:sp>
       <p:sp>
         <p:nvSpPr>
-          <p:cNvPr id="6" name="Footer Placeholder 5">
-            <a:extLst>
-              <a:ext uri="{FF2B5EF4-FFF2-40B4-BE49-F238E27FC236}">
-                <a16:creationId xmlns:a16="http://schemas.microsoft.com/office/drawing/2014/main" id="{EDFC2A6C-11CE-4619-BEE2-E4F22A37717A}"/>
-              </a:ext>
-            </a:extLst>
-          </p:cNvPr>
+          <p:cNvPr id="6" name="Footer Placeholder 5"/>
           <p:cNvSpPr>
             <a:spLocks noGrp="1"/>
           </p:cNvSpPr>
@@ -1448,13 +3488,7 @@
       </p:sp>
       <p:sp>
         <p:nvSpPr>
-          <p:cNvPr id="7" name="Slide Number Placeholder 6">
-            <a:extLst>
-              <a:ext uri="{FF2B5EF4-FFF2-40B4-BE49-F238E27FC236}">
-                <a16:creationId xmlns:a16="http://schemas.microsoft.com/office/drawing/2014/main" id="{16C2F151-1DEF-4C60-8B7D-9BD043450471}"/>
-              </a:ext>
-            </a:extLst>
-          </p:cNvPr>
+          <p:cNvPr id="7" name="Slide Number Placeholder 6"/>
           <p:cNvSpPr>
             <a:spLocks noGrp="1"/>
           </p:cNvSpPr>
@@ -1478,7 +3512,7 @@
     </p:spTree>
     <p:extLst>
       <p:ext uri="{BB962C8B-B14F-4D97-AF65-F5344CB8AC3E}">
-        <p14:creationId xmlns:p14="http://schemas.microsoft.com/office/powerpoint/2010/main" val="2530347331"/>
+        <p14:creationId xmlns:p14="http://schemas.microsoft.com/office/powerpoint/2010/main" val="2360537677"/>
       </p:ext>
     </p:extLst>
   </p:cSld>
@@ -1507,66 +3541,55 @@
       </p:grpSpPr>
       <p:sp>
         <p:nvSpPr>
-          <p:cNvPr id="2" name="Title 1">
-            <a:extLst>
-              <a:ext uri="{FF2B5EF4-FFF2-40B4-BE49-F238E27FC236}">
-                <a16:creationId xmlns:a16="http://schemas.microsoft.com/office/drawing/2014/main" id="{89A4AC23-658B-43C7-A8D1-1B2176335CC5}"/>
-              </a:ext>
-            </a:extLst>
-          </p:cNvPr>
+          <p:cNvPr id="2" name="Title 1"/>
           <p:cNvSpPr>
             <a:spLocks noGrp="1"/>
           </p:cNvSpPr>
           <p:nvPr>
             <p:ph type="title"/>
+          </p:nvPr>
+        </p:nvSpPr>
+        <p:spPr/>
+        <p:txBody>
+          <a:bodyPr/>
+          <a:lstStyle>
+            <a:lvl1pPr>
+              <a:defRPr/>
+            </a:lvl1pPr>
+          </a:lstStyle>
+          <a:p>
+            <a:r>
+              <a:rPr lang="en-US"/>
+              <a:t>Click to edit Master title style</a:t>
+            </a:r>
+            <a:endParaRPr lang="en-US" dirty="0"/>
+          </a:p>
+        </p:txBody>
+      </p:sp>
+      <p:sp>
+        <p:nvSpPr>
+          <p:cNvPr id="3" name="Text Placeholder 2"/>
+          <p:cNvSpPr>
+            <a:spLocks noGrp="1"/>
+          </p:cNvSpPr>
+          <p:nvPr>
+            <p:ph type="body" idx="1"/>
           </p:nvPr>
         </p:nvSpPr>
         <p:spPr>
           <a:xfrm>
-            <a:off x="839788" y="365125"/>
-            <a:ext cx="10515600" cy="1325563"/>
+            <a:off x="675745" y="2160983"/>
+            <a:ext cx="4185623" cy="576262"/>
           </a:xfrm>
         </p:spPr>
         <p:txBody>
-          <a:bodyPr/>
-          <a:lstStyle/>
-          <a:p>
-            <a:r>
-              <a:rPr lang="en-US"/>
-              <a:t>Click to edit Master title style</a:t>
-            </a:r>
-            <a:endParaRPr lang="en-IN"/>
-          </a:p>
-        </p:txBody>
-      </p:sp>
-      <p:sp>
-        <p:nvSpPr>
-          <p:cNvPr id="3" name="Text Placeholder 2">
-            <a:extLst>
-              <a:ext uri="{FF2B5EF4-FFF2-40B4-BE49-F238E27FC236}">
-                <a16:creationId xmlns:a16="http://schemas.microsoft.com/office/drawing/2014/main" id="{D37BF4CB-526E-44E2-9886-F3C4215430E5}"/>
-              </a:ext>
-            </a:extLst>
-          </p:cNvPr>
-          <p:cNvSpPr>
-            <a:spLocks noGrp="1"/>
-          </p:cNvSpPr>
-          <p:nvPr>
-            <p:ph type="body" idx="1"/>
-          </p:nvPr>
-        </p:nvSpPr>
-        <p:spPr>
-          <a:xfrm>
-            <a:off x="839788" y="1681163"/>
-            <a:ext cx="5157787" cy="823912"/>
-          </a:xfrm>
-        </p:spPr>
-        <p:txBody>
-          <a:bodyPr anchor="b"/>
+          <a:bodyPr anchor="b">
+            <a:noAutofit/>
+          </a:bodyPr>
           <a:lstStyle>
             <a:lvl1pPr marL="0" indent="0">
               <a:buNone/>
-              <a:defRPr sz="2400" b="1"/>
+              <a:defRPr sz="2400" b="0"/>
             </a:lvl1pPr>
             <a:lvl2pPr marL="457200" indent="0">
               <a:buNone/>
@@ -1612,13 +3635,7 @@
       </p:sp>
       <p:sp>
         <p:nvSpPr>
-          <p:cNvPr id="4" name="Content Placeholder 3">
-            <a:extLst>
-              <a:ext uri="{FF2B5EF4-FFF2-40B4-BE49-F238E27FC236}">
-                <a16:creationId xmlns:a16="http://schemas.microsoft.com/office/drawing/2014/main" id="{C153D975-E2B3-4650-90F4-40CCB309F424}"/>
-              </a:ext>
-            </a:extLst>
-          </p:cNvPr>
+          <p:cNvPr id="4" name="Content Placeholder 3"/>
           <p:cNvSpPr>
             <a:spLocks noGrp="1"/>
           </p:cNvSpPr>
@@ -1628,12 +3645,14 @@
         </p:nvSpPr>
         <p:spPr>
           <a:xfrm>
-            <a:off x="839788" y="2505075"/>
-            <a:ext cx="5157787" cy="3684588"/>
+            <a:off x="675745" y="2737245"/>
+            <a:ext cx="4185623" cy="3304117"/>
           </a:xfrm>
         </p:spPr>
         <p:txBody>
-          <a:bodyPr/>
+          <a:bodyPr>
+            <a:normAutofit/>
+          </a:bodyPr>
           <a:lstStyle/>
           <a:p>
             <a:pPr lvl="0"/>
@@ -1669,19 +3688,13 @@
               <a:rPr lang="en-US"/>
               <a:t>Fifth level</a:t>
             </a:r>
-            <a:endParaRPr lang="en-IN"/>
-          </a:p>
-        </p:txBody>
-      </p:sp>
-      <p:sp>
-        <p:nvSpPr>
-          <p:cNvPr id="5" name="Text Placeholder 4">
-            <a:extLst>
-              <a:ext uri="{FF2B5EF4-FFF2-40B4-BE49-F238E27FC236}">
-                <a16:creationId xmlns:a16="http://schemas.microsoft.com/office/drawing/2014/main" id="{DA029CD1-4EB8-446A-AC09-C7818F330F36}"/>
-              </a:ext>
-            </a:extLst>
-          </p:cNvPr>
+            <a:endParaRPr lang="en-US" dirty="0"/>
+          </a:p>
+        </p:txBody>
+      </p:sp>
+      <p:sp>
+        <p:nvSpPr>
+          <p:cNvPr id="5" name="Text Placeholder 4"/>
           <p:cNvSpPr>
             <a:spLocks noGrp="1"/>
           </p:cNvSpPr>
@@ -1691,16 +3704,18 @@
         </p:nvSpPr>
         <p:spPr>
           <a:xfrm>
-            <a:off x="6172200" y="1681163"/>
-            <a:ext cx="5183188" cy="823912"/>
+            <a:off x="5088383" y="2160983"/>
+            <a:ext cx="4185618" cy="576262"/>
           </a:xfrm>
         </p:spPr>
         <p:txBody>
-          <a:bodyPr anchor="b"/>
+          <a:bodyPr anchor="b">
+            <a:noAutofit/>
+          </a:bodyPr>
           <a:lstStyle>
             <a:lvl1pPr marL="0" indent="0">
               <a:buNone/>
-              <a:defRPr sz="2400" b="1"/>
+              <a:defRPr sz="2400" b="0"/>
             </a:lvl1pPr>
             <a:lvl2pPr marL="457200" indent="0">
               <a:buNone/>
@@ -1746,13 +3761,7 @@
       </p:sp>
       <p:sp>
         <p:nvSpPr>
-          <p:cNvPr id="6" name="Content Placeholder 5">
-            <a:extLst>
-              <a:ext uri="{FF2B5EF4-FFF2-40B4-BE49-F238E27FC236}">
-                <a16:creationId xmlns:a16="http://schemas.microsoft.com/office/drawing/2014/main" id="{DAC6EC59-6C86-4326-B001-E0F9BC01E806}"/>
-              </a:ext>
-            </a:extLst>
-          </p:cNvPr>
+          <p:cNvPr id="6" name="Content Placeholder 5"/>
           <p:cNvSpPr>
             <a:spLocks noGrp="1"/>
           </p:cNvSpPr>
@@ -1762,65 +3771,84 @@
         </p:nvSpPr>
         <p:spPr>
           <a:xfrm>
-            <a:off x="6172200" y="2505075"/>
-            <a:ext cx="5183188" cy="3684588"/>
+            <a:off x="5088384" y="2737245"/>
+            <a:ext cx="4185617" cy="3304117"/>
           </a:xfrm>
         </p:spPr>
         <p:txBody>
+          <a:bodyPr>
+            <a:normAutofit/>
+          </a:bodyPr>
+          <a:lstStyle/>
+          <a:p>
+            <a:pPr lvl="0"/>
+            <a:r>
+              <a:rPr lang="en-US"/>
+              <a:t>Click to edit Master text styles</a:t>
+            </a:r>
+          </a:p>
+          <a:p>
+            <a:pPr lvl="1"/>
+            <a:r>
+              <a:rPr lang="en-US"/>
+              <a:t>Second level</a:t>
+            </a:r>
+          </a:p>
+          <a:p>
+            <a:pPr lvl="2"/>
+            <a:r>
+              <a:rPr lang="en-US"/>
+              <a:t>Third level</a:t>
+            </a:r>
+          </a:p>
+          <a:p>
+            <a:pPr lvl="3"/>
+            <a:r>
+              <a:rPr lang="en-US"/>
+              <a:t>Fourth level</a:t>
+            </a:r>
+          </a:p>
+          <a:p>
+            <a:pPr lvl="4"/>
+            <a:r>
+              <a:rPr lang="en-US"/>
+              <a:t>Fifth level</a:t>
+            </a:r>
+            <a:endParaRPr lang="en-US" dirty="0"/>
+          </a:p>
+        </p:txBody>
+      </p:sp>
+      <p:sp>
+        <p:nvSpPr>
+          <p:cNvPr id="7" name="Date Placeholder 6"/>
+          <p:cNvSpPr>
+            <a:spLocks noGrp="1"/>
+          </p:cNvSpPr>
+          <p:nvPr>
+            <p:ph type="dt" sz="half" idx="10"/>
+          </p:nvPr>
+        </p:nvSpPr>
+        <p:spPr/>
+        <p:txBody>
           <a:bodyPr/>
           <a:lstStyle/>
           <a:p>
-            <a:pPr lvl="0"/>
-            <a:r>
-              <a:rPr lang="en-US"/>
-              <a:t>Click to edit Master text styles</a:t>
-            </a:r>
-          </a:p>
-          <a:p>
-            <a:pPr lvl="1"/>
-            <a:r>
-              <a:rPr lang="en-US"/>
-              <a:t>Second level</a:t>
-            </a:r>
-          </a:p>
-          <a:p>
-            <a:pPr lvl="2"/>
-            <a:r>
-              <a:rPr lang="en-US"/>
-              <a:t>Third level</a:t>
-            </a:r>
-          </a:p>
-          <a:p>
-            <a:pPr lvl="3"/>
-            <a:r>
-              <a:rPr lang="en-US"/>
-              <a:t>Fourth level</a:t>
-            </a:r>
-          </a:p>
-          <a:p>
-            <a:pPr lvl="4"/>
-            <a:r>
-              <a:rPr lang="en-US"/>
-              <a:t>Fifth level</a:t>
-            </a:r>
+            <a:fld id="{75E69215-EAA4-4F90-9BCE-10367BACC5EF}" type="datetimeFigureOut">
+              <a:rPr lang="en-IN" smtClean="0"/>
+              <a:t>17-11-2020</a:t>
+            </a:fld>
             <a:endParaRPr lang="en-IN"/>
           </a:p>
         </p:txBody>
       </p:sp>
       <p:sp>
         <p:nvSpPr>
-          <p:cNvPr id="7" name="Date Placeholder 6">
-            <a:extLst>
-              <a:ext uri="{FF2B5EF4-FFF2-40B4-BE49-F238E27FC236}">
-                <a16:creationId xmlns:a16="http://schemas.microsoft.com/office/drawing/2014/main" id="{A1A490C9-6031-4DC9-BAD9-860313A17795}"/>
-              </a:ext>
-            </a:extLst>
-          </p:cNvPr>
-          <p:cNvSpPr>
-            <a:spLocks noGrp="1"/>
-          </p:cNvSpPr>
-          <p:nvPr>
-            <p:ph type="dt" sz="half" idx="10"/>
+          <p:cNvPr id="8" name="Footer Placeholder 7"/>
+          <p:cNvSpPr>
+            <a:spLocks noGrp="1"/>
+          </p:cNvSpPr>
+          <p:nvPr>
+            <p:ph type="ftr" sz="quarter" idx="11"/>
           </p:nvPr>
         </p:nvSpPr>
         <p:spPr/>
@@ -1828,48 +3856,13 @@
           <a:bodyPr/>
           <a:lstStyle/>
           <a:p>
-            <a:fld id="{75E69215-EAA4-4F90-9BCE-10367BACC5EF}" type="datetimeFigureOut">
-              <a:rPr lang="en-IN" smtClean="0"/>
-              <a:t>14-11-2020</a:t>
-            </a:fld>
             <a:endParaRPr lang="en-IN"/>
           </a:p>
         </p:txBody>
       </p:sp>
       <p:sp>
         <p:nvSpPr>
-          <p:cNvPr id="8" name="Footer Placeholder 7">
-            <a:extLst>
-              <a:ext uri="{FF2B5EF4-FFF2-40B4-BE49-F238E27FC236}">
-                <a16:creationId xmlns:a16="http://schemas.microsoft.com/office/drawing/2014/main" id="{1B11A076-68A4-4E54-BEDB-773AD35D4A95}"/>
-              </a:ext>
-            </a:extLst>
-          </p:cNvPr>
-          <p:cNvSpPr>
-            <a:spLocks noGrp="1"/>
-          </p:cNvSpPr>
-          <p:nvPr>
-            <p:ph type="ftr" sz="quarter" idx="11"/>
-          </p:nvPr>
-        </p:nvSpPr>
-        <p:spPr/>
-        <p:txBody>
-          <a:bodyPr/>
-          <a:lstStyle/>
-          <a:p>
-            <a:endParaRPr lang="en-IN"/>
-          </a:p>
-        </p:txBody>
-      </p:sp>
-      <p:sp>
-        <p:nvSpPr>
-          <p:cNvPr id="9" name="Slide Number Placeholder 8">
-            <a:extLst>
-              <a:ext uri="{FF2B5EF4-FFF2-40B4-BE49-F238E27FC236}">
-                <a16:creationId xmlns:a16="http://schemas.microsoft.com/office/drawing/2014/main" id="{C88965E2-30CE-4599-A5C2-340AC1887FBE}"/>
-              </a:ext>
-            </a:extLst>
-          </p:cNvPr>
+          <p:cNvPr id="9" name="Slide Number Placeholder 8"/>
           <p:cNvSpPr>
             <a:spLocks noGrp="1"/>
           </p:cNvSpPr>
@@ -1893,7 +3886,7 @@
     </p:spTree>
     <p:extLst>
       <p:ext uri="{BB962C8B-B14F-4D97-AF65-F5344CB8AC3E}">
-        <p14:creationId xmlns:p14="http://schemas.microsoft.com/office/powerpoint/2010/main" val="514556909"/>
+        <p14:creationId xmlns:p14="http://schemas.microsoft.com/office/powerpoint/2010/main" val="2704190287"/>
       </p:ext>
     </p:extLst>
   </p:cSld>
@@ -1922,13 +3915,7 @@
       </p:grpSpPr>
       <p:sp>
         <p:nvSpPr>
-          <p:cNvPr id="2" name="Title 1">
-            <a:extLst>
-              <a:ext uri="{FF2B5EF4-FFF2-40B4-BE49-F238E27FC236}">
-                <a16:creationId xmlns:a16="http://schemas.microsoft.com/office/drawing/2014/main" id="{B1253CD7-AFAB-4F1B-A74F-F7C0ED007803}"/>
-              </a:ext>
-            </a:extLst>
-          </p:cNvPr>
+          <p:cNvPr id="2" name="Title 1"/>
           <p:cNvSpPr>
             <a:spLocks noGrp="1"/>
           </p:cNvSpPr>
@@ -1936,7 +3923,12 @@
             <p:ph type="title"/>
           </p:nvPr>
         </p:nvSpPr>
-        <p:spPr/>
+        <p:spPr>
+          <a:xfrm>
+            <a:off x="677334" y="609600"/>
+            <a:ext cx="8596668" cy="1320800"/>
+          </a:xfrm>
+        </p:spPr>
         <p:txBody>
           <a:bodyPr/>
           <a:lstStyle/>
@@ -1945,19 +3937,13 @@
               <a:rPr lang="en-US"/>
               <a:t>Click to edit Master title style</a:t>
             </a:r>
-            <a:endParaRPr lang="en-IN"/>
-          </a:p>
-        </p:txBody>
-      </p:sp>
-      <p:sp>
-        <p:nvSpPr>
-          <p:cNvPr id="3" name="Date Placeholder 2">
-            <a:extLst>
-              <a:ext uri="{FF2B5EF4-FFF2-40B4-BE49-F238E27FC236}">
-                <a16:creationId xmlns:a16="http://schemas.microsoft.com/office/drawing/2014/main" id="{A2FAEC24-0DB4-4468-BE15-37F94A728FA1}"/>
-              </a:ext>
-            </a:extLst>
-          </p:cNvPr>
+            <a:endParaRPr lang="en-US" dirty="0"/>
+          </a:p>
+        </p:txBody>
+      </p:sp>
+      <p:sp>
+        <p:nvSpPr>
+          <p:cNvPr id="3" name="Date Placeholder 2"/>
           <p:cNvSpPr>
             <a:spLocks noGrp="1"/>
           </p:cNvSpPr>
@@ -1972,7 +3958,7 @@
           <a:p>
             <a:fld id="{75E69215-EAA4-4F90-9BCE-10367BACC5EF}" type="datetimeFigureOut">
               <a:rPr lang="en-IN" smtClean="0"/>
-              <a:t>14-11-2020</a:t>
+              <a:t>17-11-2020</a:t>
             </a:fld>
             <a:endParaRPr lang="en-IN"/>
           </a:p>
@@ -1980,13 +3966,7 @@
       </p:sp>
       <p:sp>
         <p:nvSpPr>
-          <p:cNvPr id="4" name="Footer Placeholder 3">
-            <a:extLst>
-              <a:ext uri="{FF2B5EF4-FFF2-40B4-BE49-F238E27FC236}">
-                <a16:creationId xmlns:a16="http://schemas.microsoft.com/office/drawing/2014/main" id="{63223A83-69A1-4F6A-A991-87E470F61CB4}"/>
-              </a:ext>
-            </a:extLst>
-          </p:cNvPr>
+          <p:cNvPr id="4" name="Footer Placeholder 3"/>
           <p:cNvSpPr>
             <a:spLocks noGrp="1"/>
           </p:cNvSpPr>
@@ -2005,13 +3985,7 @@
       </p:sp>
       <p:sp>
         <p:nvSpPr>
-          <p:cNvPr id="5" name="Slide Number Placeholder 4">
-            <a:extLst>
-              <a:ext uri="{FF2B5EF4-FFF2-40B4-BE49-F238E27FC236}">
-                <a16:creationId xmlns:a16="http://schemas.microsoft.com/office/drawing/2014/main" id="{C82ACA04-1FEC-4FAA-8CA6-643241698420}"/>
-              </a:ext>
-            </a:extLst>
-          </p:cNvPr>
+          <p:cNvPr id="5" name="Slide Number Placeholder 4"/>
           <p:cNvSpPr>
             <a:spLocks noGrp="1"/>
           </p:cNvSpPr>
@@ -2035,7 +4009,7 @@
     </p:spTree>
     <p:extLst>
       <p:ext uri="{BB962C8B-B14F-4D97-AF65-F5344CB8AC3E}">
-        <p14:creationId xmlns:p14="http://schemas.microsoft.com/office/powerpoint/2010/main" val="3034745304"/>
+        <p14:creationId xmlns:p14="http://schemas.microsoft.com/office/powerpoint/2010/main" val="1874421398"/>
       </p:ext>
     </p:extLst>
   </p:cSld>
@@ -2064,13 +4038,7 @@
       </p:grpSpPr>
       <p:sp>
         <p:nvSpPr>
-          <p:cNvPr id="2" name="Date Placeholder 1">
-            <a:extLst>
-              <a:ext uri="{FF2B5EF4-FFF2-40B4-BE49-F238E27FC236}">
-                <a16:creationId xmlns:a16="http://schemas.microsoft.com/office/drawing/2014/main" id="{AABC8411-13B9-4BA1-98A9-2250E7A402D3}"/>
-              </a:ext>
-            </a:extLst>
-          </p:cNvPr>
+          <p:cNvPr id="2" name="Date Placeholder 1"/>
           <p:cNvSpPr>
             <a:spLocks noGrp="1"/>
           </p:cNvSpPr>
@@ -2085,7 +4053,7 @@
           <a:p>
             <a:fld id="{75E69215-EAA4-4F90-9BCE-10367BACC5EF}" type="datetimeFigureOut">
               <a:rPr lang="en-IN" smtClean="0"/>
-              <a:t>14-11-2020</a:t>
+              <a:t>17-11-2020</a:t>
             </a:fld>
             <a:endParaRPr lang="en-IN"/>
           </a:p>
@@ -2093,13 +4061,7 @@
       </p:sp>
       <p:sp>
         <p:nvSpPr>
-          <p:cNvPr id="3" name="Footer Placeholder 2">
-            <a:extLst>
-              <a:ext uri="{FF2B5EF4-FFF2-40B4-BE49-F238E27FC236}">
-                <a16:creationId xmlns:a16="http://schemas.microsoft.com/office/drawing/2014/main" id="{3F7FBEC4-5638-4230-9EA7-EE2AA58DA244}"/>
-              </a:ext>
-            </a:extLst>
-          </p:cNvPr>
+          <p:cNvPr id="3" name="Footer Placeholder 2"/>
           <p:cNvSpPr>
             <a:spLocks noGrp="1"/>
           </p:cNvSpPr>
@@ -2118,13 +4080,7 @@
       </p:sp>
       <p:sp>
         <p:nvSpPr>
-          <p:cNvPr id="4" name="Slide Number Placeholder 3">
-            <a:extLst>
-              <a:ext uri="{FF2B5EF4-FFF2-40B4-BE49-F238E27FC236}">
-                <a16:creationId xmlns:a16="http://schemas.microsoft.com/office/drawing/2014/main" id="{F4F4891D-64C5-47D1-9983-4430496DA474}"/>
-              </a:ext>
-            </a:extLst>
-          </p:cNvPr>
+          <p:cNvPr id="4" name="Slide Number Placeholder 3"/>
           <p:cNvSpPr>
             <a:spLocks noGrp="1"/>
           </p:cNvSpPr>
@@ -2148,7 +4104,7 @@
     </p:spTree>
     <p:extLst>
       <p:ext uri="{BB962C8B-B14F-4D97-AF65-F5344CB8AC3E}">
-        <p14:creationId xmlns:p14="http://schemas.microsoft.com/office/powerpoint/2010/main" val="2733472763"/>
+        <p14:creationId xmlns:p14="http://schemas.microsoft.com/office/powerpoint/2010/main" val="705081945"/>
       </p:ext>
     </p:extLst>
   </p:cSld>
@@ -2177,13 +4133,7 @@
       </p:grpSpPr>
       <p:sp>
         <p:nvSpPr>
-          <p:cNvPr id="2" name="Title 1">
-            <a:extLst>
-              <a:ext uri="{FF2B5EF4-FFF2-40B4-BE49-F238E27FC236}">
-                <a16:creationId xmlns:a16="http://schemas.microsoft.com/office/drawing/2014/main" id="{33C7BDDC-DD0B-47B2-9E2F-36F1EA5A2ED4}"/>
-              </a:ext>
-            </a:extLst>
-          </p:cNvPr>
+          <p:cNvPr id="2" name="Title 1"/>
           <p:cNvSpPr>
             <a:spLocks noGrp="1"/>
           </p:cNvSpPr>
@@ -2193,15 +4143,17 @@
         </p:nvSpPr>
         <p:spPr>
           <a:xfrm>
-            <a:off x="839788" y="457200"/>
-            <a:ext cx="3932237" cy="1600200"/>
+            <a:off x="677334" y="1498604"/>
+            <a:ext cx="3854528" cy="1278466"/>
           </a:xfrm>
         </p:spPr>
         <p:txBody>
-          <a:bodyPr anchor="b"/>
+          <a:bodyPr anchor="b">
+            <a:normAutofit/>
+          </a:bodyPr>
           <a:lstStyle>
             <a:lvl1pPr>
-              <a:defRPr sz="3200"/>
+              <a:defRPr sz="2000"/>
             </a:lvl1pPr>
           </a:lstStyle>
           <a:p>
@@ -2209,19 +4161,13 @@
               <a:rPr lang="en-US"/>
               <a:t>Click to edit Master title style</a:t>
             </a:r>
-            <a:endParaRPr lang="en-IN"/>
-          </a:p>
-        </p:txBody>
-      </p:sp>
-      <p:sp>
-        <p:nvSpPr>
-          <p:cNvPr id="3" name="Content Placeholder 2">
-            <a:extLst>
-              <a:ext uri="{FF2B5EF4-FFF2-40B4-BE49-F238E27FC236}">
-                <a16:creationId xmlns:a16="http://schemas.microsoft.com/office/drawing/2014/main" id="{CEB3AF3A-E7AA-42BC-B76D-B3C382DBB90E}"/>
-              </a:ext>
-            </a:extLst>
-          </p:cNvPr>
+            <a:endParaRPr lang="en-US" dirty="0"/>
+          </a:p>
+        </p:txBody>
+      </p:sp>
+      <p:sp>
+        <p:nvSpPr>
+          <p:cNvPr id="3" name="Content Placeholder 2"/>
           <p:cNvSpPr>
             <a:spLocks noGrp="1"/>
           </p:cNvSpPr>
@@ -2231,41 +4177,15 @@
         </p:nvSpPr>
         <p:spPr>
           <a:xfrm>
-            <a:off x="5183188" y="987425"/>
-            <a:ext cx="6172200" cy="4873625"/>
+            <a:off x="4760461" y="514924"/>
+            <a:ext cx="4513541" cy="5526437"/>
           </a:xfrm>
         </p:spPr>
         <p:txBody>
-          <a:bodyPr/>
-          <a:lstStyle>
-            <a:lvl1pPr>
-              <a:defRPr sz="3200"/>
-            </a:lvl1pPr>
-            <a:lvl2pPr>
-              <a:defRPr sz="2800"/>
-            </a:lvl2pPr>
-            <a:lvl3pPr>
-              <a:defRPr sz="2400"/>
-            </a:lvl3pPr>
-            <a:lvl4pPr>
-              <a:defRPr sz="2000"/>
-            </a:lvl4pPr>
-            <a:lvl5pPr>
-              <a:defRPr sz="2000"/>
-            </a:lvl5pPr>
-            <a:lvl6pPr>
-              <a:defRPr sz="2000"/>
-            </a:lvl6pPr>
-            <a:lvl7pPr>
-              <a:defRPr sz="2000"/>
-            </a:lvl7pPr>
-            <a:lvl8pPr>
-              <a:defRPr sz="2000"/>
-            </a:lvl8pPr>
-            <a:lvl9pPr>
-              <a:defRPr sz="2000"/>
-            </a:lvl9pPr>
-          </a:lstStyle>
+          <a:bodyPr>
+            <a:normAutofit/>
+          </a:bodyPr>
+          <a:lstStyle/>
           <a:p>
             <a:pPr lvl="0"/>
             <a:r>
@@ -2300,19 +4220,13 @@
               <a:rPr lang="en-US"/>
               <a:t>Fifth level</a:t>
             </a:r>
-            <a:endParaRPr lang="en-IN"/>
-          </a:p>
-        </p:txBody>
-      </p:sp>
-      <p:sp>
-        <p:nvSpPr>
-          <p:cNvPr id="4" name="Text Placeholder 3">
-            <a:extLst>
-              <a:ext uri="{FF2B5EF4-FFF2-40B4-BE49-F238E27FC236}">
-                <a16:creationId xmlns:a16="http://schemas.microsoft.com/office/drawing/2014/main" id="{C449BC26-1478-4C20-8131-574C9FDDDA6A}"/>
-              </a:ext>
-            </a:extLst>
-          </p:cNvPr>
+            <a:endParaRPr lang="en-US" dirty="0"/>
+          </a:p>
+        </p:txBody>
+      </p:sp>
+      <p:sp>
+        <p:nvSpPr>
+          <p:cNvPr id="4" name="Text Placeholder 3"/>
           <p:cNvSpPr>
             <a:spLocks noGrp="1"/>
           </p:cNvSpPr>
@@ -2322,46 +4236,48 @@
         </p:nvSpPr>
         <p:spPr>
           <a:xfrm>
-            <a:off x="839788" y="2057400"/>
-            <a:ext cx="3932237" cy="3811588"/>
+            <a:off x="677334" y="2777069"/>
+            <a:ext cx="3854528" cy="2584449"/>
           </a:xfrm>
         </p:spPr>
         <p:txBody>
-          <a:bodyPr/>
+          <a:bodyPr>
+            <a:normAutofit/>
+          </a:bodyPr>
           <a:lstStyle>
             <a:lvl1pPr marL="0" indent="0">
               <a:buNone/>
-              <a:defRPr sz="1600"/>
+              <a:defRPr sz="1400"/>
             </a:lvl1pPr>
-            <a:lvl2pPr marL="457200" indent="0">
+            <a:lvl2pPr marL="457063" indent="0">
               <a:buNone/>
               <a:defRPr sz="1400"/>
             </a:lvl2pPr>
-            <a:lvl3pPr marL="914400" indent="0">
+            <a:lvl3pPr marL="914126" indent="0">
               <a:buNone/>
               <a:defRPr sz="1200"/>
             </a:lvl3pPr>
-            <a:lvl4pPr marL="1371600" indent="0">
+            <a:lvl4pPr marL="1371189" indent="0">
               <a:buNone/>
               <a:defRPr sz="1000"/>
             </a:lvl4pPr>
-            <a:lvl5pPr marL="1828800" indent="0">
+            <a:lvl5pPr marL="1828251" indent="0">
               <a:buNone/>
               <a:defRPr sz="1000"/>
             </a:lvl5pPr>
-            <a:lvl6pPr marL="2286000" indent="0">
+            <a:lvl6pPr marL="2285314" indent="0">
               <a:buNone/>
               <a:defRPr sz="1000"/>
             </a:lvl6pPr>
-            <a:lvl7pPr marL="2743200" indent="0">
+            <a:lvl7pPr marL="2742377" indent="0">
               <a:buNone/>
               <a:defRPr sz="1000"/>
             </a:lvl7pPr>
-            <a:lvl8pPr marL="3200400" indent="0">
+            <a:lvl8pPr marL="3199440" indent="0">
               <a:buNone/>
               <a:defRPr sz="1000"/>
             </a:lvl8pPr>
-            <a:lvl9pPr marL="3657600" indent="0">
+            <a:lvl9pPr marL="3656503" indent="0">
               <a:buNone/>
               <a:defRPr sz="1000"/>
             </a:lvl9pPr>
@@ -2377,13 +4293,7 @@
       </p:sp>
       <p:sp>
         <p:nvSpPr>
-          <p:cNvPr id="5" name="Date Placeholder 4">
-            <a:extLst>
-              <a:ext uri="{FF2B5EF4-FFF2-40B4-BE49-F238E27FC236}">
-                <a16:creationId xmlns:a16="http://schemas.microsoft.com/office/drawing/2014/main" id="{403693C3-E510-4975-8697-8FA43403DBB0}"/>
-              </a:ext>
-            </a:extLst>
-          </p:cNvPr>
+          <p:cNvPr id="5" name="Date Placeholder 4"/>
           <p:cNvSpPr>
             <a:spLocks noGrp="1"/>
           </p:cNvSpPr>
@@ -2398,7 +4308,7 @@
           <a:p>
             <a:fld id="{75E69215-EAA4-4F90-9BCE-10367BACC5EF}" type="datetimeFigureOut">
               <a:rPr lang="en-IN" smtClean="0"/>
-              <a:t>14-11-2020</a:t>
+              <a:t>17-11-2020</a:t>
             </a:fld>
             <a:endParaRPr lang="en-IN"/>
           </a:p>
@@ -2406,13 +4316,7 @@
       </p:sp>
       <p:sp>
         <p:nvSpPr>
-          <p:cNvPr id="6" name="Footer Placeholder 5">
-            <a:extLst>
-              <a:ext uri="{FF2B5EF4-FFF2-40B4-BE49-F238E27FC236}">
-                <a16:creationId xmlns:a16="http://schemas.microsoft.com/office/drawing/2014/main" id="{A87EF206-3508-4B63-8E1C-A9888CCA66BB}"/>
-              </a:ext>
-            </a:extLst>
-          </p:cNvPr>
+          <p:cNvPr id="6" name="Footer Placeholder 5"/>
           <p:cNvSpPr>
             <a:spLocks noGrp="1"/>
           </p:cNvSpPr>
@@ -2431,13 +4335,7 @@
       </p:sp>
       <p:sp>
         <p:nvSpPr>
-          <p:cNvPr id="7" name="Slide Number Placeholder 6">
-            <a:extLst>
-              <a:ext uri="{FF2B5EF4-FFF2-40B4-BE49-F238E27FC236}">
-                <a16:creationId xmlns:a16="http://schemas.microsoft.com/office/drawing/2014/main" id="{7F0E0613-4D49-4E7B-893D-D5435A74F312}"/>
-              </a:ext>
-            </a:extLst>
-          </p:cNvPr>
+          <p:cNvPr id="7" name="Slide Number Placeholder 6"/>
           <p:cNvSpPr>
             <a:spLocks noGrp="1"/>
           </p:cNvSpPr>
@@ -2461,7 +4359,7 @@
     </p:spTree>
     <p:extLst>
       <p:ext uri="{BB962C8B-B14F-4D97-AF65-F5344CB8AC3E}">
-        <p14:creationId xmlns:p14="http://schemas.microsoft.com/office/powerpoint/2010/main" val="2080843260"/>
+        <p14:creationId xmlns:p14="http://schemas.microsoft.com/office/powerpoint/2010/main" val="1268529914"/>
       </p:ext>
     </p:extLst>
   </p:cSld>
@@ -2490,13 +4388,7 @@
       </p:grpSpPr>
       <p:sp>
         <p:nvSpPr>
-          <p:cNvPr id="2" name="Title 1">
-            <a:extLst>
-              <a:ext uri="{FF2B5EF4-FFF2-40B4-BE49-F238E27FC236}">
-                <a16:creationId xmlns:a16="http://schemas.microsoft.com/office/drawing/2014/main" id="{264C24BF-FC1C-44B3-A4CC-6519DF530C14}"/>
-              </a:ext>
-            </a:extLst>
-          </p:cNvPr>
+          <p:cNvPr id="2" name="Title 1"/>
           <p:cNvSpPr>
             <a:spLocks noGrp="1"/>
           </p:cNvSpPr>
@@ -2506,15 +4398,17 @@
         </p:nvSpPr>
         <p:spPr>
           <a:xfrm>
-            <a:off x="839788" y="457200"/>
-            <a:ext cx="3932237" cy="1600200"/>
+            <a:off x="677334" y="4800600"/>
+            <a:ext cx="8596667" cy="566738"/>
           </a:xfrm>
         </p:spPr>
         <p:txBody>
-          <a:bodyPr anchor="b"/>
+          <a:bodyPr anchor="b">
+            <a:normAutofit/>
+          </a:bodyPr>
           <a:lstStyle>
-            <a:lvl1pPr>
-              <a:defRPr sz="3200"/>
+            <a:lvl1pPr algn="l">
+              <a:defRPr sz="2400" b="0"/>
             </a:lvl1pPr>
           </a:lstStyle>
           <a:p>
@@ -2522,21 +4416,15 @@
               <a:rPr lang="en-US"/>
               <a:t>Click to edit Master title style</a:t>
             </a:r>
-            <a:endParaRPr lang="en-IN"/>
-          </a:p>
-        </p:txBody>
-      </p:sp>
-      <p:sp>
-        <p:nvSpPr>
-          <p:cNvPr id="3" name="Picture Placeholder 2">
-            <a:extLst>
-              <a:ext uri="{FF2B5EF4-FFF2-40B4-BE49-F238E27FC236}">
-                <a16:creationId xmlns:a16="http://schemas.microsoft.com/office/drawing/2014/main" id="{E8846563-2D71-494C-A56D-541128D042BB}"/>
-              </a:ext>
-            </a:extLst>
-          </p:cNvPr>
-          <p:cNvSpPr>
-            <a:spLocks noGrp="1"/>
+            <a:endParaRPr lang="en-US" dirty="0"/>
+          </a:p>
+        </p:txBody>
+      </p:sp>
+      <p:sp>
+        <p:nvSpPr>
+          <p:cNvPr id="3" name="Picture Placeholder 2"/>
+          <p:cNvSpPr>
+            <a:spLocks noGrp="1" noChangeAspect="1"/>
           </p:cNvSpPr>
           <p:nvPr>
             <p:ph type="pic" idx="1"/>
@@ -2544,118 +4432,120 @@
         </p:nvSpPr>
         <p:spPr>
           <a:xfrm>
-            <a:off x="5183188" y="987425"/>
-            <a:ext cx="6172200" cy="4873625"/>
+            <a:off x="677334" y="609600"/>
+            <a:ext cx="8596668" cy="3845718"/>
           </a:xfrm>
         </p:spPr>
         <p:txBody>
-          <a:bodyPr/>
+          <a:bodyPr anchor="t">
+            <a:normAutofit/>
+          </a:bodyPr>
           <a:lstStyle>
-            <a:lvl1pPr marL="0" indent="0">
-              <a:buNone/>
-              <a:defRPr sz="3200"/>
-            </a:lvl1pPr>
-            <a:lvl2pPr marL="457200" indent="0">
-              <a:buNone/>
-              <a:defRPr sz="2800"/>
-            </a:lvl2pPr>
-            <a:lvl3pPr marL="914400" indent="0">
-              <a:buNone/>
-              <a:defRPr sz="2400"/>
-            </a:lvl3pPr>
-            <a:lvl4pPr marL="1371600" indent="0">
-              <a:buNone/>
-              <a:defRPr sz="2000"/>
-            </a:lvl4pPr>
-            <a:lvl5pPr marL="1828800" indent="0">
-              <a:buNone/>
-              <a:defRPr sz="2000"/>
-            </a:lvl5pPr>
-            <a:lvl6pPr marL="2286000" indent="0">
-              <a:buNone/>
-              <a:defRPr sz="2000"/>
-            </a:lvl6pPr>
-            <a:lvl7pPr marL="2743200" indent="0">
-              <a:buNone/>
-              <a:defRPr sz="2000"/>
-            </a:lvl7pPr>
-            <a:lvl8pPr marL="3200400" indent="0">
-              <a:buNone/>
-              <a:defRPr sz="2000"/>
-            </a:lvl8pPr>
-            <a:lvl9pPr marL="3657600" indent="0">
-              <a:buNone/>
-              <a:defRPr sz="2000"/>
-            </a:lvl9pPr>
-          </a:lstStyle>
-          <a:p>
-            <a:endParaRPr lang="en-IN"/>
-          </a:p>
-        </p:txBody>
-      </p:sp>
-      <p:sp>
-        <p:nvSpPr>
-          <p:cNvPr id="4" name="Text Placeholder 3">
-            <a:extLst>
-              <a:ext uri="{FF2B5EF4-FFF2-40B4-BE49-F238E27FC236}">
-                <a16:creationId xmlns:a16="http://schemas.microsoft.com/office/drawing/2014/main" id="{3B38A444-BFCD-4EA3-A1BE-8F55428DD37D}"/>
-              </a:ext>
-            </a:extLst>
-          </p:cNvPr>
-          <p:cNvSpPr>
-            <a:spLocks noGrp="1"/>
-          </p:cNvSpPr>
-          <p:nvPr>
-            <p:ph type="body" sz="half" idx="2"/>
-          </p:nvPr>
-        </p:nvSpPr>
-        <p:spPr>
-          <a:xfrm>
-            <a:off x="839788" y="2057400"/>
-            <a:ext cx="3932237" cy="3811588"/>
-          </a:xfrm>
-        </p:spPr>
-        <p:txBody>
-          <a:bodyPr/>
-          <a:lstStyle>
-            <a:lvl1pPr marL="0" indent="0">
+            <a:lvl1pPr marL="0" indent="0" algn="ctr">
               <a:buNone/>
               <a:defRPr sz="1600"/>
             </a:lvl1pPr>
             <a:lvl2pPr marL="457200" indent="0">
               <a:buNone/>
-              <a:defRPr sz="1400"/>
+              <a:defRPr sz="1600"/>
             </a:lvl2pPr>
             <a:lvl3pPr marL="914400" indent="0">
               <a:buNone/>
-              <a:defRPr sz="1200"/>
+              <a:defRPr sz="1600"/>
             </a:lvl3pPr>
             <a:lvl4pPr marL="1371600" indent="0">
               <a:buNone/>
-              <a:defRPr sz="1000"/>
+              <a:defRPr sz="1600"/>
             </a:lvl4pPr>
             <a:lvl5pPr marL="1828800" indent="0">
               <a:buNone/>
-              <a:defRPr sz="1000"/>
+              <a:defRPr sz="1600"/>
             </a:lvl5pPr>
             <a:lvl6pPr marL="2286000" indent="0">
               <a:buNone/>
-              <a:defRPr sz="1000"/>
+              <a:defRPr sz="1600"/>
             </a:lvl6pPr>
             <a:lvl7pPr marL="2743200" indent="0">
               <a:buNone/>
-              <a:defRPr sz="1000"/>
+              <a:defRPr sz="1600"/>
             </a:lvl7pPr>
             <a:lvl8pPr marL="3200400" indent="0">
               <a:buNone/>
-              <a:defRPr sz="1000"/>
+              <a:defRPr sz="1600"/>
             </a:lvl8pPr>
             <a:lvl9pPr marL="3657600" indent="0">
               <a:buNone/>
-              <a:defRPr sz="1000"/>
+              <a:defRPr sz="1600"/>
             </a:lvl9pPr>
           </a:lstStyle>
           <a:p>
+            <a:r>
+              <a:rPr lang="en-US"/>
+              <a:t>Click icon to add picture</a:t>
+            </a:r>
+            <a:endParaRPr lang="en-US" dirty="0"/>
+          </a:p>
+        </p:txBody>
+      </p:sp>
+      <p:sp>
+        <p:nvSpPr>
+          <p:cNvPr id="4" name="Text Placeholder 3"/>
+          <p:cNvSpPr>
+            <a:spLocks noGrp="1"/>
+          </p:cNvSpPr>
+          <p:nvPr>
+            <p:ph type="body" sz="half" idx="2"/>
+          </p:nvPr>
+        </p:nvSpPr>
+        <p:spPr>
+          <a:xfrm>
+            <a:off x="677334" y="5367338"/>
+            <a:ext cx="8596667" cy="674024"/>
+          </a:xfrm>
+        </p:spPr>
+        <p:txBody>
+          <a:bodyPr>
+            <a:normAutofit/>
+          </a:bodyPr>
+          <a:lstStyle>
+            <a:lvl1pPr marL="0" indent="0">
+              <a:buNone/>
+              <a:defRPr sz="1200"/>
+            </a:lvl1pPr>
+            <a:lvl2pPr marL="457200" indent="0">
+              <a:buNone/>
+              <a:defRPr sz="1200"/>
+            </a:lvl2pPr>
+            <a:lvl3pPr marL="914400" indent="0">
+              <a:buNone/>
+              <a:defRPr sz="1000"/>
+            </a:lvl3pPr>
+            <a:lvl4pPr marL="1371600" indent="0">
+              <a:buNone/>
+              <a:defRPr sz="900"/>
+            </a:lvl4pPr>
+            <a:lvl5pPr marL="1828800" indent="0">
+              <a:buNone/>
+              <a:defRPr sz="900"/>
+            </a:lvl5pPr>
+            <a:lvl6pPr marL="2286000" indent="0">
+              <a:buNone/>
+              <a:defRPr sz="900"/>
+            </a:lvl6pPr>
+            <a:lvl7pPr marL="2743200" indent="0">
+              <a:buNone/>
+              <a:defRPr sz="900"/>
+            </a:lvl7pPr>
+            <a:lvl8pPr marL="3200400" indent="0">
+              <a:buNone/>
+              <a:defRPr sz="900"/>
+            </a:lvl8pPr>
+            <a:lvl9pPr marL="3657600" indent="0">
+              <a:buNone/>
+              <a:defRPr sz="900"/>
+            </a:lvl9pPr>
+          </a:lstStyle>
+          <a:p>
             <a:pPr lvl="0"/>
             <a:r>
               <a:rPr lang="en-US"/>
@@ -2666,13 +4556,7 @@
       </p:sp>
       <p:sp>
         <p:nvSpPr>
-          <p:cNvPr id="5" name="Date Placeholder 4">
-            <a:extLst>
-              <a:ext uri="{FF2B5EF4-FFF2-40B4-BE49-F238E27FC236}">
-                <a16:creationId xmlns:a16="http://schemas.microsoft.com/office/drawing/2014/main" id="{950CE60E-3787-4FE2-8856-C0C0FBB44222}"/>
-              </a:ext>
-            </a:extLst>
-          </p:cNvPr>
+          <p:cNvPr id="5" name="Date Placeholder 4"/>
           <p:cNvSpPr>
             <a:spLocks noGrp="1"/>
           </p:cNvSpPr>
@@ -2687,7 +4571,7 @@
           <a:p>
             <a:fld id="{75E69215-EAA4-4F90-9BCE-10367BACC5EF}" type="datetimeFigureOut">
               <a:rPr lang="en-IN" smtClean="0"/>
-              <a:t>14-11-2020</a:t>
+              <a:t>17-11-2020</a:t>
             </a:fld>
             <a:endParaRPr lang="en-IN"/>
           </a:p>
@@ -2695,13 +4579,7 @@
       </p:sp>
       <p:sp>
         <p:nvSpPr>
-          <p:cNvPr id="6" name="Footer Placeholder 5">
-            <a:extLst>
-              <a:ext uri="{FF2B5EF4-FFF2-40B4-BE49-F238E27FC236}">
-                <a16:creationId xmlns:a16="http://schemas.microsoft.com/office/drawing/2014/main" id="{BADA6D8C-5B4F-4D70-B11F-C9D3FC2CAD5B}"/>
-              </a:ext>
-            </a:extLst>
-          </p:cNvPr>
+          <p:cNvPr id="6" name="Footer Placeholder 5"/>
           <p:cNvSpPr>
             <a:spLocks noGrp="1"/>
           </p:cNvSpPr>
@@ -2720,13 +4598,7 @@
       </p:sp>
       <p:sp>
         <p:nvSpPr>
-          <p:cNvPr id="7" name="Slide Number Placeholder 6">
-            <a:extLst>
-              <a:ext uri="{FF2B5EF4-FFF2-40B4-BE49-F238E27FC236}">
-                <a16:creationId xmlns:a16="http://schemas.microsoft.com/office/drawing/2014/main" id="{8F900569-9E60-47D7-8CAC-75D1EC8FC64C}"/>
-              </a:ext>
-            </a:extLst>
-          </p:cNvPr>
+          <p:cNvPr id="7" name="Slide Number Placeholder 6"/>
           <p:cNvSpPr>
             <a:spLocks noGrp="1"/>
           </p:cNvSpPr>
@@ -2750,7 +4622,7 @@
     </p:spTree>
     <p:extLst>
       <p:ext uri="{BB962C8B-B14F-4D97-AF65-F5344CB8AC3E}">
-        <p14:creationId xmlns:p14="http://schemas.microsoft.com/office/powerpoint/2010/main" val="2804314347"/>
+        <p14:creationId xmlns:p14="http://schemas.microsoft.com/office/powerpoint/2010/main" val="531359091"/>
       </p:ext>
     </p:extLst>
   </p:cSld>
@@ -2782,15 +4654,539 @@
           <a:chExt cx="0" cy="0"/>
         </a:xfrm>
       </p:grpSpPr>
-      <p:sp>
-        <p:nvSpPr>
-          <p:cNvPr id="2" name="Title Placeholder 1">
-            <a:extLst>
-              <a:ext uri="{FF2B5EF4-FFF2-40B4-BE49-F238E27FC236}">
-                <a16:creationId xmlns:a16="http://schemas.microsoft.com/office/drawing/2014/main" id="{43578AFE-3D7D-4A89-8C7E-BFE937B766D2}"/>
-              </a:ext>
-            </a:extLst>
-          </p:cNvPr>
+      <p:grpSp>
+        <p:nvGrpSpPr>
+          <p:cNvPr id="7" name="Group 6"/>
+          <p:cNvGrpSpPr/>
+          <p:nvPr/>
+        </p:nvGrpSpPr>
+        <p:grpSpPr>
+          <a:xfrm>
+            <a:off x="0" y="-8467"/>
+            <a:ext cx="12192000" cy="6866467"/>
+            <a:chOff x="0" y="-8467"/>
+            <a:chExt cx="12192000" cy="6866467"/>
+          </a:xfrm>
+        </p:grpSpPr>
+        <p:cxnSp>
+          <p:nvCxnSpPr>
+            <p:cNvPr id="20" name="Straight Connector 19"/>
+            <p:cNvCxnSpPr/>
+            <p:nvPr/>
+          </p:nvCxnSpPr>
+          <p:spPr>
+            <a:xfrm>
+              <a:off x="9371012" y="0"/>
+              <a:ext cx="1219200" cy="6858000"/>
+            </a:xfrm>
+            <a:prstGeom prst="line">
+              <a:avLst/>
+            </a:prstGeom>
+            <a:ln w="9525">
+              <a:solidFill>
+                <a:schemeClr val="bg1">
+                  <a:lumMod val="75000"/>
+                </a:schemeClr>
+              </a:solidFill>
+            </a:ln>
+          </p:spPr>
+          <p:style>
+            <a:lnRef idx="2">
+              <a:schemeClr val="accent1"/>
+            </a:lnRef>
+            <a:fillRef idx="0">
+              <a:schemeClr val="accent1"/>
+            </a:fillRef>
+            <a:effectRef idx="1">
+              <a:schemeClr val="accent1"/>
+            </a:effectRef>
+            <a:fontRef idx="minor">
+              <a:schemeClr val="tx1"/>
+            </a:fontRef>
+          </p:style>
+        </p:cxnSp>
+        <p:cxnSp>
+          <p:nvCxnSpPr>
+            <p:cNvPr id="21" name="Straight Connector 20"/>
+            <p:cNvCxnSpPr/>
+            <p:nvPr/>
+          </p:nvCxnSpPr>
+          <p:spPr>
+            <a:xfrm flipH="1">
+              <a:off x="7425267" y="3681413"/>
+              <a:ext cx="4763558" cy="3176587"/>
+            </a:xfrm>
+            <a:prstGeom prst="line">
+              <a:avLst/>
+            </a:prstGeom>
+            <a:ln w="9525">
+              <a:solidFill>
+                <a:schemeClr val="bg1">
+                  <a:lumMod val="85000"/>
+                </a:schemeClr>
+              </a:solidFill>
+            </a:ln>
+          </p:spPr>
+          <p:style>
+            <a:lnRef idx="2">
+              <a:schemeClr val="accent1"/>
+            </a:lnRef>
+            <a:fillRef idx="0">
+              <a:schemeClr val="accent1"/>
+            </a:fillRef>
+            <a:effectRef idx="1">
+              <a:schemeClr val="accent1"/>
+            </a:effectRef>
+            <a:fontRef idx="minor">
+              <a:schemeClr val="tx1"/>
+            </a:fontRef>
+          </p:style>
+        </p:cxnSp>
+        <p:sp>
+          <p:nvSpPr>
+            <p:cNvPr id="22" name="Rectangle 23"/>
+            <p:cNvSpPr/>
+            <p:nvPr/>
+          </p:nvSpPr>
+          <p:spPr>
+            <a:xfrm>
+              <a:off x="9181476" y="-8467"/>
+              <a:ext cx="3007349" cy="6866467"/>
+            </a:xfrm>
+            <a:custGeom>
+              <a:avLst/>
+              <a:gdLst/>
+              <a:ahLst/>
+              <a:cxnLst/>
+              <a:rect l="l" t="t" r="r" b="b"/>
+              <a:pathLst>
+                <a:path w="3007349" h="6866467">
+                  <a:moveTo>
+                    <a:pt x="2045532" y="0"/>
+                  </a:moveTo>
+                  <a:lnTo>
+                    <a:pt x="3007349" y="0"/>
+                  </a:lnTo>
+                  <a:lnTo>
+                    <a:pt x="3007349" y="6866467"/>
+                  </a:lnTo>
+                  <a:lnTo>
+                    <a:pt x="0" y="6866467"/>
+                  </a:lnTo>
+                  <a:lnTo>
+                    <a:pt x="2045532" y="0"/>
+                  </a:lnTo>
+                  <a:close/>
+                </a:path>
+              </a:pathLst>
+            </a:custGeom>
+            <a:solidFill>
+              <a:schemeClr val="accent1">
+                <a:alpha val="30000"/>
+              </a:schemeClr>
+            </a:solidFill>
+            <a:ln>
+              <a:noFill/>
+            </a:ln>
+            <a:effectLst/>
+          </p:spPr>
+          <p:style>
+            <a:lnRef idx="1">
+              <a:schemeClr val="accent1"/>
+            </a:lnRef>
+            <a:fillRef idx="3">
+              <a:schemeClr val="accent1"/>
+            </a:fillRef>
+            <a:effectRef idx="2">
+              <a:schemeClr val="accent1"/>
+            </a:effectRef>
+            <a:fontRef idx="minor">
+              <a:schemeClr val="lt1"/>
+            </a:fontRef>
+          </p:style>
+        </p:sp>
+        <p:sp>
+          <p:nvSpPr>
+            <p:cNvPr id="23" name="Rectangle 25"/>
+            <p:cNvSpPr/>
+            <p:nvPr/>
+          </p:nvSpPr>
+          <p:spPr>
+            <a:xfrm>
+              <a:off x="9603442" y="-8467"/>
+              <a:ext cx="2588558" cy="6866467"/>
+            </a:xfrm>
+            <a:custGeom>
+              <a:avLst/>
+              <a:gdLst/>
+              <a:ahLst/>
+              <a:cxnLst/>
+              <a:rect l="l" t="t" r="r" b="b"/>
+              <a:pathLst>
+                <a:path w="2573311" h="6866467">
+                  <a:moveTo>
+                    <a:pt x="0" y="0"/>
+                  </a:moveTo>
+                  <a:lnTo>
+                    <a:pt x="2573311" y="0"/>
+                  </a:lnTo>
+                  <a:lnTo>
+                    <a:pt x="2573311" y="6866467"/>
+                  </a:lnTo>
+                  <a:lnTo>
+                    <a:pt x="1202336" y="6866467"/>
+                  </a:lnTo>
+                  <a:lnTo>
+                    <a:pt x="0" y="0"/>
+                  </a:lnTo>
+                  <a:close/>
+                </a:path>
+              </a:pathLst>
+            </a:custGeom>
+            <a:solidFill>
+              <a:schemeClr val="accent1">
+                <a:alpha val="20000"/>
+              </a:schemeClr>
+            </a:solidFill>
+            <a:ln>
+              <a:noFill/>
+            </a:ln>
+            <a:effectLst/>
+          </p:spPr>
+          <p:style>
+            <a:lnRef idx="1">
+              <a:schemeClr val="accent1"/>
+            </a:lnRef>
+            <a:fillRef idx="3">
+              <a:schemeClr val="accent1"/>
+            </a:fillRef>
+            <a:effectRef idx="2">
+              <a:schemeClr val="accent1"/>
+            </a:effectRef>
+            <a:fontRef idx="minor">
+              <a:schemeClr val="lt1"/>
+            </a:fontRef>
+          </p:style>
+        </p:sp>
+        <p:sp>
+          <p:nvSpPr>
+            <p:cNvPr id="24" name="Isosceles Triangle 23"/>
+            <p:cNvSpPr/>
+            <p:nvPr/>
+          </p:nvSpPr>
+          <p:spPr>
+            <a:xfrm>
+              <a:off x="8932333" y="3048000"/>
+              <a:ext cx="3259667" cy="3810000"/>
+            </a:xfrm>
+            <a:prstGeom prst="triangle">
+              <a:avLst>
+                <a:gd name="adj" fmla="val 100000"/>
+              </a:avLst>
+            </a:prstGeom>
+            <a:solidFill>
+              <a:schemeClr val="accent2">
+                <a:alpha val="72000"/>
+              </a:schemeClr>
+            </a:solidFill>
+            <a:ln>
+              <a:noFill/>
+            </a:ln>
+            <a:effectLst/>
+          </p:spPr>
+          <p:style>
+            <a:lnRef idx="1">
+              <a:schemeClr val="accent1"/>
+            </a:lnRef>
+            <a:fillRef idx="3">
+              <a:schemeClr val="accent1"/>
+            </a:fillRef>
+            <a:effectRef idx="2">
+              <a:schemeClr val="accent1"/>
+            </a:effectRef>
+            <a:fontRef idx="minor">
+              <a:schemeClr val="lt1"/>
+            </a:fontRef>
+          </p:style>
+        </p:sp>
+        <p:sp>
+          <p:nvSpPr>
+            <p:cNvPr id="25" name="Rectangle 27"/>
+            <p:cNvSpPr/>
+            <p:nvPr/>
+          </p:nvSpPr>
+          <p:spPr>
+            <a:xfrm>
+              <a:off x="9334500" y="-8467"/>
+              <a:ext cx="2854326" cy="6866467"/>
+            </a:xfrm>
+            <a:custGeom>
+              <a:avLst/>
+              <a:gdLst/>
+              <a:ahLst/>
+              <a:cxnLst/>
+              <a:rect l="l" t="t" r="r" b="b"/>
+              <a:pathLst>
+                <a:path w="2858013" h="6866467">
+                  <a:moveTo>
+                    <a:pt x="0" y="0"/>
+                  </a:moveTo>
+                  <a:lnTo>
+                    <a:pt x="2858013" y="0"/>
+                  </a:lnTo>
+                  <a:lnTo>
+                    <a:pt x="2858013" y="6866467"/>
+                  </a:lnTo>
+                  <a:lnTo>
+                    <a:pt x="2473942" y="6866467"/>
+                  </a:lnTo>
+                  <a:lnTo>
+                    <a:pt x="0" y="0"/>
+                  </a:lnTo>
+                  <a:close/>
+                </a:path>
+              </a:pathLst>
+            </a:custGeom>
+            <a:solidFill>
+              <a:schemeClr val="accent2">
+                <a:lumMod val="75000"/>
+                <a:alpha val="70000"/>
+              </a:schemeClr>
+            </a:solidFill>
+            <a:ln>
+              <a:noFill/>
+            </a:ln>
+            <a:effectLst/>
+          </p:spPr>
+          <p:style>
+            <a:lnRef idx="1">
+              <a:schemeClr val="accent1"/>
+            </a:lnRef>
+            <a:fillRef idx="3">
+              <a:schemeClr val="accent1"/>
+            </a:fillRef>
+            <a:effectRef idx="2">
+              <a:schemeClr val="accent1"/>
+            </a:effectRef>
+            <a:fontRef idx="minor">
+              <a:schemeClr val="lt1"/>
+            </a:fontRef>
+          </p:style>
+        </p:sp>
+        <p:sp>
+          <p:nvSpPr>
+            <p:cNvPr id="26" name="Rectangle 28"/>
+            <p:cNvSpPr/>
+            <p:nvPr/>
+          </p:nvSpPr>
+          <p:spPr>
+            <a:xfrm>
+              <a:off x="10898730" y="-8467"/>
+              <a:ext cx="1290094" cy="6866467"/>
+            </a:xfrm>
+            <a:custGeom>
+              <a:avLst/>
+              <a:gdLst/>
+              <a:ahLst/>
+              <a:cxnLst/>
+              <a:rect l="l" t="t" r="r" b="b"/>
+              <a:pathLst>
+                <a:path w="1290094" h="6858000">
+                  <a:moveTo>
+                    <a:pt x="1019735" y="0"/>
+                  </a:moveTo>
+                  <a:lnTo>
+                    <a:pt x="1290094" y="0"/>
+                  </a:lnTo>
+                  <a:lnTo>
+                    <a:pt x="1290094" y="6858000"/>
+                  </a:lnTo>
+                  <a:lnTo>
+                    <a:pt x="0" y="6858000"/>
+                  </a:lnTo>
+                  <a:lnTo>
+                    <a:pt x="1019735" y="0"/>
+                  </a:lnTo>
+                  <a:close/>
+                </a:path>
+              </a:pathLst>
+            </a:custGeom>
+            <a:solidFill>
+              <a:schemeClr val="accent1">
+                <a:lumMod val="60000"/>
+                <a:lumOff val="40000"/>
+                <a:alpha val="70000"/>
+              </a:schemeClr>
+            </a:solidFill>
+            <a:ln>
+              <a:noFill/>
+            </a:ln>
+            <a:effectLst/>
+          </p:spPr>
+          <p:style>
+            <a:lnRef idx="1">
+              <a:schemeClr val="accent1"/>
+            </a:lnRef>
+            <a:fillRef idx="3">
+              <a:schemeClr val="accent1"/>
+            </a:fillRef>
+            <a:effectRef idx="2">
+              <a:schemeClr val="accent1"/>
+            </a:effectRef>
+            <a:fontRef idx="minor">
+              <a:schemeClr val="lt1"/>
+            </a:fontRef>
+          </p:style>
+        </p:sp>
+        <p:sp>
+          <p:nvSpPr>
+            <p:cNvPr id="27" name="Rectangle 29"/>
+            <p:cNvSpPr/>
+            <p:nvPr/>
+          </p:nvSpPr>
+          <p:spPr>
+            <a:xfrm>
+              <a:off x="10938999" y="-8467"/>
+              <a:ext cx="1249825" cy="6866467"/>
+            </a:xfrm>
+            <a:custGeom>
+              <a:avLst/>
+              <a:gdLst/>
+              <a:ahLst/>
+              <a:cxnLst/>
+              <a:rect l="l" t="t" r="r" b="b"/>
+              <a:pathLst>
+                <a:path w="1249825" h="6858000">
+                  <a:moveTo>
+                    <a:pt x="0" y="0"/>
+                  </a:moveTo>
+                  <a:lnTo>
+                    <a:pt x="1249825" y="0"/>
+                  </a:lnTo>
+                  <a:lnTo>
+                    <a:pt x="1249825" y="6858000"/>
+                  </a:lnTo>
+                  <a:lnTo>
+                    <a:pt x="1109382" y="6858000"/>
+                  </a:lnTo>
+                  <a:lnTo>
+                    <a:pt x="0" y="0"/>
+                  </a:lnTo>
+                  <a:close/>
+                </a:path>
+              </a:pathLst>
+            </a:custGeom>
+            <a:solidFill>
+              <a:schemeClr val="accent1">
+                <a:alpha val="65000"/>
+              </a:schemeClr>
+            </a:solidFill>
+            <a:ln>
+              <a:noFill/>
+            </a:ln>
+            <a:effectLst/>
+          </p:spPr>
+          <p:style>
+            <a:lnRef idx="1">
+              <a:schemeClr val="accent1"/>
+            </a:lnRef>
+            <a:fillRef idx="3">
+              <a:schemeClr val="accent1"/>
+            </a:fillRef>
+            <a:effectRef idx="2">
+              <a:schemeClr val="accent1"/>
+            </a:effectRef>
+            <a:fontRef idx="minor">
+              <a:schemeClr val="lt1"/>
+            </a:fontRef>
+          </p:style>
+        </p:sp>
+        <p:sp>
+          <p:nvSpPr>
+            <p:cNvPr id="28" name="Isosceles Triangle 27"/>
+            <p:cNvSpPr/>
+            <p:nvPr/>
+          </p:nvSpPr>
+          <p:spPr>
+            <a:xfrm>
+              <a:off x="10371666" y="3589867"/>
+              <a:ext cx="1817159" cy="3268133"/>
+            </a:xfrm>
+            <a:prstGeom prst="triangle">
+              <a:avLst>
+                <a:gd name="adj" fmla="val 100000"/>
+              </a:avLst>
+            </a:prstGeom>
+            <a:solidFill>
+              <a:schemeClr val="accent1">
+                <a:alpha val="80000"/>
+              </a:schemeClr>
+            </a:solidFill>
+            <a:ln>
+              <a:noFill/>
+            </a:ln>
+            <a:effectLst/>
+          </p:spPr>
+          <p:style>
+            <a:lnRef idx="1">
+              <a:schemeClr val="accent1"/>
+            </a:lnRef>
+            <a:fillRef idx="3">
+              <a:schemeClr val="accent1"/>
+            </a:fillRef>
+            <a:effectRef idx="2">
+              <a:schemeClr val="accent1"/>
+            </a:effectRef>
+            <a:fontRef idx="minor">
+              <a:schemeClr val="lt1"/>
+            </a:fontRef>
+          </p:style>
+        </p:sp>
+        <p:sp>
+          <p:nvSpPr>
+            <p:cNvPr id="29" name="Isosceles Triangle 28"/>
+            <p:cNvSpPr/>
+            <p:nvPr/>
+          </p:nvSpPr>
+          <p:spPr>
+            <a:xfrm>
+              <a:off x="0" y="4013200"/>
+              <a:ext cx="448733" cy="2844800"/>
+            </a:xfrm>
+            <a:prstGeom prst="triangle">
+              <a:avLst>
+                <a:gd name="adj" fmla="val 0"/>
+              </a:avLst>
+            </a:prstGeom>
+            <a:solidFill>
+              <a:schemeClr val="accent1">
+                <a:alpha val="85000"/>
+              </a:schemeClr>
+            </a:solidFill>
+            <a:ln>
+              <a:noFill/>
+            </a:ln>
+            <a:effectLst/>
+          </p:spPr>
+          <p:style>
+            <a:lnRef idx="1">
+              <a:schemeClr val="accent1"/>
+            </a:lnRef>
+            <a:fillRef idx="3">
+              <a:schemeClr val="accent1"/>
+            </a:fillRef>
+            <a:effectRef idx="2">
+              <a:schemeClr val="accent1"/>
+            </a:effectRef>
+            <a:fontRef idx="minor">
+              <a:schemeClr val="lt1"/>
+            </a:fontRef>
+          </p:style>
+        </p:sp>
+      </p:grpSp>
+      <p:sp>
+        <p:nvSpPr>
+          <p:cNvPr id="2" name="Title Placeholder 1"/>
           <p:cNvSpPr>
             <a:spLocks noGrp="1"/>
           </p:cNvSpPr>
@@ -2800,15 +5196,15 @@
         </p:nvSpPr>
         <p:spPr>
           <a:xfrm>
-            <a:off x="838200" y="365125"/>
-            <a:ext cx="10515600" cy="1325563"/>
+            <a:off x="677334" y="609600"/>
+            <a:ext cx="8596668" cy="1320800"/>
           </a:xfrm>
           <a:prstGeom prst="rect">
             <a:avLst/>
           </a:prstGeom>
         </p:spPr>
         <p:txBody>
-          <a:bodyPr vert="horz" lIns="91440" tIns="45720" rIns="91440" bIns="45720" rtlCol="0" anchor="ctr">
+          <a:bodyPr vert="horz" lIns="91440" tIns="45720" rIns="91440" bIns="45720" rtlCol="0" anchor="t">
             <a:normAutofit/>
           </a:bodyPr>
           <a:lstStyle/>
@@ -2817,19 +5213,13 @@
               <a:rPr lang="en-US"/>
               <a:t>Click to edit Master title style</a:t>
             </a:r>
-            <a:endParaRPr lang="en-IN"/>
-          </a:p>
-        </p:txBody>
-      </p:sp>
-      <p:sp>
-        <p:nvSpPr>
-          <p:cNvPr id="3" name="Text Placeholder 2">
-            <a:extLst>
-              <a:ext uri="{FF2B5EF4-FFF2-40B4-BE49-F238E27FC236}">
-                <a16:creationId xmlns:a16="http://schemas.microsoft.com/office/drawing/2014/main" id="{E279D5BB-D658-475D-A87E-78CD9D3A66BC}"/>
-              </a:ext>
-            </a:extLst>
-          </p:cNvPr>
+            <a:endParaRPr lang="en-US" dirty="0"/>
+          </a:p>
+        </p:txBody>
+      </p:sp>
+      <p:sp>
+        <p:nvSpPr>
+          <p:cNvPr id="3" name="Text Placeholder 2"/>
           <p:cNvSpPr>
             <a:spLocks noGrp="1"/>
           </p:cNvSpPr>
@@ -2839,8 +5229,8 @@
         </p:nvSpPr>
         <p:spPr>
           <a:xfrm>
-            <a:off x="838200" y="1825625"/>
-            <a:ext cx="10515600" cy="4351338"/>
+            <a:off x="677334" y="2160589"/>
+            <a:ext cx="8596668" cy="3880773"/>
           </a:xfrm>
           <a:prstGeom prst="rect">
             <a:avLst/>
@@ -2885,19 +5275,13 @@
               <a:rPr lang="en-US"/>
               <a:t>Fifth level</a:t>
             </a:r>
-            <a:endParaRPr lang="en-IN"/>
-          </a:p>
-        </p:txBody>
-      </p:sp>
-      <p:sp>
-        <p:nvSpPr>
-          <p:cNvPr id="4" name="Date Placeholder 3">
-            <a:extLst>
-              <a:ext uri="{FF2B5EF4-FFF2-40B4-BE49-F238E27FC236}">
-                <a16:creationId xmlns:a16="http://schemas.microsoft.com/office/drawing/2014/main" id="{80C2594D-4111-49D1-97F5-430E936D14C1}"/>
-              </a:ext>
-            </a:extLst>
-          </p:cNvPr>
+            <a:endParaRPr lang="en-US" dirty="0"/>
+          </a:p>
+        </p:txBody>
+      </p:sp>
+      <p:sp>
+        <p:nvSpPr>
+          <p:cNvPr id="4" name="Date Placeholder 3"/>
           <p:cNvSpPr>
             <a:spLocks noGrp="1"/>
           </p:cNvSpPr>
@@ -2907,8 +5291,8 @@
         </p:nvSpPr>
         <p:spPr>
           <a:xfrm>
-            <a:off x="838200" y="6356350"/>
-            <a:ext cx="2743200" cy="365125"/>
+            <a:off x="7205133" y="6041362"/>
+            <a:ext cx="911939" cy="365125"/>
           </a:xfrm>
           <a:prstGeom prst="rect">
             <a:avLst/>
@@ -2917,8 +5301,8 @@
         <p:txBody>
           <a:bodyPr vert="horz" lIns="91440" tIns="45720" rIns="91440" bIns="45720" rtlCol="0" anchor="ctr"/>
           <a:lstStyle>
-            <a:lvl1pPr algn="l">
-              <a:defRPr sz="1200">
+            <a:lvl1pPr algn="r">
+              <a:defRPr sz="900">
                 <a:solidFill>
                   <a:schemeClr val="tx1">
                     <a:tint val="75000"/>
@@ -2930,7 +5314,7 @@
           <a:p>
             <a:fld id="{75E69215-EAA4-4F90-9BCE-10367BACC5EF}" type="datetimeFigureOut">
               <a:rPr lang="en-IN" smtClean="0"/>
-              <a:t>14-11-2020</a:t>
+              <a:t>17-11-2020</a:t>
             </a:fld>
             <a:endParaRPr lang="en-IN"/>
           </a:p>
@@ -2938,13 +5322,7 @@
       </p:sp>
       <p:sp>
         <p:nvSpPr>
-          <p:cNvPr id="5" name="Footer Placeholder 4">
-            <a:extLst>
-              <a:ext uri="{FF2B5EF4-FFF2-40B4-BE49-F238E27FC236}">
-                <a16:creationId xmlns:a16="http://schemas.microsoft.com/office/drawing/2014/main" id="{3101BA1D-F18E-44CA-A1C1-E6DDA17A6DEE}"/>
-              </a:ext>
-            </a:extLst>
-          </p:cNvPr>
+          <p:cNvPr id="5" name="Footer Placeholder 4"/>
           <p:cNvSpPr>
             <a:spLocks noGrp="1"/>
           </p:cNvSpPr>
@@ -2954,8 +5332,8 @@
         </p:nvSpPr>
         <p:spPr>
           <a:xfrm>
-            <a:off x="4038600" y="6356350"/>
-            <a:ext cx="4114800" cy="365125"/>
+            <a:off x="677334" y="6041362"/>
+            <a:ext cx="6297612" cy="365125"/>
           </a:xfrm>
           <a:prstGeom prst="rect">
             <a:avLst/>
@@ -2964,8 +5342,8 @@
         <p:txBody>
           <a:bodyPr vert="horz" lIns="91440" tIns="45720" rIns="91440" bIns="45720" rtlCol="0" anchor="ctr"/>
           <a:lstStyle>
-            <a:lvl1pPr algn="ctr">
-              <a:defRPr sz="1200">
+            <a:lvl1pPr algn="l">
+              <a:defRPr sz="900">
                 <a:solidFill>
                   <a:schemeClr val="tx1">
                     <a:tint val="75000"/>
@@ -2981,13 +5359,7 @@
       </p:sp>
       <p:sp>
         <p:nvSpPr>
-          <p:cNvPr id="6" name="Slide Number Placeholder 5">
-            <a:extLst>
-              <a:ext uri="{FF2B5EF4-FFF2-40B4-BE49-F238E27FC236}">
-                <a16:creationId xmlns:a16="http://schemas.microsoft.com/office/drawing/2014/main" id="{2AA7910C-BB57-41F8-A386-971A0AA90DFD}"/>
-              </a:ext>
-            </a:extLst>
-          </p:cNvPr>
+          <p:cNvPr id="6" name="Slide Number Placeholder 5"/>
           <p:cNvSpPr>
             <a:spLocks noGrp="1"/>
           </p:cNvSpPr>
@@ -2997,8 +5369,8 @@
         </p:nvSpPr>
         <p:spPr>
           <a:xfrm>
-            <a:off x="8610600" y="6356350"/>
-            <a:ext cx="2743200" cy="365125"/>
+            <a:off x="8590663" y="6041362"/>
+            <a:ext cx="683339" cy="365125"/>
           </a:xfrm>
           <a:prstGeom prst="rect">
             <a:avLst/>
@@ -3008,11 +5380,9 @@
           <a:bodyPr vert="horz" lIns="91440" tIns="45720" rIns="91440" bIns="45720" rtlCol="0" anchor="ctr"/>
           <a:lstStyle>
             <a:lvl1pPr algn="r">
-              <a:defRPr sz="1200">
-                <a:solidFill>
-                  <a:schemeClr val="tx1">
-                    <a:tint val="75000"/>
-                  </a:schemeClr>
+              <a:defRPr sz="900">
+                <a:solidFill>
+                  <a:schemeClr val="accent1"/>
                 </a:solidFill>
               </a:defRPr>
             </a:lvl1pPr>
@@ -3029,201 +5399,322 @@
     </p:spTree>
     <p:extLst>
       <p:ext uri="{BB962C8B-B14F-4D97-AF65-F5344CB8AC3E}">
-        <p14:creationId xmlns:p14="http://schemas.microsoft.com/office/powerpoint/2010/main" val="3756040067"/>
+        <p14:creationId xmlns:p14="http://schemas.microsoft.com/office/powerpoint/2010/main" val="907630929"/>
       </p:ext>
     </p:extLst>
   </p:cSld>
   <p:clrMap bg1="lt1" tx1="dk1" bg2="lt2" tx2="dk2" accent1="accent1" accent2="accent2" accent3="accent3" accent4="accent4" accent5="accent5" accent6="accent6" hlink="hlink" folHlink="folHlink"/>
   <p:sldLayoutIdLst>
-    <p:sldLayoutId id="2147483649" r:id="rId1"/>
-    <p:sldLayoutId id="2147483650" r:id="rId2"/>
-    <p:sldLayoutId id="2147483651" r:id="rId3"/>
-    <p:sldLayoutId id="2147483652" r:id="rId4"/>
-    <p:sldLayoutId id="2147483653" r:id="rId5"/>
-    <p:sldLayoutId id="2147483654" r:id="rId6"/>
-    <p:sldLayoutId id="2147483655" r:id="rId7"/>
-    <p:sldLayoutId id="2147483656" r:id="rId8"/>
-    <p:sldLayoutId id="2147483657" r:id="rId9"/>
-    <p:sldLayoutId id="2147483658" r:id="rId10"/>
-    <p:sldLayoutId id="2147483659" r:id="rId11"/>
+    <p:sldLayoutId id="2147484009" r:id="rId1"/>
+    <p:sldLayoutId id="2147484010" r:id="rId2"/>
+    <p:sldLayoutId id="2147484011" r:id="rId3"/>
+    <p:sldLayoutId id="2147484012" r:id="rId4"/>
+    <p:sldLayoutId id="2147484013" r:id="rId5"/>
+    <p:sldLayoutId id="2147484014" r:id="rId6"/>
+    <p:sldLayoutId id="2147484015" r:id="rId7"/>
+    <p:sldLayoutId id="2147484016" r:id="rId8"/>
+    <p:sldLayoutId id="2147484017" r:id="rId9"/>
+    <p:sldLayoutId id="2147484018" r:id="rId10"/>
+    <p:sldLayoutId id="2147484019" r:id="rId11"/>
+    <p:sldLayoutId id="2147484020" r:id="rId12"/>
+    <p:sldLayoutId id="2147484021" r:id="rId13"/>
+    <p:sldLayoutId id="2147484022" r:id="rId14"/>
+    <p:sldLayoutId id="2147484023" r:id="rId15"/>
+    <p:sldLayoutId id="2147484024" r:id="rId16"/>
   </p:sldLayoutIdLst>
   <p:txStyles>
     <p:titleStyle>
-      <a:lvl1pPr algn="l" defTabSz="914400" rtl="0" eaLnBrk="1" latinLnBrk="0" hangingPunct="1">
-        <a:lnSpc>
-          <a:spcPct val="90000"/>
-        </a:lnSpc>
+      <a:lvl1pPr algn="l" defTabSz="457200" rtl="0" eaLnBrk="1" latinLnBrk="0" hangingPunct="1">
         <a:spcBef>
           <a:spcPct val="0"/>
         </a:spcBef>
         <a:buNone/>
-        <a:defRPr sz="4400" kern="1200">
+        <a:defRPr sz="3600" kern="1200">
           <a:solidFill>
-            <a:schemeClr val="tx1"/>
+            <a:schemeClr val="accent1"/>
           </a:solidFill>
           <a:latin typeface="+mj-lt"/>
           <a:ea typeface="+mj-ea"/>
           <a:cs typeface="+mj-cs"/>
         </a:defRPr>
       </a:lvl1pPr>
+      <a:lvl2pPr eaLnBrk="1" hangingPunct="1">
+        <a:defRPr>
+          <a:solidFill>
+            <a:schemeClr val="tx2"/>
+          </a:solidFill>
+        </a:defRPr>
+      </a:lvl2pPr>
+      <a:lvl3pPr eaLnBrk="1" hangingPunct="1">
+        <a:defRPr>
+          <a:solidFill>
+            <a:schemeClr val="tx2"/>
+          </a:solidFill>
+        </a:defRPr>
+      </a:lvl3pPr>
+      <a:lvl4pPr eaLnBrk="1" hangingPunct="1">
+        <a:defRPr>
+          <a:solidFill>
+            <a:schemeClr val="tx2"/>
+          </a:solidFill>
+        </a:defRPr>
+      </a:lvl4pPr>
+      <a:lvl5pPr eaLnBrk="1" hangingPunct="1">
+        <a:defRPr>
+          <a:solidFill>
+            <a:schemeClr val="tx2"/>
+          </a:solidFill>
+        </a:defRPr>
+      </a:lvl5pPr>
+      <a:lvl6pPr eaLnBrk="1" hangingPunct="1">
+        <a:defRPr>
+          <a:solidFill>
+            <a:schemeClr val="tx2"/>
+          </a:solidFill>
+        </a:defRPr>
+      </a:lvl6pPr>
+      <a:lvl7pPr eaLnBrk="1" hangingPunct="1">
+        <a:defRPr>
+          <a:solidFill>
+            <a:schemeClr val="tx2"/>
+          </a:solidFill>
+        </a:defRPr>
+      </a:lvl7pPr>
+      <a:lvl8pPr eaLnBrk="1" hangingPunct="1">
+        <a:defRPr>
+          <a:solidFill>
+            <a:schemeClr val="tx2"/>
+          </a:solidFill>
+        </a:defRPr>
+      </a:lvl8pPr>
+      <a:lvl9pPr eaLnBrk="1" hangingPunct="1">
+        <a:defRPr>
+          <a:solidFill>
+            <a:schemeClr val="tx2"/>
+          </a:solidFill>
+        </a:defRPr>
+      </a:lvl9pPr>
     </p:titleStyle>
     <p:bodyStyle>
-      <a:lvl1pPr marL="228600" indent="-228600" algn="l" defTabSz="914400" rtl="0" eaLnBrk="1" latinLnBrk="0" hangingPunct="1">
-        <a:lnSpc>
-          <a:spcPct val="90000"/>
-        </a:lnSpc>
+      <a:lvl1pPr marL="342900" indent="-342900" algn="l" defTabSz="457200" rtl="0" eaLnBrk="1" latinLnBrk="0" hangingPunct="1">
         <a:spcBef>
           <a:spcPts val="1000"/>
         </a:spcBef>
-        <a:buFont typeface="Arial" panose="020B0604020202020204" pitchFamily="34" charset="0"/>
-        <a:buChar char="•"/>
-        <a:defRPr sz="2800" kern="1200">
+        <a:spcAft>
+          <a:spcPts val="0"/>
+        </a:spcAft>
+        <a:buClr>
+          <a:schemeClr val="accent1"/>
+        </a:buClr>
+        <a:buSzPct val="80000"/>
+        <a:buFont typeface="Wingdings 3" charset="2"/>
+        <a:buChar char=""/>
+        <a:defRPr sz="1800" kern="1200">
           <a:solidFill>
-            <a:schemeClr val="tx1"/>
+            <a:schemeClr val="tx1">
+              <a:lumMod val="75000"/>
+              <a:lumOff val="25000"/>
+            </a:schemeClr>
           </a:solidFill>
           <a:latin typeface="+mn-lt"/>
           <a:ea typeface="+mn-ea"/>
           <a:cs typeface="+mn-cs"/>
         </a:defRPr>
       </a:lvl1pPr>
-      <a:lvl2pPr marL="685800" indent="-228600" algn="l" defTabSz="914400" rtl="0" eaLnBrk="1" latinLnBrk="0" hangingPunct="1">
-        <a:lnSpc>
-          <a:spcPct val="90000"/>
-        </a:lnSpc>
+      <a:lvl2pPr marL="742950" indent="-285750" algn="l" defTabSz="457200" rtl="0" eaLnBrk="1" latinLnBrk="0" hangingPunct="1">
         <a:spcBef>
-          <a:spcPts val="500"/>
+          <a:spcPts val="1000"/>
         </a:spcBef>
-        <a:buFont typeface="Arial" panose="020B0604020202020204" pitchFamily="34" charset="0"/>
-        <a:buChar char="•"/>
-        <a:defRPr sz="2400" kern="1200">
+        <a:spcAft>
+          <a:spcPts val="0"/>
+        </a:spcAft>
+        <a:buClr>
+          <a:schemeClr val="accent1"/>
+        </a:buClr>
+        <a:buSzPct val="80000"/>
+        <a:buFont typeface="Wingdings 3" charset="2"/>
+        <a:buChar char=""/>
+        <a:defRPr sz="1600" kern="1200">
           <a:solidFill>
-            <a:schemeClr val="tx1"/>
+            <a:schemeClr val="tx1">
+              <a:lumMod val="75000"/>
+              <a:lumOff val="25000"/>
+            </a:schemeClr>
           </a:solidFill>
           <a:latin typeface="+mn-lt"/>
           <a:ea typeface="+mn-ea"/>
           <a:cs typeface="+mn-cs"/>
         </a:defRPr>
       </a:lvl2pPr>
-      <a:lvl3pPr marL="1143000" indent="-228600" algn="l" defTabSz="914400" rtl="0" eaLnBrk="1" latinLnBrk="0" hangingPunct="1">
-        <a:lnSpc>
-          <a:spcPct val="90000"/>
-        </a:lnSpc>
+      <a:lvl3pPr marL="1143000" indent="-228600" algn="l" defTabSz="457200" rtl="0" eaLnBrk="1" latinLnBrk="0" hangingPunct="1">
         <a:spcBef>
-          <a:spcPts val="500"/>
+          <a:spcPts val="1000"/>
         </a:spcBef>
-        <a:buFont typeface="Arial" panose="020B0604020202020204" pitchFamily="34" charset="0"/>
-        <a:buChar char="•"/>
-        <a:defRPr sz="2000" kern="1200">
+        <a:spcAft>
+          <a:spcPts val="0"/>
+        </a:spcAft>
+        <a:buClr>
+          <a:schemeClr val="accent1"/>
+        </a:buClr>
+        <a:buSzPct val="80000"/>
+        <a:buFont typeface="Wingdings 3" charset="2"/>
+        <a:buChar char=""/>
+        <a:defRPr sz="1400" kern="1200">
           <a:solidFill>
-            <a:schemeClr val="tx1"/>
+            <a:schemeClr val="tx1">
+              <a:lumMod val="75000"/>
+              <a:lumOff val="25000"/>
+            </a:schemeClr>
           </a:solidFill>
           <a:latin typeface="+mn-lt"/>
           <a:ea typeface="+mn-ea"/>
           <a:cs typeface="+mn-cs"/>
         </a:defRPr>
       </a:lvl3pPr>
-      <a:lvl4pPr marL="1600200" indent="-228600" algn="l" defTabSz="914400" rtl="0" eaLnBrk="1" latinLnBrk="0" hangingPunct="1">
-        <a:lnSpc>
-          <a:spcPct val="90000"/>
-        </a:lnSpc>
+      <a:lvl4pPr marL="1600200" indent="-228600" algn="l" defTabSz="457200" rtl="0" eaLnBrk="1" latinLnBrk="0" hangingPunct="1">
         <a:spcBef>
-          <a:spcPts val="500"/>
+          <a:spcPts val="1000"/>
         </a:spcBef>
-        <a:buFont typeface="Arial" panose="020B0604020202020204" pitchFamily="34" charset="0"/>
-        <a:buChar char="•"/>
-        <a:defRPr sz="1800" kern="1200">
+        <a:spcAft>
+          <a:spcPts val="0"/>
+        </a:spcAft>
+        <a:buClr>
+          <a:schemeClr val="accent1"/>
+        </a:buClr>
+        <a:buSzPct val="80000"/>
+        <a:buFont typeface="Wingdings 3" charset="2"/>
+        <a:buChar char=""/>
+        <a:defRPr sz="1200" kern="1200">
           <a:solidFill>
-            <a:schemeClr val="tx1"/>
+            <a:schemeClr val="tx1">
+              <a:lumMod val="75000"/>
+              <a:lumOff val="25000"/>
+            </a:schemeClr>
           </a:solidFill>
           <a:latin typeface="+mn-lt"/>
           <a:ea typeface="+mn-ea"/>
           <a:cs typeface="+mn-cs"/>
         </a:defRPr>
       </a:lvl4pPr>
-      <a:lvl5pPr marL="2057400" indent="-228600" algn="l" defTabSz="914400" rtl="0" eaLnBrk="1" latinLnBrk="0" hangingPunct="1">
-        <a:lnSpc>
-          <a:spcPct val="90000"/>
-        </a:lnSpc>
+      <a:lvl5pPr marL="2057400" indent="-228600" algn="l" defTabSz="457200" rtl="0" eaLnBrk="1" latinLnBrk="0" hangingPunct="1">
         <a:spcBef>
-          <a:spcPts val="500"/>
+          <a:spcPts val="1000"/>
         </a:spcBef>
-        <a:buFont typeface="Arial" panose="020B0604020202020204" pitchFamily="34" charset="0"/>
-        <a:buChar char="•"/>
-        <a:defRPr sz="1800" kern="1200">
+        <a:spcAft>
+          <a:spcPts val="0"/>
+        </a:spcAft>
+        <a:buClr>
+          <a:schemeClr val="accent1"/>
+        </a:buClr>
+        <a:buSzPct val="80000"/>
+        <a:buFont typeface="Wingdings 3" charset="2"/>
+        <a:buChar char=""/>
+        <a:defRPr sz="1200" kern="1200">
           <a:solidFill>
-            <a:schemeClr val="tx1"/>
+            <a:schemeClr val="tx1">
+              <a:lumMod val="75000"/>
+              <a:lumOff val="25000"/>
+            </a:schemeClr>
           </a:solidFill>
           <a:latin typeface="+mn-lt"/>
           <a:ea typeface="+mn-ea"/>
           <a:cs typeface="+mn-cs"/>
         </a:defRPr>
       </a:lvl5pPr>
-      <a:lvl6pPr marL="2514600" indent="-228600" algn="l" defTabSz="914400" rtl="0" eaLnBrk="1" latinLnBrk="0" hangingPunct="1">
-        <a:lnSpc>
-          <a:spcPct val="90000"/>
-        </a:lnSpc>
+      <a:lvl6pPr marL="2514600" indent="-228600" algn="l" defTabSz="457200" rtl="0" eaLnBrk="1" latinLnBrk="0" hangingPunct="1">
         <a:spcBef>
-          <a:spcPts val="500"/>
+          <a:spcPts val="1000"/>
         </a:spcBef>
-        <a:buFont typeface="Arial" panose="020B0604020202020204" pitchFamily="34" charset="0"/>
-        <a:buChar char="•"/>
-        <a:defRPr sz="1800" kern="1200">
+        <a:spcAft>
+          <a:spcPts val="0"/>
+        </a:spcAft>
+        <a:buClr>
+          <a:schemeClr val="accent1"/>
+        </a:buClr>
+        <a:buSzPct val="80000"/>
+        <a:buFont typeface="Wingdings 3" charset="2"/>
+        <a:buChar char=""/>
+        <a:defRPr sz="1200" kern="1200">
           <a:solidFill>
-            <a:schemeClr val="tx1"/>
+            <a:schemeClr val="tx1">
+              <a:lumMod val="75000"/>
+              <a:lumOff val="25000"/>
+            </a:schemeClr>
           </a:solidFill>
           <a:latin typeface="+mn-lt"/>
           <a:ea typeface="+mn-ea"/>
           <a:cs typeface="+mn-cs"/>
         </a:defRPr>
       </a:lvl6pPr>
-      <a:lvl7pPr marL="2971800" indent="-228600" algn="l" defTabSz="914400" rtl="0" eaLnBrk="1" latinLnBrk="0" hangingPunct="1">
-        <a:lnSpc>
-          <a:spcPct val="90000"/>
-        </a:lnSpc>
+      <a:lvl7pPr marL="2971800" indent="-228600" algn="l" defTabSz="457200" rtl="0" eaLnBrk="1" latinLnBrk="0" hangingPunct="1">
         <a:spcBef>
-          <a:spcPts val="500"/>
+          <a:spcPts val="1000"/>
         </a:spcBef>
-        <a:buFont typeface="Arial" panose="020B0604020202020204" pitchFamily="34" charset="0"/>
-        <a:buChar char="•"/>
-        <a:defRPr sz="1800" kern="1200">
+        <a:spcAft>
+          <a:spcPts val="0"/>
+        </a:spcAft>
+        <a:buClr>
+          <a:schemeClr val="accent1"/>
+        </a:buClr>
+        <a:buSzPct val="80000"/>
+        <a:buFont typeface="Wingdings 3" charset="2"/>
+        <a:buChar char=""/>
+        <a:defRPr sz="1200" kern="1200">
           <a:solidFill>
-            <a:schemeClr val="tx1"/>
+            <a:schemeClr val="tx1">
+              <a:lumMod val="75000"/>
+              <a:lumOff val="25000"/>
+            </a:schemeClr>
           </a:solidFill>
           <a:latin typeface="+mn-lt"/>
           <a:ea typeface="+mn-ea"/>
           <a:cs typeface="+mn-cs"/>
         </a:defRPr>
       </a:lvl7pPr>
-      <a:lvl8pPr marL="3429000" indent="-228600" algn="l" defTabSz="914400" rtl="0" eaLnBrk="1" latinLnBrk="0" hangingPunct="1">
-        <a:lnSpc>
-          <a:spcPct val="90000"/>
-        </a:lnSpc>
+      <a:lvl8pPr marL="3429000" indent="-228600" algn="l" defTabSz="457200" rtl="0" eaLnBrk="1" latinLnBrk="0" hangingPunct="1">
         <a:spcBef>
-          <a:spcPts val="500"/>
+          <a:spcPts val="1000"/>
         </a:spcBef>
-        <a:buFont typeface="Arial" panose="020B0604020202020204" pitchFamily="34" charset="0"/>
-        <a:buChar char="•"/>
-        <a:defRPr sz="1800" kern="1200">
+        <a:spcAft>
+          <a:spcPts val="0"/>
+        </a:spcAft>
+        <a:buClr>
+          <a:schemeClr val="accent1"/>
+        </a:buClr>
+        <a:buSzPct val="80000"/>
+        <a:buFont typeface="Wingdings 3" charset="2"/>
+        <a:buChar char=""/>
+        <a:defRPr sz="1200" kern="1200">
           <a:solidFill>
-            <a:schemeClr val="tx1"/>
+            <a:schemeClr val="tx1">
+              <a:lumMod val="75000"/>
+              <a:lumOff val="25000"/>
+            </a:schemeClr>
           </a:solidFill>
           <a:latin typeface="+mn-lt"/>
           <a:ea typeface="+mn-ea"/>
           <a:cs typeface="+mn-cs"/>
         </a:defRPr>
       </a:lvl8pPr>
-      <a:lvl9pPr marL="3886200" indent="-228600" algn="l" defTabSz="914400" rtl="0" eaLnBrk="1" latinLnBrk="0" hangingPunct="1">
-        <a:lnSpc>
-          <a:spcPct val="90000"/>
-        </a:lnSpc>
+      <a:lvl9pPr marL="3886200" indent="-228600" algn="l" defTabSz="457200" rtl="0" eaLnBrk="1" latinLnBrk="0" hangingPunct="1">
         <a:spcBef>
-          <a:spcPts val="500"/>
+          <a:spcPts val="1000"/>
         </a:spcBef>
-        <a:buFont typeface="Arial" panose="020B0604020202020204" pitchFamily="34" charset="0"/>
-        <a:buChar char="•"/>
-        <a:defRPr sz="1800" kern="1200">
+        <a:spcAft>
+          <a:spcPts val="0"/>
+        </a:spcAft>
+        <a:buClr>
+          <a:schemeClr val="accent1"/>
+        </a:buClr>
+        <a:buSzPct val="80000"/>
+        <a:buFont typeface="Wingdings 3" charset="2"/>
+        <a:buChar char=""/>
+        <a:defRPr sz="1200" kern="1200">
           <a:solidFill>
-            <a:schemeClr val="tx1"/>
+            <a:schemeClr val="tx1">
+              <a:lumMod val="75000"/>
+              <a:lumOff val="25000"/>
+            </a:schemeClr>
           </a:solidFill>
           <a:latin typeface="+mn-lt"/>
           <a:ea typeface="+mn-ea"/>
@@ -3235,7 +5726,7 @@
       <a:defPPr>
         <a:defRPr lang="en-US"/>
       </a:defPPr>
-      <a:lvl1pPr marL="0" algn="l" defTabSz="914400" rtl="0" eaLnBrk="1" latinLnBrk="0" hangingPunct="1">
+      <a:lvl1pPr marL="0" algn="l" defTabSz="457200" rtl="0" eaLnBrk="1" latinLnBrk="0" hangingPunct="1">
         <a:defRPr sz="1800" kern="1200">
           <a:solidFill>
             <a:schemeClr val="tx1"/>
@@ -3245,7 +5736,7 @@
           <a:cs typeface="+mn-cs"/>
         </a:defRPr>
       </a:lvl1pPr>
-      <a:lvl2pPr marL="457200" algn="l" defTabSz="914400" rtl="0" eaLnBrk="1" latinLnBrk="0" hangingPunct="1">
+      <a:lvl2pPr marL="457200" algn="l" defTabSz="457200" rtl="0" eaLnBrk="1" latinLnBrk="0" hangingPunct="1">
         <a:defRPr sz="1800" kern="1200">
           <a:solidFill>
             <a:schemeClr val="tx1"/>
@@ -3255,7 +5746,7 @@
           <a:cs typeface="+mn-cs"/>
         </a:defRPr>
       </a:lvl2pPr>
-      <a:lvl3pPr marL="914400" algn="l" defTabSz="914400" rtl="0" eaLnBrk="1" latinLnBrk="0" hangingPunct="1">
+      <a:lvl3pPr marL="914400" algn="l" defTabSz="457200" rtl="0" eaLnBrk="1" latinLnBrk="0" hangingPunct="1">
         <a:defRPr sz="1800" kern="1200">
           <a:solidFill>
             <a:schemeClr val="tx1"/>
@@ -3265,7 +5756,7 @@
           <a:cs typeface="+mn-cs"/>
         </a:defRPr>
       </a:lvl3pPr>
-      <a:lvl4pPr marL="1371600" algn="l" defTabSz="914400" rtl="0" eaLnBrk="1" latinLnBrk="0" hangingPunct="1">
+      <a:lvl4pPr marL="1371600" algn="l" defTabSz="457200" rtl="0" eaLnBrk="1" latinLnBrk="0" hangingPunct="1">
         <a:defRPr sz="1800" kern="1200">
           <a:solidFill>
             <a:schemeClr val="tx1"/>
@@ -3275,7 +5766,7 @@
           <a:cs typeface="+mn-cs"/>
         </a:defRPr>
       </a:lvl4pPr>
-      <a:lvl5pPr marL="1828800" algn="l" defTabSz="914400" rtl="0" eaLnBrk="1" latinLnBrk="0" hangingPunct="1">
+      <a:lvl5pPr marL="1828800" algn="l" defTabSz="457200" rtl="0" eaLnBrk="1" latinLnBrk="0" hangingPunct="1">
         <a:defRPr sz="1800" kern="1200">
           <a:solidFill>
             <a:schemeClr val="tx1"/>
@@ -3285,7 +5776,7 @@
           <a:cs typeface="+mn-cs"/>
         </a:defRPr>
       </a:lvl5pPr>
-      <a:lvl6pPr marL="2286000" algn="l" defTabSz="914400" rtl="0" eaLnBrk="1" latinLnBrk="0" hangingPunct="1">
+      <a:lvl6pPr marL="2286000" algn="l" defTabSz="457200" rtl="0" eaLnBrk="1" latinLnBrk="0" hangingPunct="1">
         <a:defRPr sz="1800" kern="1200">
           <a:solidFill>
             <a:schemeClr val="tx1"/>
@@ -3295,7 +5786,7 @@
           <a:cs typeface="+mn-cs"/>
         </a:defRPr>
       </a:lvl6pPr>
-      <a:lvl7pPr marL="2743200" algn="l" defTabSz="914400" rtl="0" eaLnBrk="1" latinLnBrk="0" hangingPunct="1">
+      <a:lvl7pPr marL="2743200" algn="l" defTabSz="457200" rtl="0" eaLnBrk="1" latinLnBrk="0" hangingPunct="1">
         <a:defRPr sz="1800" kern="1200">
           <a:solidFill>
             <a:schemeClr val="tx1"/>
@@ -3305,7 +5796,7 @@
           <a:cs typeface="+mn-cs"/>
         </a:defRPr>
       </a:lvl7pPr>
-      <a:lvl8pPr marL="3200400" algn="l" defTabSz="914400" rtl="0" eaLnBrk="1" latinLnBrk="0" hangingPunct="1">
+      <a:lvl8pPr marL="3200400" algn="l" defTabSz="457200" rtl="0" eaLnBrk="1" latinLnBrk="0" hangingPunct="1">
         <a:defRPr sz="1800" kern="1200">
           <a:solidFill>
             <a:schemeClr val="tx1"/>
@@ -3315,7 +5806,7 @@
           <a:cs typeface="+mn-cs"/>
         </a:defRPr>
       </a:lvl8pPr>
-      <a:lvl9pPr marL="3657600" algn="l" defTabSz="914400" rtl="0" eaLnBrk="1" latinLnBrk="0" hangingPunct="1">
+      <a:lvl9pPr marL="3657600" algn="l" defTabSz="457200" rtl="0" eaLnBrk="1" latinLnBrk="0" hangingPunct="1">
         <a:defRPr sz="1800" kern="1200">
           <a:solidFill>
             <a:schemeClr val="tx1"/>
@@ -3333,6 +5824,35 @@
 <file path=ppt/slides/slide1.xml><?xml version="1.0" encoding="utf-8"?>
 <p:sld xmlns:a="http://schemas.openxmlformats.org/drawingml/2006/main" xmlns:r="http://schemas.openxmlformats.org/officeDocument/2006/relationships" xmlns:p="http://schemas.openxmlformats.org/presentationml/2006/main">
   <p:cSld>
+    <p:bg>
+      <p:bgPr>
+        <a:gradFill rotWithShape="1">
+          <a:gsLst>
+            <a:gs pos="0">
+              <a:schemeClr val="bg2">
+                <a:tint val="97000"/>
+                <a:hueMod val="88000"/>
+                <a:satMod val="130000"/>
+                <a:lumMod val="124000"/>
+              </a:schemeClr>
+            </a:gs>
+            <a:gs pos="100000">
+              <a:schemeClr val="bg2">
+                <a:tint val="96000"/>
+                <a:shade val="88000"/>
+                <a:hueMod val="108000"/>
+                <a:satMod val="164000"/>
+                <a:lumMod val="76000"/>
+              </a:schemeClr>
+            </a:gs>
+          </a:gsLst>
+          <a:path path="circle">
+            <a:fillToRect l="45000" t="65000" r="125000" b="100000"/>
+          </a:path>
+        </a:gradFill>
+        <a:effectLst/>
+      </p:bgPr>
+    </p:bg>
     <p:spTree>
       <p:nvGrpSpPr>
         <p:cNvPr id="1" name=""/>
@@ -3352,6 +5872,707 @@
           <p:cNvPr id="2" name="Title 1">
             <a:extLst>
               <a:ext uri="{FF2B5EF4-FFF2-40B4-BE49-F238E27FC236}">
+                <a16:creationId xmlns:a16="http://schemas.microsoft.com/office/drawing/2014/main" id="{EBDD87DA-371E-4ABA-8B3B-0DD1365CAC54}"/>
+              </a:ext>
+            </a:extLst>
+          </p:cNvPr>
+          <p:cNvSpPr>
+            <a:spLocks noGrp="1"/>
+          </p:cNvSpPr>
+          <p:nvPr>
+            <p:ph type="title"/>
+          </p:nvPr>
+        </p:nvSpPr>
+        <p:spPr>
+          <a:xfrm>
+            <a:off x="1154955" y="1447800"/>
+            <a:ext cx="6974915" cy="3329581"/>
+          </a:xfrm>
+        </p:spPr>
+        <p:txBody>
+          <a:bodyPr vert="horz" lIns="91440" tIns="45720" rIns="91440" bIns="45720" rtlCol="0" anchor="b">
+            <a:normAutofit/>
+          </a:bodyPr>
+          <a:lstStyle/>
+          <a:p>
+            <a:pPr>
+              <a:lnSpc>
+                <a:spcPct val="90000"/>
+              </a:lnSpc>
+            </a:pPr>
+            <a:r>
+              <a:rPr lang="en-US" sz="4500" b="0" i="0" kern="1200" spc="200" dirty="0">
+                <a:solidFill>
+                  <a:schemeClr val="tx2"/>
+                </a:solidFill>
+                <a:latin typeface="+mj-lt"/>
+                <a:ea typeface="+mj-ea"/>
+                <a:cs typeface="+mj-cs"/>
+              </a:rPr>
+              <a:t>Web Design &amp; Development Course</a:t>
+            </a:r>
+            <a:br>
+              <a:rPr lang="en-US" sz="4500" b="0" i="0" kern="1200" spc="200" dirty="0">
+                <a:solidFill>
+                  <a:schemeClr val="tx2"/>
+                </a:solidFill>
+                <a:latin typeface="+mj-lt"/>
+                <a:ea typeface="+mj-ea"/>
+                <a:cs typeface="+mj-cs"/>
+              </a:rPr>
+            </a:br>
+            <a:br>
+              <a:rPr lang="en-US" sz="4500" b="0" i="0" kern="1200" spc="200" dirty="0">
+                <a:solidFill>
+                  <a:schemeClr val="tx2"/>
+                </a:solidFill>
+                <a:latin typeface="+mj-lt"/>
+                <a:ea typeface="+mj-ea"/>
+                <a:cs typeface="+mj-cs"/>
+              </a:rPr>
+            </a:br>
+            <a:r>
+              <a:rPr lang="en-US" sz="4500" b="0" i="0" kern="1200" spc="200" dirty="0">
+                <a:solidFill>
+                  <a:schemeClr val="tx2"/>
+                </a:solidFill>
+                <a:latin typeface="+mj-lt"/>
+                <a:ea typeface="+mj-ea"/>
+                <a:cs typeface="+mj-cs"/>
+              </a:rPr>
+              <a:t>Kishori Tutorials</a:t>
+            </a:r>
+          </a:p>
+        </p:txBody>
+      </p:sp>
+    </p:spTree>
+    <p:extLst>
+      <p:ext uri="{BB962C8B-B14F-4D97-AF65-F5344CB8AC3E}">
+        <p14:creationId xmlns:p14="http://schemas.microsoft.com/office/powerpoint/2010/main" val="3724039194"/>
+      </p:ext>
+    </p:extLst>
+  </p:cSld>
+  <p:clrMapOvr>
+    <a:overrideClrMapping bg1="lt1" tx1="dk1" bg2="lt2" tx2="dk2" accent1="accent1" accent2="accent2" accent3="accent3" accent4="accent4" accent5="accent5" accent6="accent6" hlink="hlink" folHlink="folHlink"/>
+  </p:clrMapOvr>
+</p:sld>
+</file>
+
+<file path=ppt/slides/slide10.xml><?xml version="1.0" encoding="utf-8"?>
+<p:sld xmlns:a="http://schemas.openxmlformats.org/drawingml/2006/main" xmlns:r="http://schemas.openxmlformats.org/officeDocument/2006/relationships" xmlns:p="http://schemas.openxmlformats.org/presentationml/2006/main">
+  <p:cSld>
+    <p:spTree>
+      <p:nvGrpSpPr>
+        <p:cNvPr id="1" name=""/>
+        <p:cNvGrpSpPr/>
+        <p:nvPr/>
+      </p:nvGrpSpPr>
+      <p:grpSpPr>
+        <a:xfrm>
+          <a:off x="0" y="0"/>
+          <a:ext cx="0" cy="0"/>
+          <a:chOff x="0" y="0"/>
+          <a:chExt cx="0" cy="0"/>
+        </a:xfrm>
+      </p:grpSpPr>
+      <p:sp>
+        <p:nvSpPr>
+          <p:cNvPr id="2" name="Title 1">
+            <a:extLst>
+              <a:ext uri="{FF2B5EF4-FFF2-40B4-BE49-F238E27FC236}">
+                <a16:creationId xmlns:a16="http://schemas.microsoft.com/office/drawing/2014/main" id="{2CDA0CD9-7A25-4D60-9671-D70A67578E61}"/>
+              </a:ext>
+            </a:extLst>
+          </p:cNvPr>
+          <p:cNvSpPr>
+            <a:spLocks noGrp="1"/>
+          </p:cNvSpPr>
+          <p:nvPr>
+            <p:ph type="title"/>
+          </p:nvPr>
+        </p:nvSpPr>
+        <p:spPr/>
+        <p:txBody>
+          <a:bodyPr/>
+          <a:lstStyle/>
+          <a:p>
+            <a:r>
+              <a:rPr lang="en-IN" b="0" dirty="0">
+                <a:solidFill>
+                  <a:srgbClr val="6A9955"/>
+                </a:solidFill>
+                <a:effectLst/>
+                <a:latin typeface="Cadman Regular"/>
+              </a:rPr>
+              <a:t>Meta Tags</a:t>
+            </a:r>
+            <a:br>
+              <a:rPr lang="en-IN" b="0" dirty="0">
+                <a:solidFill>
+                  <a:srgbClr val="D4D4D4"/>
+                </a:solidFill>
+                <a:effectLst/>
+                <a:latin typeface="Cadman Regular"/>
+              </a:rPr>
+            </a:br>
+            <a:endParaRPr lang="en-IN" dirty="0"/>
+          </a:p>
+        </p:txBody>
+      </p:sp>
+      <p:sp>
+        <p:nvSpPr>
+          <p:cNvPr id="3" name="Content Placeholder 2">
+            <a:extLst>
+              <a:ext uri="{FF2B5EF4-FFF2-40B4-BE49-F238E27FC236}">
+                <a16:creationId xmlns:a16="http://schemas.microsoft.com/office/drawing/2014/main" id="{8A3A0B63-5237-4974-9CED-5E6C2A55D230}"/>
+              </a:ext>
+            </a:extLst>
+          </p:cNvPr>
+          <p:cNvSpPr>
+            <a:spLocks noGrp="1"/>
+          </p:cNvSpPr>
+          <p:nvPr>
+            <p:ph idx="1"/>
+          </p:nvPr>
+        </p:nvSpPr>
+        <p:spPr>
+          <a:xfrm>
+            <a:off x="677334" y="1546349"/>
+            <a:ext cx="8596668" cy="1413121"/>
+          </a:xfrm>
+        </p:spPr>
+        <p:txBody>
+          <a:bodyPr>
+            <a:normAutofit/>
+          </a:bodyPr>
+          <a:lstStyle/>
+          <a:p>
+            <a:r>
+              <a:rPr lang="en-US" sz="1600" b="0" dirty="0">
+                <a:solidFill>
+                  <a:srgbClr val="6A9955"/>
+                </a:solidFill>
+                <a:effectLst/>
+                <a:latin typeface="Cadman Regular"/>
+              </a:rPr>
+              <a:t>The &lt;meta&gt; tag defines metadata about an HTML document. Metadata is data (information) about data.</a:t>
+            </a:r>
+            <a:endParaRPr lang="en-US" sz="1600" b="0" dirty="0">
+              <a:solidFill>
+                <a:srgbClr val="D4D4D4"/>
+              </a:solidFill>
+              <a:effectLst/>
+              <a:latin typeface="Cadman Regular"/>
+            </a:endParaRPr>
+          </a:p>
+          <a:p>
+            <a:r>
+              <a:rPr lang="en-US" sz="1600" b="0" dirty="0">
+                <a:solidFill>
+                  <a:srgbClr val="6A9955"/>
+                </a:solidFill>
+                <a:effectLst/>
+                <a:latin typeface="Cadman Regular"/>
+              </a:rPr>
+              <a:t>Metadata is used by browsers (how to display content or reload page), search engines (keywords), and other web services.</a:t>
+            </a:r>
+            <a:endParaRPr lang="en-US" sz="1600" b="0" dirty="0">
+              <a:solidFill>
+                <a:srgbClr val="D4D4D4"/>
+              </a:solidFill>
+              <a:effectLst/>
+              <a:latin typeface="Cadman Regular"/>
+            </a:endParaRPr>
+          </a:p>
+          <a:p>
+            <a:endParaRPr lang="en-IN" sz="1600" dirty="0"/>
+          </a:p>
+        </p:txBody>
+      </p:sp>
+      <p:sp>
+        <p:nvSpPr>
+          <p:cNvPr id="4" name="Content Placeholder 2">
+            <a:extLst>
+              <a:ext uri="{FF2B5EF4-FFF2-40B4-BE49-F238E27FC236}">
+                <a16:creationId xmlns:a16="http://schemas.microsoft.com/office/drawing/2014/main" id="{94041727-6E13-4EDC-9C63-F8AB700E54F4}"/>
+              </a:ext>
+            </a:extLst>
+          </p:cNvPr>
+          <p:cNvSpPr txBox="1">
+            <a:spLocks/>
+          </p:cNvSpPr>
+          <p:nvPr/>
+        </p:nvSpPr>
+        <p:spPr>
+          <a:xfrm>
+            <a:off x="677334" y="3062425"/>
+            <a:ext cx="8596668" cy="3185975"/>
+          </a:xfrm>
+          <a:prstGeom prst="rect">
+            <a:avLst/>
+          </a:prstGeom>
+        </p:spPr>
+        <p:txBody>
+          <a:bodyPr vert="horz" lIns="91440" tIns="45720" rIns="91440" bIns="45720" rtlCol="0">
+            <a:normAutofit/>
+          </a:bodyPr>
+          <a:lstStyle>
+            <a:lvl1pPr marL="342900" indent="-342900" algn="l" defTabSz="457200" rtl="0" eaLnBrk="1" latinLnBrk="0" hangingPunct="1">
+              <a:spcBef>
+                <a:spcPts val="1000"/>
+              </a:spcBef>
+              <a:spcAft>
+                <a:spcPts val="0"/>
+              </a:spcAft>
+              <a:buClr>
+                <a:schemeClr val="accent1"/>
+              </a:buClr>
+              <a:buSzPct val="80000"/>
+              <a:buFont typeface="Wingdings 3" charset="2"/>
+              <a:buChar char=""/>
+              <a:defRPr sz="1800" kern="1200">
+                <a:solidFill>
+                  <a:schemeClr val="tx1">
+                    <a:lumMod val="75000"/>
+                    <a:lumOff val="25000"/>
+                  </a:schemeClr>
+                </a:solidFill>
+                <a:latin typeface="+mn-lt"/>
+                <a:ea typeface="+mn-ea"/>
+                <a:cs typeface="+mn-cs"/>
+              </a:defRPr>
+            </a:lvl1pPr>
+            <a:lvl2pPr marL="742950" indent="-285750" algn="l" defTabSz="457200" rtl="0" eaLnBrk="1" latinLnBrk="0" hangingPunct="1">
+              <a:spcBef>
+                <a:spcPts val="1000"/>
+              </a:spcBef>
+              <a:spcAft>
+                <a:spcPts val="0"/>
+              </a:spcAft>
+              <a:buClr>
+                <a:schemeClr val="accent1"/>
+              </a:buClr>
+              <a:buSzPct val="80000"/>
+              <a:buFont typeface="Wingdings 3" charset="2"/>
+              <a:buChar char=""/>
+              <a:defRPr sz="1600" kern="1200">
+                <a:solidFill>
+                  <a:schemeClr val="tx1">
+                    <a:lumMod val="75000"/>
+                    <a:lumOff val="25000"/>
+                  </a:schemeClr>
+                </a:solidFill>
+                <a:latin typeface="+mn-lt"/>
+                <a:ea typeface="+mn-ea"/>
+                <a:cs typeface="+mn-cs"/>
+              </a:defRPr>
+            </a:lvl2pPr>
+            <a:lvl3pPr marL="1143000" indent="-228600" algn="l" defTabSz="457200" rtl="0" eaLnBrk="1" latinLnBrk="0" hangingPunct="1">
+              <a:spcBef>
+                <a:spcPts val="1000"/>
+              </a:spcBef>
+              <a:spcAft>
+                <a:spcPts val="0"/>
+              </a:spcAft>
+              <a:buClr>
+                <a:schemeClr val="accent1"/>
+              </a:buClr>
+              <a:buSzPct val="80000"/>
+              <a:buFont typeface="Wingdings 3" charset="2"/>
+              <a:buChar char=""/>
+              <a:defRPr sz="1400" kern="1200">
+                <a:solidFill>
+                  <a:schemeClr val="tx1">
+                    <a:lumMod val="75000"/>
+                    <a:lumOff val="25000"/>
+                  </a:schemeClr>
+                </a:solidFill>
+                <a:latin typeface="+mn-lt"/>
+                <a:ea typeface="+mn-ea"/>
+                <a:cs typeface="+mn-cs"/>
+              </a:defRPr>
+            </a:lvl3pPr>
+            <a:lvl4pPr marL="1600200" indent="-228600" algn="l" defTabSz="457200" rtl="0" eaLnBrk="1" latinLnBrk="0" hangingPunct="1">
+              <a:spcBef>
+                <a:spcPts val="1000"/>
+              </a:spcBef>
+              <a:spcAft>
+                <a:spcPts val="0"/>
+              </a:spcAft>
+              <a:buClr>
+                <a:schemeClr val="accent1"/>
+              </a:buClr>
+              <a:buSzPct val="80000"/>
+              <a:buFont typeface="Wingdings 3" charset="2"/>
+              <a:buChar char=""/>
+              <a:defRPr sz="1200" kern="1200">
+                <a:solidFill>
+                  <a:schemeClr val="tx1">
+                    <a:lumMod val="75000"/>
+                    <a:lumOff val="25000"/>
+                  </a:schemeClr>
+                </a:solidFill>
+                <a:latin typeface="+mn-lt"/>
+                <a:ea typeface="+mn-ea"/>
+                <a:cs typeface="+mn-cs"/>
+              </a:defRPr>
+            </a:lvl4pPr>
+            <a:lvl5pPr marL="2057400" indent="-228600" algn="l" defTabSz="457200" rtl="0" eaLnBrk="1" latinLnBrk="0" hangingPunct="1">
+              <a:spcBef>
+                <a:spcPts val="1000"/>
+              </a:spcBef>
+              <a:spcAft>
+                <a:spcPts val="0"/>
+              </a:spcAft>
+              <a:buClr>
+                <a:schemeClr val="accent1"/>
+              </a:buClr>
+              <a:buSzPct val="80000"/>
+              <a:buFont typeface="Wingdings 3" charset="2"/>
+              <a:buChar char=""/>
+              <a:defRPr sz="1200" kern="1200">
+                <a:solidFill>
+                  <a:schemeClr val="tx1">
+                    <a:lumMod val="75000"/>
+                    <a:lumOff val="25000"/>
+                  </a:schemeClr>
+                </a:solidFill>
+                <a:latin typeface="+mn-lt"/>
+                <a:ea typeface="+mn-ea"/>
+                <a:cs typeface="+mn-cs"/>
+              </a:defRPr>
+            </a:lvl5pPr>
+            <a:lvl6pPr marL="2514600" indent="-228600" algn="l" defTabSz="457200" rtl="0" eaLnBrk="1" latinLnBrk="0" hangingPunct="1">
+              <a:spcBef>
+                <a:spcPts val="1000"/>
+              </a:spcBef>
+              <a:spcAft>
+                <a:spcPts val="0"/>
+              </a:spcAft>
+              <a:buClr>
+                <a:schemeClr val="accent1"/>
+              </a:buClr>
+              <a:buSzPct val="80000"/>
+              <a:buFont typeface="Wingdings 3" charset="2"/>
+              <a:buChar char=""/>
+              <a:defRPr sz="1200" kern="1200">
+                <a:solidFill>
+                  <a:schemeClr val="tx1">
+                    <a:lumMod val="75000"/>
+                    <a:lumOff val="25000"/>
+                  </a:schemeClr>
+                </a:solidFill>
+                <a:latin typeface="+mn-lt"/>
+                <a:ea typeface="+mn-ea"/>
+                <a:cs typeface="+mn-cs"/>
+              </a:defRPr>
+            </a:lvl6pPr>
+            <a:lvl7pPr marL="2971800" indent="-228600" algn="l" defTabSz="457200" rtl="0" eaLnBrk="1" latinLnBrk="0" hangingPunct="1">
+              <a:spcBef>
+                <a:spcPts val="1000"/>
+              </a:spcBef>
+              <a:spcAft>
+                <a:spcPts val="0"/>
+              </a:spcAft>
+              <a:buClr>
+                <a:schemeClr val="accent1"/>
+              </a:buClr>
+              <a:buSzPct val="80000"/>
+              <a:buFont typeface="Wingdings 3" charset="2"/>
+              <a:buChar char=""/>
+              <a:defRPr sz="1200" kern="1200">
+                <a:solidFill>
+                  <a:schemeClr val="tx1">
+                    <a:lumMod val="75000"/>
+                    <a:lumOff val="25000"/>
+                  </a:schemeClr>
+                </a:solidFill>
+                <a:latin typeface="+mn-lt"/>
+                <a:ea typeface="+mn-ea"/>
+                <a:cs typeface="+mn-cs"/>
+              </a:defRPr>
+            </a:lvl7pPr>
+            <a:lvl8pPr marL="3429000" indent="-228600" algn="l" defTabSz="457200" rtl="0" eaLnBrk="1" latinLnBrk="0" hangingPunct="1">
+              <a:spcBef>
+                <a:spcPts val="1000"/>
+              </a:spcBef>
+              <a:spcAft>
+                <a:spcPts val="0"/>
+              </a:spcAft>
+              <a:buClr>
+                <a:schemeClr val="accent1"/>
+              </a:buClr>
+              <a:buSzPct val="80000"/>
+              <a:buFont typeface="Wingdings 3" charset="2"/>
+              <a:buChar char=""/>
+              <a:defRPr sz="1200" kern="1200">
+                <a:solidFill>
+                  <a:schemeClr val="tx1">
+                    <a:lumMod val="75000"/>
+                    <a:lumOff val="25000"/>
+                  </a:schemeClr>
+                </a:solidFill>
+                <a:latin typeface="+mn-lt"/>
+                <a:ea typeface="+mn-ea"/>
+                <a:cs typeface="+mn-cs"/>
+              </a:defRPr>
+            </a:lvl8pPr>
+            <a:lvl9pPr marL="3886200" indent="-228600" algn="l" defTabSz="457200" rtl="0" eaLnBrk="1" latinLnBrk="0" hangingPunct="1">
+              <a:spcBef>
+                <a:spcPts val="1000"/>
+              </a:spcBef>
+              <a:spcAft>
+                <a:spcPts val="0"/>
+              </a:spcAft>
+              <a:buClr>
+                <a:schemeClr val="accent1"/>
+              </a:buClr>
+              <a:buSzPct val="80000"/>
+              <a:buFont typeface="Wingdings 3" charset="2"/>
+              <a:buChar char=""/>
+              <a:defRPr sz="1200" kern="1200">
+                <a:solidFill>
+                  <a:schemeClr val="tx1">
+                    <a:lumMod val="75000"/>
+                    <a:lumOff val="25000"/>
+                  </a:schemeClr>
+                </a:solidFill>
+                <a:latin typeface="+mn-lt"/>
+                <a:ea typeface="+mn-ea"/>
+                <a:cs typeface="+mn-cs"/>
+              </a:defRPr>
+            </a:lvl9pPr>
+          </a:lstStyle>
+          <a:p>
+            <a:pPr marL="0" indent="0">
+              <a:buNone/>
+            </a:pPr>
+            <a:r>
+              <a:rPr lang="en-IN" sz="1400" b="0" dirty="0">
+                <a:solidFill>
+                  <a:srgbClr val="FF0000"/>
+                </a:solidFill>
+                <a:effectLst/>
+                <a:latin typeface="Cadman Regular"/>
+              </a:rPr>
+              <a:t>&lt;head&gt;</a:t>
+            </a:r>
+          </a:p>
+          <a:p>
+            <a:pPr marL="0" indent="0">
+              <a:buNone/>
+            </a:pPr>
+            <a:r>
+              <a:rPr lang="en-IN" sz="1400" b="0" dirty="0">
+                <a:solidFill>
+                  <a:srgbClr val="FF0000"/>
+                </a:solidFill>
+                <a:effectLst/>
+                <a:latin typeface="Cadman Regular"/>
+              </a:rPr>
+              <a:t>      &lt;meta charset="UTF-8"&gt;</a:t>
+            </a:r>
+          </a:p>
+          <a:p>
+            <a:pPr marL="0" indent="0">
+              <a:buNone/>
+            </a:pPr>
+            <a:r>
+              <a:rPr lang="en-IN" sz="1400" b="0" dirty="0">
+                <a:solidFill>
+                  <a:srgbClr val="FF0000"/>
+                </a:solidFill>
+                <a:effectLst/>
+                <a:latin typeface="Cadman Regular"/>
+              </a:rPr>
+              <a:t>      &lt;meta name="description" content="Kishori Tutorials teach Frontend Technologies."&gt;</a:t>
+            </a:r>
+          </a:p>
+          <a:p>
+            <a:pPr marL="0" indent="0">
+              <a:buNone/>
+            </a:pPr>
+            <a:r>
+              <a:rPr lang="en-IN" sz="1400" b="0" dirty="0">
+                <a:solidFill>
+                  <a:srgbClr val="FF0000"/>
+                </a:solidFill>
+                <a:effectLst/>
+                <a:latin typeface="Cadman Regular"/>
+              </a:rPr>
+              <a:t>      &lt;meta name="keywords" content="HTML, CSS, JavaScript, </a:t>
+            </a:r>
+            <a:r>
+              <a:rPr lang="en-IN" sz="1400" b="0" dirty="0" err="1">
+                <a:solidFill>
+                  <a:srgbClr val="FF0000"/>
+                </a:solidFill>
+                <a:effectLst/>
+                <a:latin typeface="Cadman Regular"/>
+              </a:rPr>
+              <a:t>Jquery</a:t>
+            </a:r>
+            <a:r>
+              <a:rPr lang="en-IN" sz="1400" b="0" dirty="0">
+                <a:solidFill>
+                  <a:srgbClr val="FF0000"/>
+                </a:solidFill>
+                <a:effectLst/>
+                <a:latin typeface="Cadman Regular"/>
+              </a:rPr>
+              <a:t>, Bootstrap, Photoshop, React.js, Angular, Flexbox"&gt;</a:t>
+            </a:r>
+          </a:p>
+          <a:p>
+            <a:pPr marL="0" indent="0">
+              <a:buNone/>
+            </a:pPr>
+            <a:r>
+              <a:rPr lang="en-IN" sz="1400" b="0" dirty="0">
+                <a:solidFill>
+                  <a:srgbClr val="FF0000"/>
+                </a:solidFill>
+                <a:effectLst/>
+                <a:latin typeface="Cadman Regular"/>
+              </a:rPr>
+              <a:t>      &lt;meta name="author" content="Kishori Tutorials"&gt;</a:t>
+            </a:r>
+          </a:p>
+          <a:p>
+            <a:pPr marL="0" indent="0">
+              <a:buNone/>
+            </a:pPr>
+            <a:r>
+              <a:rPr lang="en-IN" sz="1400" b="0" dirty="0">
+                <a:solidFill>
+                  <a:srgbClr val="FF0000"/>
+                </a:solidFill>
+                <a:effectLst/>
+                <a:latin typeface="Cadman Regular"/>
+              </a:rPr>
+              <a:t>      &lt;meta name="viewport" content="width=device-width, initial-scale=1.0"&gt;</a:t>
+            </a:r>
+          </a:p>
+          <a:p>
+            <a:pPr marL="0" indent="0">
+              <a:buNone/>
+            </a:pPr>
+            <a:r>
+              <a:rPr lang="en-IN" sz="1400" b="0" dirty="0">
+                <a:solidFill>
+                  <a:srgbClr val="FF0000"/>
+                </a:solidFill>
+                <a:effectLst/>
+                <a:latin typeface="Cadman Regular"/>
+              </a:rPr>
+              <a:t>&lt;/head&gt;</a:t>
+            </a:r>
+          </a:p>
+        </p:txBody>
+      </p:sp>
+    </p:spTree>
+    <p:extLst>
+      <p:ext uri="{BB962C8B-B14F-4D97-AF65-F5344CB8AC3E}">
+        <p14:creationId xmlns:p14="http://schemas.microsoft.com/office/powerpoint/2010/main" val="601692311"/>
+      </p:ext>
+    </p:extLst>
+  </p:cSld>
+  <p:clrMapOvr>
+    <a:masterClrMapping/>
+  </p:clrMapOvr>
+</p:sld>
+</file>
+
+<file path=ppt/slides/slide2.xml><?xml version="1.0" encoding="utf-8"?>
+<p:sld xmlns:a="http://schemas.openxmlformats.org/drawingml/2006/main" xmlns:r="http://schemas.openxmlformats.org/officeDocument/2006/relationships" xmlns:p="http://schemas.openxmlformats.org/presentationml/2006/main">
+  <p:cSld>
+    <p:bg>
+      <p:bgPr>
+        <a:solidFill>
+          <a:schemeClr val="bg1"/>
+        </a:solidFill>
+        <a:effectLst/>
+      </p:bgPr>
+    </p:bg>
+    <p:spTree>
+      <p:nvGrpSpPr>
+        <p:cNvPr id="1" name=""/>
+        <p:cNvGrpSpPr/>
+        <p:nvPr/>
+      </p:nvGrpSpPr>
+      <p:grpSpPr>
+        <a:xfrm>
+          <a:off x="0" y="0"/>
+          <a:ext cx="0" cy="0"/>
+          <a:chOff x="0" y="0"/>
+          <a:chExt cx="0" cy="0"/>
+        </a:xfrm>
+      </p:grpSpPr>
+      <p:sp useBgFill="1">
+        <p:nvSpPr>
+          <p:cNvPr id="85" name="Rectangle 84">
+            <a:extLst>
+              <a:ext uri="{FF2B5EF4-FFF2-40B4-BE49-F238E27FC236}">
+                <a16:creationId xmlns:a16="http://schemas.microsoft.com/office/drawing/2014/main" id="{603AE127-802C-459A-A612-DB85B67F0DC0}"/>
+              </a:ext>
+              <a:ext uri="{C183D7F6-B498-43B3-948B-1728B52AA6E4}">
+                <adec:decorative xmlns:adec="http://schemas.microsoft.com/office/drawing/2017/decorative" val="1"/>
+              </a:ext>
+            </a:extLst>
+          </p:cNvPr>
+          <p:cNvSpPr>
+            <a:spLocks noGrp="1" noRot="1" noChangeAspect="1" noMove="1" noResize="1" noEditPoints="1" noAdjustHandles="1" noChangeArrowheads="1" noChangeShapeType="1" noTextEdit="1"/>
+          </p:cNvSpPr>
+          <p:nvPr>
+            <p:extLst>
+              <p:ext uri="{386F3935-93C4-4BCD-93E2-E3B085C9AB24}">
+                <p16:designElem xmlns:p16="http://schemas.microsoft.com/office/powerpoint/2015/main" val="1"/>
+              </p:ext>
+            </p:extLst>
+          </p:nvPr>
+        </p:nvSpPr>
+        <p:spPr>
+          <a:xfrm>
+            <a:off x="0" y="0"/>
+            <a:ext cx="12192000" cy="6858000"/>
+          </a:xfrm>
+          <a:prstGeom prst="rect">
+            <a:avLst/>
+          </a:prstGeom>
+          <a:ln>
+            <a:noFill/>
+          </a:ln>
+        </p:spPr>
+        <p:style>
+          <a:lnRef idx="2">
+            <a:schemeClr val="accent1">
+              <a:shade val="50000"/>
+            </a:schemeClr>
+          </a:lnRef>
+          <a:fillRef idx="1">
+            <a:schemeClr val="accent1"/>
+          </a:fillRef>
+          <a:effectRef idx="0">
+            <a:schemeClr val="accent1"/>
+          </a:effectRef>
+          <a:fontRef idx="minor">
+            <a:schemeClr val="lt1"/>
+          </a:fontRef>
+        </p:style>
+        <p:txBody>
+          <a:bodyPr rtlCol="0" anchor="ctr"/>
+          <a:lstStyle/>
+          <a:p>
+            <a:pPr algn="ctr"/>
+            <a:endParaRPr lang="en-US"/>
+          </a:p>
+        </p:txBody>
+      </p:sp>
+      <p:sp>
+        <p:nvSpPr>
+          <p:cNvPr id="2" name="Title 1">
+            <a:extLst>
+              <a:ext uri="{FF2B5EF4-FFF2-40B4-BE49-F238E27FC236}">
                 <a16:creationId xmlns:a16="http://schemas.microsoft.com/office/drawing/2014/main" id="{0C93FE0B-2812-42D2-83F3-F19AAB95F3C2}"/>
               </a:ext>
             </a:extLst>
@@ -3365,24 +6586,131 @@
         </p:nvSpPr>
         <p:spPr>
           <a:xfrm>
-            <a:off x="838200" y="222512"/>
-            <a:ext cx="10515600" cy="1325563"/>
+            <a:off x="1043950" y="1179151"/>
+            <a:ext cx="3300646" cy="4463889"/>
           </a:xfrm>
         </p:spPr>
         <p:txBody>
-          <a:bodyPr/>
+          <a:bodyPr anchor="ctr">
+            <a:normAutofit/>
+          </a:bodyPr>
           <a:lstStyle/>
           <a:p>
             <a:r>
-              <a:rPr lang="en-IN" dirty="0"/>
-              <a:t>Web Design and Development Course</a:t>
-            </a:r>
-          </a:p>
-        </p:txBody>
-      </p:sp>
-      <p:sp>
-        <p:nvSpPr>
-          <p:cNvPr id="3" name="Content Placeholder 2">
+              <a:rPr lang="en-IN" b="1" dirty="0">
+                <a:latin typeface="Cadman" panose="020B0603020202020004" pitchFamily="34" charset="0"/>
+              </a:rPr>
+              <a:t>Web Design &amp; Development Course</a:t>
+            </a:r>
+          </a:p>
+        </p:txBody>
+      </p:sp>
+      <p:sp>
+        <p:nvSpPr>
+          <p:cNvPr id="87" name="Isosceles Triangle 86">
+            <a:extLst>
+              <a:ext uri="{FF2B5EF4-FFF2-40B4-BE49-F238E27FC236}">
+                <a16:creationId xmlns:a16="http://schemas.microsoft.com/office/drawing/2014/main" id="{9323D83D-50D6-4040-A58B-FCEA340F886A}"/>
+              </a:ext>
+              <a:ext uri="{C183D7F6-B498-43B3-948B-1728B52AA6E4}">
+                <adec:decorative xmlns:adec="http://schemas.microsoft.com/office/drawing/2017/decorative" val="1"/>
+              </a:ext>
+            </a:extLst>
+          </p:cNvPr>
+          <p:cNvSpPr>
+            <a:spLocks noGrp="1" noRot="1" noChangeAspect="1" noMove="1" noResize="1" noEditPoints="1" noAdjustHandles="1" noChangeArrowheads="1" noChangeShapeType="1" noTextEdit="1"/>
+          </p:cNvSpPr>
+          <p:nvPr>
+            <p:extLst>
+              <p:ext uri="{386F3935-93C4-4BCD-93E2-E3B085C9AB24}">
+                <p16:designElem xmlns:p16="http://schemas.microsoft.com/office/powerpoint/2015/main" val="1"/>
+              </p:ext>
+            </p:extLst>
+          </p:nvPr>
+        </p:nvSpPr>
+        <p:spPr>
+          <a:xfrm>
+            <a:off x="0" y="4013200"/>
+            <a:ext cx="448733" cy="2844800"/>
+          </a:xfrm>
+          <a:prstGeom prst="triangle">
+            <a:avLst>
+              <a:gd name="adj" fmla="val 0"/>
+            </a:avLst>
+          </a:prstGeom>
+          <a:solidFill>
+            <a:schemeClr val="accent1"/>
+          </a:solidFill>
+          <a:ln>
+            <a:noFill/>
+          </a:ln>
+          <a:effectLst/>
+        </p:spPr>
+        <p:style>
+          <a:lnRef idx="1">
+            <a:schemeClr val="accent1"/>
+          </a:lnRef>
+          <a:fillRef idx="3">
+            <a:schemeClr val="accent1"/>
+          </a:fillRef>
+          <a:effectRef idx="2">
+            <a:schemeClr val="accent1"/>
+          </a:effectRef>
+          <a:fontRef idx="minor">
+            <a:schemeClr val="lt1"/>
+          </a:fontRef>
+        </p:style>
+      </p:sp>
+      <p:cxnSp>
+        <p:nvCxnSpPr>
+          <p:cNvPr id="89" name="Straight Connector 88">
+            <a:extLst>
+              <a:ext uri="{FF2B5EF4-FFF2-40B4-BE49-F238E27FC236}">
+                <a16:creationId xmlns:a16="http://schemas.microsoft.com/office/drawing/2014/main" id="{1A1FE6BB-DFB2-4080-9B5E-076EF5DDE67B}"/>
+              </a:ext>
+              <a:ext uri="{C183D7F6-B498-43B3-948B-1728B52AA6E4}">
+                <adec:decorative xmlns:adec="http://schemas.microsoft.com/office/drawing/2017/decorative" val="1"/>
+              </a:ext>
+            </a:extLst>
+          </p:cNvPr>
+          <p:cNvCxnSpPr>
+            <a:cxnSpLocks noGrp="1" noRot="1" noChangeAspect="1" noMove="1" noResize="1" noEditPoints="1" noAdjustHandles="1" noChangeArrowheads="1" noChangeShapeType="1"/>
+          </p:cNvCxnSpPr>
+          <p:nvPr>
+            <p:extLst>
+              <p:ext uri="{386F3935-93C4-4BCD-93E2-E3B085C9AB24}">
+                <p16:designElem xmlns:p16="http://schemas.microsoft.com/office/powerpoint/2015/main" val="1"/>
+              </p:ext>
+            </p:extLst>
+          </p:nvPr>
+        </p:nvCxnSpPr>
+        <p:spPr>
+          <a:xfrm>
+            <a:off x="4656670" y="1442595"/>
+            <a:ext cx="0" cy="3937000"/>
+          </a:xfrm>
+          <a:prstGeom prst="line">
+            <a:avLst/>
+          </a:prstGeom>
+        </p:spPr>
+        <p:style>
+          <a:lnRef idx="1">
+            <a:schemeClr val="accent1"/>
+          </a:lnRef>
+          <a:fillRef idx="0">
+            <a:schemeClr val="accent1"/>
+          </a:fillRef>
+          <a:effectRef idx="0">
+            <a:schemeClr val="accent1"/>
+          </a:effectRef>
+          <a:fontRef idx="minor">
+            <a:schemeClr val="tx1"/>
+          </a:fontRef>
+        </p:style>
+      </p:cxnSp>
+      <p:sp>
+        <p:nvSpPr>
+          <p:cNvPr id="69" name="Content Placeholder 2">
             <a:extLst>
               <a:ext uri="{FF2B5EF4-FFF2-40B4-BE49-F238E27FC236}">
                 <a16:creationId xmlns:a16="http://schemas.microsoft.com/office/drawing/2014/main" id="{78D27743-C3B0-451C-A09A-F19B30654D68}"/>
@@ -3398,132 +6726,258 @@
         </p:nvSpPr>
         <p:spPr>
           <a:xfrm>
-            <a:off x="838200" y="1431341"/>
-            <a:ext cx="10515600" cy="5061533"/>
+            <a:off x="4978918" y="1179151"/>
+            <a:ext cx="6341016" cy="4603900"/>
           </a:xfrm>
         </p:spPr>
         <p:txBody>
-          <a:bodyPr>
-            <a:normAutofit fontScale="77500" lnSpcReduction="20000"/>
+          <a:bodyPr anchor="ctr">
+            <a:noAutofit/>
           </a:bodyPr>
           <a:lstStyle/>
           <a:p>
-            <a:r>
-              <a:rPr lang="en-IN" dirty="0"/>
+            <a:pPr>
+              <a:lnSpc>
+                <a:spcPct val="90000"/>
+              </a:lnSpc>
+            </a:pPr>
+            <a:r>
+              <a:rPr lang="en-IN" sz="1600" dirty="0"/>
               <a:t>Html5</a:t>
             </a:r>
           </a:p>
           <a:p>
-            <a:r>
-              <a:rPr lang="en-IN" dirty="0"/>
+            <a:pPr>
+              <a:lnSpc>
+                <a:spcPct val="90000"/>
+              </a:lnSpc>
+            </a:pPr>
+            <a:r>
+              <a:rPr lang="en-IN" sz="1600" dirty="0"/>
               <a:t>Css3</a:t>
             </a:r>
           </a:p>
           <a:p>
-            <a:r>
-              <a:rPr lang="en-IN" dirty="0"/>
+            <a:pPr>
+              <a:lnSpc>
+                <a:spcPct val="90000"/>
+              </a:lnSpc>
+            </a:pPr>
+            <a:r>
+              <a:rPr lang="en-IN" sz="1600" dirty="0"/>
               <a:t>Media Queries</a:t>
             </a:r>
           </a:p>
           <a:p>
-            <a:r>
-              <a:rPr lang="en-IN" dirty="0"/>
+            <a:pPr>
+              <a:lnSpc>
+                <a:spcPct val="90000"/>
+              </a:lnSpc>
+            </a:pPr>
+            <a:r>
+              <a:rPr lang="en-IN" sz="1600" dirty="0"/>
               <a:t>12 Column Custom Grid with Floats</a:t>
             </a:r>
           </a:p>
           <a:p>
-            <a:r>
-              <a:rPr lang="en-IN" dirty="0"/>
+            <a:pPr>
+              <a:lnSpc>
+                <a:spcPct val="90000"/>
+              </a:lnSpc>
+            </a:pPr>
+            <a:r>
+              <a:rPr lang="en-IN" sz="1600" dirty="0"/>
               <a:t>Photoshop – (basic)</a:t>
             </a:r>
           </a:p>
           <a:p>
-            <a:r>
-              <a:rPr lang="en-IN" dirty="0"/>
+            <a:pPr>
+              <a:lnSpc>
+                <a:spcPct val="90000"/>
+              </a:lnSpc>
+            </a:pPr>
+            <a:r>
+              <a:rPr lang="en-IN" sz="1600" dirty="0"/>
               <a:t>Project – </a:t>
             </a:r>
             <a:r>
-              <a:rPr lang="en-IN" dirty="0" err="1"/>
+              <a:rPr lang="en-IN" sz="1600" dirty="0" err="1"/>
               <a:t>Psd</a:t>
             </a:r>
             <a:r>
-              <a:rPr lang="en-IN" dirty="0"/>
+              <a:rPr lang="en-IN" sz="1600" dirty="0"/>
               <a:t> to Html Conversion (with floats custom grid)</a:t>
             </a:r>
           </a:p>
           <a:p>
-            <a:r>
-              <a:rPr lang="en-IN" dirty="0"/>
+            <a:pPr>
+              <a:lnSpc>
+                <a:spcPct val="90000"/>
+              </a:lnSpc>
+            </a:pPr>
+            <a:r>
+              <a:rPr lang="en-IN" sz="1600" dirty="0"/>
               <a:t>Flexbox</a:t>
             </a:r>
           </a:p>
           <a:p>
-            <a:r>
-              <a:rPr lang="en-IN" dirty="0"/>
+            <a:pPr>
+              <a:lnSpc>
+                <a:spcPct val="90000"/>
+              </a:lnSpc>
+            </a:pPr>
+            <a:r>
+              <a:rPr lang="en-IN" sz="1600" dirty="0"/>
               <a:t>12 Column Custom Grid with Flexbox</a:t>
             </a:r>
           </a:p>
           <a:p>
-            <a:r>
-              <a:rPr lang="en-IN" dirty="0"/>
+            <a:pPr>
+              <a:lnSpc>
+                <a:spcPct val="90000"/>
+              </a:lnSpc>
+            </a:pPr>
+            <a:r>
+              <a:rPr lang="en-IN" sz="1600" dirty="0"/>
               <a:t>Project – </a:t>
             </a:r>
             <a:r>
-              <a:rPr lang="en-IN" dirty="0" err="1"/>
+              <a:rPr lang="en-IN" sz="1600" dirty="0" err="1"/>
               <a:t>Psd</a:t>
             </a:r>
             <a:r>
-              <a:rPr lang="en-IN" dirty="0"/>
+              <a:rPr lang="en-IN" sz="1600" dirty="0"/>
               <a:t> to Html Conversion (with flexbox custom grid)</a:t>
             </a:r>
           </a:p>
           <a:p>
-            <a:r>
-              <a:rPr lang="en-IN" dirty="0"/>
+            <a:pPr>
+              <a:lnSpc>
+                <a:spcPct val="90000"/>
+              </a:lnSpc>
+            </a:pPr>
+            <a:r>
+              <a:rPr lang="en-IN" sz="1600" dirty="0"/>
               <a:t>Bootstrap 5 – Css Framework</a:t>
             </a:r>
           </a:p>
           <a:p>
-            <a:r>
-              <a:rPr lang="en-IN" dirty="0"/>
+            <a:pPr>
+              <a:lnSpc>
+                <a:spcPct val="90000"/>
+              </a:lnSpc>
+            </a:pPr>
+            <a:r>
+              <a:rPr lang="en-IN" sz="1600" dirty="0"/>
               <a:t>Project – </a:t>
             </a:r>
             <a:r>
-              <a:rPr lang="en-IN" dirty="0" err="1"/>
+              <a:rPr lang="en-IN" sz="1600" dirty="0" err="1"/>
               <a:t>Psd</a:t>
             </a:r>
             <a:r>
-              <a:rPr lang="en-IN" dirty="0"/>
+              <a:rPr lang="en-IN" sz="1600" dirty="0"/>
               <a:t> to Bootstrap 5 Conversion</a:t>
             </a:r>
           </a:p>
           <a:p>
-            <a:r>
-              <a:rPr lang="en-IN" dirty="0" err="1"/>
+            <a:pPr>
+              <a:lnSpc>
+                <a:spcPct val="90000"/>
+              </a:lnSpc>
+            </a:pPr>
+            <a:r>
+              <a:rPr lang="en-IN" sz="1600" dirty="0" err="1"/>
               <a:t>Jquery</a:t>
             </a:r>
             <a:r>
-              <a:rPr lang="en-IN" dirty="0"/>
+              <a:rPr lang="en-IN" sz="1600" dirty="0"/>
               <a:t> - Plugins</a:t>
             </a:r>
           </a:p>
           <a:p>
-            <a:r>
-              <a:rPr lang="en-IN" dirty="0" err="1"/>
+            <a:pPr>
+              <a:lnSpc>
+                <a:spcPct val="90000"/>
+              </a:lnSpc>
+            </a:pPr>
+            <a:r>
+              <a:rPr lang="en-IN" sz="1600" dirty="0" err="1"/>
               <a:t>Javascript</a:t>
             </a:r>
             <a:r>
-              <a:rPr lang="en-IN" dirty="0"/>
+              <a:rPr lang="en-IN" sz="1600" dirty="0"/>
               <a:t> – (fundamentals)</a:t>
             </a:r>
           </a:p>
           <a:p>
-            <a:r>
-              <a:rPr lang="en-IN" dirty="0"/>
+            <a:pPr>
+              <a:lnSpc>
+                <a:spcPct val="90000"/>
+              </a:lnSpc>
+            </a:pPr>
+            <a:r>
+              <a:rPr lang="en-IN" sz="1600" dirty="0"/>
               <a:t>Firebase Hosting</a:t>
             </a:r>
           </a:p>
         </p:txBody>
+      </p:sp>
+      <p:sp>
+        <p:nvSpPr>
+          <p:cNvPr id="91" name="Isosceles Triangle 90">
+            <a:extLst>
+              <a:ext uri="{FF2B5EF4-FFF2-40B4-BE49-F238E27FC236}">
+                <a16:creationId xmlns:a16="http://schemas.microsoft.com/office/drawing/2014/main" id="{F10FD715-4DCE-4779-B634-EC78315EA213}"/>
+              </a:ext>
+              <a:ext uri="{C183D7F6-B498-43B3-948B-1728B52AA6E4}">
+                <adec:decorative xmlns:adec="http://schemas.microsoft.com/office/drawing/2017/decorative" val="1"/>
+              </a:ext>
+            </a:extLst>
+          </p:cNvPr>
+          <p:cNvSpPr>
+            <a:spLocks noGrp="1" noRot="1" noChangeAspect="1" noMove="1" noResize="1" noEditPoints="1" noAdjustHandles="1" noChangeArrowheads="1" noChangeShapeType="1" noTextEdit="1"/>
+          </p:cNvSpPr>
+          <p:nvPr>
+            <p:extLst>
+              <p:ext uri="{386F3935-93C4-4BCD-93E2-E3B085C9AB24}">
+                <p16:designElem xmlns:p16="http://schemas.microsoft.com/office/powerpoint/2015/main" val="1"/>
+              </p:ext>
+            </p:extLst>
+          </p:nvPr>
+        </p:nvSpPr>
+        <p:spPr>
+          <a:xfrm rot="10800000" flipH="1">
+            <a:off x="11364139" y="0"/>
+            <a:ext cx="842596" cy="4616289"/>
+          </a:xfrm>
+          <a:prstGeom prst="triangle">
+            <a:avLst>
+              <a:gd name="adj" fmla="val 100000"/>
+            </a:avLst>
+          </a:prstGeom>
+          <a:solidFill>
+            <a:schemeClr val="accent2"/>
+          </a:solidFill>
+          <a:ln>
+            <a:noFill/>
+          </a:ln>
+          <a:effectLst/>
+        </p:spPr>
+        <p:style>
+          <a:lnRef idx="1">
+            <a:schemeClr val="accent1"/>
+          </a:lnRef>
+          <a:fillRef idx="3">
+            <a:schemeClr val="accent1"/>
+          </a:fillRef>
+          <a:effectRef idx="2">
+            <a:schemeClr val="accent1"/>
+          </a:effectRef>
+          <a:fontRef idx="minor">
+            <a:schemeClr val="lt1"/>
+          </a:fontRef>
+        </p:style>
       </p:sp>
     </p:spTree>
     <p:extLst>
@@ -3538,10 +6992,1341 @@
 </p:sld>
 </file>
 
+<file path=ppt/slides/slide3.xml><?xml version="1.0" encoding="utf-8"?>
+<p:sld xmlns:a="http://schemas.openxmlformats.org/drawingml/2006/main" xmlns:r="http://schemas.openxmlformats.org/officeDocument/2006/relationships" xmlns:p="http://schemas.openxmlformats.org/presentationml/2006/main">
+  <p:cSld>
+    <p:spTree>
+      <p:nvGrpSpPr>
+        <p:cNvPr id="1" name=""/>
+        <p:cNvGrpSpPr/>
+        <p:nvPr/>
+      </p:nvGrpSpPr>
+      <p:grpSpPr>
+        <a:xfrm>
+          <a:off x="0" y="0"/>
+          <a:ext cx="0" cy="0"/>
+          <a:chOff x="0" y="0"/>
+          <a:chExt cx="0" cy="0"/>
+        </a:xfrm>
+      </p:grpSpPr>
+      <p:sp>
+        <p:nvSpPr>
+          <p:cNvPr id="2" name="Title 1">
+            <a:extLst>
+              <a:ext uri="{FF2B5EF4-FFF2-40B4-BE49-F238E27FC236}">
+                <a16:creationId xmlns:a16="http://schemas.microsoft.com/office/drawing/2014/main" id="{60DAE8A1-E286-4C04-BD05-CAF47E54223C}"/>
+              </a:ext>
+            </a:extLst>
+          </p:cNvPr>
+          <p:cNvSpPr>
+            <a:spLocks noGrp="1"/>
+          </p:cNvSpPr>
+          <p:nvPr>
+            <p:ph type="title"/>
+          </p:nvPr>
+        </p:nvSpPr>
+        <p:spPr/>
+        <p:txBody>
+          <a:bodyPr/>
+          <a:lstStyle/>
+          <a:p>
+            <a:r>
+              <a:rPr lang="en-IN" b="0" dirty="0">
+                <a:solidFill>
+                  <a:srgbClr val="6A9955"/>
+                </a:solidFill>
+                <a:effectLst/>
+                <a:latin typeface="Cadman Regular"/>
+              </a:rPr>
+              <a:t>1. What is HTML?</a:t>
+            </a:r>
+            <a:endParaRPr lang="en-IN" dirty="0"/>
+          </a:p>
+        </p:txBody>
+      </p:sp>
+      <p:sp>
+        <p:nvSpPr>
+          <p:cNvPr id="3" name="Content Placeholder 2">
+            <a:extLst>
+              <a:ext uri="{FF2B5EF4-FFF2-40B4-BE49-F238E27FC236}">
+                <a16:creationId xmlns:a16="http://schemas.microsoft.com/office/drawing/2014/main" id="{1A663615-9AFE-434A-9721-B68790C34419}"/>
+              </a:ext>
+            </a:extLst>
+          </p:cNvPr>
+          <p:cNvSpPr>
+            <a:spLocks noGrp="1"/>
+          </p:cNvSpPr>
+          <p:nvPr>
+            <p:ph idx="1"/>
+          </p:nvPr>
+        </p:nvSpPr>
+        <p:spPr>
+          <a:xfrm>
+            <a:off x="677334" y="1488613"/>
+            <a:ext cx="8596668" cy="3880773"/>
+          </a:xfrm>
+        </p:spPr>
+        <p:txBody>
+          <a:bodyPr>
+            <a:normAutofit/>
+          </a:bodyPr>
+          <a:lstStyle/>
+          <a:p>
+            <a:r>
+              <a:rPr lang="en-US" sz="1600" b="0" dirty="0">
+                <a:solidFill>
+                  <a:srgbClr val="6A9955"/>
+                </a:solidFill>
+                <a:effectLst/>
+                <a:latin typeface="Cadman Regular"/>
+              </a:rPr>
+              <a:t>    HTML stands for Hyper Text Markup Language</a:t>
+            </a:r>
+            <a:endParaRPr lang="en-US" sz="1600" b="0" dirty="0">
+              <a:solidFill>
+                <a:srgbClr val="D4D4D4"/>
+              </a:solidFill>
+              <a:effectLst/>
+              <a:latin typeface="Cadman Regular"/>
+            </a:endParaRPr>
+          </a:p>
+          <a:p>
+            <a:r>
+              <a:rPr lang="en-US" sz="1600" b="0" dirty="0">
+                <a:solidFill>
+                  <a:srgbClr val="6A9955"/>
+                </a:solidFill>
+                <a:effectLst/>
+                <a:latin typeface="Cadman Regular"/>
+              </a:rPr>
+              <a:t>    HTML is the standard markup language for creating Web pages</a:t>
+            </a:r>
+            <a:endParaRPr lang="en-US" sz="1600" b="0" dirty="0">
+              <a:solidFill>
+                <a:srgbClr val="D4D4D4"/>
+              </a:solidFill>
+              <a:effectLst/>
+              <a:latin typeface="Cadman Regular"/>
+            </a:endParaRPr>
+          </a:p>
+          <a:p>
+            <a:r>
+              <a:rPr lang="en-US" sz="1600" b="0" dirty="0">
+                <a:solidFill>
+                  <a:srgbClr val="6A9955"/>
+                </a:solidFill>
+                <a:effectLst/>
+                <a:latin typeface="Cadman Regular"/>
+              </a:rPr>
+              <a:t>    HTML describes the structure of a Web page</a:t>
+            </a:r>
+            <a:endParaRPr lang="en-US" sz="1600" b="0" dirty="0">
+              <a:solidFill>
+                <a:srgbClr val="D4D4D4"/>
+              </a:solidFill>
+              <a:effectLst/>
+              <a:latin typeface="Cadman Regular"/>
+            </a:endParaRPr>
+          </a:p>
+          <a:p>
+            <a:r>
+              <a:rPr lang="en-US" sz="1600" b="0" dirty="0">
+                <a:solidFill>
+                  <a:srgbClr val="6A9955"/>
+                </a:solidFill>
+                <a:effectLst/>
+                <a:latin typeface="Cadman Regular"/>
+              </a:rPr>
+              <a:t>    HTML consists of a series of elements or tags</a:t>
+            </a:r>
+            <a:endParaRPr lang="en-US" sz="1600" b="0" dirty="0">
+              <a:solidFill>
+                <a:srgbClr val="D4D4D4"/>
+              </a:solidFill>
+              <a:effectLst/>
+              <a:latin typeface="Cadman Regular"/>
+            </a:endParaRPr>
+          </a:p>
+          <a:p>
+            <a:r>
+              <a:rPr lang="en-US" sz="1600" b="0" dirty="0">
+                <a:solidFill>
+                  <a:srgbClr val="6A9955"/>
+                </a:solidFill>
+                <a:effectLst/>
+                <a:latin typeface="Cadman Regular"/>
+              </a:rPr>
+              <a:t>    HTML elements or tags tells the browser how to display the content</a:t>
+            </a:r>
+            <a:endParaRPr lang="en-US" sz="1600" b="0" dirty="0">
+              <a:solidFill>
+                <a:srgbClr val="D4D4D4"/>
+              </a:solidFill>
+              <a:effectLst/>
+              <a:latin typeface="Cadman Regular"/>
+            </a:endParaRPr>
+          </a:p>
+          <a:p>
+            <a:r>
+              <a:rPr lang="en-US" sz="1600" b="0" dirty="0">
+                <a:solidFill>
+                  <a:srgbClr val="6A9955"/>
+                </a:solidFill>
+                <a:effectLst/>
+                <a:latin typeface="Cadman Regular"/>
+              </a:rPr>
+              <a:t>    HTML elements contains piece of content such as "this is a heading", "this is a paragraph", "this is a link", etc.</a:t>
+            </a:r>
+            <a:endParaRPr lang="en-US" sz="1600" b="0" dirty="0">
+              <a:solidFill>
+                <a:srgbClr val="D4D4D4"/>
+              </a:solidFill>
+              <a:effectLst/>
+              <a:latin typeface="Cadman Regular"/>
+            </a:endParaRPr>
+          </a:p>
+          <a:p>
+            <a:endParaRPr lang="en-IN" sz="1600" dirty="0"/>
+          </a:p>
+          <a:p>
+            <a:endParaRPr lang="en-IN" sz="1600" dirty="0"/>
+          </a:p>
+        </p:txBody>
+      </p:sp>
+    </p:spTree>
+    <p:extLst>
+      <p:ext uri="{BB962C8B-B14F-4D97-AF65-F5344CB8AC3E}">
+        <p14:creationId xmlns:p14="http://schemas.microsoft.com/office/powerpoint/2010/main" val="3792609483"/>
+      </p:ext>
+    </p:extLst>
+  </p:cSld>
+  <p:clrMapOvr>
+    <a:masterClrMapping/>
+  </p:clrMapOvr>
+</p:sld>
+</file>
+
+<file path=ppt/slides/slide4.xml><?xml version="1.0" encoding="utf-8"?>
+<p:sld xmlns:a="http://schemas.openxmlformats.org/drawingml/2006/main" xmlns:r="http://schemas.openxmlformats.org/officeDocument/2006/relationships" xmlns:p="http://schemas.openxmlformats.org/presentationml/2006/main">
+  <p:cSld>
+    <p:spTree>
+      <p:nvGrpSpPr>
+        <p:cNvPr id="1" name=""/>
+        <p:cNvGrpSpPr/>
+        <p:nvPr/>
+      </p:nvGrpSpPr>
+      <p:grpSpPr>
+        <a:xfrm>
+          <a:off x="0" y="0"/>
+          <a:ext cx="0" cy="0"/>
+          <a:chOff x="0" y="0"/>
+          <a:chExt cx="0" cy="0"/>
+        </a:xfrm>
+      </p:grpSpPr>
+      <p:sp>
+        <p:nvSpPr>
+          <p:cNvPr id="2" name="Title 1">
+            <a:extLst>
+              <a:ext uri="{FF2B5EF4-FFF2-40B4-BE49-F238E27FC236}">
+                <a16:creationId xmlns:a16="http://schemas.microsoft.com/office/drawing/2014/main" id="{36A921CE-F404-4B12-8C67-7B28BEC0587B}"/>
+              </a:ext>
+            </a:extLst>
+          </p:cNvPr>
+          <p:cNvSpPr>
+            <a:spLocks noGrp="1"/>
+          </p:cNvSpPr>
+          <p:nvPr>
+            <p:ph type="title"/>
+          </p:nvPr>
+        </p:nvSpPr>
+        <p:spPr/>
+        <p:txBody>
+          <a:bodyPr/>
+          <a:lstStyle/>
+          <a:p>
+            <a:r>
+              <a:rPr lang="en-US" b="0" dirty="0">
+                <a:solidFill>
+                  <a:srgbClr val="6A9955"/>
+                </a:solidFill>
+                <a:effectLst/>
+                <a:latin typeface="Cadman Regular"/>
+              </a:rPr>
+              <a:t>2. What is an HTML Element?</a:t>
+            </a:r>
+            <a:endParaRPr lang="en-US" b="0" dirty="0">
+              <a:solidFill>
+                <a:srgbClr val="D4D4D4"/>
+              </a:solidFill>
+              <a:effectLst/>
+              <a:latin typeface="Cadman Regular"/>
+            </a:endParaRPr>
+          </a:p>
+        </p:txBody>
+      </p:sp>
+      <p:sp>
+        <p:nvSpPr>
+          <p:cNvPr id="3" name="Content Placeholder 2">
+            <a:extLst>
+              <a:ext uri="{FF2B5EF4-FFF2-40B4-BE49-F238E27FC236}">
+                <a16:creationId xmlns:a16="http://schemas.microsoft.com/office/drawing/2014/main" id="{13D7D99C-8AE0-4681-87E4-1E45850C8449}"/>
+              </a:ext>
+            </a:extLst>
+          </p:cNvPr>
+          <p:cNvSpPr>
+            <a:spLocks noGrp="1"/>
+          </p:cNvSpPr>
+          <p:nvPr>
+            <p:ph idx="1"/>
+          </p:nvPr>
+        </p:nvSpPr>
+        <p:spPr>
+          <a:xfrm>
+            <a:off x="677334" y="1488613"/>
+            <a:ext cx="8596668" cy="3880773"/>
+          </a:xfrm>
+        </p:spPr>
+        <p:txBody>
+          <a:bodyPr>
+            <a:normAutofit/>
+          </a:bodyPr>
+          <a:lstStyle/>
+          <a:p>
+            <a:r>
+              <a:rPr lang="en-US" sz="1600" b="0" dirty="0">
+                <a:solidFill>
+                  <a:srgbClr val="6A9955"/>
+                </a:solidFill>
+                <a:effectLst/>
+                <a:latin typeface="Cadman Regular"/>
+              </a:rPr>
+              <a:t>The HTML element is everything from the start tag to the end tag.</a:t>
+            </a:r>
+            <a:endParaRPr lang="en-US" sz="1600" b="0" dirty="0">
+              <a:solidFill>
+                <a:srgbClr val="D4D4D4"/>
+              </a:solidFill>
+              <a:effectLst/>
+              <a:latin typeface="Cadman Regular"/>
+            </a:endParaRPr>
+          </a:p>
+          <a:p>
+            <a:endParaRPr lang="en-IN" sz="1600" dirty="0"/>
+          </a:p>
+        </p:txBody>
+      </p:sp>
+    </p:spTree>
+    <p:extLst>
+      <p:ext uri="{BB962C8B-B14F-4D97-AF65-F5344CB8AC3E}">
+        <p14:creationId xmlns:p14="http://schemas.microsoft.com/office/powerpoint/2010/main" val="2935403553"/>
+      </p:ext>
+    </p:extLst>
+  </p:cSld>
+  <p:clrMapOvr>
+    <a:masterClrMapping/>
+  </p:clrMapOvr>
+</p:sld>
+</file>
+
+<file path=ppt/slides/slide5.xml><?xml version="1.0" encoding="utf-8"?>
+<p:sld xmlns:a="http://schemas.openxmlformats.org/drawingml/2006/main" xmlns:r="http://schemas.openxmlformats.org/officeDocument/2006/relationships" xmlns:p="http://schemas.openxmlformats.org/presentationml/2006/main">
+  <p:cSld>
+    <p:spTree>
+      <p:nvGrpSpPr>
+        <p:cNvPr id="1" name=""/>
+        <p:cNvGrpSpPr/>
+        <p:nvPr/>
+      </p:nvGrpSpPr>
+      <p:grpSpPr>
+        <a:xfrm>
+          <a:off x="0" y="0"/>
+          <a:ext cx="0" cy="0"/>
+          <a:chOff x="0" y="0"/>
+          <a:chExt cx="0" cy="0"/>
+        </a:xfrm>
+      </p:grpSpPr>
+      <p:sp>
+        <p:nvSpPr>
+          <p:cNvPr id="2" name="Title 1">
+            <a:extLst>
+              <a:ext uri="{FF2B5EF4-FFF2-40B4-BE49-F238E27FC236}">
+                <a16:creationId xmlns:a16="http://schemas.microsoft.com/office/drawing/2014/main" id="{168AACDD-CD6F-4637-8961-19CB516EB3AF}"/>
+              </a:ext>
+            </a:extLst>
+          </p:cNvPr>
+          <p:cNvSpPr>
+            <a:spLocks noGrp="1"/>
+          </p:cNvSpPr>
+          <p:nvPr>
+            <p:ph type="title"/>
+          </p:nvPr>
+        </p:nvSpPr>
+        <p:spPr/>
+        <p:txBody>
+          <a:bodyPr/>
+          <a:lstStyle/>
+          <a:p>
+            <a:r>
+              <a:rPr lang="en-US" b="0" dirty="0">
+                <a:solidFill>
+                  <a:srgbClr val="6A9955"/>
+                </a:solidFill>
+                <a:effectLst/>
+                <a:latin typeface="Cadman Regular"/>
+              </a:rPr>
+              <a:t>3. What are Web Browsers?</a:t>
+            </a:r>
+            <a:br>
+              <a:rPr lang="en-US" b="0" dirty="0">
+                <a:solidFill>
+                  <a:srgbClr val="D4D4D4"/>
+                </a:solidFill>
+                <a:effectLst/>
+                <a:latin typeface="Cadman Regular"/>
+              </a:rPr>
+            </a:br>
+            <a:endParaRPr lang="en-IN" dirty="0"/>
+          </a:p>
+        </p:txBody>
+      </p:sp>
+      <p:sp>
+        <p:nvSpPr>
+          <p:cNvPr id="3" name="Content Placeholder 2">
+            <a:extLst>
+              <a:ext uri="{FF2B5EF4-FFF2-40B4-BE49-F238E27FC236}">
+                <a16:creationId xmlns:a16="http://schemas.microsoft.com/office/drawing/2014/main" id="{60D63D0D-F27A-47B9-8A0D-4AEF68EE5B2D}"/>
+              </a:ext>
+            </a:extLst>
+          </p:cNvPr>
+          <p:cNvSpPr>
+            <a:spLocks noGrp="1"/>
+          </p:cNvSpPr>
+          <p:nvPr>
+            <p:ph idx="1"/>
+          </p:nvPr>
+        </p:nvSpPr>
+        <p:spPr>
+          <a:xfrm>
+            <a:off x="677334" y="1541002"/>
+            <a:ext cx="8596668" cy="3880773"/>
+          </a:xfrm>
+        </p:spPr>
+        <p:txBody>
+          <a:bodyPr>
+            <a:normAutofit/>
+          </a:bodyPr>
+          <a:lstStyle/>
+          <a:p>
+            <a:r>
+              <a:rPr lang="en-US" sz="1600" b="0" dirty="0">
+                <a:solidFill>
+                  <a:srgbClr val="6A9955"/>
+                </a:solidFill>
+                <a:effectLst/>
+                <a:latin typeface="Cadman Regular"/>
+              </a:rPr>
+              <a:t>The purpose of a web browser (Chrome, Edge, Firefox, Safari) is to read HTML documents and display them correctly.</a:t>
+            </a:r>
+            <a:endParaRPr lang="en-US" sz="1600" b="0" dirty="0">
+              <a:solidFill>
+                <a:srgbClr val="D4D4D4"/>
+              </a:solidFill>
+              <a:effectLst/>
+              <a:latin typeface="Cadman Regular"/>
+            </a:endParaRPr>
+          </a:p>
+          <a:p>
+            <a:r>
+              <a:rPr lang="en-US" sz="1600" b="0" dirty="0">
+                <a:solidFill>
+                  <a:srgbClr val="6A9955"/>
+                </a:solidFill>
+                <a:effectLst/>
+                <a:latin typeface="Cadman Regular"/>
+              </a:rPr>
+              <a:t>A browser does not display the HTML tags, but uses them to determine how to display the document:</a:t>
+            </a:r>
+            <a:endParaRPr lang="en-US" sz="1600" b="0" dirty="0">
+              <a:solidFill>
+                <a:srgbClr val="D4D4D4"/>
+              </a:solidFill>
+              <a:effectLst/>
+              <a:latin typeface="Cadman Regular"/>
+            </a:endParaRPr>
+          </a:p>
+          <a:p>
+            <a:endParaRPr lang="en-IN" sz="1600" dirty="0"/>
+          </a:p>
+        </p:txBody>
+      </p:sp>
+    </p:spTree>
+    <p:extLst>
+      <p:ext uri="{BB962C8B-B14F-4D97-AF65-F5344CB8AC3E}">
+        <p14:creationId xmlns:p14="http://schemas.microsoft.com/office/powerpoint/2010/main" val="212485816"/>
+      </p:ext>
+    </p:extLst>
+  </p:cSld>
+  <p:clrMapOvr>
+    <a:masterClrMapping/>
+  </p:clrMapOvr>
+</p:sld>
+</file>
+
+<file path=ppt/slides/slide6.xml><?xml version="1.0" encoding="utf-8"?>
+<p:sld xmlns:a="http://schemas.openxmlformats.org/drawingml/2006/main" xmlns:r="http://schemas.openxmlformats.org/officeDocument/2006/relationships" xmlns:p="http://schemas.openxmlformats.org/presentationml/2006/main">
+  <p:cSld>
+    <p:spTree>
+      <p:nvGrpSpPr>
+        <p:cNvPr id="1" name=""/>
+        <p:cNvGrpSpPr/>
+        <p:nvPr/>
+      </p:nvGrpSpPr>
+      <p:grpSpPr>
+        <a:xfrm>
+          <a:off x="0" y="0"/>
+          <a:ext cx="0" cy="0"/>
+          <a:chOff x="0" y="0"/>
+          <a:chExt cx="0" cy="0"/>
+        </a:xfrm>
+      </p:grpSpPr>
+      <p:sp>
+        <p:nvSpPr>
+          <p:cNvPr id="2" name="Title 1">
+            <a:extLst>
+              <a:ext uri="{FF2B5EF4-FFF2-40B4-BE49-F238E27FC236}">
+                <a16:creationId xmlns:a16="http://schemas.microsoft.com/office/drawing/2014/main" id="{414CFA9B-005E-46EA-9C8A-A3648B713748}"/>
+              </a:ext>
+            </a:extLst>
+          </p:cNvPr>
+          <p:cNvSpPr>
+            <a:spLocks noGrp="1"/>
+          </p:cNvSpPr>
+          <p:nvPr>
+            <p:ph type="title"/>
+          </p:nvPr>
+        </p:nvSpPr>
+        <p:spPr/>
+        <p:txBody>
+          <a:bodyPr/>
+          <a:lstStyle/>
+          <a:p>
+            <a:r>
+              <a:rPr lang="en-IN" b="0" dirty="0">
+                <a:solidFill>
+                  <a:srgbClr val="6A9955"/>
+                </a:solidFill>
+                <a:effectLst/>
+                <a:latin typeface="Cadman Regular"/>
+              </a:rPr>
+              <a:t>HTML5 Page Structure?</a:t>
+            </a:r>
+            <a:br>
+              <a:rPr lang="en-IN" b="0" dirty="0">
+                <a:solidFill>
+                  <a:srgbClr val="D4D4D4"/>
+                </a:solidFill>
+                <a:effectLst/>
+                <a:latin typeface="Cadman Regular"/>
+              </a:rPr>
+            </a:br>
+            <a:endParaRPr lang="en-IN" dirty="0"/>
+          </a:p>
+        </p:txBody>
+      </p:sp>
+      <p:sp>
+        <p:nvSpPr>
+          <p:cNvPr id="3" name="Content Placeholder 2">
+            <a:extLst>
+              <a:ext uri="{FF2B5EF4-FFF2-40B4-BE49-F238E27FC236}">
+                <a16:creationId xmlns:a16="http://schemas.microsoft.com/office/drawing/2014/main" id="{CC1A3539-2D6C-44FE-9D67-13C377DFF4BC}"/>
+              </a:ext>
+            </a:extLst>
+          </p:cNvPr>
+          <p:cNvSpPr>
+            <a:spLocks noGrp="1"/>
+          </p:cNvSpPr>
+          <p:nvPr>
+            <p:ph idx="1"/>
+          </p:nvPr>
+        </p:nvSpPr>
+        <p:spPr>
+          <a:xfrm>
+            <a:off x="677334" y="1488613"/>
+            <a:ext cx="8596668" cy="3880773"/>
+          </a:xfrm>
+        </p:spPr>
+        <p:txBody>
+          <a:bodyPr>
+            <a:noAutofit/>
+          </a:bodyPr>
+          <a:lstStyle/>
+          <a:p>
+            <a:pPr marL="0" indent="0">
+              <a:buNone/>
+            </a:pPr>
+            <a:r>
+              <a:rPr lang="en-IN" sz="1400" b="0" dirty="0">
+                <a:solidFill>
+                  <a:srgbClr val="FF0000"/>
+                </a:solidFill>
+                <a:effectLst/>
+                <a:latin typeface="Cadman Regular"/>
+              </a:rPr>
+              <a:t>&lt;!DOCTYPE html&gt;</a:t>
+            </a:r>
+          </a:p>
+          <a:p>
+            <a:pPr marL="0" indent="0">
+              <a:buNone/>
+            </a:pPr>
+            <a:r>
+              <a:rPr lang="en-IN" sz="1400" b="0" dirty="0">
+                <a:solidFill>
+                  <a:srgbClr val="FF0000"/>
+                </a:solidFill>
+                <a:effectLst/>
+                <a:latin typeface="Cadman Regular"/>
+              </a:rPr>
+              <a:t>&lt;html lang="</a:t>
+            </a:r>
+            <a:r>
+              <a:rPr lang="en-IN" sz="1400" b="0" dirty="0" err="1">
+                <a:solidFill>
+                  <a:srgbClr val="FF0000"/>
+                </a:solidFill>
+                <a:effectLst/>
+                <a:latin typeface="Cadman Regular"/>
+              </a:rPr>
+              <a:t>en</a:t>
+            </a:r>
+            <a:r>
+              <a:rPr lang="en-IN" sz="1400" b="0" dirty="0">
+                <a:solidFill>
+                  <a:srgbClr val="FF0000"/>
+                </a:solidFill>
+                <a:effectLst/>
+                <a:latin typeface="Cadman Regular"/>
+              </a:rPr>
+              <a:t>"&gt;</a:t>
+            </a:r>
+          </a:p>
+          <a:p>
+            <a:pPr marL="0" indent="0">
+              <a:buNone/>
+            </a:pPr>
+            <a:r>
+              <a:rPr lang="en-IN" sz="1400" b="0" dirty="0">
+                <a:solidFill>
+                  <a:srgbClr val="FF0000"/>
+                </a:solidFill>
+                <a:effectLst/>
+                <a:latin typeface="Cadman Regular"/>
+              </a:rPr>
+              <a:t>&lt;head&gt;</a:t>
+            </a:r>
+          </a:p>
+          <a:p>
+            <a:pPr marL="0" indent="0">
+              <a:buNone/>
+            </a:pPr>
+            <a:r>
+              <a:rPr lang="en-IN" sz="1400" b="0" dirty="0">
+                <a:solidFill>
+                  <a:srgbClr val="FF0000"/>
+                </a:solidFill>
+                <a:effectLst/>
+                <a:latin typeface="Cadman Regular"/>
+              </a:rPr>
+              <a:t>    &lt;meta charset="UTF-8"&gt;</a:t>
+            </a:r>
+          </a:p>
+          <a:p>
+            <a:pPr marL="0" indent="0">
+              <a:buNone/>
+            </a:pPr>
+            <a:r>
+              <a:rPr lang="en-IN" sz="1400" b="0" dirty="0">
+                <a:solidFill>
+                  <a:srgbClr val="FF0000"/>
+                </a:solidFill>
+                <a:effectLst/>
+                <a:latin typeface="Cadman Regular"/>
+              </a:rPr>
+              <a:t>    &lt;meta name="viewport" content="width=device-width, initial-scale=1.0"&gt;</a:t>
+            </a:r>
+          </a:p>
+          <a:p>
+            <a:pPr marL="0" indent="0">
+              <a:buNone/>
+            </a:pPr>
+            <a:r>
+              <a:rPr lang="en-IN" sz="1400" b="0" dirty="0">
+                <a:solidFill>
+                  <a:srgbClr val="FF0000"/>
+                </a:solidFill>
+                <a:effectLst/>
+                <a:latin typeface="Cadman Regular"/>
+              </a:rPr>
+              <a:t>    &lt;title&gt;Document&lt;/title&gt;</a:t>
+            </a:r>
+          </a:p>
+          <a:p>
+            <a:pPr marL="0" indent="0">
+              <a:buNone/>
+            </a:pPr>
+            <a:r>
+              <a:rPr lang="en-IN" sz="1400" b="0" dirty="0">
+                <a:solidFill>
+                  <a:srgbClr val="FF0000"/>
+                </a:solidFill>
+                <a:effectLst/>
+                <a:latin typeface="Cadman Regular"/>
+              </a:rPr>
+              <a:t>&lt;/head&gt;</a:t>
+            </a:r>
+          </a:p>
+          <a:p>
+            <a:pPr marL="0" indent="0">
+              <a:buNone/>
+            </a:pPr>
+            <a:r>
+              <a:rPr lang="en-IN" sz="1400" b="0" dirty="0">
+                <a:solidFill>
+                  <a:srgbClr val="FF0000"/>
+                </a:solidFill>
+                <a:effectLst/>
+                <a:latin typeface="Cadman Regular"/>
+              </a:rPr>
+              <a:t>&lt;body&gt;</a:t>
+            </a:r>
+          </a:p>
+          <a:p>
+            <a:pPr marL="0" indent="0">
+              <a:buNone/>
+            </a:pPr>
+            <a:r>
+              <a:rPr lang="en-IN" sz="1400" b="0" dirty="0">
+                <a:solidFill>
+                  <a:srgbClr val="FF0000"/>
+                </a:solidFill>
+                <a:effectLst/>
+                <a:latin typeface="Cadman Regular"/>
+              </a:rPr>
+              <a:t>    </a:t>
+            </a:r>
+          </a:p>
+          <a:p>
+            <a:pPr marL="0" indent="0">
+              <a:buNone/>
+            </a:pPr>
+            <a:r>
+              <a:rPr lang="en-IN" sz="1400" b="0" dirty="0">
+                <a:solidFill>
+                  <a:srgbClr val="FF0000"/>
+                </a:solidFill>
+                <a:effectLst/>
+                <a:latin typeface="Cadman Regular"/>
+              </a:rPr>
+              <a:t>&lt;/body&gt;</a:t>
+            </a:r>
+          </a:p>
+          <a:p>
+            <a:pPr marL="0" indent="0">
+              <a:buNone/>
+            </a:pPr>
+            <a:r>
+              <a:rPr lang="en-IN" sz="1400" b="0" dirty="0">
+                <a:solidFill>
+                  <a:srgbClr val="FF0000"/>
+                </a:solidFill>
+                <a:effectLst/>
+                <a:latin typeface="Cadman Regular"/>
+              </a:rPr>
+              <a:t>&lt;/html&gt;</a:t>
+            </a:r>
+          </a:p>
+        </p:txBody>
+      </p:sp>
+    </p:spTree>
+    <p:extLst>
+      <p:ext uri="{BB962C8B-B14F-4D97-AF65-F5344CB8AC3E}">
+        <p14:creationId xmlns:p14="http://schemas.microsoft.com/office/powerpoint/2010/main" val="3906925634"/>
+      </p:ext>
+    </p:extLst>
+  </p:cSld>
+  <p:clrMapOvr>
+    <a:masterClrMapping/>
+  </p:clrMapOvr>
+</p:sld>
+</file>
+
+<file path=ppt/slides/slide7.xml><?xml version="1.0" encoding="utf-8"?>
+<p:sld xmlns:a="http://schemas.openxmlformats.org/drawingml/2006/main" xmlns:r="http://schemas.openxmlformats.org/officeDocument/2006/relationships" xmlns:p="http://schemas.openxmlformats.org/presentationml/2006/main">
+  <p:cSld>
+    <p:spTree>
+      <p:nvGrpSpPr>
+        <p:cNvPr id="1" name=""/>
+        <p:cNvGrpSpPr/>
+        <p:nvPr/>
+      </p:nvGrpSpPr>
+      <p:grpSpPr>
+        <a:xfrm>
+          <a:off x="0" y="0"/>
+          <a:ext cx="0" cy="0"/>
+          <a:chOff x="0" y="0"/>
+          <a:chExt cx="0" cy="0"/>
+        </a:xfrm>
+      </p:grpSpPr>
+      <p:sp>
+        <p:nvSpPr>
+          <p:cNvPr id="2" name="Title 1">
+            <a:extLst>
+              <a:ext uri="{FF2B5EF4-FFF2-40B4-BE49-F238E27FC236}">
+                <a16:creationId xmlns:a16="http://schemas.microsoft.com/office/drawing/2014/main" id="{76E4883C-F767-4171-AACA-2A32050BE418}"/>
+              </a:ext>
+            </a:extLst>
+          </p:cNvPr>
+          <p:cNvSpPr>
+            <a:spLocks noGrp="1"/>
+          </p:cNvSpPr>
+          <p:nvPr>
+            <p:ph type="title"/>
+          </p:nvPr>
+        </p:nvSpPr>
+        <p:spPr/>
+        <p:txBody>
+          <a:bodyPr/>
+          <a:lstStyle/>
+          <a:p>
+            <a:r>
+              <a:rPr lang="en-IN" b="0" dirty="0">
+                <a:solidFill>
+                  <a:srgbClr val="6A9955"/>
+                </a:solidFill>
+                <a:effectLst/>
+                <a:latin typeface="Cadman Regular"/>
+              </a:rPr>
+              <a:t>HTML History?</a:t>
+            </a:r>
+            <a:br>
+              <a:rPr lang="en-IN" b="0" dirty="0">
+                <a:solidFill>
+                  <a:srgbClr val="D4D4D4"/>
+                </a:solidFill>
+                <a:effectLst/>
+                <a:latin typeface="Cadman Regular"/>
+              </a:rPr>
+            </a:br>
+            <a:endParaRPr lang="en-IN" dirty="0"/>
+          </a:p>
+        </p:txBody>
+      </p:sp>
+      <p:sp>
+        <p:nvSpPr>
+          <p:cNvPr id="3" name="Content Placeholder 2">
+            <a:extLst>
+              <a:ext uri="{FF2B5EF4-FFF2-40B4-BE49-F238E27FC236}">
+                <a16:creationId xmlns:a16="http://schemas.microsoft.com/office/drawing/2014/main" id="{32C4542A-C31F-4683-AF1B-DEDBE7C010EF}"/>
+              </a:ext>
+            </a:extLst>
+          </p:cNvPr>
+          <p:cNvSpPr>
+            <a:spLocks noGrp="1"/>
+          </p:cNvSpPr>
+          <p:nvPr>
+            <p:ph idx="1"/>
+          </p:nvPr>
+        </p:nvSpPr>
+        <p:spPr>
+          <a:xfrm>
+            <a:off x="677334" y="1488613"/>
+            <a:ext cx="8596668" cy="3880773"/>
+          </a:xfrm>
+        </p:spPr>
+        <p:txBody>
+          <a:bodyPr>
+            <a:normAutofit/>
+          </a:bodyPr>
+          <a:lstStyle/>
+          <a:p>
+            <a:r>
+              <a:rPr lang="en-US" sz="1600" b="0" dirty="0">
+                <a:solidFill>
+                  <a:srgbClr val="6A9955"/>
+                </a:solidFill>
+                <a:effectLst/>
+                <a:latin typeface="Cadman Regular"/>
+              </a:rPr>
+              <a:t>Since the early days of the World Wide Web, there have been many versions of HTML:</a:t>
+            </a:r>
+            <a:endParaRPr lang="en-US" sz="1600" b="0" dirty="0">
+              <a:solidFill>
+                <a:srgbClr val="D4D4D4"/>
+              </a:solidFill>
+              <a:effectLst/>
+              <a:latin typeface="Cadman Regular"/>
+            </a:endParaRPr>
+          </a:p>
+          <a:p>
+            <a:r>
+              <a:rPr lang="en-US" sz="1600" b="0" dirty="0">
+                <a:solidFill>
+                  <a:srgbClr val="6A9955"/>
+                </a:solidFill>
+                <a:effectLst/>
+                <a:latin typeface="Cadman Regular"/>
+              </a:rPr>
+              <a:t>1989 - 2017</a:t>
+            </a:r>
+            <a:endParaRPr lang="en-US" sz="1600" b="0" dirty="0">
+              <a:solidFill>
+                <a:srgbClr val="D4D4D4"/>
+              </a:solidFill>
+              <a:effectLst/>
+              <a:latin typeface="Cadman Regular"/>
+            </a:endParaRPr>
+          </a:p>
+          <a:p>
+            <a:endParaRPr lang="en-IN" sz="1600" dirty="0"/>
+          </a:p>
+        </p:txBody>
+      </p:sp>
+    </p:spTree>
+    <p:extLst>
+      <p:ext uri="{BB962C8B-B14F-4D97-AF65-F5344CB8AC3E}">
+        <p14:creationId xmlns:p14="http://schemas.microsoft.com/office/powerpoint/2010/main" val="1740050805"/>
+      </p:ext>
+    </p:extLst>
+  </p:cSld>
+  <p:clrMapOvr>
+    <a:masterClrMapping/>
+  </p:clrMapOvr>
+</p:sld>
+</file>
+
+<file path=ppt/slides/slide8.xml><?xml version="1.0" encoding="utf-8"?>
+<p:sld xmlns:a="http://schemas.openxmlformats.org/drawingml/2006/main" xmlns:r="http://schemas.openxmlformats.org/officeDocument/2006/relationships" xmlns:p="http://schemas.openxmlformats.org/presentationml/2006/main">
+  <p:cSld>
+    <p:spTree>
+      <p:nvGrpSpPr>
+        <p:cNvPr id="1" name=""/>
+        <p:cNvGrpSpPr/>
+        <p:nvPr/>
+      </p:nvGrpSpPr>
+      <p:grpSpPr>
+        <a:xfrm>
+          <a:off x="0" y="0"/>
+          <a:ext cx="0" cy="0"/>
+          <a:chOff x="0" y="0"/>
+          <a:chExt cx="0" cy="0"/>
+        </a:xfrm>
+      </p:grpSpPr>
+      <p:sp>
+        <p:nvSpPr>
+          <p:cNvPr id="2" name="Title 1">
+            <a:extLst>
+              <a:ext uri="{FF2B5EF4-FFF2-40B4-BE49-F238E27FC236}">
+                <a16:creationId xmlns:a16="http://schemas.microsoft.com/office/drawing/2014/main" id="{4DE6A753-345F-47A0-ACD4-BE9880F15816}"/>
+              </a:ext>
+            </a:extLst>
+          </p:cNvPr>
+          <p:cNvSpPr>
+            <a:spLocks noGrp="1"/>
+          </p:cNvSpPr>
+          <p:nvPr>
+            <p:ph type="title"/>
+          </p:nvPr>
+        </p:nvSpPr>
+        <p:spPr/>
+        <p:txBody>
+          <a:bodyPr>
+            <a:normAutofit fontScale="90000"/>
+          </a:bodyPr>
+          <a:lstStyle/>
+          <a:p>
+            <a:r>
+              <a:rPr lang="en-US" b="0" dirty="0">
+                <a:solidFill>
+                  <a:srgbClr val="6A9955"/>
+                </a:solidFill>
+                <a:effectLst/>
+                <a:latin typeface="Cadman Regular"/>
+              </a:rPr>
+              <a:t>Learn HTML Using Text Editor: </a:t>
+            </a:r>
+            <a:r>
+              <a:rPr lang="en-US" b="0" dirty="0" err="1">
+                <a:solidFill>
+                  <a:srgbClr val="6A9955"/>
+                </a:solidFill>
+                <a:effectLst/>
+                <a:latin typeface="Cadman Regular"/>
+              </a:rPr>
+              <a:t>VsCode</a:t>
+            </a:r>
+            <a:r>
+              <a:rPr lang="en-US" b="0" dirty="0">
+                <a:solidFill>
+                  <a:srgbClr val="6A9955"/>
+                </a:solidFill>
+                <a:effectLst/>
+                <a:latin typeface="Cadman Regular"/>
+              </a:rPr>
+              <a:t>, Notepad++, Sublime, etc.</a:t>
+            </a:r>
+            <a:br>
+              <a:rPr lang="en-US" b="0" dirty="0">
+                <a:solidFill>
+                  <a:srgbClr val="D4D4D4"/>
+                </a:solidFill>
+                <a:effectLst/>
+                <a:latin typeface="Cadman Regular"/>
+              </a:rPr>
+            </a:br>
+            <a:endParaRPr lang="en-IN" dirty="0"/>
+          </a:p>
+        </p:txBody>
+      </p:sp>
+      <p:sp>
+        <p:nvSpPr>
+          <p:cNvPr id="3" name="Content Placeholder 2">
+            <a:extLst>
+              <a:ext uri="{FF2B5EF4-FFF2-40B4-BE49-F238E27FC236}">
+                <a16:creationId xmlns:a16="http://schemas.microsoft.com/office/drawing/2014/main" id="{D1DF1A90-BC4B-4599-B87E-11E66E53D3B1}"/>
+              </a:ext>
+            </a:extLst>
+          </p:cNvPr>
+          <p:cNvSpPr>
+            <a:spLocks noGrp="1"/>
+          </p:cNvSpPr>
+          <p:nvPr>
+            <p:ph idx="1"/>
+          </p:nvPr>
+        </p:nvSpPr>
+        <p:spPr/>
+        <p:txBody>
+          <a:bodyPr>
+            <a:normAutofit/>
+          </a:bodyPr>
+          <a:lstStyle/>
+          <a:p>
+            <a:r>
+              <a:rPr lang="en-US" sz="1600" b="0" dirty="0">
+                <a:solidFill>
+                  <a:srgbClr val="6A9955"/>
+                </a:solidFill>
+                <a:effectLst/>
+                <a:latin typeface="Cadman Regular"/>
+              </a:rPr>
+              <a:t>Web pages can be created and modified by using professional HTML editors.</a:t>
+            </a:r>
+            <a:endParaRPr lang="en-US" sz="1600" b="0" dirty="0">
+              <a:solidFill>
+                <a:srgbClr val="D4D4D4"/>
+              </a:solidFill>
+              <a:effectLst/>
+              <a:latin typeface="Cadman Regular"/>
+            </a:endParaRPr>
+          </a:p>
+          <a:p>
+            <a:r>
+              <a:rPr lang="en-US" sz="1600" b="0" dirty="0">
+                <a:solidFill>
+                  <a:srgbClr val="6A9955"/>
+                </a:solidFill>
+                <a:effectLst/>
+                <a:latin typeface="Cadman Regular"/>
+              </a:rPr>
+              <a:t>Create a folder and create a file with .html extension and open it in your text editor. </a:t>
+            </a:r>
+            <a:endParaRPr lang="en-US" sz="1600" b="0" dirty="0">
+              <a:solidFill>
+                <a:srgbClr val="D4D4D4"/>
+              </a:solidFill>
+              <a:effectLst/>
+              <a:latin typeface="Cadman Regular"/>
+            </a:endParaRPr>
+          </a:p>
+          <a:p>
+            <a:r>
+              <a:rPr lang="en-US" sz="1600" b="0" dirty="0">
+                <a:solidFill>
+                  <a:srgbClr val="6A9955"/>
+                </a:solidFill>
+                <a:effectLst/>
+                <a:latin typeface="Cadman Regular"/>
+              </a:rPr>
+              <a:t>View that HTML file or Page in Your Browser.</a:t>
+            </a:r>
+            <a:endParaRPr lang="en-US" sz="1600" b="0" dirty="0">
+              <a:solidFill>
+                <a:srgbClr val="D4D4D4"/>
+              </a:solidFill>
+              <a:effectLst/>
+              <a:latin typeface="Cadman Regular"/>
+            </a:endParaRPr>
+          </a:p>
+          <a:p>
+            <a:endParaRPr lang="en-IN" sz="1600" dirty="0"/>
+          </a:p>
+        </p:txBody>
+      </p:sp>
+    </p:spTree>
+    <p:extLst>
+      <p:ext uri="{BB962C8B-B14F-4D97-AF65-F5344CB8AC3E}">
+        <p14:creationId xmlns:p14="http://schemas.microsoft.com/office/powerpoint/2010/main" val="2266680382"/>
+      </p:ext>
+    </p:extLst>
+  </p:cSld>
+  <p:clrMapOvr>
+    <a:masterClrMapping/>
+  </p:clrMapOvr>
+</p:sld>
+</file>
+
+<file path=ppt/slides/slide9.xml><?xml version="1.0" encoding="utf-8"?>
+<p:sld xmlns:a="http://schemas.openxmlformats.org/drawingml/2006/main" xmlns:r="http://schemas.openxmlformats.org/officeDocument/2006/relationships" xmlns:p="http://schemas.openxmlformats.org/presentationml/2006/main">
+  <p:cSld>
+    <p:spTree>
+      <p:nvGrpSpPr>
+        <p:cNvPr id="1" name=""/>
+        <p:cNvGrpSpPr/>
+        <p:nvPr/>
+      </p:nvGrpSpPr>
+      <p:grpSpPr>
+        <a:xfrm>
+          <a:off x="0" y="0"/>
+          <a:ext cx="0" cy="0"/>
+          <a:chOff x="0" y="0"/>
+          <a:chExt cx="0" cy="0"/>
+        </a:xfrm>
+      </p:grpSpPr>
+      <p:sp>
+        <p:nvSpPr>
+          <p:cNvPr id="2" name="Title 1">
+            <a:extLst>
+              <a:ext uri="{FF2B5EF4-FFF2-40B4-BE49-F238E27FC236}">
+                <a16:creationId xmlns:a16="http://schemas.microsoft.com/office/drawing/2014/main" id="{D64ECEE0-799C-4268-8EAC-521F57DA3551}"/>
+              </a:ext>
+            </a:extLst>
+          </p:cNvPr>
+          <p:cNvSpPr>
+            <a:spLocks noGrp="1"/>
+          </p:cNvSpPr>
+          <p:nvPr>
+            <p:ph type="title"/>
+          </p:nvPr>
+        </p:nvSpPr>
+        <p:spPr/>
+        <p:txBody>
+          <a:bodyPr/>
+          <a:lstStyle/>
+          <a:p>
+            <a:r>
+              <a:rPr lang="en-IN" b="0" dirty="0">
+                <a:solidFill>
+                  <a:srgbClr val="6A9955"/>
+                </a:solidFill>
+                <a:effectLst/>
+                <a:latin typeface="Cadman Regular"/>
+              </a:rPr>
+              <a:t>Html Documents</a:t>
+            </a:r>
+            <a:br>
+              <a:rPr lang="en-IN" b="0" dirty="0">
+                <a:solidFill>
+                  <a:srgbClr val="D4D4D4"/>
+                </a:solidFill>
+                <a:effectLst/>
+                <a:latin typeface="Cadman Regular"/>
+              </a:rPr>
+            </a:br>
+            <a:endParaRPr lang="en-IN" dirty="0"/>
+          </a:p>
+        </p:txBody>
+      </p:sp>
+      <p:sp>
+        <p:nvSpPr>
+          <p:cNvPr id="3" name="Content Placeholder 2">
+            <a:extLst>
+              <a:ext uri="{FF2B5EF4-FFF2-40B4-BE49-F238E27FC236}">
+                <a16:creationId xmlns:a16="http://schemas.microsoft.com/office/drawing/2014/main" id="{94795597-C697-486C-B12A-DEC3D23C9B2F}"/>
+              </a:ext>
+            </a:extLst>
+          </p:cNvPr>
+          <p:cNvSpPr>
+            <a:spLocks noGrp="1"/>
+          </p:cNvSpPr>
+          <p:nvPr>
+            <p:ph idx="1"/>
+          </p:nvPr>
+        </p:nvSpPr>
+        <p:spPr>
+          <a:xfrm>
+            <a:off x="677334" y="1488613"/>
+            <a:ext cx="8684780" cy="4635350"/>
+          </a:xfrm>
+        </p:spPr>
+        <p:txBody>
+          <a:bodyPr>
+            <a:normAutofit/>
+          </a:bodyPr>
+          <a:lstStyle/>
+          <a:p>
+            <a:r>
+              <a:rPr lang="en-US" sz="1600" b="0" dirty="0">
+                <a:solidFill>
+                  <a:srgbClr val="6A9955"/>
+                </a:solidFill>
+                <a:effectLst/>
+                <a:latin typeface="Cadman Regular"/>
+              </a:rPr>
+              <a:t>All HTML documents must start with a document type declaration: &lt;!DOCTYPE html&gt;.</a:t>
+            </a:r>
+            <a:endParaRPr lang="en-US" sz="1600" b="0" dirty="0">
+              <a:solidFill>
+                <a:srgbClr val="D4D4D4"/>
+              </a:solidFill>
+              <a:effectLst/>
+              <a:latin typeface="Cadman Regular"/>
+            </a:endParaRPr>
+          </a:p>
+          <a:p>
+            <a:r>
+              <a:rPr lang="en-US" sz="1600" b="0" dirty="0">
+                <a:solidFill>
+                  <a:srgbClr val="6A9955"/>
+                </a:solidFill>
+                <a:effectLst/>
+                <a:latin typeface="Cadman Regular"/>
+              </a:rPr>
+              <a:t>The HTML document itself begins with &lt;html&gt; and ends with &lt;/html&gt;.</a:t>
+            </a:r>
+            <a:endParaRPr lang="en-US" sz="1600" b="0" dirty="0">
+              <a:solidFill>
+                <a:srgbClr val="D4D4D4"/>
+              </a:solidFill>
+              <a:effectLst/>
+              <a:latin typeface="Cadman Regular"/>
+            </a:endParaRPr>
+          </a:p>
+          <a:p>
+            <a:r>
+              <a:rPr lang="en-US" sz="1600" b="0" dirty="0">
+                <a:solidFill>
+                  <a:srgbClr val="6A9955"/>
+                </a:solidFill>
+                <a:effectLst/>
+                <a:latin typeface="Cadman Regular"/>
+              </a:rPr>
+              <a:t>The visible part of the HTML document is between &lt;body&gt; and &lt;/body&gt;.</a:t>
+            </a:r>
+            <a:endParaRPr lang="en-US" sz="1600" b="0" dirty="0">
+              <a:solidFill>
+                <a:srgbClr val="D4D4D4"/>
+              </a:solidFill>
+              <a:effectLst/>
+              <a:latin typeface="Cadman Regular"/>
+            </a:endParaRPr>
+          </a:p>
+          <a:p>
+            <a:r>
+              <a:rPr lang="en-US" sz="1600" b="0" dirty="0">
+                <a:solidFill>
+                  <a:srgbClr val="6A9955"/>
+                </a:solidFill>
+                <a:effectLst/>
+                <a:latin typeface="Cadman Regular"/>
+              </a:rPr>
+              <a:t>The &lt;!DOCTYPE&gt; declaration represents the document type, and helps browsers to display web pages correctly.</a:t>
+            </a:r>
+            <a:endParaRPr lang="en-US" sz="1600" b="0" dirty="0">
+              <a:solidFill>
+                <a:srgbClr val="D4D4D4"/>
+              </a:solidFill>
+              <a:effectLst/>
+              <a:latin typeface="Cadman Regular"/>
+            </a:endParaRPr>
+          </a:p>
+          <a:p>
+            <a:r>
+              <a:rPr lang="en-US" sz="1600" b="0" dirty="0">
+                <a:solidFill>
+                  <a:srgbClr val="6A9955"/>
+                </a:solidFill>
+                <a:effectLst/>
+                <a:latin typeface="Cadman Regular"/>
+              </a:rPr>
+              <a:t>It must only appear once, at the top of the page (before any HTML tags).</a:t>
+            </a:r>
+            <a:endParaRPr lang="en-US" sz="1600" b="0" dirty="0">
+              <a:solidFill>
+                <a:srgbClr val="D4D4D4"/>
+              </a:solidFill>
+              <a:effectLst/>
+              <a:latin typeface="Cadman Regular"/>
+            </a:endParaRPr>
+          </a:p>
+          <a:p>
+            <a:r>
+              <a:rPr lang="en-US" sz="1600" b="0" dirty="0">
+                <a:solidFill>
+                  <a:srgbClr val="6A9955"/>
+                </a:solidFill>
+                <a:effectLst/>
+                <a:latin typeface="Cadman Regular"/>
+              </a:rPr>
+              <a:t>The &lt;!DOCTYPE&gt; declaration is not case sensitive.</a:t>
+            </a:r>
+            <a:endParaRPr lang="en-US" sz="1600" b="0" dirty="0">
+              <a:solidFill>
+                <a:srgbClr val="D4D4D4"/>
+              </a:solidFill>
+              <a:effectLst/>
+              <a:latin typeface="Cadman Regular"/>
+            </a:endParaRPr>
+          </a:p>
+          <a:p>
+            <a:r>
+              <a:rPr lang="en-US" sz="1600" b="0" dirty="0">
+                <a:solidFill>
+                  <a:srgbClr val="6A9955"/>
+                </a:solidFill>
+                <a:effectLst/>
+                <a:latin typeface="Cadman Regular"/>
+              </a:rPr>
+              <a:t>The &lt;!DOCTYPE&gt; declaration for HTML5.</a:t>
+            </a:r>
+            <a:endParaRPr lang="en-US" sz="1600" b="0" dirty="0">
+              <a:solidFill>
+                <a:srgbClr val="D4D4D4"/>
+              </a:solidFill>
+              <a:effectLst/>
+              <a:latin typeface="Cadman Regular"/>
+            </a:endParaRPr>
+          </a:p>
+          <a:p>
+            <a:endParaRPr lang="en-IN" sz="1600" dirty="0"/>
+          </a:p>
+        </p:txBody>
+      </p:sp>
+    </p:spTree>
+    <p:extLst>
+      <p:ext uri="{BB962C8B-B14F-4D97-AF65-F5344CB8AC3E}">
+        <p14:creationId xmlns:p14="http://schemas.microsoft.com/office/powerpoint/2010/main" val="2832975873"/>
+      </p:ext>
+    </p:extLst>
+  </p:cSld>
+  <p:clrMapOvr>
+    <a:masterClrMapping/>
+  </p:clrMapOvr>
+</p:sld>
+</file>
+
 <file path=ppt/theme/theme1.xml><?xml version="1.0" encoding="utf-8"?>
-<a:theme xmlns:a="http://schemas.openxmlformats.org/drawingml/2006/main" name="Office Theme">
+<a:theme xmlns:a="http://schemas.openxmlformats.org/drawingml/2006/main" name="Facet">
   <a:themeElements>
-    <a:clrScheme name="Office">
+    <a:clrScheme name="Facet">
       <a:dk1>
         <a:sysClr val="windowText" lastClr="000000"/>
       </a:dk1>
@@ -3549,52 +8334,52 @@
         <a:sysClr val="window" lastClr="FFFFFF"/>
       </a:lt1>
       <a:dk2>
-        <a:srgbClr val="44546A"/>
+        <a:srgbClr val="2C3C43"/>
       </a:dk2>
       <a:lt2>
-        <a:srgbClr val="E7E6E6"/>
+        <a:srgbClr val="EBEBEB"/>
       </a:lt2>
       <a:accent1>
-        <a:srgbClr val="4472C4"/>
+        <a:srgbClr val="90C226"/>
       </a:accent1>
       <a:accent2>
-        <a:srgbClr val="ED7D31"/>
+        <a:srgbClr val="54A021"/>
       </a:accent2>
       <a:accent3>
-        <a:srgbClr val="A5A5A5"/>
+        <a:srgbClr val="E6B91E"/>
       </a:accent3>
       <a:accent4>
-        <a:srgbClr val="FFC000"/>
+        <a:srgbClr val="E76618"/>
       </a:accent4>
       <a:accent5>
-        <a:srgbClr val="5B9BD5"/>
+        <a:srgbClr val="C42F1A"/>
       </a:accent5>
       <a:accent6>
-        <a:srgbClr val="70AD47"/>
+        <a:srgbClr val="918655"/>
       </a:accent6>
       <a:hlink>
-        <a:srgbClr val="0563C1"/>
+        <a:srgbClr val="99CA3C"/>
       </a:hlink>
       <a:folHlink>
-        <a:srgbClr val="954F72"/>
+        <a:srgbClr val="B9D181"/>
       </a:folHlink>
     </a:clrScheme>
-    <a:fontScheme name="Office">
+    <a:fontScheme name="Facet">
       <a:majorFont>
-        <a:latin typeface="Calibri Light" panose="020F0302020204030204"/>
+        <a:latin typeface="Trebuchet MS" panose="020B0603020202020204"/>
         <a:ea typeface=""/>
         <a:cs typeface=""/>
-        <a:font script="Jpan" typeface="游ゴシック Light"/>
+        <a:font script="Jpan" typeface="メイリオ"/>
         <a:font script="Hang" typeface="맑은 고딕"/>
-        <a:font script="Hans" typeface="等线 Light"/>
-        <a:font script="Hant" typeface="新細明體"/>
-        <a:font script="Arab" typeface="Times New Roman"/>
-        <a:font script="Hebr" typeface="Times New Roman"/>
-        <a:font script="Thai" typeface="Angsana New"/>
+        <a:font script="Hans" typeface="方正姚体"/>
+        <a:font script="Hant" typeface="微軟正黑體"/>
+        <a:font script="Arab" typeface="Tahoma"/>
+        <a:font script="Hebr" typeface="Arial"/>
+        <a:font script="Thai" typeface="Cordia New"/>
         <a:font script="Ethi" typeface="Nyala"/>
         <a:font script="Beng" typeface="Vrinda"/>
         <a:font script="Gujr" typeface="Shruti"/>
-        <a:font script="Khmr" typeface="MoolBoran"/>
+        <a:font script="Khmr" typeface="DaunPenh"/>
         <a:font script="Knda" typeface="Tunga"/>
         <a:font script="Guru" typeface="Raavi"/>
         <a:font script="Cans" typeface="Euphemia"/>
@@ -3611,38 +8396,21 @@
         <a:font script="Laoo" typeface="DokChampa"/>
         <a:font script="Sinh" typeface="Iskoola Pota"/>
         <a:font script="Mong" typeface="Mongolian Baiti"/>
-        <a:font script="Viet" typeface="Times New Roman"/>
+        <a:font script="Viet" typeface="Tahoma"/>
         <a:font script="Uigh" typeface="Microsoft Uighur"/>
         <a:font script="Geor" typeface="Sylfaen"/>
-        <a:font script="Armn" typeface="Arial"/>
-        <a:font script="Bugi" typeface="Leelawadee UI"/>
-        <a:font script="Bopo" typeface="Microsoft JhengHei"/>
-        <a:font script="Java" typeface="Javanese Text"/>
-        <a:font script="Lisu" typeface="Segoe UI"/>
-        <a:font script="Mymr" typeface="Myanmar Text"/>
-        <a:font script="Nkoo" typeface="Ebrima"/>
-        <a:font script="Olck" typeface="Nirmala UI"/>
-        <a:font script="Osma" typeface="Ebrima"/>
-        <a:font script="Phag" typeface="Phagspa"/>
-        <a:font script="Syrn" typeface="Estrangelo Edessa"/>
-        <a:font script="Syrj" typeface="Estrangelo Edessa"/>
-        <a:font script="Syre" typeface="Estrangelo Edessa"/>
-        <a:font script="Sora" typeface="Nirmala UI"/>
-        <a:font script="Tale" typeface="Microsoft Tai Le"/>
-        <a:font script="Talu" typeface="Microsoft New Tai Lue"/>
-        <a:font script="Tfng" typeface="Ebrima"/>
       </a:majorFont>
       <a:minorFont>
-        <a:latin typeface="Calibri" panose="020F0502020204030204"/>
+        <a:latin typeface="Trebuchet MS" panose="020B0603020202020204"/>
         <a:ea typeface=""/>
         <a:cs typeface=""/>
-        <a:font script="Jpan" typeface="游ゴシック"/>
-        <a:font script="Hang" typeface="맑은 고딕"/>
-        <a:font script="Hans" typeface="等线"/>
-        <a:font script="Hant" typeface="新細明體"/>
-        <a:font script="Arab" typeface="Arial"/>
-        <a:font script="Hebr" typeface="Arial"/>
-        <a:font script="Thai" typeface="Cordia New"/>
+        <a:font script="Jpan" typeface="メイリオ"/>
+        <a:font script="Hang" typeface="HY그래픽M"/>
+        <a:font script="Hans" typeface="华文新魏"/>
+        <a:font script="Hant" typeface="微軟正黑體"/>
+        <a:font script="Arab" typeface="Tahoma"/>
+        <a:font script="Hebr" typeface="Gisha"/>
+        <a:font script="Thai" typeface="IrisUPC"/>
         <a:font script="Ethi" typeface="Nyala"/>
         <a:font script="Beng" typeface="Vrinda"/>
         <a:font script="Gujr" typeface="Shruti"/>
@@ -3666,26 +8434,9 @@
         <a:font script="Viet" typeface="Arial"/>
         <a:font script="Uigh" typeface="Microsoft Uighur"/>
         <a:font script="Geor" typeface="Sylfaen"/>
-        <a:font script="Armn" typeface="Arial"/>
-        <a:font script="Bugi" typeface="Leelawadee UI"/>
-        <a:font script="Bopo" typeface="Microsoft JhengHei"/>
-        <a:font script="Java" typeface="Javanese Text"/>
-        <a:font script="Lisu" typeface="Segoe UI"/>
-        <a:font script="Mymr" typeface="Myanmar Text"/>
-        <a:font script="Nkoo" typeface="Ebrima"/>
-        <a:font script="Olck" typeface="Nirmala UI"/>
-        <a:font script="Osma" typeface="Ebrima"/>
-        <a:font script="Phag" typeface="Phagspa"/>
-        <a:font script="Syrn" typeface="Estrangelo Edessa"/>
-        <a:font script="Syrj" typeface="Estrangelo Edessa"/>
-        <a:font script="Syre" typeface="Estrangelo Edessa"/>
-        <a:font script="Sora" typeface="Nirmala UI"/>
-        <a:font script="Tale" typeface="Microsoft Tai Le"/>
-        <a:font script="Talu" typeface="Microsoft New Tai Lue"/>
-        <a:font script="Tfng" typeface="Ebrima"/>
       </a:minorFont>
     </a:fontScheme>
-    <a:fmtScheme name="Office">
+    <a:fmtScheme name="Facet">
       <a:fillStyleLst>
         <a:solidFill>
           <a:schemeClr val="phClr"/>
@@ -3694,23 +8445,13 @@
           <a:gsLst>
             <a:gs pos="0">
               <a:schemeClr val="phClr">
+                <a:tint val="65000"/>
                 <a:lumMod val="110000"/>
-                <a:satMod val="105000"/>
-                <a:tint val="67000"/>
               </a:schemeClr>
             </a:gs>
-            <a:gs pos="50000">
+            <a:gs pos="88000">
               <a:schemeClr val="phClr">
-                <a:lumMod val="105000"/>
-                <a:satMod val="103000"/>
-                <a:tint val="73000"/>
-              </a:schemeClr>
-            </a:gs>
-            <a:gs pos="100000">
-              <a:schemeClr val="phClr">
-                <a:lumMod val="105000"/>
-                <a:satMod val="109000"/>
-                <a:tint val="81000"/>
+                <a:tint val="90000"/>
               </a:schemeClr>
             </a:gs>
           </a:gsLst>
@@ -3720,23 +8461,14 @@
           <a:gsLst>
             <a:gs pos="0">
               <a:schemeClr val="phClr">
-                <a:satMod val="103000"/>
-                <a:lumMod val="102000"/>
-                <a:tint val="94000"/>
+                <a:tint val="96000"/>
+                <a:lumMod val="100000"/>
               </a:schemeClr>
             </a:gs>
-            <a:gs pos="50000">
+            <a:gs pos="78000">
               <a:schemeClr val="phClr">
-                <a:satMod val="110000"/>
-                <a:lumMod val="100000"/>
-                <a:shade val="100000"/>
-              </a:schemeClr>
-            </a:gs>
-            <a:gs pos="100000">
-              <a:schemeClr val="phClr">
-                <a:lumMod val="99000"/>
-                <a:satMod val="120000"/>
-                <a:shade val="78000"/>
+                <a:shade val="94000"/>
+                <a:lumMod val="94000"/>
               </a:schemeClr>
             </a:gs>
           </a:gsLst>
@@ -3744,26 +8476,23 @@
         </a:gradFill>
       </a:fillStyleLst>
       <a:lnStyleLst>
-        <a:ln w="6350" cap="flat" cmpd="sng" algn="ctr">
+        <a:ln w="12700" cap="rnd" cmpd="sng" algn="ctr">
           <a:solidFill>
             <a:schemeClr val="phClr"/>
           </a:solidFill>
           <a:prstDash val="solid"/>
-          <a:miter lim="800000"/>
         </a:ln>
-        <a:ln w="12700" cap="flat" cmpd="sng" algn="ctr">
+        <a:ln w="19050" cap="rnd" cmpd="sng" algn="ctr">
           <a:solidFill>
             <a:schemeClr val="phClr"/>
           </a:solidFill>
           <a:prstDash val="solid"/>
-          <a:miter lim="800000"/>
         </a:ln>
-        <a:ln w="19050" cap="flat" cmpd="sng" algn="ctr">
+        <a:ln w="25400" cap="rnd" cmpd="sng" algn="ctr">
           <a:solidFill>
             <a:schemeClr val="phClr"/>
           </a:solidFill>
           <a:prstDash val="solid"/>
-          <a:miter lim="800000"/>
         </a:ln>
       </a:lnStyleLst>
       <a:effectStyleLst>
@@ -3771,54 +8500,72 @@
           <a:effectLst/>
         </a:effectStyle>
         <a:effectStyle>
-          <a:effectLst/>
+          <a:effectLst>
+            <a:outerShdw blurRad="38100" dist="25400" dir="5400000" rotWithShape="0">
+              <a:srgbClr val="000000">
+                <a:alpha val="35000"/>
+              </a:srgbClr>
+            </a:outerShdw>
+          </a:effectLst>
         </a:effectStyle>
         <a:effectStyle>
           <a:effectLst>
-            <a:outerShdw blurRad="57150" dist="19050" dir="5400000" algn="ctr" rotWithShape="0">
+            <a:outerShdw blurRad="50800" dist="38100" dir="5400000" rotWithShape="0">
               <a:srgbClr val="000000">
-                <a:alpha val="63000"/>
+                <a:alpha val="35000"/>
               </a:srgbClr>
             </a:outerShdw>
           </a:effectLst>
+          <a:scene3d>
+            <a:camera prst="orthographicFront">
+              <a:rot lat="0" lon="0" rev="0"/>
+            </a:camera>
+            <a:lightRig rig="threePt" dir="tl"/>
+          </a:scene3d>
+          <a:sp3d prstMaterial="plastic">
+            <a:bevelT w="0" h="0"/>
+          </a:sp3d>
         </a:effectStyle>
       </a:effectStyleLst>
       <a:bgFillStyleLst>
         <a:solidFill>
           <a:schemeClr val="phClr"/>
         </a:solidFill>
-        <a:solidFill>
-          <a:schemeClr val="phClr">
-            <a:tint val="95000"/>
-            <a:satMod val="170000"/>
-          </a:schemeClr>
-        </a:solidFill>
         <a:gradFill rotWithShape="1">
           <a:gsLst>
             <a:gs pos="0">
               <a:schemeClr val="phClr">
-                <a:tint val="93000"/>
-                <a:satMod val="150000"/>
-                <a:shade val="98000"/>
-                <a:lumMod val="102000"/>
+                <a:tint val="90000"/>
+                <a:lumMod val="104000"/>
               </a:schemeClr>
             </a:gs>
-            <a:gs pos="50000">
+            <a:gs pos="94000">
               <a:schemeClr val="phClr">
-                <a:tint val="98000"/>
-                <a:satMod val="130000"/>
-                <a:shade val="90000"/>
-                <a:lumMod val="103000"/>
+                <a:shade val="96000"/>
+                <a:lumMod val="82000"/>
+              </a:schemeClr>
+            </a:gs>
+          </a:gsLst>
+          <a:lin ang="5400000" scaled="0"/>
+        </a:gradFill>
+        <a:gradFill rotWithShape="1">
+          <a:gsLst>
+            <a:gs pos="0">
+              <a:schemeClr val="phClr">
+                <a:tint val="90000"/>
+                <a:lumMod val="110000"/>
               </a:schemeClr>
             </a:gs>
             <a:gs pos="100000">
               <a:schemeClr val="phClr">
-                <a:shade val="63000"/>
-                <a:satMod val="120000"/>
+                <a:shade val="94000"/>
+                <a:lumMod val="96000"/>
               </a:schemeClr>
             </a:gs>
           </a:gsLst>
-          <a:lin ang="5400000" scaled="0"/>
+          <a:path path="circle">
+            <a:fillToRect l="50000" t="50000" r="100000" b="100000"/>
+          </a:path>
         </a:gradFill>
       </a:bgFillStyleLst>
     </a:fmtScheme>
@@ -3827,7 +8574,7 @@
   <a:extraClrSchemeLst/>
   <a:extLst>
     <a:ext uri="{05A4C25C-085E-4340-85A3-A5531E510DB2}">
-      <thm15:themeFamily xmlns:thm15="http://schemas.microsoft.com/office/thememl/2012/main" name="Office Theme" id="{62F939B6-93AF-4DB8-9C6B-D6C7DFDC589F}" vid="{4A3C46E8-61CC-4603-A589-7422A47A8E4A}"/>
+      <thm15:themeFamily xmlns:thm15="http://schemas.microsoft.com/office/thememl/2012/main" name="Facet" id="{C0C680CD-088A-49FC-A102-D699147F32B2}" vid="{CFBC31BA-B70F-4F30-BCAA-4F3011E16C4D}"/>
     </a:ext>
   </a:extLst>
 </a:theme>

--- a/Web Design Course.pptx
+++ b/Web Design Course.pptx
@@ -2,7 +2,7 @@
 <file path=ppt/presentation.xml><?xml version="1.0" encoding="utf-8"?>
 <p:presentation xmlns:a="http://schemas.openxmlformats.org/drawingml/2006/main" xmlns:r="http://schemas.openxmlformats.org/officeDocument/2006/relationships" xmlns:p="http://schemas.openxmlformats.org/presentationml/2006/main" saveSubsetFonts="1">
   <p:sldMasterIdLst>
-    <p:sldMasterId id="2147484008" r:id="rId1"/>
+    <p:sldMasterId id="2147484142" r:id="rId1"/>
   </p:sldMasterIdLst>
   <p:sldIdLst>
     <p:sldId id="258" r:id="rId2"/>
@@ -15,6 +15,30 @@
     <p:sldId id="266" r:id="rId9"/>
     <p:sldId id="267" r:id="rId10"/>
     <p:sldId id="268" r:id="rId11"/>
+    <p:sldId id="269" r:id="rId12"/>
+    <p:sldId id="270" r:id="rId13"/>
+    <p:sldId id="271" r:id="rId14"/>
+    <p:sldId id="273" r:id="rId15"/>
+    <p:sldId id="274" r:id="rId16"/>
+    <p:sldId id="275" r:id="rId17"/>
+    <p:sldId id="276" r:id="rId18"/>
+    <p:sldId id="277" r:id="rId19"/>
+    <p:sldId id="278" r:id="rId20"/>
+    <p:sldId id="279" r:id="rId21"/>
+    <p:sldId id="280" r:id="rId22"/>
+    <p:sldId id="281" r:id="rId23"/>
+    <p:sldId id="282" r:id="rId24"/>
+    <p:sldId id="283" r:id="rId25"/>
+    <p:sldId id="284" r:id="rId26"/>
+    <p:sldId id="285" r:id="rId27"/>
+    <p:sldId id="286" r:id="rId28"/>
+    <p:sldId id="287" r:id="rId29"/>
+    <p:sldId id="288" r:id="rId30"/>
+    <p:sldId id="289" r:id="rId31"/>
+    <p:sldId id="290" r:id="rId32"/>
+    <p:sldId id="291" r:id="rId33"/>
+    <p:sldId id="292" r:id="rId34"/>
+    <p:sldId id="293" r:id="rId35"/>
   </p:sldIdLst>
   <p:sldSz cx="12192000" cy="6858000"/>
   <p:notesSz cx="6858000" cy="9144000"/>
@@ -843,7 +867,7 @@
           <a:p>
             <a:fld id="{75E69215-EAA4-4F90-9BCE-10367BACC5EF}" type="datetimeFigureOut">
               <a:rPr lang="en-IN" smtClean="0"/>
-              <a:t>17-11-2020</a:t>
+              <a:t>19-11-2020</a:t>
             </a:fld>
             <a:endParaRPr lang="en-IN"/>
           </a:p>
@@ -894,7 +918,7 @@
     </p:spTree>
     <p:extLst>
       <p:ext uri="{BB962C8B-B14F-4D97-AF65-F5344CB8AC3E}">
-        <p14:creationId xmlns:p14="http://schemas.microsoft.com/office/powerpoint/2010/main" val="3883670585"/>
+        <p14:creationId xmlns:p14="http://schemas.microsoft.com/office/powerpoint/2010/main" val="4075230964"/>
       </p:ext>
     </p:extLst>
   </p:cSld>
@@ -1094,7 +1118,7 @@
           <a:p>
             <a:fld id="{75E69215-EAA4-4F90-9BCE-10367BACC5EF}" type="datetimeFigureOut">
               <a:rPr lang="en-IN" smtClean="0"/>
-              <a:t>17-11-2020</a:t>
+              <a:t>19-11-2020</a:t>
             </a:fld>
             <a:endParaRPr lang="en-IN"/>
           </a:p>
@@ -1145,7 +1169,7 @@
     </p:spTree>
     <p:extLst>
       <p:ext uri="{BB962C8B-B14F-4D97-AF65-F5344CB8AC3E}">
-        <p14:creationId xmlns:p14="http://schemas.microsoft.com/office/powerpoint/2010/main" val="3145178224"/>
+        <p14:creationId xmlns:p14="http://schemas.microsoft.com/office/powerpoint/2010/main" val="265866697"/>
       </p:ext>
     </p:extLst>
   </p:cSld>
@@ -1408,7 +1432,7 @@
           <a:p>
             <a:fld id="{75E69215-EAA4-4F90-9BCE-10367BACC5EF}" type="datetimeFigureOut">
               <a:rPr lang="en-IN" smtClean="0"/>
-              <a:t>17-11-2020</a:t>
+              <a:t>19-11-2020</a:t>
             </a:fld>
             <a:endParaRPr lang="en-IN"/>
           </a:p>
@@ -1549,7 +1573,7 @@
     </p:spTree>
     <p:extLst>
       <p:ext uri="{BB962C8B-B14F-4D97-AF65-F5344CB8AC3E}">
-        <p14:creationId xmlns:p14="http://schemas.microsoft.com/office/powerpoint/2010/main" val="2357226764"/>
+        <p14:creationId xmlns:p14="http://schemas.microsoft.com/office/powerpoint/2010/main" val="3097645409"/>
       </p:ext>
     </p:extLst>
   </p:cSld>
@@ -1749,7 +1773,7 @@
           <a:p>
             <a:fld id="{75E69215-EAA4-4F90-9BCE-10367BACC5EF}" type="datetimeFigureOut">
               <a:rPr lang="en-IN" smtClean="0"/>
-              <a:t>17-11-2020</a:t>
+              <a:t>19-11-2020</a:t>
             </a:fld>
             <a:endParaRPr lang="en-IN"/>
           </a:p>
@@ -1800,7 +1824,7 @@
     </p:spTree>
     <p:extLst>
       <p:ext uri="{BB962C8B-B14F-4D97-AF65-F5344CB8AC3E}">
-        <p14:creationId xmlns:p14="http://schemas.microsoft.com/office/powerpoint/2010/main" val="2064003592"/>
+        <p14:creationId xmlns:p14="http://schemas.microsoft.com/office/powerpoint/2010/main" val="1747417684"/>
       </p:ext>
     </p:extLst>
   </p:cSld>
@@ -2063,7 +2087,7 @@
           <a:p>
             <a:fld id="{75E69215-EAA4-4F90-9BCE-10367BACC5EF}" type="datetimeFigureOut">
               <a:rPr lang="en-IN" smtClean="0"/>
-              <a:t>17-11-2020</a:t>
+              <a:t>19-11-2020</a:t>
             </a:fld>
             <a:endParaRPr lang="en-IN"/>
           </a:p>
@@ -2196,7 +2220,7 @@
     </p:spTree>
     <p:extLst>
       <p:ext uri="{BB962C8B-B14F-4D97-AF65-F5344CB8AC3E}">
-        <p14:creationId xmlns:p14="http://schemas.microsoft.com/office/powerpoint/2010/main" val="1073702920"/>
+        <p14:creationId xmlns:p14="http://schemas.microsoft.com/office/powerpoint/2010/main" val="1087371051"/>
       </p:ext>
     </p:extLst>
   </p:cSld>
@@ -2456,7 +2480,7 @@
           <a:p>
             <a:fld id="{75E69215-EAA4-4F90-9BCE-10367BACC5EF}" type="datetimeFigureOut">
               <a:rPr lang="en-IN" smtClean="0"/>
-              <a:t>17-11-2020</a:t>
+              <a:t>19-11-2020</a:t>
             </a:fld>
             <a:endParaRPr lang="en-IN"/>
           </a:p>
@@ -2507,7 +2531,7 @@
     </p:spTree>
     <p:extLst>
       <p:ext uri="{BB962C8B-B14F-4D97-AF65-F5344CB8AC3E}">
-        <p14:creationId xmlns:p14="http://schemas.microsoft.com/office/powerpoint/2010/main" val="3248363744"/>
+        <p14:creationId xmlns:p14="http://schemas.microsoft.com/office/powerpoint/2010/main" val="3114668773"/>
       </p:ext>
     </p:extLst>
   </p:cSld>
@@ -2626,7 +2650,7 @@
           <a:p>
             <a:fld id="{75E69215-EAA4-4F90-9BCE-10367BACC5EF}" type="datetimeFigureOut">
               <a:rPr lang="en-IN" smtClean="0"/>
-              <a:t>17-11-2020</a:t>
+              <a:t>19-11-2020</a:t>
             </a:fld>
             <a:endParaRPr lang="en-IN"/>
           </a:p>
@@ -2677,7 +2701,7 @@
     </p:spTree>
     <p:extLst>
       <p:ext uri="{BB962C8B-B14F-4D97-AF65-F5344CB8AC3E}">
-        <p14:creationId xmlns:p14="http://schemas.microsoft.com/office/powerpoint/2010/main" val="961654889"/>
+        <p14:creationId xmlns:p14="http://schemas.microsoft.com/office/powerpoint/2010/main" val="886650515"/>
       </p:ext>
     </p:extLst>
   </p:cSld>
@@ -2806,7 +2830,7 @@
           <a:p>
             <a:fld id="{75E69215-EAA4-4F90-9BCE-10367BACC5EF}" type="datetimeFigureOut">
               <a:rPr lang="en-IN" smtClean="0"/>
-              <a:t>17-11-2020</a:t>
+              <a:t>19-11-2020</a:t>
             </a:fld>
             <a:endParaRPr lang="en-IN"/>
           </a:p>
@@ -2857,7 +2881,7 @@
     </p:spTree>
     <p:extLst>
       <p:ext uri="{BB962C8B-B14F-4D97-AF65-F5344CB8AC3E}">
-        <p14:creationId xmlns:p14="http://schemas.microsoft.com/office/powerpoint/2010/main" val="762533905"/>
+        <p14:creationId xmlns:p14="http://schemas.microsoft.com/office/powerpoint/2010/main" val="189798560"/>
       </p:ext>
     </p:extLst>
   </p:cSld>
@@ -2982,7 +3006,7 @@
           <a:p>
             <a:fld id="{75E69215-EAA4-4F90-9BCE-10367BACC5EF}" type="datetimeFigureOut">
               <a:rPr lang="en-IN" smtClean="0"/>
-              <a:t>17-11-2020</a:t>
+              <a:t>19-11-2020</a:t>
             </a:fld>
             <a:endParaRPr lang="en-IN"/>
           </a:p>
@@ -3033,7 +3057,7 @@
     </p:spTree>
     <p:extLst>
       <p:ext uri="{BB962C8B-B14F-4D97-AF65-F5344CB8AC3E}">
-        <p14:creationId xmlns:p14="http://schemas.microsoft.com/office/powerpoint/2010/main" val="544596772"/>
+        <p14:creationId xmlns:p14="http://schemas.microsoft.com/office/powerpoint/2010/main" val="1596830271"/>
       </p:ext>
     </p:extLst>
   </p:cSld>
@@ -3229,7 +3253,7 @@
           <a:p>
             <a:fld id="{75E69215-EAA4-4F90-9BCE-10367BACC5EF}" type="datetimeFigureOut">
               <a:rPr lang="en-IN" smtClean="0"/>
-              <a:t>17-11-2020</a:t>
+              <a:t>19-11-2020</a:t>
             </a:fld>
             <a:endParaRPr lang="en-IN"/>
           </a:p>
@@ -3280,7 +3304,7 @@
     </p:spTree>
     <p:extLst>
       <p:ext uri="{BB962C8B-B14F-4D97-AF65-F5344CB8AC3E}">
-        <p14:creationId xmlns:p14="http://schemas.microsoft.com/office/powerpoint/2010/main" val="53706233"/>
+        <p14:creationId xmlns:p14="http://schemas.microsoft.com/office/powerpoint/2010/main" val="2726936386"/>
       </p:ext>
     </p:extLst>
   </p:cSld>
@@ -3461,7 +3485,7 @@
           <a:p>
             <a:fld id="{75E69215-EAA4-4F90-9BCE-10367BACC5EF}" type="datetimeFigureOut">
               <a:rPr lang="en-IN" smtClean="0"/>
-              <a:t>17-11-2020</a:t>
+              <a:t>19-11-2020</a:t>
             </a:fld>
             <a:endParaRPr lang="en-IN"/>
           </a:p>
@@ -3512,7 +3536,7 @@
     </p:spTree>
     <p:extLst>
       <p:ext uri="{BB962C8B-B14F-4D97-AF65-F5344CB8AC3E}">
-        <p14:creationId xmlns:p14="http://schemas.microsoft.com/office/powerpoint/2010/main" val="2360537677"/>
+        <p14:creationId xmlns:p14="http://schemas.microsoft.com/office/powerpoint/2010/main" val="313806740"/>
       </p:ext>
     </p:extLst>
   </p:cSld>
@@ -3835,7 +3859,7 @@
           <a:p>
             <a:fld id="{75E69215-EAA4-4F90-9BCE-10367BACC5EF}" type="datetimeFigureOut">
               <a:rPr lang="en-IN" smtClean="0"/>
-              <a:t>17-11-2020</a:t>
+              <a:t>19-11-2020</a:t>
             </a:fld>
             <a:endParaRPr lang="en-IN"/>
           </a:p>
@@ -3886,7 +3910,7 @@
     </p:spTree>
     <p:extLst>
       <p:ext uri="{BB962C8B-B14F-4D97-AF65-F5344CB8AC3E}">
-        <p14:creationId xmlns:p14="http://schemas.microsoft.com/office/powerpoint/2010/main" val="2704190287"/>
+        <p14:creationId xmlns:p14="http://schemas.microsoft.com/office/powerpoint/2010/main" val="1293775192"/>
       </p:ext>
     </p:extLst>
   </p:cSld>
@@ -3958,7 +3982,7 @@
           <a:p>
             <a:fld id="{75E69215-EAA4-4F90-9BCE-10367BACC5EF}" type="datetimeFigureOut">
               <a:rPr lang="en-IN" smtClean="0"/>
-              <a:t>17-11-2020</a:t>
+              <a:t>19-11-2020</a:t>
             </a:fld>
             <a:endParaRPr lang="en-IN"/>
           </a:p>
@@ -4009,7 +4033,7 @@
     </p:spTree>
     <p:extLst>
       <p:ext uri="{BB962C8B-B14F-4D97-AF65-F5344CB8AC3E}">
-        <p14:creationId xmlns:p14="http://schemas.microsoft.com/office/powerpoint/2010/main" val="1874421398"/>
+        <p14:creationId xmlns:p14="http://schemas.microsoft.com/office/powerpoint/2010/main" val="2737513617"/>
       </p:ext>
     </p:extLst>
   </p:cSld>
@@ -4053,7 +4077,7 @@
           <a:p>
             <a:fld id="{75E69215-EAA4-4F90-9BCE-10367BACC5EF}" type="datetimeFigureOut">
               <a:rPr lang="en-IN" smtClean="0"/>
-              <a:t>17-11-2020</a:t>
+              <a:t>19-11-2020</a:t>
             </a:fld>
             <a:endParaRPr lang="en-IN"/>
           </a:p>
@@ -4104,7 +4128,7 @@
     </p:spTree>
     <p:extLst>
       <p:ext uri="{BB962C8B-B14F-4D97-AF65-F5344CB8AC3E}">
-        <p14:creationId xmlns:p14="http://schemas.microsoft.com/office/powerpoint/2010/main" val="705081945"/>
+        <p14:creationId xmlns:p14="http://schemas.microsoft.com/office/powerpoint/2010/main" val="142123090"/>
       </p:ext>
     </p:extLst>
   </p:cSld>
@@ -4308,7 +4332,7 @@
           <a:p>
             <a:fld id="{75E69215-EAA4-4F90-9BCE-10367BACC5EF}" type="datetimeFigureOut">
               <a:rPr lang="en-IN" smtClean="0"/>
-              <a:t>17-11-2020</a:t>
+              <a:t>19-11-2020</a:t>
             </a:fld>
             <a:endParaRPr lang="en-IN"/>
           </a:p>
@@ -4359,7 +4383,7 @@
     </p:spTree>
     <p:extLst>
       <p:ext uri="{BB962C8B-B14F-4D97-AF65-F5344CB8AC3E}">
-        <p14:creationId xmlns:p14="http://schemas.microsoft.com/office/powerpoint/2010/main" val="1268529914"/>
+        <p14:creationId xmlns:p14="http://schemas.microsoft.com/office/powerpoint/2010/main" val="3555920790"/>
       </p:ext>
     </p:extLst>
   </p:cSld>
@@ -4571,7 +4595,7 @@
           <a:p>
             <a:fld id="{75E69215-EAA4-4F90-9BCE-10367BACC5EF}" type="datetimeFigureOut">
               <a:rPr lang="en-IN" smtClean="0"/>
-              <a:t>17-11-2020</a:t>
+              <a:t>19-11-2020</a:t>
             </a:fld>
             <a:endParaRPr lang="en-IN"/>
           </a:p>
@@ -4622,7 +4646,7 @@
     </p:spTree>
     <p:extLst>
       <p:ext uri="{BB962C8B-B14F-4D97-AF65-F5344CB8AC3E}">
-        <p14:creationId xmlns:p14="http://schemas.microsoft.com/office/powerpoint/2010/main" val="531359091"/>
+        <p14:creationId xmlns:p14="http://schemas.microsoft.com/office/powerpoint/2010/main" val="2651943388"/>
       </p:ext>
     </p:extLst>
   </p:cSld>
@@ -5314,7 +5338,7 @@
           <a:p>
             <a:fld id="{75E69215-EAA4-4F90-9BCE-10367BACC5EF}" type="datetimeFigureOut">
               <a:rPr lang="en-IN" smtClean="0"/>
-              <a:t>17-11-2020</a:t>
+              <a:t>19-11-2020</a:t>
             </a:fld>
             <a:endParaRPr lang="en-IN"/>
           </a:p>
@@ -5399,28 +5423,28 @@
     </p:spTree>
     <p:extLst>
       <p:ext uri="{BB962C8B-B14F-4D97-AF65-F5344CB8AC3E}">
-        <p14:creationId xmlns:p14="http://schemas.microsoft.com/office/powerpoint/2010/main" val="907630929"/>
+        <p14:creationId xmlns:p14="http://schemas.microsoft.com/office/powerpoint/2010/main" val="4000138674"/>
       </p:ext>
     </p:extLst>
   </p:cSld>
   <p:clrMap bg1="lt1" tx1="dk1" bg2="lt2" tx2="dk2" accent1="accent1" accent2="accent2" accent3="accent3" accent4="accent4" accent5="accent5" accent6="accent6" hlink="hlink" folHlink="folHlink"/>
   <p:sldLayoutIdLst>
-    <p:sldLayoutId id="2147484009" r:id="rId1"/>
-    <p:sldLayoutId id="2147484010" r:id="rId2"/>
-    <p:sldLayoutId id="2147484011" r:id="rId3"/>
-    <p:sldLayoutId id="2147484012" r:id="rId4"/>
-    <p:sldLayoutId id="2147484013" r:id="rId5"/>
-    <p:sldLayoutId id="2147484014" r:id="rId6"/>
-    <p:sldLayoutId id="2147484015" r:id="rId7"/>
-    <p:sldLayoutId id="2147484016" r:id="rId8"/>
-    <p:sldLayoutId id="2147484017" r:id="rId9"/>
-    <p:sldLayoutId id="2147484018" r:id="rId10"/>
-    <p:sldLayoutId id="2147484019" r:id="rId11"/>
-    <p:sldLayoutId id="2147484020" r:id="rId12"/>
-    <p:sldLayoutId id="2147484021" r:id="rId13"/>
-    <p:sldLayoutId id="2147484022" r:id="rId14"/>
-    <p:sldLayoutId id="2147484023" r:id="rId15"/>
-    <p:sldLayoutId id="2147484024" r:id="rId16"/>
+    <p:sldLayoutId id="2147484143" r:id="rId1"/>
+    <p:sldLayoutId id="2147484144" r:id="rId2"/>
+    <p:sldLayoutId id="2147484145" r:id="rId3"/>
+    <p:sldLayoutId id="2147484146" r:id="rId4"/>
+    <p:sldLayoutId id="2147484147" r:id="rId5"/>
+    <p:sldLayoutId id="2147484148" r:id="rId6"/>
+    <p:sldLayoutId id="2147484149" r:id="rId7"/>
+    <p:sldLayoutId id="2147484150" r:id="rId8"/>
+    <p:sldLayoutId id="2147484151" r:id="rId9"/>
+    <p:sldLayoutId id="2147484152" r:id="rId10"/>
+    <p:sldLayoutId id="2147484153" r:id="rId11"/>
+    <p:sldLayoutId id="2147484154" r:id="rId12"/>
+    <p:sldLayoutId id="2147484155" r:id="rId13"/>
+    <p:sldLayoutId id="2147484156" r:id="rId14"/>
+    <p:sldLayoutId id="2147484157" r:id="rId15"/>
+    <p:sldLayoutId id="2147484158" r:id="rId16"/>
   </p:sldLayoutIdLst>
   <p:txStyles>
     <p:titleStyle>
@@ -5826,30 +5850,9 @@
   <p:cSld>
     <p:bg>
       <p:bgPr>
-        <a:gradFill rotWithShape="1">
-          <a:gsLst>
-            <a:gs pos="0">
-              <a:schemeClr val="bg2">
-                <a:tint val="97000"/>
-                <a:hueMod val="88000"/>
-                <a:satMod val="130000"/>
-                <a:lumMod val="124000"/>
-              </a:schemeClr>
-            </a:gs>
-            <a:gs pos="100000">
-              <a:schemeClr val="bg2">
-                <a:tint val="96000"/>
-                <a:shade val="88000"/>
-                <a:hueMod val="108000"/>
-                <a:satMod val="164000"/>
-                <a:lumMod val="76000"/>
-              </a:schemeClr>
-            </a:gs>
-          </a:gsLst>
-          <a:path path="circle">
-            <a:fillToRect l="45000" t="65000" r="125000" b="100000"/>
-          </a:path>
-        </a:gradFill>
+        <a:solidFill>
+          <a:schemeClr val="bg1"/>
+        </a:solidFill>
         <a:effectLst/>
       </p:bgPr>
     </p:bg>
@@ -5867,6 +5870,703 @@
           <a:chExt cx="0" cy="0"/>
         </a:xfrm>
       </p:grpSpPr>
+      <p:grpSp>
+        <p:nvGrpSpPr>
+          <p:cNvPr id="71" name="Group 70">
+            <a:extLst>
+              <a:ext uri="{FF2B5EF4-FFF2-40B4-BE49-F238E27FC236}">
+                <a16:creationId xmlns:a16="http://schemas.microsoft.com/office/drawing/2014/main" id="{B4DE830A-B531-4A3B-96F6-0ECE88B08555}"/>
+              </a:ext>
+              <a:ext uri="{C183D7F6-B498-43B3-948B-1728B52AA6E4}">
+                <adec:decorative xmlns:adec="http://schemas.microsoft.com/office/drawing/2017/decorative" val="1"/>
+              </a:ext>
+            </a:extLst>
+          </p:cNvPr>
+          <p:cNvGrpSpPr>
+            <a:grpSpLocks noGrp="1" noUngrp="1" noRot="1" noChangeAspect="1" noMove="1" noResize="1"/>
+          </p:cNvGrpSpPr>
+          <p:nvPr>
+            <p:extLst>
+              <p:ext uri="{386F3935-93C4-4BCD-93E2-E3B085C9AB24}">
+                <p16:designElem xmlns:p16="http://schemas.microsoft.com/office/powerpoint/2015/main" val="1"/>
+              </p:ext>
+            </p:extLst>
+          </p:nvPr>
+        </p:nvGrpSpPr>
+        <p:grpSpPr>
+          <a:xfrm>
+            <a:off x="0" y="-8467"/>
+            <a:ext cx="12192000" cy="6866467"/>
+            <a:chOff x="0" y="-8467"/>
+            <a:chExt cx="12192000" cy="6866467"/>
+          </a:xfrm>
+        </p:grpSpPr>
+        <p:cxnSp>
+          <p:nvCxnSpPr>
+            <p:cNvPr id="72" name="Straight Connector 71">
+              <a:extLst>
+                <a:ext uri="{FF2B5EF4-FFF2-40B4-BE49-F238E27FC236}">
+                  <a16:creationId xmlns:a16="http://schemas.microsoft.com/office/drawing/2014/main" id="{2813DF2C-461A-4A8F-9679-A172790D1F3A}"/>
+                </a:ext>
+                <a:ext uri="{C183D7F6-B498-43B3-948B-1728B52AA6E4}">
+                  <adec:decorative xmlns:adec="http://schemas.microsoft.com/office/drawing/2017/decorative" val="1"/>
+                </a:ext>
+              </a:extLst>
+            </p:cNvPr>
+            <p:cNvCxnSpPr/>
+            <p:nvPr>
+              <p:extLst>
+                <p:ext uri="{386F3935-93C4-4BCD-93E2-E3B085C9AB24}">
+                  <p16:designElem xmlns:p16="http://schemas.microsoft.com/office/powerpoint/2015/main" val="1"/>
+                </p:ext>
+              </p:extLst>
+            </p:nvPr>
+          </p:nvCxnSpPr>
+          <p:spPr>
+            <a:xfrm>
+              <a:off x="9371012" y="0"/>
+              <a:ext cx="1219200" cy="6858000"/>
+            </a:xfrm>
+            <a:prstGeom prst="line">
+              <a:avLst/>
+            </a:prstGeom>
+            <a:ln w="9525">
+              <a:solidFill>
+                <a:schemeClr val="bg1">
+                  <a:lumMod val="75000"/>
+                </a:schemeClr>
+              </a:solidFill>
+            </a:ln>
+          </p:spPr>
+          <p:style>
+            <a:lnRef idx="2">
+              <a:schemeClr val="accent1"/>
+            </a:lnRef>
+            <a:fillRef idx="0">
+              <a:schemeClr val="accent1"/>
+            </a:fillRef>
+            <a:effectRef idx="1">
+              <a:schemeClr val="accent1"/>
+            </a:effectRef>
+            <a:fontRef idx="minor">
+              <a:schemeClr val="tx1"/>
+            </a:fontRef>
+          </p:style>
+        </p:cxnSp>
+        <p:cxnSp>
+          <p:nvCxnSpPr>
+            <p:cNvPr id="73" name="Straight Connector 72">
+              <a:extLst>
+                <a:ext uri="{FF2B5EF4-FFF2-40B4-BE49-F238E27FC236}">
+                  <a16:creationId xmlns:a16="http://schemas.microsoft.com/office/drawing/2014/main" id="{54CD3A85-C039-4249-86E4-1EB9318B5495}"/>
+                </a:ext>
+                <a:ext uri="{C183D7F6-B498-43B3-948B-1728B52AA6E4}">
+                  <adec:decorative xmlns:adec="http://schemas.microsoft.com/office/drawing/2017/decorative" val="1"/>
+                </a:ext>
+              </a:extLst>
+            </p:cNvPr>
+            <p:cNvCxnSpPr/>
+            <p:nvPr>
+              <p:extLst>
+                <p:ext uri="{386F3935-93C4-4BCD-93E2-E3B085C9AB24}">
+                  <p16:designElem xmlns:p16="http://schemas.microsoft.com/office/powerpoint/2015/main" val="1"/>
+                </p:ext>
+              </p:extLst>
+            </p:nvPr>
+          </p:nvCxnSpPr>
+          <p:spPr>
+            <a:xfrm flipH="1">
+              <a:off x="7425267" y="3681413"/>
+              <a:ext cx="4763558" cy="3176587"/>
+            </a:xfrm>
+            <a:prstGeom prst="line">
+              <a:avLst/>
+            </a:prstGeom>
+            <a:ln w="9525">
+              <a:solidFill>
+                <a:schemeClr val="bg1">
+                  <a:lumMod val="85000"/>
+                </a:schemeClr>
+              </a:solidFill>
+            </a:ln>
+          </p:spPr>
+          <p:style>
+            <a:lnRef idx="2">
+              <a:schemeClr val="accent1"/>
+            </a:lnRef>
+            <a:fillRef idx="0">
+              <a:schemeClr val="accent1"/>
+            </a:fillRef>
+            <a:effectRef idx="1">
+              <a:schemeClr val="accent1"/>
+            </a:effectRef>
+            <a:fontRef idx="minor">
+              <a:schemeClr val="tx1"/>
+            </a:fontRef>
+          </p:style>
+        </p:cxnSp>
+        <p:sp>
+          <p:nvSpPr>
+            <p:cNvPr id="1029" name="Rectangle 23">
+              <a:extLst>
+                <a:ext uri="{FF2B5EF4-FFF2-40B4-BE49-F238E27FC236}">
+                  <a16:creationId xmlns:a16="http://schemas.microsoft.com/office/drawing/2014/main" id="{887EA6D2-2883-42C2-993D-094CA6D65DA3}"/>
+                </a:ext>
+                <a:ext uri="{C183D7F6-B498-43B3-948B-1728B52AA6E4}">
+                  <adec:decorative xmlns:adec="http://schemas.microsoft.com/office/drawing/2017/decorative" val="1"/>
+                </a:ext>
+              </a:extLst>
+            </p:cNvPr>
+            <p:cNvSpPr/>
+            <p:nvPr>
+              <p:extLst>
+                <p:ext uri="{386F3935-93C4-4BCD-93E2-E3B085C9AB24}">
+                  <p16:designElem xmlns:p16="http://schemas.microsoft.com/office/powerpoint/2015/main" val="1"/>
+                </p:ext>
+              </p:extLst>
+            </p:nvPr>
+          </p:nvSpPr>
+          <p:spPr>
+            <a:xfrm>
+              <a:off x="9181476" y="-8467"/>
+              <a:ext cx="3007349" cy="6866467"/>
+            </a:xfrm>
+            <a:custGeom>
+              <a:avLst/>
+              <a:gdLst/>
+              <a:ahLst/>
+              <a:cxnLst/>
+              <a:rect l="l" t="t" r="r" b="b"/>
+              <a:pathLst>
+                <a:path w="3007349" h="6866467">
+                  <a:moveTo>
+                    <a:pt x="2045532" y="0"/>
+                  </a:moveTo>
+                  <a:lnTo>
+                    <a:pt x="3007349" y="0"/>
+                  </a:lnTo>
+                  <a:lnTo>
+                    <a:pt x="3007349" y="6866467"/>
+                  </a:lnTo>
+                  <a:lnTo>
+                    <a:pt x="0" y="6866467"/>
+                  </a:lnTo>
+                  <a:lnTo>
+                    <a:pt x="2045532" y="0"/>
+                  </a:lnTo>
+                  <a:close/>
+                </a:path>
+              </a:pathLst>
+            </a:custGeom>
+            <a:solidFill>
+              <a:schemeClr val="accent1">
+                <a:alpha val="30000"/>
+              </a:schemeClr>
+            </a:solidFill>
+            <a:ln>
+              <a:noFill/>
+            </a:ln>
+            <a:effectLst/>
+          </p:spPr>
+          <p:style>
+            <a:lnRef idx="1">
+              <a:schemeClr val="accent1"/>
+            </a:lnRef>
+            <a:fillRef idx="3">
+              <a:schemeClr val="accent1"/>
+            </a:fillRef>
+            <a:effectRef idx="2">
+              <a:schemeClr val="accent1"/>
+            </a:effectRef>
+            <a:fontRef idx="minor">
+              <a:schemeClr val="lt1"/>
+            </a:fontRef>
+          </p:style>
+        </p:sp>
+        <p:sp>
+          <p:nvSpPr>
+            <p:cNvPr id="1030" name="Rectangle 25">
+              <a:extLst>
+                <a:ext uri="{FF2B5EF4-FFF2-40B4-BE49-F238E27FC236}">
+                  <a16:creationId xmlns:a16="http://schemas.microsoft.com/office/drawing/2014/main" id="{3B895046-636F-4D1B-ACA4-29AA0CB3329F}"/>
+                </a:ext>
+                <a:ext uri="{C183D7F6-B498-43B3-948B-1728B52AA6E4}">
+                  <adec:decorative xmlns:adec="http://schemas.microsoft.com/office/drawing/2017/decorative" val="1"/>
+                </a:ext>
+              </a:extLst>
+            </p:cNvPr>
+            <p:cNvSpPr/>
+            <p:nvPr>
+              <p:extLst>
+                <p:ext uri="{386F3935-93C4-4BCD-93E2-E3B085C9AB24}">
+                  <p16:designElem xmlns:p16="http://schemas.microsoft.com/office/powerpoint/2015/main" val="1"/>
+                </p:ext>
+              </p:extLst>
+            </p:nvPr>
+          </p:nvSpPr>
+          <p:spPr>
+            <a:xfrm>
+              <a:off x="9603442" y="-8467"/>
+              <a:ext cx="2588558" cy="6866467"/>
+            </a:xfrm>
+            <a:custGeom>
+              <a:avLst/>
+              <a:gdLst/>
+              <a:ahLst/>
+              <a:cxnLst/>
+              <a:rect l="l" t="t" r="r" b="b"/>
+              <a:pathLst>
+                <a:path w="2573311" h="6866467">
+                  <a:moveTo>
+                    <a:pt x="0" y="0"/>
+                  </a:moveTo>
+                  <a:lnTo>
+                    <a:pt x="2573311" y="0"/>
+                  </a:lnTo>
+                  <a:lnTo>
+                    <a:pt x="2573311" y="6866467"/>
+                  </a:lnTo>
+                  <a:lnTo>
+                    <a:pt x="1202336" y="6866467"/>
+                  </a:lnTo>
+                  <a:lnTo>
+                    <a:pt x="0" y="0"/>
+                  </a:lnTo>
+                  <a:close/>
+                </a:path>
+              </a:pathLst>
+            </a:custGeom>
+            <a:solidFill>
+              <a:schemeClr val="accent1">
+                <a:alpha val="20000"/>
+              </a:schemeClr>
+            </a:solidFill>
+            <a:ln>
+              <a:noFill/>
+            </a:ln>
+            <a:effectLst/>
+          </p:spPr>
+          <p:style>
+            <a:lnRef idx="1">
+              <a:schemeClr val="accent1"/>
+            </a:lnRef>
+            <a:fillRef idx="3">
+              <a:schemeClr val="accent1"/>
+            </a:fillRef>
+            <a:effectRef idx="2">
+              <a:schemeClr val="accent1"/>
+            </a:effectRef>
+            <a:fontRef idx="minor">
+              <a:schemeClr val="lt1"/>
+            </a:fontRef>
+          </p:style>
+        </p:sp>
+        <p:sp>
+          <p:nvSpPr>
+            <p:cNvPr id="1031" name="Isosceles Triangle 75">
+              <a:extLst>
+                <a:ext uri="{FF2B5EF4-FFF2-40B4-BE49-F238E27FC236}">
+                  <a16:creationId xmlns:a16="http://schemas.microsoft.com/office/drawing/2014/main" id="{C6B0CDE3-E054-4EDD-A43B-F96843D8BF51}"/>
+                </a:ext>
+                <a:ext uri="{C183D7F6-B498-43B3-948B-1728B52AA6E4}">
+                  <adec:decorative xmlns:adec="http://schemas.microsoft.com/office/drawing/2017/decorative" val="1"/>
+                </a:ext>
+              </a:extLst>
+            </p:cNvPr>
+            <p:cNvSpPr/>
+            <p:nvPr>
+              <p:extLst>
+                <p:ext uri="{386F3935-93C4-4BCD-93E2-E3B085C9AB24}">
+                  <p16:designElem xmlns:p16="http://schemas.microsoft.com/office/powerpoint/2015/main" val="1"/>
+                </p:ext>
+              </p:extLst>
+            </p:nvPr>
+          </p:nvSpPr>
+          <p:spPr>
+            <a:xfrm>
+              <a:off x="8932333" y="3048000"/>
+              <a:ext cx="3259667" cy="3810000"/>
+            </a:xfrm>
+            <a:prstGeom prst="triangle">
+              <a:avLst>
+                <a:gd name="adj" fmla="val 100000"/>
+              </a:avLst>
+            </a:prstGeom>
+            <a:solidFill>
+              <a:schemeClr val="accent2">
+                <a:alpha val="72000"/>
+              </a:schemeClr>
+            </a:solidFill>
+            <a:ln>
+              <a:noFill/>
+            </a:ln>
+            <a:effectLst/>
+          </p:spPr>
+          <p:style>
+            <a:lnRef idx="1">
+              <a:schemeClr val="accent1"/>
+            </a:lnRef>
+            <a:fillRef idx="3">
+              <a:schemeClr val="accent1"/>
+            </a:fillRef>
+            <a:effectRef idx="2">
+              <a:schemeClr val="accent1"/>
+            </a:effectRef>
+            <a:fontRef idx="minor">
+              <a:schemeClr val="lt1"/>
+            </a:fontRef>
+          </p:style>
+        </p:sp>
+        <p:sp>
+          <p:nvSpPr>
+            <p:cNvPr id="1032" name="Rectangle 27">
+              <a:extLst>
+                <a:ext uri="{FF2B5EF4-FFF2-40B4-BE49-F238E27FC236}">
+                  <a16:creationId xmlns:a16="http://schemas.microsoft.com/office/drawing/2014/main" id="{3B66B1A2-F145-4C9B-85CC-4BF30D58CBC5}"/>
+                </a:ext>
+                <a:ext uri="{C183D7F6-B498-43B3-948B-1728B52AA6E4}">
+                  <adec:decorative xmlns:adec="http://schemas.microsoft.com/office/drawing/2017/decorative" val="1"/>
+                </a:ext>
+              </a:extLst>
+            </p:cNvPr>
+            <p:cNvSpPr/>
+            <p:nvPr>
+              <p:extLst>
+                <p:ext uri="{386F3935-93C4-4BCD-93E2-E3B085C9AB24}">
+                  <p16:designElem xmlns:p16="http://schemas.microsoft.com/office/powerpoint/2015/main" val="1"/>
+                </p:ext>
+              </p:extLst>
+            </p:nvPr>
+          </p:nvSpPr>
+          <p:spPr>
+            <a:xfrm>
+              <a:off x="9334500" y="-8467"/>
+              <a:ext cx="2854326" cy="6866467"/>
+            </a:xfrm>
+            <a:custGeom>
+              <a:avLst/>
+              <a:gdLst/>
+              <a:ahLst/>
+              <a:cxnLst/>
+              <a:rect l="l" t="t" r="r" b="b"/>
+              <a:pathLst>
+                <a:path w="2858013" h="6866467">
+                  <a:moveTo>
+                    <a:pt x="0" y="0"/>
+                  </a:moveTo>
+                  <a:lnTo>
+                    <a:pt x="2858013" y="0"/>
+                  </a:lnTo>
+                  <a:lnTo>
+                    <a:pt x="2858013" y="6866467"/>
+                  </a:lnTo>
+                  <a:lnTo>
+                    <a:pt x="2473942" y="6866467"/>
+                  </a:lnTo>
+                  <a:lnTo>
+                    <a:pt x="0" y="0"/>
+                  </a:lnTo>
+                  <a:close/>
+                </a:path>
+              </a:pathLst>
+            </a:custGeom>
+            <a:solidFill>
+              <a:schemeClr val="accent2">
+                <a:lumMod val="75000"/>
+                <a:alpha val="70000"/>
+              </a:schemeClr>
+            </a:solidFill>
+            <a:ln>
+              <a:noFill/>
+            </a:ln>
+            <a:effectLst/>
+          </p:spPr>
+          <p:style>
+            <a:lnRef idx="1">
+              <a:schemeClr val="accent1"/>
+            </a:lnRef>
+            <a:fillRef idx="3">
+              <a:schemeClr val="accent1"/>
+            </a:fillRef>
+            <a:effectRef idx="2">
+              <a:schemeClr val="accent1"/>
+            </a:effectRef>
+            <a:fontRef idx="minor">
+              <a:schemeClr val="lt1"/>
+            </a:fontRef>
+          </p:style>
+        </p:sp>
+        <p:sp>
+          <p:nvSpPr>
+            <p:cNvPr id="1033" name="Rectangle 28">
+              <a:extLst>
+                <a:ext uri="{FF2B5EF4-FFF2-40B4-BE49-F238E27FC236}">
+                  <a16:creationId xmlns:a16="http://schemas.microsoft.com/office/drawing/2014/main" id="{5D4FC972-94B3-4035-8D31-E668C132B411}"/>
+                </a:ext>
+                <a:ext uri="{C183D7F6-B498-43B3-948B-1728B52AA6E4}">
+                  <adec:decorative xmlns:adec="http://schemas.microsoft.com/office/drawing/2017/decorative" val="1"/>
+                </a:ext>
+              </a:extLst>
+            </p:cNvPr>
+            <p:cNvSpPr/>
+            <p:nvPr>
+              <p:extLst>
+                <p:ext uri="{386F3935-93C4-4BCD-93E2-E3B085C9AB24}">
+                  <p16:designElem xmlns:p16="http://schemas.microsoft.com/office/powerpoint/2015/main" val="1"/>
+                </p:ext>
+              </p:extLst>
+            </p:nvPr>
+          </p:nvSpPr>
+          <p:spPr>
+            <a:xfrm>
+              <a:off x="10898730" y="-8467"/>
+              <a:ext cx="1290094" cy="6866467"/>
+            </a:xfrm>
+            <a:custGeom>
+              <a:avLst/>
+              <a:gdLst/>
+              <a:ahLst/>
+              <a:cxnLst/>
+              <a:rect l="l" t="t" r="r" b="b"/>
+              <a:pathLst>
+                <a:path w="1290094" h="6858000">
+                  <a:moveTo>
+                    <a:pt x="1019735" y="0"/>
+                  </a:moveTo>
+                  <a:lnTo>
+                    <a:pt x="1290094" y="0"/>
+                  </a:lnTo>
+                  <a:lnTo>
+                    <a:pt x="1290094" y="6858000"/>
+                  </a:lnTo>
+                  <a:lnTo>
+                    <a:pt x="0" y="6858000"/>
+                  </a:lnTo>
+                  <a:lnTo>
+                    <a:pt x="1019735" y="0"/>
+                  </a:lnTo>
+                  <a:close/>
+                </a:path>
+              </a:pathLst>
+            </a:custGeom>
+            <a:solidFill>
+              <a:schemeClr val="accent1">
+                <a:lumMod val="60000"/>
+                <a:lumOff val="40000"/>
+                <a:alpha val="70000"/>
+              </a:schemeClr>
+            </a:solidFill>
+            <a:ln>
+              <a:noFill/>
+            </a:ln>
+            <a:effectLst/>
+          </p:spPr>
+          <p:style>
+            <a:lnRef idx="1">
+              <a:schemeClr val="accent1"/>
+            </a:lnRef>
+            <a:fillRef idx="3">
+              <a:schemeClr val="accent1"/>
+            </a:fillRef>
+            <a:effectRef idx="2">
+              <a:schemeClr val="accent1"/>
+            </a:effectRef>
+            <a:fontRef idx="minor">
+              <a:schemeClr val="lt1"/>
+            </a:fontRef>
+          </p:style>
+        </p:sp>
+        <p:sp>
+          <p:nvSpPr>
+            <p:cNvPr id="1034" name="Rectangle 29">
+              <a:extLst>
+                <a:ext uri="{FF2B5EF4-FFF2-40B4-BE49-F238E27FC236}">
+                  <a16:creationId xmlns:a16="http://schemas.microsoft.com/office/drawing/2014/main" id="{374B9941-AFBE-4A77-A50E-B6EA04A746AE}"/>
+                </a:ext>
+                <a:ext uri="{C183D7F6-B498-43B3-948B-1728B52AA6E4}">
+                  <adec:decorative xmlns:adec="http://schemas.microsoft.com/office/drawing/2017/decorative" val="1"/>
+                </a:ext>
+              </a:extLst>
+            </p:cNvPr>
+            <p:cNvSpPr/>
+            <p:nvPr>
+              <p:extLst>
+                <p:ext uri="{386F3935-93C4-4BCD-93E2-E3B085C9AB24}">
+                  <p16:designElem xmlns:p16="http://schemas.microsoft.com/office/powerpoint/2015/main" val="1"/>
+                </p:ext>
+              </p:extLst>
+            </p:nvPr>
+          </p:nvSpPr>
+          <p:spPr>
+            <a:xfrm>
+              <a:off x="10938999" y="-8467"/>
+              <a:ext cx="1249825" cy="6866467"/>
+            </a:xfrm>
+            <a:custGeom>
+              <a:avLst/>
+              <a:gdLst/>
+              <a:ahLst/>
+              <a:cxnLst/>
+              <a:rect l="l" t="t" r="r" b="b"/>
+              <a:pathLst>
+                <a:path w="1249825" h="6858000">
+                  <a:moveTo>
+                    <a:pt x="0" y="0"/>
+                  </a:moveTo>
+                  <a:lnTo>
+                    <a:pt x="1249825" y="0"/>
+                  </a:lnTo>
+                  <a:lnTo>
+                    <a:pt x="1249825" y="6858000"/>
+                  </a:lnTo>
+                  <a:lnTo>
+                    <a:pt x="1109382" y="6858000"/>
+                  </a:lnTo>
+                  <a:lnTo>
+                    <a:pt x="0" y="0"/>
+                  </a:lnTo>
+                  <a:close/>
+                </a:path>
+              </a:pathLst>
+            </a:custGeom>
+            <a:solidFill>
+              <a:schemeClr val="accent1">
+                <a:alpha val="65000"/>
+              </a:schemeClr>
+            </a:solidFill>
+            <a:ln>
+              <a:noFill/>
+            </a:ln>
+            <a:effectLst/>
+          </p:spPr>
+          <p:style>
+            <a:lnRef idx="1">
+              <a:schemeClr val="accent1"/>
+            </a:lnRef>
+            <a:fillRef idx="3">
+              <a:schemeClr val="accent1"/>
+            </a:fillRef>
+            <a:effectRef idx="2">
+              <a:schemeClr val="accent1"/>
+            </a:effectRef>
+            <a:fontRef idx="minor">
+              <a:schemeClr val="lt1"/>
+            </a:fontRef>
+          </p:style>
+        </p:sp>
+        <p:sp>
+          <p:nvSpPr>
+            <p:cNvPr id="1042" name="Isosceles Triangle 79">
+              <a:extLst>
+                <a:ext uri="{FF2B5EF4-FFF2-40B4-BE49-F238E27FC236}">
+                  <a16:creationId xmlns:a16="http://schemas.microsoft.com/office/drawing/2014/main" id="{27A982C5-2C38-4CE9-BC18-94697AD657FB}"/>
+                </a:ext>
+                <a:ext uri="{C183D7F6-B498-43B3-948B-1728B52AA6E4}">
+                  <adec:decorative xmlns:adec="http://schemas.microsoft.com/office/drawing/2017/decorative" val="1"/>
+                </a:ext>
+              </a:extLst>
+            </p:cNvPr>
+            <p:cNvSpPr/>
+            <p:nvPr>
+              <p:extLst>
+                <p:ext uri="{386F3935-93C4-4BCD-93E2-E3B085C9AB24}">
+                  <p16:designElem xmlns:p16="http://schemas.microsoft.com/office/powerpoint/2015/main" val="1"/>
+                </p:ext>
+              </p:extLst>
+            </p:nvPr>
+          </p:nvSpPr>
+          <p:spPr>
+            <a:xfrm>
+              <a:off x="10371666" y="3589867"/>
+              <a:ext cx="1817159" cy="3268133"/>
+            </a:xfrm>
+            <a:prstGeom prst="triangle">
+              <a:avLst>
+                <a:gd name="adj" fmla="val 100000"/>
+              </a:avLst>
+            </a:prstGeom>
+            <a:solidFill>
+              <a:schemeClr val="accent1">
+                <a:alpha val="80000"/>
+              </a:schemeClr>
+            </a:solidFill>
+            <a:ln>
+              <a:noFill/>
+            </a:ln>
+            <a:effectLst/>
+          </p:spPr>
+          <p:style>
+            <a:lnRef idx="1">
+              <a:schemeClr val="accent1"/>
+            </a:lnRef>
+            <a:fillRef idx="3">
+              <a:schemeClr val="accent1"/>
+            </a:fillRef>
+            <a:effectRef idx="2">
+              <a:schemeClr val="accent1"/>
+            </a:effectRef>
+            <a:fontRef idx="minor">
+              <a:schemeClr val="lt1"/>
+            </a:fontRef>
+          </p:style>
+        </p:sp>
+        <p:sp>
+          <p:nvSpPr>
+            <p:cNvPr id="1043" name="Isosceles Triangle 80">
+              <a:extLst>
+                <a:ext uri="{FF2B5EF4-FFF2-40B4-BE49-F238E27FC236}">
+                  <a16:creationId xmlns:a16="http://schemas.microsoft.com/office/drawing/2014/main" id="{0060D8D1-7BB1-498F-AFBB-ADAC130A9E90}"/>
+                </a:ext>
+                <a:ext uri="{C183D7F6-B498-43B3-948B-1728B52AA6E4}">
+                  <adec:decorative xmlns:adec="http://schemas.microsoft.com/office/drawing/2017/decorative" val="1"/>
+                </a:ext>
+              </a:extLst>
+            </p:cNvPr>
+            <p:cNvSpPr/>
+            <p:nvPr>
+              <p:extLst>
+                <p:ext uri="{386F3935-93C4-4BCD-93E2-E3B085C9AB24}">
+                  <p16:designElem xmlns:p16="http://schemas.microsoft.com/office/powerpoint/2015/main" val="1"/>
+                </p:ext>
+              </p:extLst>
+            </p:nvPr>
+          </p:nvSpPr>
+          <p:spPr>
+            <a:xfrm rot="10800000">
+              <a:off x="0" y="0"/>
+              <a:ext cx="842596" cy="5666154"/>
+            </a:xfrm>
+            <a:prstGeom prst="triangle">
+              <a:avLst>
+                <a:gd name="adj" fmla="val 100000"/>
+              </a:avLst>
+            </a:prstGeom>
+            <a:solidFill>
+              <a:schemeClr val="accent1">
+                <a:alpha val="85000"/>
+              </a:schemeClr>
+            </a:solidFill>
+            <a:ln>
+              <a:noFill/>
+            </a:ln>
+            <a:effectLst/>
+          </p:spPr>
+          <p:style>
+            <a:lnRef idx="1">
+              <a:schemeClr val="accent1"/>
+            </a:lnRef>
+            <a:fillRef idx="3">
+              <a:schemeClr val="accent1"/>
+            </a:fillRef>
+            <a:effectRef idx="2">
+              <a:schemeClr val="accent1"/>
+            </a:effectRef>
+            <a:fontRef idx="minor">
+              <a:schemeClr val="lt1"/>
+            </a:fontRef>
+          </p:style>
+        </p:sp>
+      </p:grpSp>
       <p:sp>
         <p:nvSpPr>
           <p:cNvPr id="2" name="Title 1">
@@ -5885,8 +6585,8 @@
         </p:nvSpPr>
         <p:spPr>
           <a:xfrm>
-            <a:off x="1154955" y="1447800"/>
-            <a:ext cx="6974915" cy="3329581"/>
+            <a:off x="3753412" y="925790"/>
+            <a:ext cx="7029103" cy="3249131"/>
           </a:xfrm>
         </p:spPr>
         <p:txBody>
@@ -5901,9 +6601,9 @@
               </a:lnSpc>
             </a:pPr>
             <a:r>
-              <a:rPr lang="en-US" sz="4500" b="0" i="0" kern="1200" spc="200" dirty="0">
-                <a:solidFill>
-                  <a:schemeClr val="tx2"/>
+              <a:rPr lang="en-US" b="1" i="0" kern="1200" cap="all" spc="200" dirty="0">
+                <a:solidFill>
+                  <a:schemeClr val="accent1"/>
                 </a:solidFill>
                 <a:latin typeface="+mj-lt"/>
                 <a:ea typeface="+mj-ea"/>
@@ -5912,39 +6612,133 @@
               <a:t>Web Design &amp; Development Course</a:t>
             </a:r>
             <a:br>
-              <a:rPr lang="en-US" sz="4500" b="0" i="0" kern="1200" spc="200" dirty="0">
-                <a:solidFill>
-                  <a:schemeClr val="tx2"/>
+              <a:rPr lang="en-US" b="1" i="0" kern="1200" cap="all" spc="200" dirty="0">
+                <a:solidFill>
+                  <a:schemeClr val="accent1"/>
                 </a:solidFill>
                 <a:latin typeface="+mj-lt"/>
                 <a:ea typeface="+mj-ea"/>
                 <a:cs typeface="+mj-cs"/>
               </a:rPr>
             </a:br>
-            <a:br>
-              <a:rPr lang="en-US" sz="4500" b="0" i="0" kern="1200" spc="200" dirty="0">
-                <a:solidFill>
-                  <a:schemeClr val="tx2"/>
+            <a:r>
+              <a:rPr lang="en-US" sz="2000" b="1" i="0" kern="1200" cap="all" spc="200" dirty="0">
+                <a:solidFill>
+                  <a:schemeClr val="accent1"/>
                 </a:solidFill>
                 <a:latin typeface="+mj-lt"/>
                 <a:ea typeface="+mj-ea"/>
                 <a:cs typeface="+mj-cs"/>
               </a:rPr>
-            </a:br>
-            <a:r>
-              <a:rPr lang="en-US" sz="4500" b="0" i="0" kern="1200" spc="200" dirty="0">
-                <a:solidFill>
-                  <a:schemeClr val="tx2"/>
-                </a:solidFill>
-                <a:latin typeface="+mj-lt"/>
-                <a:ea typeface="+mj-ea"/>
-                <a:cs typeface="+mj-cs"/>
-              </a:rPr>
-              <a:t>Kishori Tutorials</a:t>
-            </a:r>
-          </a:p>
-        </p:txBody>
-      </p:sp>
+              <a:t>Kishori tutorials</a:t>
+            </a:r>
+          </a:p>
+        </p:txBody>
+      </p:sp>
+      <p:sp>
+        <p:nvSpPr>
+          <p:cNvPr id="1044" name="Isosceles Triangle 82">
+            <a:extLst>
+              <a:ext uri="{FF2B5EF4-FFF2-40B4-BE49-F238E27FC236}">
+                <a16:creationId xmlns:a16="http://schemas.microsoft.com/office/drawing/2014/main" id="{5A7802B6-FF37-40CF-A7E2-6F2A0D9A91EF}"/>
+              </a:ext>
+              <a:ext uri="{C183D7F6-B498-43B3-948B-1728B52AA6E4}">
+                <adec:decorative xmlns:adec="http://schemas.microsoft.com/office/drawing/2017/decorative" val="1"/>
+              </a:ext>
+            </a:extLst>
+          </p:cNvPr>
+          <p:cNvSpPr>
+            <a:spLocks noGrp="1" noRot="1" noChangeAspect="1" noMove="1" noResize="1" noEditPoints="1" noAdjustHandles="1" noChangeArrowheads="1" noChangeShapeType="1" noTextEdit="1"/>
+          </p:cNvSpPr>
+          <p:nvPr>
+            <p:extLst>
+              <p:ext uri="{386F3935-93C4-4BCD-93E2-E3B085C9AB24}">
+                <p16:designElem xmlns:p16="http://schemas.microsoft.com/office/powerpoint/2015/main" val="1"/>
+              </p:ext>
+            </p:extLst>
+          </p:nvPr>
+        </p:nvSpPr>
+        <p:spPr>
+          <a:xfrm rot="10800000">
+            <a:off x="3174" y="12700"/>
+            <a:ext cx="842596" cy="5666154"/>
+          </a:xfrm>
+          <a:prstGeom prst="triangle">
+            <a:avLst>
+              <a:gd name="adj" fmla="val 100000"/>
+            </a:avLst>
+          </a:prstGeom>
+          <a:solidFill>
+            <a:schemeClr val="accent1">
+              <a:alpha val="85000"/>
+            </a:schemeClr>
+          </a:solidFill>
+          <a:ln>
+            <a:noFill/>
+          </a:ln>
+          <a:effectLst/>
+        </p:spPr>
+        <p:style>
+          <a:lnRef idx="1">
+            <a:schemeClr val="accent1"/>
+          </a:lnRef>
+          <a:fillRef idx="3">
+            <a:schemeClr val="accent1"/>
+          </a:fillRef>
+          <a:effectRef idx="2">
+            <a:schemeClr val="accent1"/>
+          </a:effectRef>
+          <a:fontRef idx="minor">
+            <a:schemeClr val="lt1"/>
+          </a:fontRef>
+        </p:style>
+      </p:sp>
+      <p:pic>
+        <p:nvPicPr>
+          <p:cNvPr id="1026" name="Picture 2">
+            <a:extLst>
+              <a:ext uri="{FF2B5EF4-FFF2-40B4-BE49-F238E27FC236}">
+                <a16:creationId xmlns:a16="http://schemas.microsoft.com/office/drawing/2014/main" id="{BBCEB8DA-7BF0-44E4-84EE-8ED8C9394582}"/>
+              </a:ext>
+            </a:extLst>
+          </p:cNvPr>
+          <p:cNvPicPr>
+            <a:picLocks noChangeAspect="1" noChangeArrowheads="1"/>
+          </p:cNvPicPr>
+          <p:nvPr/>
+        </p:nvPicPr>
+        <p:blipFill>
+          <a:blip r:embed="rId2">
+            <a:extLst>
+              <a:ext uri="{28A0092B-C50C-407E-A947-70E740481C1C}">
+                <a14:useLocalDpi xmlns:a14="http://schemas.microsoft.com/office/drawing/2010/main" val="0"/>
+              </a:ext>
+            </a:extLst>
+          </a:blip>
+          <a:stretch>
+            <a:fillRect/>
+          </a:stretch>
+        </p:blipFill>
+        <p:spPr bwMode="auto">
+          <a:xfrm>
+            <a:off x="1824844" y="2478160"/>
+            <a:ext cx="1893212" cy="1893212"/>
+          </a:xfrm>
+          <a:prstGeom prst="rect">
+            <a:avLst/>
+          </a:prstGeom>
+          <a:noFill/>
+          <a:extLst>
+            <a:ext uri="{909E8E84-426E-40DD-AFC4-6F175D3DCCD1}">
+              <a14:hiddenFill xmlns:a14="http://schemas.microsoft.com/office/drawing/2010/main">
+                <a:solidFill>
+                  <a:srgbClr val="FFFFFF"/>
+                </a:solidFill>
+              </a14:hiddenFill>
+            </a:ext>
+          </a:extLst>
+        </p:spPr>
+      </p:pic>
     </p:spTree>
     <p:extLst>
       <p:ext uri="{BB962C8B-B14F-4D97-AF65-F5344CB8AC3E}">
@@ -5953,7 +6747,7 @@
     </p:extLst>
   </p:cSld>
   <p:clrMapOvr>
-    <a:overrideClrMapping bg1="lt1" tx1="dk1" bg2="lt2" tx2="dk2" accent1="accent1" accent2="accent2" accent3="accent3" accent4="accent4" accent5="accent5" accent6="accent6" hlink="hlink" folHlink="folHlink"/>
+    <a:masterClrMapping/>
   </p:clrMapOvr>
 </p:sld>
 </file>
@@ -5993,7 +6787,9 @@
         </p:nvSpPr>
         <p:spPr/>
         <p:txBody>
-          <a:bodyPr/>
+          <a:bodyPr>
+            <a:normAutofit/>
+          </a:bodyPr>
           <a:lstStyle/>
           <a:p>
             <a:r>
@@ -6474,6 +7270,1779 @@
     <p:extLst>
       <p:ext uri="{BB962C8B-B14F-4D97-AF65-F5344CB8AC3E}">
         <p14:creationId xmlns:p14="http://schemas.microsoft.com/office/powerpoint/2010/main" val="601692311"/>
+      </p:ext>
+    </p:extLst>
+  </p:cSld>
+  <p:clrMapOvr>
+    <a:masterClrMapping/>
+  </p:clrMapOvr>
+</p:sld>
+</file>
+
+<file path=ppt/slides/slide11.xml><?xml version="1.0" encoding="utf-8"?>
+<p:sld xmlns:a="http://schemas.openxmlformats.org/drawingml/2006/main" xmlns:r="http://schemas.openxmlformats.org/officeDocument/2006/relationships" xmlns:p="http://schemas.openxmlformats.org/presentationml/2006/main">
+  <p:cSld>
+    <p:spTree>
+      <p:nvGrpSpPr>
+        <p:cNvPr id="1" name=""/>
+        <p:cNvGrpSpPr/>
+        <p:nvPr/>
+      </p:nvGrpSpPr>
+      <p:grpSpPr>
+        <a:xfrm>
+          <a:off x="0" y="0"/>
+          <a:ext cx="0" cy="0"/>
+          <a:chOff x="0" y="0"/>
+          <a:chExt cx="0" cy="0"/>
+        </a:xfrm>
+      </p:grpSpPr>
+      <p:sp>
+        <p:nvSpPr>
+          <p:cNvPr id="2" name="Title 1">
+            <a:extLst>
+              <a:ext uri="{FF2B5EF4-FFF2-40B4-BE49-F238E27FC236}">
+                <a16:creationId xmlns:a16="http://schemas.microsoft.com/office/drawing/2014/main" id="{9FBC6233-C242-4A75-8FEE-40DB8CA5C4C7}"/>
+              </a:ext>
+            </a:extLst>
+          </p:cNvPr>
+          <p:cNvSpPr>
+            <a:spLocks noGrp="1"/>
+          </p:cNvSpPr>
+          <p:nvPr>
+            <p:ph type="title"/>
+          </p:nvPr>
+        </p:nvSpPr>
+        <p:spPr/>
+        <p:txBody>
+          <a:bodyPr/>
+          <a:lstStyle/>
+          <a:p>
+            <a:r>
+              <a:rPr lang="en-IN" b="0" dirty="0">
+                <a:solidFill>
+                  <a:srgbClr val="6A9955"/>
+                </a:solidFill>
+                <a:effectLst/>
+                <a:latin typeface="Cadman Regular"/>
+              </a:rPr>
+              <a:t>Setting the Viewport</a:t>
+            </a:r>
+            <a:endParaRPr lang="en-IN" dirty="0"/>
+          </a:p>
+        </p:txBody>
+      </p:sp>
+      <p:sp>
+        <p:nvSpPr>
+          <p:cNvPr id="3" name="Content Placeholder 2">
+            <a:extLst>
+              <a:ext uri="{FF2B5EF4-FFF2-40B4-BE49-F238E27FC236}">
+                <a16:creationId xmlns:a16="http://schemas.microsoft.com/office/drawing/2014/main" id="{D403B374-CF73-4494-9916-8D8964FAEB87}"/>
+              </a:ext>
+            </a:extLst>
+          </p:cNvPr>
+          <p:cNvSpPr>
+            <a:spLocks noGrp="1"/>
+          </p:cNvSpPr>
+          <p:nvPr>
+            <p:ph idx="1"/>
+          </p:nvPr>
+        </p:nvSpPr>
+        <p:spPr>
+          <a:xfrm>
+            <a:off x="677333" y="1488613"/>
+            <a:ext cx="9431401" cy="3880773"/>
+          </a:xfrm>
+        </p:spPr>
+        <p:txBody>
+          <a:bodyPr>
+            <a:normAutofit/>
+          </a:bodyPr>
+          <a:lstStyle/>
+          <a:p>
+            <a:r>
+              <a:rPr lang="en-US" sz="1600" b="0" dirty="0">
+                <a:solidFill>
+                  <a:srgbClr val="6A9955"/>
+                </a:solidFill>
+                <a:effectLst/>
+                <a:latin typeface="Cadman Regular"/>
+              </a:rPr>
+              <a:t>The viewport is the user's visible area of a web page. It varies with the device - it will be smaller on a mobile phone than on a computer screen.</a:t>
+            </a:r>
+            <a:endParaRPr lang="en-US" sz="1600" b="0" dirty="0">
+              <a:solidFill>
+                <a:srgbClr val="D4D4D4"/>
+              </a:solidFill>
+              <a:effectLst/>
+              <a:latin typeface="Cadman Regular"/>
+            </a:endParaRPr>
+          </a:p>
+          <a:p>
+            <a:r>
+              <a:rPr lang="en-US" sz="1600" b="0" dirty="0">
+                <a:solidFill>
+                  <a:srgbClr val="6A9955"/>
+                </a:solidFill>
+                <a:effectLst/>
+                <a:latin typeface="Cadman Regular"/>
+              </a:rPr>
+              <a:t>You should include the following &lt;meta&gt; element in all your web pages:</a:t>
+            </a:r>
+            <a:endParaRPr lang="en-US" sz="1600" b="0" dirty="0">
+              <a:solidFill>
+                <a:srgbClr val="D4D4D4"/>
+              </a:solidFill>
+              <a:effectLst/>
+              <a:latin typeface="Cadman Regular"/>
+            </a:endParaRPr>
+          </a:p>
+          <a:p>
+            <a:r>
+              <a:rPr lang="en-US" sz="1600" b="0" dirty="0">
+                <a:solidFill>
+                  <a:srgbClr val="6A9955"/>
+                </a:solidFill>
+                <a:effectLst/>
+                <a:latin typeface="Cadman Regular"/>
+              </a:rPr>
+              <a:t>&lt;meta name="viewport" content="width=device-width, initial-scale=1.0"&gt;</a:t>
+            </a:r>
+            <a:endParaRPr lang="en-US" sz="1600" b="0" dirty="0">
+              <a:solidFill>
+                <a:srgbClr val="D4D4D4"/>
+              </a:solidFill>
+              <a:effectLst/>
+              <a:latin typeface="Cadman Regular"/>
+            </a:endParaRPr>
+          </a:p>
+          <a:p>
+            <a:r>
+              <a:rPr lang="en-US" sz="1600" b="0" dirty="0">
+                <a:solidFill>
+                  <a:srgbClr val="6A9955"/>
+                </a:solidFill>
+                <a:effectLst/>
+                <a:latin typeface="Cadman Regular"/>
+              </a:rPr>
+              <a:t>This gives the browser instructions on how to control the page's dimensions and scaling.</a:t>
+            </a:r>
+            <a:endParaRPr lang="en-US" sz="1600" b="0" dirty="0">
+              <a:solidFill>
+                <a:srgbClr val="D4D4D4"/>
+              </a:solidFill>
+              <a:effectLst/>
+              <a:latin typeface="Cadman Regular"/>
+            </a:endParaRPr>
+          </a:p>
+          <a:p>
+            <a:r>
+              <a:rPr lang="en-US" sz="1600" b="0" dirty="0">
+                <a:solidFill>
+                  <a:srgbClr val="6A9955"/>
+                </a:solidFill>
+                <a:effectLst/>
+                <a:latin typeface="Cadman Regular"/>
+              </a:rPr>
+              <a:t>The width=device-width part sets the width of the page to follow the screen-width of the device (which will vary depending on the device).</a:t>
+            </a:r>
+            <a:endParaRPr lang="en-US" sz="1600" b="0" dirty="0">
+              <a:solidFill>
+                <a:srgbClr val="D4D4D4"/>
+              </a:solidFill>
+              <a:effectLst/>
+              <a:latin typeface="Cadman Regular"/>
+            </a:endParaRPr>
+          </a:p>
+          <a:p>
+            <a:r>
+              <a:rPr lang="en-US" sz="1600" b="0" dirty="0">
+                <a:solidFill>
+                  <a:srgbClr val="6A9955"/>
+                </a:solidFill>
+                <a:effectLst/>
+                <a:latin typeface="Cadman Regular"/>
+              </a:rPr>
+              <a:t>The initial-scale=1.0 part sets the initial zoom level when the page is first loaded by the browser.</a:t>
+            </a:r>
+            <a:endParaRPr lang="en-US" sz="1600" b="0" dirty="0">
+              <a:solidFill>
+                <a:srgbClr val="D4D4D4"/>
+              </a:solidFill>
+              <a:effectLst/>
+              <a:latin typeface="Cadman Regular"/>
+            </a:endParaRPr>
+          </a:p>
+        </p:txBody>
+      </p:sp>
+    </p:spTree>
+    <p:extLst>
+      <p:ext uri="{BB962C8B-B14F-4D97-AF65-F5344CB8AC3E}">
+        <p14:creationId xmlns:p14="http://schemas.microsoft.com/office/powerpoint/2010/main" val="1165912696"/>
+      </p:ext>
+    </p:extLst>
+  </p:cSld>
+  <p:clrMapOvr>
+    <a:masterClrMapping/>
+  </p:clrMapOvr>
+</p:sld>
+</file>
+
+<file path=ppt/slides/slide12.xml><?xml version="1.0" encoding="utf-8"?>
+<p:sld xmlns:a="http://schemas.openxmlformats.org/drawingml/2006/main" xmlns:r="http://schemas.openxmlformats.org/officeDocument/2006/relationships" xmlns:p="http://schemas.openxmlformats.org/presentationml/2006/main">
+  <p:cSld>
+    <p:spTree>
+      <p:nvGrpSpPr>
+        <p:cNvPr id="1" name=""/>
+        <p:cNvGrpSpPr/>
+        <p:nvPr/>
+      </p:nvGrpSpPr>
+      <p:grpSpPr>
+        <a:xfrm>
+          <a:off x="0" y="0"/>
+          <a:ext cx="0" cy="0"/>
+          <a:chOff x="0" y="0"/>
+          <a:chExt cx="0" cy="0"/>
+        </a:xfrm>
+      </p:grpSpPr>
+      <p:sp>
+        <p:nvSpPr>
+          <p:cNvPr id="2" name="Title 1">
+            <a:extLst>
+              <a:ext uri="{FF2B5EF4-FFF2-40B4-BE49-F238E27FC236}">
+                <a16:creationId xmlns:a16="http://schemas.microsoft.com/office/drawing/2014/main" id="{D109DF7D-2B6D-45A9-AB1D-C625311BF469}"/>
+              </a:ext>
+            </a:extLst>
+          </p:cNvPr>
+          <p:cNvSpPr>
+            <a:spLocks noGrp="1"/>
+          </p:cNvSpPr>
+          <p:nvPr>
+            <p:ph type="title"/>
+          </p:nvPr>
+        </p:nvSpPr>
+        <p:spPr/>
+        <p:txBody>
+          <a:bodyPr/>
+          <a:lstStyle/>
+          <a:p>
+            <a:r>
+              <a:rPr lang="en-IN" b="0" dirty="0">
+                <a:solidFill>
+                  <a:srgbClr val="6A9955"/>
+                </a:solidFill>
+                <a:effectLst/>
+                <a:latin typeface="Cadman Regular"/>
+              </a:rPr>
+              <a:t>Html Attributes basic</a:t>
+            </a:r>
+            <a:endParaRPr lang="en-IN" dirty="0"/>
+          </a:p>
+        </p:txBody>
+      </p:sp>
+      <p:sp>
+        <p:nvSpPr>
+          <p:cNvPr id="3" name="Content Placeholder 2">
+            <a:extLst>
+              <a:ext uri="{FF2B5EF4-FFF2-40B4-BE49-F238E27FC236}">
+                <a16:creationId xmlns:a16="http://schemas.microsoft.com/office/drawing/2014/main" id="{F4773E5D-3556-42F3-A5EE-F5FD8DEA4218}"/>
+              </a:ext>
+            </a:extLst>
+          </p:cNvPr>
+          <p:cNvSpPr>
+            <a:spLocks noGrp="1"/>
+          </p:cNvSpPr>
+          <p:nvPr>
+            <p:ph idx="1"/>
+          </p:nvPr>
+        </p:nvSpPr>
+        <p:spPr>
+          <a:xfrm>
+            <a:off x="677334" y="1488613"/>
+            <a:ext cx="9853506" cy="4366903"/>
+          </a:xfrm>
+        </p:spPr>
+        <p:txBody>
+          <a:bodyPr>
+            <a:noAutofit/>
+          </a:bodyPr>
+          <a:lstStyle/>
+          <a:p>
+            <a:r>
+              <a:rPr lang="en-US" sz="1600" b="0" dirty="0">
+                <a:solidFill>
+                  <a:srgbClr val="6A9955"/>
+                </a:solidFill>
+                <a:effectLst/>
+                <a:latin typeface="Cadman Regular"/>
+              </a:rPr>
+              <a:t>HTML Headings</a:t>
+            </a:r>
+            <a:endParaRPr lang="en-US" sz="1600" b="0" dirty="0">
+              <a:solidFill>
+                <a:srgbClr val="D4D4D4"/>
+              </a:solidFill>
+              <a:effectLst/>
+              <a:latin typeface="Cadman Regular"/>
+            </a:endParaRPr>
+          </a:p>
+          <a:p>
+            <a:r>
+              <a:rPr lang="en-US" sz="1600" b="0" dirty="0">
+                <a:solidFill>
+                  <a:srgbClr val="6A9955"/>
+                </a:solidFill>
+                <a:effectLst/>
+                <a:latin typeface="Cadman Regular"/>
+              </a:rPr>
+              <a:t>HTML Paragraphs</a:t>
+            </a:r>
+            <a:endParaRPr lang="en-US" sz="1600" b="0" dirty="0">
+              <a:solidFill>
+                <a:srgbClr val="D4D4D4"/>
+              </a:solidFill>
+              <a:effectLst/>
+              <a:latin typeface="Cadman Regular"/>
+            </a:endParaRPr>
+          </a:p>
+          <a:p>
+            <a:r>
+              <a:rPr lang="en-US" sz="1600" b="0" dirty="0">
+                <a:solidFill>
+                  <a:srgbClr val="6A9955"/>
+                </a:solidFill>
+                <a:effectLst/>
+                <a:latin typeface="Cadman Regular"/>
+              </a:rPr>
+              <a:t>HTML Links</a:t>
+            </a:r>
+            <a:endParaRPr lang="en-US" sz="1600" b="0" dirty="0">
+              <a:solidFill>
+                <a:srgbClr val="D4D4D4"/>
+              </a:solidFill>
+              <a:effectLst/>
+              <a:latin typeface="Cadman Regular"/>
+            </a:endParaRPr>
+          </a:p>
+          <a:p>
+            <a:r>
+              <a:rPr lang="en-US" sz="1600" b="0" dirty="0">
+                <a:solidFill>
+                  <a:srgbClr val="6A9955"/>
+                </a:solidFill>
+                <a:effectLst/>
+                <a:latin typeface="Cadman Regular"/>
+              </a:rPr>
+              <a:t>HTML Images</a:t>
+            </a:r>
+            <a:endParaRPr lang="en-US" sz="1600" b="0" dirty="0">
+              <a:solidFill>
+                <a:srgbClr val="D4D4D4"/>
+              </a:solidFill>
+              <a:effectLst/>
+              <a:latin typeface="Cadman Regular"/>
+            </a:endParaRPr>
+          </a:p>
+          <a:p>
+            <a:r>
+              <a:rPr lang="en-US" sz="1600" b="0" dirty="0">
+                <a:solidFill>
+                  <a:srgbClr val="6A9955"/>
+                </a:solidFill>
+                <a:effectLst/>
+                <a:latin typeface="Cadman Regular"/>
+              </a:rPr>
+              <a:t>HTML Attributes - style </a:t>
+            </a:r>
+            <a:r>
+              <a:rPr lang="en-US" sz="1600" b="0" dirty="0" err="1">
+                <a:solidFill>
+                  <a:srgbClr val="6A9955"/>
+                </a:solidFill>
+                <a:effectLst/>
+                <a:latin typeface="Cadman Regular"/>
+              </a:rPr>
+              <a:t>href</a:t>
+            </a:r>
+            <a:r>
+              <a:rPr lang="en-US" sz="1600" b="0" dirty="0">
+                <a:solidFill>
+                  <a:srgbClr val="6A9955"/>
+                </a:solidFill>
+                <a:effectLst/>
+                <a:latin typeface="Cadman Regular"/>
+              </a:rPr>
+              <a:t> target width height </a:t>
+            </a:r>
+            <a:r>
+              <a:rPr lang="en-US" sz="1600" b="0" dirty="0" err="1">
+                <a:solidFill>
+                  <a:srgbClr val="6A9955"/>
+                </a:solidFill>
+                <a:effectLst/>
+                <a:latin typeface="Cadman Regular"/>
+              </a:rPr>
+              <a:t>src</a:t>
+            </a:r>
+            <a:r>
+              <a:rPr lang="en-US" sz="1600" b="0" dirty="0">
+                <a:solidFill>
+                  <a:srgbClr val="6A9955"/>
+                </a:solidFill>
+                <a:effectLst/>
+                <a:latin typeface="Cadman Regular"/>
+              </a:rPr>
+              <a:t> alt</a:t>
+            </a:r>
+            <a:endParaRPr lang="en-US" sz="1600" b="0" dirty="0">
+              <a:solidFill>
+                <a:srgbClr val="D4D4D4"/>
+              </a:solidFill>
+              <a:effectLst/>
+              <a:latin typeface="Cadman Regular"/>
+            </a:endParaRPr>
+          </a:p>
+          <a:p>
+            <a:r>
+              <a:rPr lang="en-US" sz="1600" b="0" dirty="0">
+                <a:solidFill>
+                  <a:srgbClr val="6A9955"/>
+                </a:solidFill>
+                <a:effectLst/>
+                <a:latin typeface="Cadman Regular"/>
+              </a:rPr>
+              <a:t>lang attribute -You should always include the lang attribute inside the &lt;html&gt; tag, to declare the language of the Web page. This is meant to assist search engines and browsers.</a:t>
+            </a:r>
+            <a:endParaRPr lang="en-US" sz="1600" b="0" dirty="0">
+              <a:solidFill>
+                <a:srgbClr val="D4D4D4"/>
+              </a:solidFill>
+              <a:effectLst/>
+              <a:latin typeface="Cadman Regular"/>
+            </a:endParaRPr>
+          </a:p>
+          <a:p>
+            <a:r>
+              <a:rPr lang="en-US" sz="1600" b="0" dirty="0">
+                <a:solidFill>
+                  <a:srgbClr val="6A9955"/>
+                </a:solidFill>
+                <a:effectLst/>
+                <a:latin typeface="Cadman Regular"/>
+              </a:rPr>
+              <a:t>All HTML elements can have attributes</a:t>
+            </a:r>
+            <a:endParaRPr lang="en-US" sz="1600" b="0" dirty="0">
+              <a:solidFill>
+                <a:srgbClr val="D4D4D4"/>
+              </a:solidFill>
+              <a:effectLst/>
+              <a:latin typeface="Cadman Regular"/>
+            </a:endParaRPr>
+          </a:p>
+          <a:p>
+            <a:r>
+              <a:rPr lang="en-US" sz="1600" b="0" dirty="0">
+                <a:solidFill>
+                  <a:srgbClr val="6A9955"/>
+                </a:solidFill>
+                <a:effectLst/>
+                <a:latin typeface="Cadman Regular"/>
+              </a:rPr>
+              <a:t>Attributes provide additional information about elements</a:t>
+            </a:r>
+            <a:endParaRPr lang="en-US" sz="1600" b="0" dirty="0">
+              <a:solidFill>
+                <a:srgbClr val="D4D4D4"/>
+              </a:solidFill>
+              <a:effectLst/>
+              <a:latin typeface="Cadman Regular"/>
+            </a:endParaRPr>
+          </a:p>
+          <a:p>
+            <a:r>
+              <a:rPr lang="en-US" sz="1600" b="0" dirty="0">
+                <a:solidFill>
+                  <a:srgbClr val="6A9955"/>
+                </a:solidFill>
+                <a:effectLst/>
+                <a:latin typeface="Cadman Regular"/>
+              </a:rPr>
+              <a:t>Attributes are always specified in the start tag</a:t>
+            </a:r>
+            <a:endParaRPr lang="en-US" sz="1600" b="0" dirty="0">
+              <a:solidFill>
+                <a:srgbClr val="D4D4D4"/>
+              </a:solidFill>
+              <a:effectLst/>
+              <a:latin typeface="Cadman Regular"/>
+            </a:endParaRPr>
+          </a:p>
+          <a:p>
+            <a:r>
+              <a:rPr lang="en-US" sz="1600" b="0" dirty="0">
+                <a:solidFill>
+                  <a:srgbClr val="6A9955"/>
+                </a:solidFill>
+                <a:effectLst/>
+                <a:latin typeface="Cadman Regular"/>
+              </a:rPr>
+              <a:t>Attributes usually come in name/value pairs like: name="value"  </a:t>
+            </a:r>
+            <a:endParaRPr lang="en-US" sz="1600" b="0" dirty="0">
+              <a:solidFill>
+                <a:srgbClr val="D4D4D4"/>
+              </a:solidFill>
+              <a:effectLst/>
+              <a:latin typeface="Cadman Regular"/>
+            </a:endParaRPr>
+          </a:p>
+          <a:p>
+            <a:endParaRPr lang="en-IN" sz="1600" dirty="0"/>
+          </a:p>
+        </p:txBody>
+      </p:sp>
+    </p:spTree>
+    <p:extLst>
+      <p:ext uri="{BB962C8B-B14F-4D97-AF65-F5344CB8AC3E}">
+        <p14:creationId xmlns:p14="http://schemas.microsoft.com/office/powerpoint/2010/main" val="1673403254"/>
+      </p:ext>
+    </p:extLst>
+  </p:cSld>
+  <p:clrMapOvr>
+    <a:masterClrMapping/>
+  </p:clrMapOvr>
+</p:sld>
+</file>
+
+<file path=ppt/slides/slide13.xml><?xml version="1.0" encoding="utf-8"?>
+<p:sld xmlns:a="http://schemas.openxmlformats.org/drawingml/2006/main" xmlns:r="http://schemas.openxmlformats.org/officeDocument/2006/relationships" xmlns:p="http://schemas.openxmlformats.org/presentationml/2006/main">
+  <p:cSld>
+    <p:spTree>
+      <p:nvGrpSpPr>
+        <p:cNvPr id="1" name=""/>
+        <p:cNvGrpSpPr/>
+        <p:nvPr/>
+      </p:nvGrpSpPr>
+      <p:grpSpPr>
+        <a:xfrm>
+          <a:off x="0" y="0"/>
+          <a:ext cx="0" cy="0"/>
+          <a:chOff x="0" y="0"/>
+          <a:chExt cx="0" cy="0"/>
+        </a:xfrm>
+      </p:grpSpPr>
+      <p:sp>
+        <p:nvSpPr>
+          <p:cNvPr id="2" name="Title 1">
+            <a:extLst>
+              <a:ext uri="{FF2B5EF4-FFF2-40B4-BE49-F238E27FC236}">
+                <a16:creationId xmlns:a16="http://schemas.microsoft.com/office/drawing/2014/main" id="{78AA39F0-52E2-42CF-89EB-A730DE40A313}"/>
+              </a:ext>
+            </a:extLst>
+          </p:cNvPr>
+          <p:cNvSpPr>
+            <a:spLocks noGrp="1"/>
+          </p:cNvSpPr>
+          <p:nvPr>
+            <p:ph type="title"/>
+          </p:nvPr>
+        </p:nvSpPr>
+        <p:spPr/>
+        <p:txBody>
+          <a:bodyPr/>
+          <a:lstStyle/>
+          <a:p>
+            <a:r>
+              <a:rPr lang="en-US" b="0" dirty="0">
+                <a:solidFill>
+                  <a:srgbClr val="6A9955"/>
+                </a:solidFill>
+                <a:effectLst/>
+                <a:latin typeface="Cadman Regular"/>
+              </a:rPr>
+              <a:t>How to View HTML Source?</a:t>
+            </a:r>
+            <a:endParaRPr lang="en-IN" dirty="0"/>
+          </a:p>
+        </p:txBody>
+      </p:sp>
+      <p:sp>
+        <p:nvSpPr>
+          <p:cNvPr id="3" name="Content Placeholder 2">
+            <a:extLst>
+              <a:ext uri="{FF2B5EF4-FFF2-40B4-BE49-F238E27FC236}">
+                <a16:creationId xmlns:a16="http://schemas.microsoft.com/office/drawing/2014/main" id="{F34E8C29-9387-4F27-A795-309351408E19}"/>
+              </a:ext>
+            </a:extLst>
+          </p:cNvPr>
+          <p:cNvSpPr>
+            <a:spLocks noGrp="1"/>
+          </p:cNvSpPr>
+          <p:nvPr>
+            <p:ph idx="1"/>
+          </p:nvPr>
+        </p:nvSpPr>
+        <p:spPr>
+          <a:xfrm>
+            <a:off x="677333" y="1488613"/>
+            <a:ext cx="9456567" cy="3880773"/>
+          </a:xfrm>
+        </p:spPr>
+        <p:txBody>
+          <a:bodyPr>
+            <a:normAutofit/>
+          </a:bodyPr>
+          <a:lstStyle/>
+          <a:p>
+            <a:r>
+              <a:rPr lang="en-US" sz="1600" b="0" dirty="0">
+                <a:solidFill>
+                  <a:srgbClr val="6A9955"/>
+                </a:solidFill>
+                <a:effectLst/>
+                <a:latin typeface="Cadman Regular"/>
+              </a:rPr>
+              <a:t>Right click and inspect or press f12 or right top in settings tab</a:t>
+            </a:r>
+            <a:endParaRPr lang="en-US" sz="1600" b="0" dirty="0">
+              <a:solidFill>
+                <a:srgbClr val="D4D4D4"/>
+              </a:solidFill>
+              <a:effectLst/>
+              <a:latin typeface="Cadman Regular"/>
+            </a:endParaRPr>
+          </a:p>
+          <a:p>
+            <a:r>
+              <a:rPr lang="en-US" sz="1600" b="0" dirty="0">
+                <a:solidFill>
+                  <a:srgbClr val="6A9955"/>
+                </a:solidFill>
+                <a:effectLst/>
+                <a:latin typeface="Cadman Regular"/>
+              </a:rPr>
+              <a:t>Right click and click view page source</a:t>
+            </a:r>
+            <a:endParaRPr lang="en-US" sz="1600" b="0" dirty="0">
+              <a:solidFill>
+                <a:srgbClr val="D4D4D4"/>
+              </a:solidFill>
+              <a:effectLst/>
+              <a:latin typeface="Cadman Regular"/>
+            </a:endParaRPr>
+          </a:p>
+          <a:p>
+            <a:r>
+              <a:rPr lang="en-US" sz="1600" b="0" dirty="0">
+                <a:solidFill>
+                  <a:srgbClr val="6A9955"/>
+                </a:solidFill>
+                <a:effectLst/>
+                <a:latin typeface="Cadman Regular"/>
+              </a:rPr>
+              <a:t>An HTML element is defined by a start tag, some content, and an end tag:</a:t>
+            </a:r>
+            <a:endParaRPr lang="en-US" sz="1600" b="0" dirty="0">
+              <a:solidFill>
+                <a:srgbClr val="D4D4D4"/>
+              </a:solidFill>
+              <a:effectLst/>
+              <a:latin typeface="Cadman Regular"/>
+            </a:endParaRPr>
+          </a:p>
+          <a:p>
+            <a:r>
+              <a:rPr lang="en-US" sz="1600" b="0" dirty="0">
+                <a:solidFill>
+                  <a:srgbClr val="FF0000"/>
+                </a:solidFill>
+                <a:effectLst/>
+                <a:latin typeface="Cadman Regular"/>
+              </a:rPr>
+              <a:t>&lt;h1&gt;My First Heading&lt;/h1&gt;</a:t>
+            </a:r>
+          </a:p>
+          <a:p>
+            <a:r>
+              <a:rPr lang="en-US" sz="1600" b="0" dirty="0">
+                <a:solidFill>
+                  <a:srgbClr val="FF0000"/>
+                </a:solidFill>
+                <a:effectLst/>
+                <a:latin typeface="Cadman Regular"/>
+              </a:rPr>
+              <a:t>&lt;p&gt;My first paragraph.&lt;/p&gt;</a:t>
+            </a:r>
+          </a:p>
+          <a:p>
+            <a:r>
+              <a:rPr lang="en-US" sz="1600" b="0" dirty="0">
+                <a:solidFill>
+                  <a:srgbClr val="6A9955"/>
+                </a:solidFill>
+                <a:effectLst/>
+                <a:latin typeface="Cadman Regular"/>
+              </a:rPr>
+              <a:t>HTML tags are not case sensitive: &lt;P&gt; means the same as &lt;p&gt;. But recommended to put in lowercase.</a:t>
+            </a:r>
+            <a:endParaRPr lang="en-US" sz="1600" b="0" dirty="0">
+              <a:solidFill>
+                <a:srgbClr val="D4D4D4"/>
+              </a:solidFill>
+              <a:effectLst/>
+              <a:latin typeface="Cadman Regular"/>
+            </a:endParaRPr>
+          </a:p>
+          <a:p>
+            <a:r>
+              <a:rPr lang="en-US" sz="1600" b="0" dirty="0">
+                <a:solidFill>
+                  <a:srgbClr val="6A9955"/>
+                </a:solidFill>
+                <a:effectLst/>
+                <a:latin typeface="Cadman Regular"/>
+              </a:rPr>
+              <a:t>Some HTML elements have no content (</a:t>
+            </a:r>
+            <a:r>
+              <a:rPr lang="en-US" sz="1600" b="0" dirty="0">
+                <a:solidFill>
+                  <a:srgbClr val="FF0000"/>
+                </a:solidFill>
+                <a:effectLst/>
+                <a:latin typeface="Cadman Regular"/>
+              </a:rPr>
+              <a:t>like the &lt;</a:t>
+            </a:r>
+            <a:r>
+              <a:rPr lang="en-US" sz="1600" b="0" dirty="0" err="1">
+                <a:solidFill>
+                  <a:srgbClr val="FF0000"/>
+                </a:solidFill>
+                <a:effectLst/>
+                <a:latin typeface="Cadman Regular"/>
+              </a:rPr>
+              <a:t>br</a:t>
+            </a:r>
+            <a:r>
+              <a:rPr lang="en-US" sz="1600" b="0" dirty="0">
+                <a:solidFill>
+                  <a:srgbClr val="FF0000"/>
+                </a:solidFill>
+                <a:effectLst/>
+                <a:latin typeface="Cadman Regular"/>
+              </a:rPr>
+              <a:t> /&gt; &lt;</a:t>
+            </a:r>
+            <a:r>
+              <a:rPr lang="en-US" sz="1600" b="0" dirty="0" err="1">
+                <a:solidFill>
+                  <a:srgbClr val="FF0000"/>
+                </a:solidFill>
+                <a:effectLst/>
+                <a:latin typeface="Cadman Regular"/>
+              </a:rPr>
+              <a:t>hr</a:t>
+            </a:r>
+            <a:r>
+              <a:rPr lang="en-US" sz="1600" b="0" dirty="0">
+                <a:solidFill>
+                  <a:srgbClr val="FF0000"/>
+                </a:solidFill>
+                <a:effectLst/>
+                <a:latin typeface="Cadman Regular"/>
+              </a:rPr>
+              <a:t> /&gt; &lt;</a:t>
+            </a:r>
+            <a:r>
+              <a:rPr lang="en-US" sz="1600" b="0" dirty="0" err="1">
+                <a:solidFill>
+                  <a:srgbClr val="FF0000"/>
+                </a:solidFill>
+                <a:effectLst/>
+                <a:latin typeface="Cadman Regular"/>
+              </a:rPr>
+              <a:t>img</a:t>
+            </a:r>
+            <a:r>
+              <a:rPr lang="en-US" sz="1600" b="0" dirty="0">
+                <a:solidFill>
+                  <a:srgbClr val="FF0000"/>
+                </a:solidFill>
+                <a:effectLst/>
+                <a:latin typeface="Cadman Regular"/>
+              </a:rPr>
+              <a:t> /&gt; &lt;input /&gt; element</a:t>
+            </a:r>
+            <a:r>
+              <a:rPr lang="en-US" sz="1600" b="0" dirty="0">
+                <a:solidFill>
+                  <a:srgbClr val="6A9955"/>
+                </a:solidFill>
+                <a:effectLst/>
+                <a:latin typeface="Cadman Regular"/>
+              </a:rPr>
+              <a:t>). These elements are called empty elements. Empty elements do not have an end tag!&gt;</a:t>
+            </a:r>
+            <a:endParaRPr lang="en-US" sz="1600" b="0" dirty="0">
+              <a:solidFill>
+                <a:srgbClr val="D4D4D4"/>
+              </a:solidFill>
+              <a:effectLst/>
+              <a:latin typeface="Cadman Regular"/>
+            </a:endParaRPr>
+          </a:p>
+          <a:p>
+            <a:endParaRPr lang="en-IN" sz="1600" dirty="0"/>
+          </a:p>
+        </p:txBody>
+      </p:sp>
+    </p:spTree>
+    <p:extLst>
+      <p:ext uri="{BB962C8B-B14F-4D97-AF65-F5344CB8AC3E}">
+        <p14:creationId xmlns:p14="http://schemas.microsoft.com/office/powerpoint/2010/main" val="779207155"/>
+      </p:ext>
+    </p:extLst>
+  </p:cSld>
+  <p:clrMapOvr>
+    <a:masterClrMapping/>
+  </p:clrMapOvr>
+</p:sld>
+</file>
+
+<file path=ppt/slides/slide14.xml><?xml version="1.0" encoding="utf-8"?>
+<p:sld xmlns:a="http://schemas.openxmlformats.org/drawingml/2006/main" xmlns:r="http://schemas.openxmlformats.org/officeDocument/2006/relationships" xmlns:p="http://schemas.openxmlformats.org/presentationml/2006/main">
+  <p:cSld>
+    <p:spTree>
+      <p:nvGrpSpPr>
+        <p:cNvPr id="1" name=""/>
+        <p:cNvGrpSpPr/>
+        <p:nvPr/>
+      </p:nvGrpSpPr>
+      <p:grpSpPr>
+        <a:xfrm>
+          <a:off x="0" y="0"/>
+          <a:ext cx="0" cy="0"/>
+          <a:chOff x="0" y="0"/>
+          <a:chExt cx="0" cy="0"/>
+        </a:xfrm>
+      </p:grpSpPr>
+      <p:sp>
+        <p:nvSpPr>
+          <p:cNvPr id="2" name="Title 1">
+            <a:extLst>
+              <a:ext uri="{FF2B5EF4-FFF2-40B4-BE49-F238E27FC236}">
+                <a16:creationId xmlns:a16="http://schemas.microsoft.com/office/drawing/2014/main" id="{7F13FC7F-2B8F-4D6B-BB1D-10D551939445}"/>
+              </a:ext>
+            </a:extLst>
+          </p:cNvPr>
+          <p:cNvSpPr>
+            <a:spLocks noGrp="1"/>
+          </p:cNvSpPr>
+          <p:nvPr>
+            <p:ph type="title"/>
+          </p:nvPr>
+        </p:nvSpPr>
+        <p:spPr/>
+        <p:txBody>
+          <a:bodyPr>
+            <a:normAutofit/>
+          </a:bodyPr>
+          <a:lstStyle/>
+          <a:p>
+            <a:r>
+              <a:rPr lang="en-IN" b="0" dirty="0">
+                <a:solidFill>
+                  <a:srgbClr val="6A9955"/>
+                </a:solidFill>
+                <a:effectLst/>
+                <a:latin typeface="Cadman Regular"/>
+              </a:rPr>
+              <a:t>HTML headings</a:t>
+            </a:r>
+            <a:br>
+              <a:rPr lang="en-IN" b="0" dirty="0">
+                <a:solidFill>
+                  <a:srgbClr val="D4D4D4"/>
+                </a:solidFill>
+                <a:effectLst/>
+                <a:latin typeface="Cadman Regular"/>
+              </a:rPr>
+            </a:br>
+            <a:endParaRPr lang="en-IN" dirty="0"/>
+          </a:p>
+        </p:txBody>
+      </p:sp>
+      <p:sp>
+        <p:nvSpPr>
+          <p:cNvPr id="3" name="Content Placeholder 2">
+            <a:extLst>
+              <a:ext uri="{FF2B5EF4-FFF2-40B4-BE49-F238E27FC236}">
+                <a16:creationId xmlns:a16="http://schemas.microsoft.com/office/drawing/2014/main" id="{733DCB5B-7886-4E72-A961-C943AC423D46}"/>
+              </a:ext>
+            </a:extLst>
+          </p:cNvPr>
+          <p:cNvSpPr>
+            <a:spLocks noGrp="1"/>
+          </p:cNvSpPr>
+          <p:nvPr>
+            <p:ph idx="1"/>
+          </p:nvPr>
+        </p:nvSpPr>
+        <p:spPr>
+          <a:xfrm>
+            <a:off x="677334" y="1488613"/>
+            <a:ext cx="8596668" cy="3880773"/>
+          </a:xfrm>
+        </p:spPr>
+        <p:txBody>
+          <a:bodyPr>
+            <a:normAutofit/>
+          </a:bodyPr>
+          <a:lstStyle/>
+          <a:p>
+            <a:r>
+              <a:rPr lang="en-IN" sz="1600" b="0" dirty="0">
+                <a:solidFill>
+                  <a:srgbClr val="FF0000"/>
+                </a:solidFill>
+                <a:effectLst/>
+                <a:latin typeface="Cadman Regular"/>
+              </a:rPr>
+              <a:t>&lt;h1&gt;heading&lt;/h1&gt;</a:t>
+            </a:r>
+          </a:p>
+          <a:p>
+            <a:endParaRPr lang="en-IN" sz="1600" dirty="0"/>
+          </a:p>
+        </p:txBody>
+      </p:sp>
+    </p:spTree>
+    <p:extLst>
+      <p:ext uri="{BB962C8B-B14F-4D97-AF65-F5344CB8AC3E}">
+        <p14:creationId xmlns:p14="http://schemas.microsoft.com/office/powerpoint/2010/main" val="1174009457"/>
+      </p:ext>
+    </p:extLst>
+  </p:cSld>
+  <p:clrMapOvr>
+    <a:masterClrMapping/>
+  </p:clrMapOvr>
+</p:sld>
+</file>
+
+<file path=ppt/slides/slide15.xml><?xml version="1.0" encoding="utf-8"?>
+<p:sld xmlns:a="http://schemas.openxmlformats.org/drawingml/2006/main" xmlns:r="http://schemas.openxmlformats.org/officeDocument/2006/relationships" xmlns:p="http://schemas.openxmlformats.org/presentationml/2006/main">
+  <p:cSld>
+    <p:spTree>
+      <p:nvGrpSpPr>
+        <p:cNvPr id="1" name=""/>
+        <p:cNvGrpSpPr/>
+        <p:nvPr/>
+      </p:nvGrpSpPr>
+      <p:grpSpPr>
+        <a:xfrm>
+          <a:off x="0" y="0"/>
+          <a:ext cx="0" cy="0"/>
+          <a:chOff x="0" y="0"/>
+          <a:chExt cx="0" cy="0"/>
+        </a:xfrm>
+      </p:grpSpPr>
+      <p:sp>
+        <p:nvSpPr>
+          <p:cNvPr id="2" name="Title 1">
+            <a:extLst>
+              <a:ext uri="{FF2B5EF4-FFF2-40B4-BE49-F238E27FC236}">
+                <a16:creationId xmlns:a16="http://schemas.microsoft.com/office/drawing/2014/main" id="{8C08D5DE-140B-4B02-A1F7-F52D9B08E8ED}"/>
+              </a:ext>
+            </a:extLst>
+          </p:cNvPr>
+          <p:cNvSpPr>
+            <a:spLocks noGrp="1"/>
+          </p:cNvSpPr>
+          <p:nvPr>
+            <p:ph type="title"/>
+          </p:nvPr>
+        </p:nvSpPr>
+        <p:spPr/>
+        <p:txBody>
+          <a:bodyPr>
+            <a:normAutofit/>
+          </a:bodyPr>
+          <a:lstStyle/>
+          <a:p>
+            <a:r>
+              <a:rPr lang="en-IN" b="0" dirty="0">
+                <a:solidFill>
+                  <a:srgbClr val="6A9955"/>
+                </a:solidFill>
+                <a:effectLst/>
+                <a:latin typeface="Cadman Regular"/>
+              </a:rPr>
+              <a:t>HTML paragraphs</a:t>
+            </a:r>
+            <a:br>
+              <a:rPr lang="en-IN" b="0" dirty="0">
+                <a:solidFill>
+                  <a:srgbClr val="D4D4D4"/>
+                </a:solidFill>
+                <a:effectLst/>
+                <a:latin typeface="Cadman Regular"/>
+              </a:rPr>
+            </a:br>
+            <a:endParaRPr lang="en-IN" dirty="0"/>
+          </a:p>
+        </p:txBody>
+      </p:sp>
+      <p:sp>
+        <p:nvSpPr>
+          <p:cNvPr id="3" name="Content Placeholder 2">
+            <a:extLst>
+              <a:ext uri="{FF2B5EF4-FFF2-40B4-BE49-F238E27FC236}">
+                <a16:creationId xmlns:a16="http://schemas.microsoft.com/office/drawing/2014/main" id="{584C4D54-1A04-493F-BE0D-4598CF435AA7}"/>
+              </a:ext>
+            </a:extLst>
+          </p:cNvPr>
+          <p:cNvSpPr>
+            <a:spLocks noGrp="1"/>
+          </p:cNvSpPr>
+          <p:nvPr>
+            <p:ph idx="1"/>
+          </p:nvPr>
+        </p:nvSpPr>
+        <p:spPr>
+          <a:xfrm>
+            <a:off x="677334" y="1488613"/>
+            <a:ext cx="8596668" cy="3880773"/>
+          </a:xfrm>
+        </p:spPr>
+        <p:txBody>
+          <a:bodyPr>
+            <a:normAutofit/>
+          </a:bodyPr>
+          <a:lstStyle/>
+          <a:p>
+            <a:r>
+              <a:rPr lang="en-IN" sz="1600" b="0" dirty="0">
+                <a:solidFill>
+                  <a:srgbClr val="FF0000"/>
+                </a:solidFill>
+                <a:effectLst/>
+                <a:latin typeface="Cadman Regular"/>
+              </a:rPr>
+              <a:t>&lt;p&gt;paragraph&lt;/p&gt;</a:t>
+            </a:r>
+          </a:p>
+          <a:p>
+            <a:endParaRPr lang="en-IN" sz="1600" dirty="0"/>
+          </a:p>
+        </p:txBody>
+      </p:sp>
+    </p:spTree>
+    <p:extLst>
+      <p:ext uri="{BB962C8B-B14F-4D97-AF65-F5344CB8AC3E}">
+        <p14:creationId xmlns:p14="http://schemas.microsoft.com/office/powerpoint/2010/main" val="789769008"/>
+      </p:ext>
+    </p:extLst>
+  </p:cSld>
+  <p:clrMapOvr>
+    <a:masterClrMapping/>
+  </p:clrMapOvr>
+</p:sld>
+</file>
+
+<file path=ppt/slides/slide16.xml><?xml version="1.0" encoding="utf-8"?>
+<p:sld xmlns:a="http://schemas.openxmlformats.org/drawingml/2006/main" xmlns:r="http://schemas.openxmlformats.org/officeDocument/2006/relationships" xmlns:p="http://schemas.openxmlformats.org/presentationml/2006/main">
+  <p:cSld>
+    <p:spTree>
+      <p:nvGrpSpPr>
+        <p:cNvPr id="1" name=""/>
+        <p:cNvGrpSpPr/>
+        <p:nvPr/>
+      </p:nvGrpSpPr>
+      <p:grpSpPr>
+        <a:xfrm>
+          <a:off x="0" y="0"/>
+          <a:ext cx="0" cy="0"/>
+          <a:chOff x="0" y="0"/>
+          <a:chExt cx="0" cy="0"/>
+        </a:xfrm>
+      </p:grpSpPr>
+      <p:sp>
+        <p:nvSpPr>
+          <p:cNvPr id="2" name="Title 1">
+            <a:extLst>
+              <a:ext uri="{FF2B5EF4-FFF2-40B4-BE49-F238E27FC236}">
+                <a16:creationId xmlns:a16="http://schemas.microsoft.com/office/drawing/2014/main" id="{F45CA91E-9B4E-4800-8CDC-EF119CD3529F}"/>
+              </a:ext>
+            </a:extLst>
+          </p:cNvPr>
+          <p:cNvSpPr>
+            <a:spLocks noGrp="1"/>
+          </p:cNvSpPr>
+          <p:nvPr>
+            <p:ph type="title"/>
+          </p:nvPr>
+        </p:nvSpPr>
+        <p:spPr/>
+        <p:txBody>
+          <a:bodyPr>
+            <a:normAutofit fontScale="90000"/>
+          </a:bodyPr>
+          <a:lstStyle/>
+          <a:p>
+            <a:r>
+              <a:rPr lang="en-US" b="0" dirty="0">
+                <a:solidFill>
+                  <a:srgbClr val="6A9955"/>
+                </a:solidFill>
+                <a:effectLst/>
+                <a:latin typeface="Cadman Regular"/>
+              </a:rPr>
+              <a:t>Empty elements or Self closing elements</a:t>
+            </a:r>
+            <a:br>
+              <a:rPr lang="en-US" b="0" dirty="0">
+                <a:solidFill>
+                  <a:srgbClr val="D4D4D4"/>
+                </a:solidFill>
+                <a:effectLst/>
+                <a:latin typeface="Cadman Regular"/>
+              </a:rPr>
+            </a:br>
+            <a:endParaRPr lang="en-IN" dirty="0"/>
+          </a:p>
+        </p:txBody>
+      </p:sp>
+      <p:sp>
+        <p:nvSpPr>
+          <p:cNvPr id="3" name="Content Placeholder 2">
+            <a:extLst>
+              <a:ext uri="{FF2B5EF4-FFF2-40B4-BE49-F238E27FC236}">
+                <a16:creationId xmlns:a16="http://schemas.microsoft.com/office/drawing/2014/main" id="{821F693C-A166-4221-B634-71BDB3D95EAA}"/>
+              </a:ext>
+            </a:extLst>
+          </p:cNvPr>
+          <p:cNvSpPr>
+            <a:spLocks noGrp="1"/>
+          </p:cNvSpPr>
+          <p:nvPr>
+            <p:ph idx="1"/>
+          </p:nvPr>
+        </p:nvSpPr>
+        <p:spPr>
+          <a:xfrm>
+            <a:off x="677334" y="1488613"/>
+            <a:ext cx="8596668" cy="3880773"/>
+          </a:xfrm>
+        </p:spPr>
+        <p:txBody>
+          <a:bodyPr>
+            <a:normAutofit/>
+          </a:bodyPr>
+          <a:lstStyle/>
+          <a:p>
+            <a:r>
+              <a:rPr lang="en-US" sz="1600" b="0" dirty="0" err="1">
+                <a:solidFill>
+                  <a:srgbClr val="FF0000"/>
+                </a:solidFill>
+                <a:effectLst/>
+                <a:latin typeface="Cadman Regular"/>
+              </a:rPr>
+              <a:t>hr</a:t>
+            </a:r>
+            <a:r>
+              <a:rPr lang="en-US" sz="1600" b="0" dirty="0">
+                <a:solidFill>
+                  <a:srgbClr val="FF0000"/>
+                </a:solidFill>
+                <a:effectLst/>
+                <a:latin typeface="Cadman Regular"/>
+              </a:rPr>
+              <a:t> </a:t>
+            </a:r>
+            <a:r>
+              <a:rPr lang="en-US" sz="1600" b="0" dirty="0" err="1">
+                <a:solidFill>
+                  <a:srgbClr val="FF0000"/>
+                </a:solidFill>
+                <a:effectLst/>
+                <a:latin typeface="Cadman Regular"/>
+              </a:rPr>
+              <a:t>br</a:t>
+            </a:r>
+            <a:r>
+              <a:rPr lang="en-US" sz="1600" b="0" dirty="0">
+                <a:solidFill>
+                  <a:srgbClr val="FF0000"/>
+                </a:solidFill>
+                <a:effectLst/>
+                <a:latin typeface="Cadman Regular"/>
+              </a:rPr>
+              <a:t> </a:t>
+            </a:r>
+            <a:r>
+              <a:rPr lang="en-US" sz="1600" b="0" dirty="0" err="1">
+                <a:solidFill>
+                  <a:srgbClr val="FF0000"/>
+                </a:solidFill>
+                <a:effectLst/>
+                <a:latin typeface="Cadman Regular"/>
+              </a:rPr>
+              <a:t>img</a:t>
+            </a:r>
+            <a:r>
+              <a:rPr lang="en-US" sz="1600" b="0" dirty="0">
+                <a:solidFill>
+                  <a:srgbClr val="FF0000"/>
+                </a:solidFill>
+                <a:effectLst/>
+                <a:latin typeface="Cadman Regular"/>
+              </a:rPr>
+              <a:t> input meta source link</a:t>
+            </a:r>
+          </a:p>
+          <a:p>
+            <a:endParaRPr lang="en-IN" sz="1600" dirty="0"/>
+          </a:p>
+        </p:txBody>
+      </p:sp>
+    </p:spTree>
+    <p:extLst>
+      <p:ext uri="{BB962C8B-B14F-4D97-AF65-F5344CB8AC3E}">
+        <p14:creationId xmlns:p14="http://schemas.microsoft.com/office/powerpoint/2010/main" val="1321936350"/>
+      </p:ext>
+    </p:extLst>
+  </p:cSld>
+  <p:clrMapOvr>
+    <a:masterClrMapping/>
+  </p:clrMapOvr>
+</p:sld>
+</file>
+
+<file path=ppt/slides/slide17.xml><?xml version="1.0" encoding="utf-8"?>
+<p:sld xmlns:a="http://schemas.openxmlformats.org/drawingml/2006/main" xmlns:r="http://schemas.openxmlformats.org/officeDocument/2006/relationships" xmlns:p="http://schemas.openxmlformats.org/presentationml/2006/main">
+  <p:cSld>
+    <p:spTree>
+      <p:nvGrpSpPr>
+        <p:cNvPr id="1" name=""/>
+        <p:cNvGrpSpPr/>
+        <p:nvPr/>
+      </p:nvGrpSpPr>
+      <p:grpSpPr>
+        <a:xfrm>
+          <a:off x="0" y="0"/>
+          <a:ext cx="0" cy="0"/>
+          <a:chOff x="0" y="0"/>
+          <a:chExt cx="0" cy="0"/>
+        </a:xfrm>
+      </p:grpSpPr>
+      <p:sp>
+        <p:nvSpPr>
+          <p:cNvPr id="2" name="Title 1">
+            <a:extLst>
+              <a:ext uri="{FF2B5EF4-FFF2-40B4-BE49-F238E27FC236}">
+                <a16:creationId xmlns:a16="http://schemas.microsoft.com/office/drawing/2014/main" id="{BF1F31B4-CABB-4631-ADF7-DD04B9D7D6EF}"/>
+              </a:ext>
+            </a:extLst>
+          </p:cNvPr>
+          <p:cNvSpPr>
+            <a:spLocks noGrp="1"/>
+          </p:cNvSpPr>
+          <p:nvPr>
+            <p:ph type="title"/>
+          </p:nvPr>
+        </p:nvSpPr>
+        <p:spPr/>
+        <p:txBody>
+          <a:bodyPr>
+            <a:normAutofit/>
+          </a:bodyPr>
+          <a:lstStyle/>
+          <a:p>
+            <a:r>
+              <a:rPr lang="en-IN" b="0" dirty="0">
+                <a:solidFill>
+                  <a:srgbClr val="6A9955"/>
+                </a:solidFill>
+                <a:effectLst/>
+                <a:latin typeface="Cadman Regular"/>
+              </a:rPr>
+              <a:t>HTML Formatting Elements</a:t>
+            </a:r>
+            <a:br>
+              <a:rPr lang="en-IN" b="0" dirty="0">
+                <a:solidFill>
+                  <a:srgbClr val="D4D4D4"/>
+                </a:solidFill>
+                <a:effectLst/>
+                <a:latin typeface="Cadman Regular"/>
+              </a:rPr>
+            </a:br>
+            <a:endParaRPr lang="en-IN" dirty="0"/>
+          </a:p>
+        </p:txBody>
+      </p:sp>
+      <p:sp>
+        <p:nvSpPr>
+          <p:cNvPr id="3" name="Content Placeholder 2">
+            <a:extLst>
+              <a:ext uri="{FF2B5EF4-FFF2-40B4-BE49-F238E27FC236}">
+                <a16:creationId xmlns:a16="http://schemas.microsoft.com/office/drawing/2014/main" id="{49DBFB9C-3D47-484D-B26A-50F606989F14}"/>
+              </a:ext>
+            </a:extLst>
+          </p:cNvPr>
+          <p:cNvSpPr>
+            <a:spLocks noGrp="1"/>
+          </p:cNvSpPr>
+          <p:nvPr>
+            <p:ph idx="1"/>
+          </p:nvPr>
+        </p:nvSpPr>
+        <p:spPr>
+          <a:xfrm>
+            <a:off x="677334" y="1488613"/>
+            <a:ext cx="8596668" cy="3880773"/>
+          </a:xfrm>
+        </p:spPr>
+        <p:txBody>
+          <a:bodyPr>
+            <a:normAutofit/>
+          </a:bodyPr>
+          <a:lstStyle/>
+          <a:p>
+            <a:r>
+              <a:rPr lang="en-IN" sz="1600" b="0" dirty="0">
+                <a:solidFill>
+                  <a:srgbClr val="FF0000"/>
+                </a:solidFill>
+                <a:effectLst/>
+                <a:latin typeface="Cadman Regular"/>
+              </a:rPr>
+              <a:t>&lt;b&gt; - Bold text</a:t>
+            </a:r>
+          </a:p>
+          <a:p>
+            <a:r>
+              <a:rPr lang="en-IN" sz="1600" b="0" dirty="0">
+                <a:solidFill>
+                  <a:srgbClr val="FF0000"/>
+                </a:solidFill>
+                <a:effectLst/>
+                <a:latin typeface="Cadman Regular"/>
+              </a:rPr>
+              <a:t>&lt;strong&gt; - Important text</a:t>
+            </a:r>
+          </a:p>
+          <a:p>
+            <a:r>
+              <a:rPr lang="en-IN" sz="1600" b="0" dirty="0">
+                <a:solidFill>
+                  <a:srgbClr val="FF0000"/>
+                </a:solidFill>
+                <a:effectLst/>
+                <a:latin typeface="Cadman Regular"/>
+              </a:rPr>
+              <a:t>&lt;</a:t>
+            </a:r>
+            <a:r>
+              <a:rPr lang="en-IN" sz="1600" b="0" dirty="0" err="1">
+                <a:solidFill>
+                  <a:srgbClr val="FF0000"/>
+                </a:solidFill>
+                <a:effectLst/>
+                <a:latin typeface="Cadman Regular"/>
+              </a:rPr>
+              <a:t>i</a:t>
+            </a:r>
+            <a:r>
+              <a:rPr lang="en-IN" sz="1600" b="0" dirty="0">
+                <a:solidFill>
+                  <a:srgbClr val="FF0000"/>
+                </a:solidFill>
+                <a:effectLst/>
+                <a:latin typeface="Cadman Regular"/>
+              </a:rPr>
+              <a:t>&gt; - Italic text</a:t>
+            </a:r>
+          </a:p>
+          <a:p>
+            <a:r>
+              <a:rPr lang="en-IN" sz="1600" b="0" dirty="0">
+                <a:solidFill>
+                  <a:srgbClr val="FF0000"/>
+                </a:solidFill>
+                <a:effectLst/>
+                <a:latin typeface="Cadman Regular"/>
+              </a:rPr>
+              <a:t>&lt;</a:t>
+            </a:r>
+            <a:r>
+              <a:rPr lang="en-IN" sz="1600" b="0" dirty="0" err="1">
+                <a:solidFill>
+                  <a:srgbClr val="FF0000"/>
+                </a:solidFill>
+                <a:effectLst/>
+                <a:latin typeface="Cadman Regular"/>
+              </a:rPr>
+              <a:t>em</a:t>
+            </a:r>
+            <a:r>
+              <a:rPr lang="en-IN" sz="1600" b="0" dirty="0">
+                <a:solidFill>
+                  <a:srgbClr val="FF0000"/>
+                </a:solidFill>
+                <a:effectLst/>
+                <a:latin typeface="Cadman Regular"/>
+              </a:rPr>
+              <a:t>&gt; - Emphasized text</a:t>
+            </a:r>
+          </a:p>
+          <a:p>
+            <a:r>
+              <a:rPr lang="en-IN" sz="1600" b="0" dirty="0">
+                <a:solidFill>
+                  <a:srgbClr val="FF0000"/>
+                </a:solidFill>
+                <a:effectLst/>
+                <a:latin typeface="Cadman Regular"/>
+              </a:rPr>
+              <a:t>&lt;mark&gt; - Marked text</a:t>
+            </a:r>
+          </a:p>
+          <a:p>
+            <a:r>
+              <a:rPr lang="en-IN" sz="1600" b="0" dirty="0">
+                <a:solidFill>
+                  <a:srgbClr val="FF0000"/>
+                </a:solidFill>
+                <a:effectLst/>
+                <a:latin typeface="Cadman Regular"/>
+              </a:rPr>
+              <a:t>&lt;small&gt; - Smaller text</a:t>
+            </a:r>
+          </a:p>
+          <a:p>
+            <a:r>
+              <a:rPr lang="en-IN" sz="1600" b="0" dirty="0">
+                <a:solidFill>
+                  <a:srgbClr val="FF0000"/>
+                </a:solidFill>
+                <a:effectLst/>
+                <a:latin typeface="Cadman Regular"/>
+              </a:rPr>
+              <a:t>&lt;del&gt; - Deleted text</a:t>
+            </a:r>
+          </a:p>
+          <a:p>
+            <a:r>
+              <a:rPr lang="en-IN" sz="1600" b="0" dirty="0">
+                <a:solidFill>
+                  <a:srgbClr val="FF0000"/>
+                </a:solidFill>
+                <a:effectLst/>
+                <a:latin typeface="Cadman Regular"/>
+              </a:rPr>
+              <a:t>&lt;ins&gt; - Inserted text</a:t>
+            </a:r>
+          </a:p>
+          <a:p>
+            <a:r>
+              <a:rPr lang="en-IN" sz="1600" b="0" dirty="0">
+                <a:solidFill>
+                  <a:srgbClr val="FF0000"/>
+                </a:solidFill>
+                <a:effectLst/>
+                <a:latin typeface="Cadman Regular"/>
+              </a:rPr>
+              <a:t>&lt;sub&gt; - Subscript text</a:t>
+            </a:r>
+          </a:p>
+          <a:p>
+            <a:r>
+              <a:rPr lang="en-IN" sz="1600" b="0" dirty="0">
+                <a:solidFill>
+                  <a:srgbClr val="FF0000"/>
+                </a:solidFill>
+                <a:effectLst/>
+                <a:latin typeface="Cadman Regular"/>
+              </a:rPr>
+              <a:t>&lt;sup&gt; - Superscript text</a:t>
+            </a:r>
+          </a:p>
+          <a:p>
+            <a:endParaRPr lang="en-IN" sz="1600" dirty="0">
+              <a:solidFill>
+                <a:srgbClr val="FF0000"/>
+              </a:solidFill>
+            </a:endParaRPr>
+          </a:p>
+        </p:txBody>
+      </p:sp>
+    </p:spTree>
+    <p:extLst>
+      <p:ext uri="{BB962C8B-B14F-4D97-AF65-F5344CB8AC3E}">
+        <p14:creationId xmlns:p14="http://schemas.microsoft.com/office/powerpoint/2010/main" val="2449045308"/>
+      </p:ext>
+    </p:extLst>
+  </p:cSld>
+  <p:clrMapOvr>
+    <a:masterClrMapping/>
+  </p:clrMapOvr>
+</p:sld>
+</file>
+
+<file path=ppt/slides/slide18.xml><?xml version="1.0" encoding="utf-8"?>
+<p:sld xmlns:a="http://schemas.openxmlformats.org/drawingml/2006/main" xmlns:r="http://schemas.openxmlformats.org/officeDocument/2006/relationships" xmlns:p="http://schemas.openxmlformats.org/presentationml/2006/main">
+  <p:cSld>
+    <p:spTree>
+      <p:nvGrpSpPr>
+        <p:cNvPr id="1" name=""/>
+        <p:cNvGrpSpPr/>
+        <p:nvPr/>
+      </p:nvGrpSpPr>
+      <p:grpSpPr>
+        <a:xfrm>
+          <a:off x="0" y="0"/>
+          <a:ext cx="0" cy="0"/>
+          <a:chOff x="0" y="0"/>
+          <a:chExt cx="0" cy="0"/>
+        </a:xfrm>
+      </p:grpSpPr>
+      <p:sp>
+        <p:nvSpPr>
+          <p:cNvPr id="2" name="Title 1">
+            <a:extLst>
+              <a:ext uri="{FF2B5EF4-FFF2-40B4-BE49-F238E27FC236}">
+                <a16:creationId xmlns:a16="http://schemas.microsoft.com/office/drawing/2014/main" id="{36179A98-AE6D-4E07-8429-C0BF94AAC21D}"/>
+              </a:ext>
+            </a:extLst>
+          </p:cNvPr>
+          <p:cNvSpPr>
+            <a:spLocks noGrp="1"/>
+          </p:cNvSpPr>
+          <p:nvPr>
+            <p:ph type="title"/>
+          </p:nvPr>
+        </p:nvSpPr>
+        <p:spPr/>
+        <p:txBody>
+          <a:bodyPr>
+            <a:normAutofit/>
+          </a:bodyPr>
+          <a:lstStyle/>
+          <a:p>
+            <a:r>
+              <a:rPr lang="en-IN" b="0" dirty="0">
+                <a:solidFill>
+                  <a:srgbClr val="6A9955"/>
+                </a:solidFill>
+                <a:effectLst/>
+                <a:latin typeface="Cadman Regular"/>
+              </a:rPr>
+              <a:t>HTML Quotation</a:t>
+            </a:r>
+            <a:br>
+              <a:rPr lang="en-IN" b="0" dirty="0">
+                <a:solidFill>
+                  <a:srgbClr val="D4D4D4"/>
+                </a:solidFill>
+                <a:effectLst/>
+                <a:latin typeface="Cadman Regular"/>
+              </a:rPr>
+            </a:br>
+            <a:endParaRPr lang="en-IN" dirty="0"/>
+          </a:p>
+        </p:txBody>
+      </p:sp>
+      <p:sp>
+        <p:nvSpPr>
+          <p:cNvPr id="3" name="Content Placeholder 2">
+            <a:extLst>
+              <a:ext uri="{FF2B5EF4-FFF2-40B4-BE49-F238E27FC236}">
+                <a16:creationId xmlns:a16="http://schemas.microsoft.com/office/drawing/2014/main" id="{A28125FB-336F-4CE0-9FAD-D8C86CE6DF41}"/>
+              </a:ext>
+            </a:extLst>
+          </p:cNvPr>
+          <p:cNvSpPr>
+            <a:spLocks noGrp="1"/>
+          </p:cNvSpPr>
+          <p:nvPr>
+            <p:ph idx="1"/>
+          </p:nvPr>
+        </p:nvSpPr>
+        <p:spPr>
+          <a:xfrm>
+            <a:off x="677334" y="1488613"/>
+            <a:ext cx="8596668" cy="3880773"/>
+          </a:xfrm>
+        </p:spPr>
+        <p:txBody>
+          <a:bodyPr>
+            <a:normAutofit/>
+          </a:bodyPr>
+          <a:lstStyle/>
+          <a:p>
+            <a:r>
+              <a:rPr lang="en-IN" sz="1600" b="0" dirty="0">
+                <a:solidFill>
+                  <a:srgbClr val="FF0000"/>
+                </a:solidFill>
+                <a:effectLst/>
+                <a:latin typeface="Cadman Regular"/>
+              </a:rPr>
+              <a:t>&lt;blockquote&gt;</a:t>
+            </a:r>
+          </a:p>
+          <a:p>
+            <a:r>
+              <a:rPr lang="en-IN" sz="1600" b="0" dirty="0">
+                <a:solidFill>
+                  <a:srgbClr val="FF0000"/>
+                </a:solidFill>
+                <a:effectLst/>
+                <a:latin typeface="Cadman Regular"/>
+              </a:rPr>
+              <a:t>    &lt;q&gt; </a:t>
+            </a:r>
+          </a:p>
+          <a:p>
+            <a:endParaRPr lang="en-IN" sz="1600" dirty="0">
+              <a:solidFill>
+                <a:srgbClr val="FF0000"/>
+              </a:solidFill>
+            </a:endParaRPr>
+          </a:p>
+        </p:txBody>
+      </p:sp>
+    </p:spTree>
+    <p:extLst>
+      <p:ext uri="{BB962C8B-B14F-4D97-AF65-F5344CB8AC3E}">
+        <p14:creationId xmlns:p14="http://schemas.microsoft.com/office/powerpoint/2010/main" val="220545114"/>
+      </p:ext>
+    </p:extLst>
+  </p:cSld>
+  <p:clrMapOvr>
+    <a:masterClrMapping/>
+  </p:clrMapOvr>
+</p:sld>
+</file>
+
+<file path=ppt/slides/slide19.xml><?xml version="1.0" encoding="utf-8"?>
+<p:sld xmlns:a="http://schemas.openxmlformats.org/drawingml/2006/main" xmlns:r="http://schemas.openxmlformats.org/officeDocument/2006/relationships" xmlns:p="http://schemas.openxmlformats.org/presentationml/2006/main">
+  <p:cSld>
+    <p:spTree>
+      <p:nvGrpSpPr>
+        <p:cNvPr id="1" name=""/>
+        <p:cNvGrpSpPr/>
+        <p:nvPr/>
+      </p:nvGrpSpPr>
+      <p:grpSpPr>
+        <a:xfrm>
+          <a:off x="0" y="0"/>
+          <a:ext cx="0" cy="0"/>
+          <a:chOff x="0" y="0"/>
+          <a:chExt cx="0" cy="0"/>
+        </a:xfrm>
+      </p:grpSpPr>
+      <p:sp>
+        <p:nvSpPr>
+          <p:cNvPr id="2" name="Title 1">
+            <a:extLst>
+              <a:ext uri="{FF2B5EF4-FFF2-40B4-BE49-F238E27FC236}">
+                <a16:creationId xmlns:a16="http://schemas.microsoft.com/office/drawing/2014/main" id="{E55CE6F2-3E38-4841-802F-97A5C5622735}"/>
+              </a:ext>
+            </a:extLst>
+          </p:cNvPr>
+          <p:cNvSpPr>
+            <a:spLocks noGrp="1"/>
+          </p:cNvSpPr>
+          <p:nvPr>
+            <p:ph type="title"/>
+          </p:nvPr>
+        </p:nvSpPr>
+        <p:spPr/>
+        <p:txBody>
+          <a:bodyPr>
+            <a:normAutofit/>
+          </a:bodyPr>
+          <a:lstStyle/>
+          <a:p>
+            <a:r>
+              <a:rPr lang="en-IN" b="0" dirty="0">
+                <a:solidFill>
+                  <a:srgbClr val="6A9955"/>
+                </a:solidFill>
+                <a:effectLst/>
+                <a:latin typeface="Cadman Regular"/>
+              </a:rPr>
+              <a:t>HTML Comment Tags</a:t>
+            </a:r>
+            <a:br>
+              <a:rPr lang="en-IN" b="0" dirty="0">
+                <a:solidFill>
+                  <a:srgbClr val="D4D4D4"/>
+                </a:solidFill>
+                <a:effectLst/>
+                <a:latin typeface="Cadman Regular"/>
+              </a:rPr>
+            </a:br>
+            <a:endParaRPr lang="en-IN" dirty="0"/>
+          </a:p>
+        </p:txBody>
+      </p:sp>
+      <p:sp>
+        <p:nvSpPr>
+          <p:cNvPr id="3" name="Content Placeholder 2">
+            <a:extLst>
+              <a:ext uri="{FF2B5EF4-FFF2-40B4-BE49-F238E27FC236}">
+                <a16:creationId xmlns:a16="http://schemas.microsoft.com/office/drawing/2014/main" id="{19A8CECB-2050-4DA6-B80C-78DEF2D46EF1}"/>
+              </a:ext>
+            </a:extLst>
+          </p:cNvPr>
+          <p:cNvSpPr>
+            <a:spLocks noGrp="1"/>
+          </p:cNvSpPr>
+          <p:nvPr>
+            <p:ph idx="1"/>
+          </p:nvPr>
+        </p:nvSpPr>
+        <p:spPr>
+          <a:xfrm>
+            <a:off x="677334" y="1556581"/>
+            <a:ext cx="8596668" cy="3880773"/>
+          </a:xfrm>
+        </p:spPr>
+        <p:txBody>
+          <a:bodyPr>
+            <a:normAutofit/>
+          </a:bodyPr>
+          <a:lstStyle/>
+          <a:p>
+            <a:r>
+              <a:rPr lang="en-IN" sz="1600" b="0" dirty="0">
+                <a:solidFill>
+                  <a:srgbClr val="FF0000"/>
+                </a:solidFill>
+                <a:effectLst/>
+                <a:latin typeface="Cadman Regular"/>
+              </a:rPr>
+              <a:t>&lt;!– this is html comments  --&gt;</a:t>
+            </a:r>
+          </a:p>
+          <a:p>
+            <a:endParaRPr lang="en-IN" sz="1600" dirty="0">
+              <a:solidFill>
+                <a:srgbClr val="FF0000"/>
+              </a:solidFill>
+            </a:endParaRPr>
+          </a:p>
+        </p:txBody>
+      </p:sp>
+    </p:spTree>
+    <p:extLst>
+      <p:ext uri="{BB962C8B-B14F-4D97-AF65-F5344CB8AC3E}">
+        <p14:creationId xmlns:p14="http://schemas.microsoft.com/office/powerpoint/2010/main" val="255984364"/>
       </p:ext>
     </p:extLst>
   </p:cSld>
@@ -6508,165 +9077,12 @@
           <a:chExt cx="0" cy="0"/>
         </a:xfrm>
       </p:grpSpPr>
-      <p:sp useBgFill="1">
-        <p:nvSpPr>
-          <p:cNvPr id="85" name="Rectangle 84">
+      <p:cxnSp>
+        <p:nvCxnSpPr>
+          <p:cNvPr id="71" name="Straight Connector 73">
             <a:extLst>
               <a:ext uri="{FF2B5EF4-FFF2-40B4-BE49-F238E27FC236}">
-                <a16:creationId xmlns:a16="http://schemas.microsoft.com/office/drawing/2014/main" id="{603AE127-802C-459A-A612-DB85B67F0DC0}"/>
-              </a:ext>
-              <a:ext uri="{C183D7F6-B498-43B3-948B-1728B52AA6E4}">
-                <adec:decorative xmlns:adec="http://schemas.microsoft.com/office/drawing/2017/decorative" val="1"/>
-              </a:ext>
-            </a:extLst>
-          </p:cNvPr>
-          <p:cNvSpPr>
-            <a:spLocks noGrp="1" noRot="1" noChangeAspect="1" noMove="1" noResize="1" noEditPoints="1" noAdjustHandles="1" noChangeArrowheads="1" noChangeShapeType="1" noTextEdit="1"/>
-          </p:cNvSpPr>
-          <p:nvPr>
-            <p:extLst>
-              <p:ext uri="{386F3935-93C4-4BCD-93E2-E3B085C9AB24}">
-                <p16:designElem xmlns:p16="http://schemas.microsoft.com/office/powerpoint/2015/main" val="1"/>
-              </p:ext>
-            </p:extLst>
-          </p:nvPr>
-        </p:nvSpPr>
-        <p:spPr>
-          <a:xfrm>
-            <a:off x="0" y="0"/>
-            <a:ext cx="12192000" cy="6858000"/>
-          </a:xfrm>
-          <a:prstGeom prst="rect">
-            <a:avLst/>
-          </a:prstGeom>
-          <a:ln>
-            <a:noFill/>
-          </a:ln>
-        </p:spPr>
-        <p:style>
-          <a:lnRef idx="2">
-            <a:schemeClr val="accent1">
-              <a:shade val="50000"/>
-            </a:schemeClr>
-          </a:lnRef>
-          <a:fillRef idx="1">
-            <a:schemeClr val="accent1"/>
-          </a:fillRef>
-          <a:effectRef idx="0">
-            <a:schemeClr val="accent1"/>
-          </a:effectRef>
-          <a:fontRef idx="minor">
-            <a:schemeClr val="lt1"/>
-          </a:fontRef>
-        </p:style>
-        <p:txBody>
-          <a:bodyPr rtlCol="0" anchor="ctr"/>
-          <a:lstStyle/>
-          <a:p>
-            <a:pPr algn="ctr"/>
-            <a:endParaRPr lang="en-US"/>
-          </a:p>
-        </p:txBody>
-      </p:sp>
-      <p:sp>
-        <p:nvSpPr>
-          <p:cNvPr id="2" name="Title 1">
-            <a:extLst>
-              <a:ext uri="{FF2B5EF4-FFF2-40B4-BE49-F238E27FC236}">
-                <a16:creationId xmlns:a16="http://schemas.microsoft.com/office/drawing/2014/main" id="{0C93FE0B-2812-42D2-83F3-F19AAB95F3C2}"/>
-              </a:ext>
-            </a:extLst>
-          </p:cNvPr>
-          <p:cNvSpPr>
-            <a:spLocks noGrp="1"/>
-          </p:cNvSpPr>
-          <p:nvPr>
-            <p:ph type="title"/>
-          </p:nvPr>
-        </p:nvSpPr>
-        <p:spPr>
-          <a:xfrm>
-            <a:off x="1043950" y="1179151"/>
-            <a:ext cx="3300646" cy="4463889"/>
-          </a:xfrm>
-        </p:spPr>
-        <p:txBody>
-          <a:bodyPr anchor="ctr">
-            <a:normAutofit/>
-          </a:bodyPr>
-          <a:lstStyle/>
-          <a:p>
-            <a:r>
-              <a:rPr lang="en-IN" b="1" dirty="0">
-                <a:latin typeface="Cadman" panose="020B0603020202020004" pitchFamily="34" charset="0"/>
-              </a:rPr>
-              <a:t>Web Design &amp; Development Course</a:t>
-            </a:r>
-          </a:p>
-        </p:txBody>
-      </p:sp>
-      <p:sp>
-        <p:nvSpPr>
-          <p:cNvPr id="87" name="Isosceles Triangle 86">
-            <a:extLst>
-              <a:ext uri="{FF2B5EF4-FFF2-40B4-BE49-F238E27FC236}">
-                <a16:creationId xmlns:a16="http://schemas.microsoft.com/office/drawing/2014/main" id="{9323D83D-50D6-4040-A58B-FCEA340F886A}"/>
-              </a:ext>
-              <a:ext uri="{C183D7F6-B498-43B3-948B-1728B52AA6E4}">
-                <adec:decorative xmlns:adec="http://schemas.microsoft.com/office/drawing/2017/decorative" val="1"/>
-              </a:ext>
-            </a:extLst>
-          </p:cNvPr>
-          <p:cNvSpPr>
-            <a:spLocks noGrp="1" noRot="1" noChangeAspect="1" noMove="1" noResize="1" noEditPoints="1" noAdjustHandles="1" noChangeArrowheads="1" noChangeShapeType="1" noTextEdit="1"/>
-          </p:cNvSpPr>
-          <p:nvPr>
-            <p:extLst>
-              <p:ext uri="{386F3935-93C4-4BCD-93E2-E3B085C9AB24}">
-                <p16:designElem xmlns:p16="http://schemas.microsoft.com/office/powerpoint/2015/main" val="1"/>
-              </p:ext>
-            </p:extLst>
-          </p:nvPr>
-        </p:nvSpPr>
-        <p:spPr>
-          <a:xfrm>
-            <a:off x="0" y="4013200"/>
-            <a:ext cx="448733" cy="2844800"/>
-          </a:xfrm>
-          <a:prstGeom prst="triangle">
-            <a:avLst>
-              <a:gd name="adj" fmla="val 0"/>
-            </a:avLst>
-          </a:prstGeom>
-          <a:solidFill>
-            <a:schemeClr val="accent1"/>
-          </a:solidFill>
-          <a:ln>
-            <a:noFill/>
-          </a:ln>
-          <a:effectLst/>
-        </p:spPr>
-        <p:style>
-          <a:lnRef idx="1">
-            <a:schemeClr val="accent1"/>
-          </a:lnRef>
-          <a:fillRef idx="3">
-            <a:schemeClr val="accent1"/>
-          </a:fillRef>
-          <a:effectRef idx="2">
-            <a:schemeClr val="accent1"/>
-          </a:effectRef>
-          <a:fontRef idx="minor">
-            <a:schemeClr val="lt1"/>
-          </a:fontRef>
-        </p:style>
-      </p:sp>
-      <p:cxnSp>
-        <p:nvCxnSpPr>
-          <p:cNvPr id="89" name="Straight Connector 88">
-            <a:extLst>
-              <a:ext uri="{FF2B5EF4-FFF2-40B4-BE49-F238E27FC236}">
-                <a16:creationId xmlns:a16="http://schemas.microsoft.com/office/drawing/2014/main" id="{1A1FE6BB-DFB2-4080-9B5E-076EF5DDE67B}"/>
+                <a16:creationId xmlns:a16="http://schemas.microsoft.com/office/drawing/2014/main" id="{0B5F7E3B-C5F1-40E0-A491-558BAFBC1127}"/>
               </a:ext>
               <a:ext uri="{C183D7F6-B498-43B3-948B-1728B52AA6E4}">
                 <adec:decorative xmlns:adec="http://schemas.microsoft.com/office/drawing/2017/decorative" val="1"/>
@@ -6686,7 +9102,7 @@
         </p:nvCxnSpPr>
         <p:spPr>
           <a:xfrm>
-            <a:off x="4656670" y="1442595"/>
+            <a:off x="4241804" y="1460500"/>
             <a:ext cx="0" cy="3937000"/>
           </a:xfrm>
           <a:prstGeom prst="line">
@@ -6710,6 +9126,43 @@
       </p:cxnSp>
       <p:sp>
         <p:nvSpPr>
+          <p:cNvPr id="2" name="Title 1">
+            <a:extLst>
+              <a:ext uri="{FF2B5EF4-FFF2-40B4-BE49-F238E27FC236}">
+                <a16:creationId xmlns:a16="http://schemas.microsoft.com/office/drawing/2014/main" id="{0C93FE0B-2812-42D2-83F3-F19AAB95F3C2}"/>
+              </a:ext>
+            </a:extLst>
+          </p:cNvPr>
+          <p:cNvSpPr>
+            <a:spLocks noGrp="1"/>
+          </p:cNvSpPr>
+          <p:nvPr>
+            <p:ph type="title"/>
+          </p:nvPr>
+        </p:nvSpPr>
+        <p:spPr>
+          <a:xfrm>
+            <a:off x="643467" y="816638"/>
+            <a:ext cx="3367359" cy="5224724"/>
+          </a:xfrm>
+        </p:spPr>
+        <p:txBody>
+          <a:bodyPr anchor="ctr">
+            <a:normAutofit/>
+          </a:bodyPr>
+          <a:lstStyle/>
+          <a:p>
+            <a:r>
+              <a:rPr lang="en-IN" b="1" dirty="0">
+                <a:latin typeface="Cadman" panose="020B0603020202020004" pitchFamily="34" charset="0"/>
+              </a:rPr>
+              <a:t>Web Design &amp; Development Course</a:t>
+            </a:r>
+          </a:p>
+        </p:txBody>
+      </p:sp>
+      <p:sp>
+        <p:nvSpPr>
           <p:cNvPr id="69" name="Content Placeholder 2">
             <a:extLst>
               <a:ext uri="{FF2B5EF4-FFF2-40B4-BE49-F238E27FC236}">
@@ -6726,13 +9179,13 @@
         </p:nvSpPr>
         <p:spPr>
           <a:xfrm>
-            <a:off x="4978918" y="1179151"/>
-            <a:ext cx="6341016" cy="4603900"/>
+            <a:off x="4654294" y="816638"/>
+            <a:ext cx="5680941" cy="5224724"/>
           </a:xfrm>
         </p:spPr>
         <p:txBody>
           <a:bodyPr anchor="ctr">
-            <a:noAutofit/>
+            <a:normAutofit/>
           </a:bodyPr>
           <a:lstStyle/>
           <a:p>
@@ -6742,7 +9195,11 @@
               </a:lnSpc>
             </a:pPr>
             <a:r>
-              <a:rPr lang="en-IN" sz="1600" dirty="0"/>
+              <a:rPr lang="en-IN" sz="1500" dirty="0">
+                <a:highlight>
+                  <a:srgbClr val="00FFFF"/>
+                </a:highlight>
+              </a:rPr>
               <a:t>Html5</a:t>
             </a:r>
           </a:p>
@@ -6753,7 +9210,11 @@
               </a:lnSpc>
             </a:pPr>
             <a:r>
-              <a:rPr lang="en-IN" sz="1600" dirty="0"/>
+              <a:rPr lang="en-IN" sz="1500" dirty="0">
+                <a:highlight>
+                  <a:srgbClr val="00FFFF"/>
+                </a:highlight>
+              </a:rPr>
               <a:t>Css3</a:t>
             </a:r>
           </a:p>
@@ -6764,7 +9225,11 @@
               </a:lnSpc>
             </a:pPr>
             <a:r>
-              <a:rPr lang="en-IN" sz="1600" dirty="0"/>
+              <a:rPr lang="en-IN" sz="1500" dirty="0">
+                <a:highlight>
+                  <a:srgbClr val="00FFFF"/>
+                </a:highlight>
+              </a:rPr>
               <a:t>Media Queries</a:t>
             </a:r>
           </a:p>
@@ -6775,8 +9240,12 @@
               </a:lnSpc>
             </a:pPr>
             <a:r>
-              <a:rPr lang="en-IN" sz="1600" dirty="0"/>
-              <a:t>12 Column Custom Grid with Floats</a:t>
+              <a:rPr lang="en-IN" sz="1500" dirty="0">
+                <a:highlight>
+                  <a:srgbClr val="00FFFF"/>
+                </a:highlight>
+              </a:rPr>
+              <a:t>12 Column Custom CSS Grid - Float</a:t>
             </a:r>
           </a:p>
           <a:p>
@@ -6786,7 +9255,11 @@
               </a:lnSpc>
             </a:pPr>
             <a:r>
-              <a:rPr lang="en-IN" sz="1600" dirty="0"/>
+              <a:rPr lang="en-IN" sz="1500" dirty="0">
+                <a:highlight>
+                  <a:srgbClr val="00FFFF"/>
+                </a:highlight>
+              </a:rPr>
               <a:t>Photoshop – (basic)</a:t>
             </a:r>
           </a:p>
@@ -6797,16 +9270,28 @@
               </a:lnSpc>
             </a:pPr>
             <a:r>
-              <a:rPr lang="en-IN" sz="1600" dirty="0"/>
+              <a:rPr lang="en-IN" sz="1500" dirty="0">
+                <a:highlight>
+                  <a:srgbClr val="00FFFF"/>
+                </a:highlight>
+              </a:rPr>
               <a:t>Project – </a:t>
             </a:r>
             <a:r>
-              <a:rPr lang="en-IN" sz="1600" dirty="0" err="1"/>
-              <a:t>Psd</a:t>
-            </a:r>
-            <a:r>
-              <a:rPr lang="en-IN" sz="1600" dirty="0"/>
-              <a:t> to Html Conversion (with floats custom grid)</a:t>
+              <a:rPr lang="en-IN" sz="1500" dirty="0" err="1">
+                <a:highlight>
+                  <a:srgbClr val="00FFFF"/>
+                </a:highlight>
+              </a:rPr>
+              <a:t>psd</a:t>
+            </a:r>
+            <a:r>
+              <a:rPr lang="en-IN" sz="1500" dirty="0">
+                <a:highlight>
+                  <a:srgbClr val="00FFFF"/>
+                </a:highlight>
+              </a:rPr>
+              <a:t> to html - Float</a:t>
             </a:r>
           </a:p>
           <a:p>
@@ -6816,8 +9301,20 @@
               </a:lnSpc>
             </a:pPr>
             <a:r>
-              <a:rPr lang="en-IN" sz="1600" dirty="0"/>
-              <a:t>Flexbox</a:t>
+              <a:rPr lang="en-IN" sz="1500" dirty="0" err="1">
+                <a:highlight>
+                  <a:srgbClr val="00FFFF"/>
+                </a:highlight>
+              </a:rPr>
+              <a:t>Jquery</a:t>
+            </a:r>
+            <a:r>
+              <a:rPr lang="en-IN" sz="1500" dirty="0">
+                <a:highlight>
+                  <a:srgbClr val="00FFFF"/>
+                </a:highlight>
+              </a:rPr>
+              <a:t> - Plugins</a:t>
             </a:r>
           </a:p>
           <a:p>
@@ -6827,8 +9324,12 @@
               </a:lnSpc>
             </a:pPr>
             <a:r>
-              <a:rPr lang="en-IN" sz="1600" dirty="0"/>
-              <a:t>12 Column Custom Grid with Flexbox</a:t>
+              <a:rPr lang="en-IN" sz="1500" dirty="0">
+                <a:highlight>
+                  <a:srgbClr val="FFFF00"/>
+                </a:highlight>
+              </a:rPr>
+              <a:t>Flexbox</a:t>
             </a:r>
           </a:p>
           <a:p>
@@ -6838,16 +9339,12 @@
               </a:lnSpc>
             </a:pPr>
             <a:r>
-              <a:rPr lang="en-IN" sz="1600" dirty="0"/>
-              <a:t>Project – </a:t>
-            </a:r>
-            <a:r>
-              <a:rPr lang="en-IN" sz="1600" dirty="0" err="1"/>
-              <a:t>Psd</a:t>
-            </a:r>
-            <a:r>
-              <a:rPr lang="en-IN" sz="1600" dirty="0"/>
-              <a:t> to Html Conversion (with flexbox custom grid)</a:t>
+              <a:rPr lang="en-IN" sz="1500" dirty="0">
+                <a:highlight>
+                  <a:srgbClr val="FFFF00"/>
+                </a:highlight>
+              </a:rPr>
+              <a:t>12 Column Custom Grid with Flexbox</a:t>
             </a:r>
           </a:p>
           <a:p>
@@ -6857,8 +9354,28 @@
               </a:lnSpc>
             </a:pPr>
             <a:r>
-              <a:rPr lang="en-IN" sz="1600" dirty="0"/>
-              <a:t>Bootstrap 5 – Css Framework</a:t>
+              <a:rPr lang="en-IN" sz="1500" dirty="0">
+                <a:highlight>
+                  <a:srgbClr val="FFFF00"/>
+                </a:highlight>
+              </a:rPr>
+              <a:t>Project – </a:t>
+            </a:r>
+            <a:r>
+              <a:rPr lang="en-IN" sz="1500" dirty="0" err="1">
+                <a:highlight>
+                  <a:srgbClr val="FFFF00"/>
+                </a:highlight>
+              </a:rPr>
+              <a:t>psd</a:t>
+            </a:r>
+            <a:r>
+              <a:rPr lang="en-IN" sz="1500" dirty="0">
+                <a:highlight>
+                  <a:srgbClr val="FFFF00"/>
+                </a:highlight>
+              </a:rPr>
+              <a:t> to html - Flexbox</a:t>
             </a:r>
           </a:p>
           <a:p>
@@ -6868,16 +9385,12 @@
               </a:lnSpc>
             </a:pPr>
             <a:r>
-              <a:rPr lang="en-IN" sz="1600" dirty="0"/>
-              <a:t>Project – </a:t>
-            </a:r>
-            <a:r>
-              <a:rPr lang="en-IN" sz="1600" dirty="0" err="1"/>
-              <a:t>Psd</a:t>
-            </a:r>
-            <a:r>
-              <a:rPr lang="en-IN" sz="1600" dirty="0"/>
-              <a:t> to Bootstrap 5 Conversion</a:t>
+              <a:rPr lang="en-IN" sz="1500" dirty="0">
+                <a:highlight>
+                  <a:srgbClr val="00FF00"/>
+                </a:highlight>
+              </a:rPr>
+              <a:t>Bootstrap 5 – Css Framework</a:t>
             </a:r>
           </a:p>
           <a:p>
@@ -6887,12 +9400,28 @@
               </a:lnSpc>
             </a:pPr>
             <a:r>
-              <a:rPr lang="en-IN" sz="1600" dirty="0" err="1"/>
-              <a:t>Jquery</a:t>
-            </a:r>
-            <a:r>
-              <a:rPr lang="en-IN" sz="1600" dirty="0"/>
-              <a:t> - Plugins</a:t>
+              <a:rPr lang="en-IN" sz="1500" dirty="0">
+                <a:highlight>
+                  <a:srgbClr val="00FF00"/>
+                </a:highlight>
+              </a:rPr>
+              <a:t>Project – </a:t>
+            </a:r>
+            <a:r>
+              <a:rPr lang="en-IN" sz="1500" dirty="0" err="1">
+                <a:highlight>
+                  <a:srgbClr val="00FF00"/>
+                </a:highlight>
+              </a:rPr>
+              <a:t>psd</a:t>
+            </a:r>
+            <a:r>
+              <a:rPr lang="en-IN" sz="1500" dirty="0">
+                <a:highlight>
+                  <a:srgbClr val="00FF00"/>
+                </a:highlight>
+              </a:rPr>
+              <a:t> to html – Bootstrap 5</a:t>
             </a:r>
           </a:p>
           <a:p>
@@ -6902,11 +9431,11 @@
               </a:lnSpc>
             </a:pPr>
             <a:r>
-              <a:rPr lang="en-IN" sz="1600" dirty="0" err="1"/>
+              <a:rPr lang="en-IN" sz="1500" dirty="0" err="1"/>
               <a:t>Javascript</a:t>
             </a:r>
             <a:r>
-              <a:rPr lang="en-IN" sz="1600" dirty="0"/>
+              <a:rPr lang="en-IN" sz="1500" dirty="0"/>
               <a:t> – (fundamentals)</a:t>
             </a:r>
           </a:p>
@@ -6917,72 +9446,2940 @@
               </a:lnSpc>
             </a:pPr>
             <a:r>
-              <a:rPr lang="en-IN" sz="1600" dirty="0"/>
+              <a:rPr lang="en-IN" sz="1500" dirty="0"/>
               <a:t>Firebase Hosting</a:t>
             </a:r>
           </a:p>
         </p:txBody>
       </p:sp>
-      <p:sp>
-        <p:nvSpPr>
-          <p:cNvPr id="91" name="Isosceles Triangle 90">
+    </p:spTree>
+    <p:extLst>
+      <p:ext uri="{BB962C8B-B14F-4D97-AF65-F5344CB8AC3E}">
+        <p14:creationId xmlns:p14="http://schemas.microsoft.com/office/powerpoint/2010/main" val="2881537845"/>
+      </p:ext>
+    </p:extLst>
+  </p:cSld>
+  <p:clrMapOvr>
+    <a:masterClrMapping/>
+  </p:clrMapOvr>
+</p:sld>
+</file>
+
+<file path=ppt/slides/slide20.xml><?xml version="1.0" encoding="utf-8"?>
+<p:sld xmlns:a="http://schemas.openxmlformats.org/drawingml/2006/main" xmlns:r="http://schemas.openxmlformats.org/officeDocument/2006/relationships" xmlns:p="http://schemas.openxmlformats.org/presentationml/2006/main">
+  <p:cSld>
+    <p:spTree>
+      <p:nvGrpSpPr>
+        <p:cNvPr id="1" name=""/>
+        <p:cNvGrpSpPr/>
+        <p:nvPr/>
+      </p:nvGrpSpPr>
+      <p:grpSpPr>
+        <a:xfrm>
+          <a:off x="0" y="0"/>
+          <a:ext cx="0" cy="0"/>
+          <a:chOff x="0" y="0"/>
+          <a:chExt cx="0" cy="0"/>
+        </a:xfrm>
+      </p:grpSpPr>
+      <p:sp>
+        <p:nvSpPr>
+          <p:cNvPr id="2" name="Title 1">
             <a:extLst>
               <a:ext uri="{FF2B5EF4-FFF2-40B4-BE49-F238E27FC236}">
-                <a16:creationId xmlns:a16="http://schemas.microsoft.com/office/drawing/2014/main" id="{F10FD715-4DCE-4779-B634-EC78315EA213}"/>
-              </a:ext>
-              <a:ext uri="{C183D7F6-B498-43B3-948B-1728B52AA6E4}">
-                <adec:decorative xmlns:adec="http://schemas.microsoft.com/office/drawing/2017/decorative" val="1"/>
+                <a16:creationId xmlns:a16="http://schemas.microsoft.com/office/drawing/2014/main" id="{28EF7F25-5D0C-4440-92A5-7056C70C0CCD}"/>
               </a:ext>
             </a:extLst>
           </p:cNvPr>
           <p:cNvSpPr>
-            <a:spLocks noGrp="1" noRot="1" noChangeAspect="1" noMove="1" noResize="1" noEditPoints="1" noAdjustHandles="1" noChangeArrowheads="1" noChangeShapeType="1" noTextEdit="1"/>
-          </p:cNvSpPr>
-          <p:nvPr>
-            <p:extLst>
-              <p:ext uri="{386F3935-93C4-4BCD-93E2-E3B085C9AB24}">
-                <p16:designElem xmlns:p16="http://schemas.microsoft.com/office/powerpoint/2015/main" val="1"/>
-              </p:ext>
-            </p:extLst>
+            <a:spLocks noGrp="1"/>
+          </p:cNvSpPr>
+          <p:nvPr>
+            <p:ph type="title"/>
+          </p:nvPr>
+        </p:nvSpPr>
+        <p:spPr/>
+        <p:txBody>
+          <a:bodyPr>
+            <a:normAutofit/>
+          </a:bodyPr>
+          <a:lstStyle/>
+          <a:p>
+            <a:r>
+              <a:rPr lang="en-IN" b="0" dirty="0">
+                <a:solidFill>
+                  <a:srgbClr val="6A9955"/>
+                </a:solidFill>
+                <a:effectLst/>
+                <a:latin typeface="Cadman Regular"/>
+              </a:rPr>
+              <a:t>HTML Links - Hyperlinks</a:t>
+            </a:r>
+            <a:br>
+              <a:rPr lang="en-IN" b="0" dirty="0">
+                <a:solidFill>
+                  <a:srgbClr val="D4D4D4"/>
+                </a:solidFill>
+                <a:effectLst/>
+                <a:latin typeface="Cadman Regular"/>
+              </a:rPr>
+            </a:br>
+            <a:endParaRPr lang="en-IN" dirty="0"/>
+          </a:p>
+        </p:txBody>
+      </p:sp>
+      <p:sp>
+        <p:nvSpPr>
+          <p:cNvPr id="3" name="Content Placeholder 2">
+            <a:extLst>
+              <a:ext uri="{FF2B5EF4-FFF2-40B4-BE49-F238E27FC236}">
+                <a16:creationId xmlns:a16="http://schemas.microsoft.com/office/drawing/2014/main" id="{49B92F21-EC5F-405C-8D1E-801A06FAEFC6}"/>
+              </a:ext>
+            </a:extLst>
+          </p:cNvPr>
+          <p:cNvSpPr>
+            <a:spLocks noGrp="1"/>
+          </p:cNvSpPr>
+          <p:nvPr>
+            <p:ph idx="1"/>
           </p:nvPr>
         </p:nvSpPr>
         <p:spPr>
-          <a:xfrm rot="10800000" flipH="1">
-            <a:off x="11364139" y="0"/>
-            <a:ext cx="842596" cy="4616289"/>
+          <a:xfrm>
+            <a:off x="677334" y="1488613"/>
+            <a:ext cx="8596668" cy="3880773"/>
           </a:xfrm>
-          <a:prstGeom prst="triangle">
-            <a:avLst>
-              <a:gd name="adj" fmla="val 100000"/>
-            </a:avLst>
-          </a:prstGeom>
-          <a:solidFill>
-            <a:schemeClr val="accent2"/>
-          </a:solidFill>
-          <a:ln>
-            <a:noFill/>
-          </a:ln>
-          <a:effectLst/>
         </p:spPr>
-        <p:style>
-          <a:lnRef idx="1">
-            <a:schemeClr val="accent1"/>
-          </a:lnRef>
-          <a:fillRef idx="3">
-            <a:schemeClr val="accent1"/>
-          </a:fillRef>
-          <a:effectRef idx="2">
-            <a:schemeClr val="accent1"/>
-          </a:effectRef>
-          <a:fontRef idx="minor">
-            <a:schemeClr val="lt1"/>
-          </a:fontRef>
-        </p:style>
+        <p:txBody>
+          <a:bodyPr>
+            <a:normAutofit/>
+          </a:bodyPr>
+          <a:lstStyle/>
+          <a:p>
+            <a:r>
+              <a:rPr lang="en-IN" sz="1600" b="0" dirty="0">
+                <a:solidFill>
+                  <a:srgbClr val="FF0000"/>
+                </a:solidFill>
+                <a:effectLst/>
+                <a:latin typeface="Cadman Regular"/>
+              </a:rPr>
+              <a:t>target - _self _blank</a:t>
+            </a:r>
+          </a:p>
+          <a:p>
+            <a:r>
+              <a:rPr lang="en-IN" sz="1600" b="0" dirty="0" err="1">
+                <a:solidFill>
+                  <a:srgbClr val="FF0000"/>
+                </a:solidFill>
+                <a:effectLst/>
+                <a:latin typeface="Cadman Regular"/>
+              </a:rPr>
+              <a:t>href</a:t>
+            </a:r>
+            <a:r>
+              <a:rPr lang="en-IN" sz="1600" b="0" dirty="0">
+                <a:solidFill>
+                  <a:srgbClr val="FF0000"/>
+                </a:solidFill>
+                <a:effectLst/>
+                <a:latin typeface="Cadman Regular"/>
+              </a:rPr>
+              <a:t> - https://www.youtube.com/channel/UCyVcIanSFREZjACuBEdwmwg</a:t>
+            </a:r>
+          </a:p>
+          <a:p>
+            <a:r>
+              <a:rPr lang="en-IN" sz="1600" b="0" dirty="0" err="1">
+                <a:solidFill>
+                  <a:srgbClr val="FF0000"/>
+                </a:solidFill>
+                <a:effectLst/>
+                <a:latin typeface="Cadman Regular"/>
+              </a:rPr>
+              <a:t>mailto</a:t>
+            </a:r>
+            <a:r>
+              <a:rPr lang="en-IN" sz="1600" b="0" dirty="0">
+                <a:solidFill>
+                  <a:srgbClr val="FF0000"/>
+                </a:solidFill>
+                <a:effectLst/>
+                <a:latin typeface="Cadman Regular"/>
+              </a:rPr>
+              <a:t> - </a:t>
+            </a:r>
+            <a:r>
+              <a:rPr lang="en-IN" sz="1600" b="0" dirty="0" err="1">
+                <a:solidFill>
+                  <a:srgbClr val="FF0000"/>
+                </a:solidFill>
+                <a:effectLst/>
+                <a:latin typeface="Cadman Regular"/>
+              </a:rPr>
+              <a:t>href</a:t>
+            </a:r>
+            <a:r>
+              <a:rPr lang="en-IN" sz="1600" b="0" dirty="0">
+                <a:solidFill>
+                  <a:srgbClr val="FF0000"/>
+                </a:solidFill>
+                <a:effectLst/>
+                <a:latin typeface="Cadman Regular"/>
+              </a:rPr>
+              <a:t>="mailto:someone@example.com"</a:t>
+            </a:r>
+          </a:p>
+        </p:txBody>
       </p:sp>
     </p:spTree>
     <p:extLst>
       <p:ext uri="{BB962C8B-B14F-4D97-AF65-F5344CB8AC3E}">
-        <p14:creationId xmlns:p14="http://schemas.microsoft.com/office/powerpoint/2010/main" val="2881537845"/>
+        <p14:creationId xmlns:p14="http://schemas.microsoft.com/office/powerpoint/2010/main" val="3022885390"/>
+      </p:ext>
+    </p:extLst>
+  </p:cSld>
+  <p:clrMapOvr>
+    <a:masterClrMapping/>
+  </p:clrMapOvr>
+</p:sld>
+</file>
+
+<file path=ppt/slides/slide21.xml><?xml version="1.0" encoding="utf-8"?>
+<p:sld xmlns:a="http://schemas.openxmlformats.org/drawingml/2006/main" xmlns:r="http://schemas.openxmlformats.org/officeDocument/2006/relationships" xmlns:p="http://schemas.openxmlformats.org/presentationml/2006/main">
+  <p:cSld>
+    <p:spTree>
+      <p:nvGrpSpPr>
+        <p:cNvPr id="1" name=""/>
+        <p:cNvGrpSpPr/>
+        <p:nvPr/>
+      </p:nvGrpSpPr>
+      <p:grpSpPr>
+        <a:xfrm>
+          <a:off x="0" y="0"/>
+          <a:ext cx="0" cy="0"/>
+          <a:chOff x="0" y="0"/>
+          <a:chExt cx="0" cy="0"/>
+        </a:xfrm>
+      </p:grpSpPr>
+      <p:sp>
+        <p:nvSpPr>
+          <p:cNvPr id="2" name="Title 1">
+            <a:extLst>
+              <a:ext uri="{FF2B5EF4-FFF2-40B4-BE49-F238E27FC236}">
+                <a16:creationId xmlns:a16="http://schemas.microsoft.com/office/drawing/2014/main" id="{06CEA761-E829-439B-8848-F97AEC19ADBF}"/>
+              </a:ext>
+            </a:extLst>
+          </p:cNvPr>
+          <p:cNvSpPr>
+            <a:spLocks noGrp="1"/>
+          </p:cNvSpPr>
+          <p:nvPr>
+            <p:ph type="title"/>
+          </p:nvPr>
+        </p:nvSpPr>
+        <p:spPr/>
+        <p:txBody>
+          <a:bodyPr>
+            <a:normAutofit/>
+          </a:bodyPr>
+          <a:lstStyle/>
+          <a:p>
+            <a:r>
+              <a:rPr lang="en-IN" b="0" dirty="0">
+                <a:solidFill>
+                  <a:srgbClr val="6A9955"/>
+                </a:solidFill>
+                <a:effectLst/>
+                <a:latin typeface="Cadman Regular"/>
+              </a:rPr>
+              <a:t>HTML images</a:t>
+            </a:r>
+            <a:br>
+              <a:rPr lang="en-IN" b="0" dirty="0">
+                <a:solidFill>
+                  <a:srgbClr val="D4D4D4"/>
+                </a:solidFill>
+                <a:effectLst/>
+                <a:latin typeface="Cadman Regular"/>
+              </a:rPr>
+            </a:br>
+            <a:endParaRPr lang="en-IN" dirty="0"/>
+          </a:p>
+        </p:txBody>
+      </p:sp>
+      <p:sp>
+        <p:nvSpPr>
+          <p:cNvPr id="3" name="Content Placeholder 2">
+            <a:extLst>
+              <a:ext uri="{FF2B5EF4-FFF2-40B4-BE49-F238E27FC236}">
+                <a16:creationId xmlns:a16="http://schemas.microsoft.com/office/drawing/2014/main" id="{9F26CBA9-CBD1-4430-AFDC-0C851308D22B}"/>
+              </a:ext>
+            </a:extLst>
+          </p:cNvPr>
+          <p:cNvSpPr>
+            <a:spLocks noGrp="1"/>
+          </p:cNvSpPr>
+          <p:nvPr>
+            <p:ph idx="1"/>
+          </p:nvPr>
+        </p:nvSpPr>
+        <p:spPr>
+          <a:xfrm>
+            <a:off x="677334" y="1488613"/>
+            <a:ext cx="8596668" cy="3880773"/>
+          </a:xfrm>
+        </p:spPr>
+        <p:txBody>
+          <a:bodyPr>
+            <a:normAutofit/>
+          </a:bodyPr>
+          <a:lstStyle/>
+          <a:p>
+            <a:r>
+              <a:rPr lang="en-IN" sz="1600" b="0" dirty="0" err="1">
+                <a:solidFill>
+                  <a:srgbClr val="FF0000"/>
+                </a:solidFill>
+                <a:effectLst/>
+                <a:latin typeface="Cadman Regular"/>
+              </a:rPr>
+              <a:t>src</a:t>
+            </a:r>
+            <a:endParaRPr lang="en-IN" sz="1600" b="0" dirty="0">
+              <a:solidFill>
+                <a:srgbClr val="FF0000"/>
+              </a:solidFill>
+              <a:effectLst/>
+              <a:latin typeface="Cadman Regular"/>
+            </a:endParaRPr>
+          </a:p>
+          <a:p>
+            <a:r>
+              <a:rPr lang="en-IN" sz="1600" b="0" dirty="0">
+                <a:solidFill>
+                  <a:srgbClr val="FF0000"/>
+                </a:solidFill>
+                <a:effectLst/>
+                <a:latin typeface="Cadman Regular"/>
+              </a:rPr>
+              <a:t>alt</a:t>
+            </a:r>
+          </a:p>
+          <a:p>
+            <a:r>
+              <a:rPr lang="en-IN" sz="1600" b="0" dirty="0">
+                <a:solidFill>
+                  <a:srgbClr val="FF0000"/>
+                </a:solidFill>
+                <a:effectLst/>
+                <a:latin typeface="Cadman Regular"/>
+              </a:rPr>
+              <a:t>width</a:t>
+            </a:r>
+          </a:p>
+          <a:p>
+            <a:r>
+              <a:rPr lang="en-IN" sz="1600" b="0" dirty="0">
+                <a:solidFill>
+                  <a:srgbClr val="FF0000"/>
+                </a:solidFill>
+                <a:effectLst/>
+                <a:latin typeface="Cadman Regular"/>
+              </a:rPr>
+              <a:t>height</a:t>
+            </a:r>
+          </a:p>
+          <a:p>
+            <a:endParaRPr lang="en-IN" sz="1600" dirty="0">
+              <a:solidFill>
+                <a:srgbClr val="FF0000"/>
+              </a:solidFill>
+            </a:endParaRPr>
+          </a:p>
+        </p:txBody>
+      </p:sp>
+    </p:spTree>
+    <p:extLst>
+      <p:ext uri="{BB962C8B-B14F-4D97-AF65-F5344CB8AC3E}">
+        <p14:creationId xmlns:p14="http://schemas.microsoft.com/office/powerpoint/2010/main" val="4210234264"/>
+      </p:ext>
+    </p:extLst>
+  </p:cSld>
+  <p:clrMapOvr>
+    <a:masterClrMapping/>
+  </p:clrMapOvr>
+</p:sld>
+</file>
+
+<file path=ppt/slides/slide22.xml><?xml version="1.0" encoding="utf-8"?>
+<p:sld xmlns:a="http://schemas.openxmlformats.org/drawingml/2006/main" xmlns:r="http://schemas.openxmlformats.org/officeDocument/2006/relationships" xmlns:p="http://schemas.openxmlformats.org/presentationml/2006/main">
+  <p:cSld>
+    <p:spTree>
+      <p:nvGrpSpPr>
+        <p:cNvPr id="1" name=""/>
+        <p:cNvGrpSpPr/>
+        <p:nvPr/>
+      </p:nvGrpSpPr>
+      <p:grpSpPr>
+        <a:xfrm>
+          <a:off x="0" y="0"/>
+          <a:ext cx="0" cy="0"/>
+          <a:chOff x="0" y="0"/>
+          <a:chExt cx="0" cy="0"/>
+        </a:xfrm>
+      </p:grpSpPr>
+      <p:sp>
+        <p:nvSpPr>
+          <p:cNvPr id="2" name="Title 1">
+            <a:extLst>
+              <a:ext uri="{FF2B5EF4-FFF2-40B4-BE49-F238E27FC236}">
+                <a16:creationId xmlns:a16="http://schemas.microsoft.com/office/drawing/2014/main" id="{1C6955D5-644E-4F1F-A2F2-3DCB979580ED}"/>
+              </a:ext>
+            </a:extLst>
+          </p:cNvPr>
+          <p:cNvSpPr>
+            <a:spLocks noGrp="1"/>
+          </p:cNvSpPr>
+          <p:nvPr>
+            <p:ph type="title"/>
+          </p:nvPr>
+        </p:nvSpPr>
+        <p:spPr/>
+        <p:txBody>
+          <a:bodyPr>
+            <a:normAutofit/>
+          </a:bodyPr>
+          <a:lstStyle/>
+          <a:p>
+            <a:r>
+              <a:rPr lang="en-IN" b="0" dirty="0">
+                <a:solidFill>
+                  <a:srgbClr val="6A9955"/>
+                </a:solidFill>
+                <a:effectLst/>
+                <a:latin typeface="Cadman Regular"/>
+              </a:rPr>
+              <a:t>HTML image map</a:t>
+            </a:r>
+            <a:br>
+              <a:rPr lang="en-IN" b="0" dirty="0">
+                <a:solidFill>
+                  <a:srgbClr val="D4D4D4"/>
+                </a:solidFill>
+                <a:effectLst/>
+                <a:latin typeface="Cadman Regular"/>
+              </a:rPr>
+            </a:br>
+            <a:endParaRPr lang="en-IN" dirty="0"/>
+          </a:p>
+        </p:txBody>
+      </p:sp>
+      <p:sp>
+        <p:nvSpPr>
+          <p:cNvPr id="3" name="Content Placeholder 2">
+            <a:extLst>
+              <a:ext uri="{FF2B5EF4-FFF2-40B4-BE49-F238E27FC236}">
+                <a16:creationId xmlns:a16="http://schemas.microsoft.com/office/drawing/2014/main" id="{D2B3E42C-30EB-448B-B1FE-969A43E22188}"/>
+              </a:ext>
+            </a:extLst>
+          </p:cNvPr>
+          <p:cNvSpPr>
+            <a:spLocks noGrp="1"/>
+          </p:cNvSpPr>
+          <p:nvPr>
+            <p:ph idx="1"/>
+          </p:nvPr>
+        </p:nvSpPr>
+        <p:spPr>
+          <a:xfrm>
+            <a:off x="677334" y="1270000"/>
+            <a:ext cx="9565624" cy="3880773"/>
+          </a:xfrm>
+        </p:spPr>
+        <p:txBody>
+          <a:bodyPr>
+            <a:noAutofit/>
+          </a:bodyPr>
+          <a:lstStyle/>
+          <a:p>
+            <a:r>
+              <a:rPr lang="en-IN" sz="1600" b="0" dirty="0">
+                <a:solidFill>
+                  <a:srgbClr val="FF0000"/>
+                </a:solidFill>
+                <a:effectLst/>
+                <a:latin typeface="Cadman Regular"/>
+              </a:rPr>
+              <a:t>&lt;map&gt;</a:t>
+            </a:r>
+          </a:p>
+          <a:p>
+            <a:r>
+              <a:rPr lang="en-IN" sz="1600" b="0" dirty="0">
+                <a:solidFill>
+                  <a:srgbClr val="FF0000"/>
+                </a:solidFill>
+                <a:effectLst/>
+                <a:latin typeface="Cadman Regular"/>
+              </a:rPr>
+              <a:t>&lt;area&gt;</a:t>
+            </a:r>
+          </a:p>
+          <a:p>
+            <a:r>
+              <a:rPr lang="en-IN" sz="1600" b="0" dirty="0" err="1">
+                <a:solidFill>
+                  <a:srgbClr val="FF0000"/>
+                </a:solidFill>
+                <a:effectLst/>
+                <a:latin typeface="Cadman Regular"/>
+              </a:rPr>
+              <a:t>usemap</a:t>
+            </a:r>
+            <a:endParaRPr lang="en-IN" sz="1600" b="0" dirty="0">
+              <a:solidFill>
+                <a:srgbClr val="FF0000"/>
+              </a:solidFill>
+              <a:effectLst/>
+              <a:latin typeface="Cadman Regular"/>
+            </a:endParaRPr>
+          </a:p>
+          <a:p>
+            <a:r>
+              <a:rPr lang="en-IN" sz="1600" b="0" dirty="0">
+                <a:solidFill>
+                  <a:srgbClr val="FF0000"/>
+                </a:solidFill>
+                <a:effectLst/>
+                <a:latin typeface="Cadman Regular"/>
+              </a:rPr>
+              <a:t>The HTML &lt;map&gt; tag defines an image map. An image map is an image with clickable areas. The areas are defined with one or more &lt;area&gt; tags.</a:t>
+            </a:r>
+          </a:p>
+          <a:p>
+            <a:r>
+              <a:rPr lang="en-IN" sz="1600" b="0" dirty="0">
+                <a:solidFill>
+                  <a:srgbClr val="FF0000"/>
+                </a:solidFill>
+                <a:effectLst/>
+                <a:latin typeface="Cadman Regular"/>
+              </a:rPr>
+              <a:t>&lt;</a:t>
+            </a:r>
+            <a:r>
+              <a:rPr lang="en-IN" sz="1600" b="0" dirty="0" err="1">
+                <a:solidFill>
+                  <a:srgbClr val="FF0000"/>
+                </a:solidFill>
+                <a:effectLst/>
+                <a:latin typeface="Cadman Regular"/>
+              </a:rPr>
+              <a:t>img</a:t>
+            </a:r>
+            <a:r>
+              <a:rPr lang="en-IN" sz="1600" b="0" dirty="0">
+                <a:solidFill>
+                  <a:srgbClr val="FF0000"/>
+                </a:solidFill>
+                <a:effectLst/>
+                <a:latin typeface="Cadman Regular"/>
+              </a:rPr>
+              <a:t> </a:t>
+            </a:r>
+            <a:r>
+              <a:rPr lang="en-IN" sz="1600" b="0" dirty="0" err="1">
+                <a:solidFill>
+                  <a:srgbClr val="FF0000"/>
+                </a:solidFill>
+                <a:effectLst/>
+                <a:latin typeface="Cadman Regular"/>
+              </a:rPr>
+              <a:t>src</a:t>
+            </a:r>
+            <a:r>
+              <a:rPr lang="en-IN" sz="1600" b="0" dirty="0">
+                <a:solidFill>
+                  <a:srgbClr val="FF0000"/>
+                </a:solidFill>
+                <a:effectLst/>
+                <a:latin typeface="Cadman Regular"/>
+              </a:rPr>
+              <a:t>="" alt="Workplace" </a:t>
+            </a:r>
+            <a:r>
+              <a:rPr lang="en-IN" sz="1600" b="0" dirty="0" err="1">
+                <a:solidFill>
+                  <a:srgbClr val="FF0000"/>
+                </a:solidFill>
+                <a:effectLst/>
+                <a:latin typeface="Cadman Regular"/>
+              </a:rPr>
+              <a:t>usemap</a:t>
+            </a:r>
+            <a:r>
+              <a:rPr lang="en-IN" sz="1600" b="0" dirty="0">
+                <a:solidFill>
+                  <a:srgbClr val="FF0000"/>
+                </a:solidFill>
+                <a:effectLst/>
+                <a:latin typeface="Cadman Regular"/>
+              </a:rPr>
+              <a:t>="#</a:t>
+            </a:r>
+            <a:r>
+              <a:rPr lang="en-IN" sz="1600" b="0" dirty="0" err="1">
+                <a:solidFill>
+                  <a:srgbClr val="FF0000"/>
+                </a:solidFill>
+                <a:effectLst/>
+                <a:latin typeface="Cadman Regular"/>
+              </a:rPr>
+              <a:t>workmap</a:t>
+            </a:r>
+            <a:r>
+              <a:rPr lang="en-IN" sz="1600" b="0" dirty="0">
+                <a:solidFill>
+                  <a:srgbClr val="FF0000"/>
+                </a:solidFill>
+                <a:effectLst/>
+                <a:latin typeface="Cadman Regular"/>
+              </a:rPr>
+              <a:t>" width="400" height="379"&gt;</a:t>
+            </a:r>
+          </a:p>
+          <a:p>
+            <a:r>
+              <a:rPr lang="en-IN" sz="1600" b="0" dirty="0">
+                <a:solidFill>
+                  <a:srgbClr val="FF0000"/>
+                </a:solidFill>
+                <a:effectLst/>
+                <a:latin typeface="Cadman Regular"/>
+              </a:rPr>
+              <a:t>&lt;map name="</a:t>
+            </a:r>
+            <a:r>
+              <a:rPr lang="en-IN" sz="1600" b="0" dirty="0" err="1">
+                <a:solidFill>
+                  <a:srgbClr val="FF0000"/>
+                </a:solidFill>
+                <a:effectLst/>
+                <a:latin typeface="Cadman Regular"/>
+              </a:rPr>
+              <a:t>workmap</a:t>
+            </a:r>
+            <a:r>
+              <a:rPr lang="en-IN" sz="1600" b="0" dirty="0">
+                <a:solidFill>
+                  <a:srgbClr val="FF0000"/>
+                </a:solidFill>
+                <a:effectLst/>
+                <a:latin typeface="Cadman Regular"/>
+              </a:rPr>
+              <a:t>"&gt;</a:t>
+            </a:r>
+          </a:p>
+          <a:p>
+            <a:r>
+              <a:rPr lang="en-IN" sz="1600" b="0" dirty="0">
+                <a:solidFill>
+                  <a:srgbClr val="FF0000"/>
+                </a:solidFill>
+                <a:effectLst/>
+                <a:latin typeface="Cadman Regular"/>
+              </a:rPr>
+              <a:t>&lt;area shape="</a:t>
+            </a:r>
+            <a:r>
+              <a:rPr lang="en-IN" sz="1600" b="0" dirty="0" err="1">
+                <a:solidFill>
+                  <a:srgbClr val="FF0000"/>
+                </a:solidFill>
+                <a:effectLst/>
+                <a:latin typeface="Cadman Regular"/>
+              </a:rPr>
+              <a:t>rect</a:t>
+            </a:r>
+            <a:r>
+              <a:rPr lang="en-IN" sz="1600" b="0" dirty="0">
+                <a:solidFill>
+                  <a:srgbClr val="FF0000"/>
+                </a:solidFill>
+                <a:effectLst/>
+                <a:latin typeface="Cadman Regular"/>
+              </a:rPr>
+              <a:t>" </a:t>
+            </a:r>
+            <a:r>
+              <a:rPr lang="en-IN" sz="1600" b="0" dirty="0" err="1">
+                <a:solidFill>
+                  <a:srgbClr val="FF0000"/>
+                </a:solidFill>
+                <a:effectLst/>
+                <a:latin typeface="Cadman Regular"/>
+              </a:rPr>
+              <a:t>coords</a:t>
+            </a:r>
+            <a:r>
+              <a:rPr lang="en-IN" sz="1600" b="0" dirty="0">
+                <a:solidFill>
+                  <a:srgbClr val="FF0000"/>
+                </a:solidFill>
+                <a:effectLst/>
+                <a:latin typeface="Cadman Regular"/>
+              </a:rPr>
+              <a:t>="34,44,270,350" alt="Computer" </a:t>
+            </a:r>
+            <a:r>
+              <a:rPr lang="en-IN" sz="1600" b="0" dirty="0" err="1">
+                <a:solidFill>
+                  <a:srgbClr val="FF0000"/>
+                </a:solidFill>
+                <a:effectLst/>
+                <a:latin typeface="Cadman Regular"/>
+              </a:rPr>
+              <a:t>href</a:t>
+            </a:r>
+            <a:r>
+              <a:rPr lang="en-IN" sz="1600" b="0" dirty="0">
+                <a:solidFill>
+                  <a:srgbClr val="FF0000"/>
+                </a:solidFill>
+                <a:effectLst/>
+                <a:latin typeface="Cadman Regular"/>
+              </a:rPr>
+              <a:t>="computer.htm"&gt;</a:t>
+            </a:r>
+          </a:p>
+          <a:p>
+            <a:r>
+              <a:rPr lang="en-IN" sz="1600" b="0" dirty="0">
+                <a:solidFill>
+                  <a:srgbClr val="FF0000"/>
+                </a:solidFill>
+                <a:effectLst/>
+                <a:latin typeface="Cadman Regular"/>
+              </a:rPr>
+              <a:t>&lt;/map&gt;</a:t>
+            </a:r>
+          </a:p>
+          <a:p>
+            <a:r>
+              <a:rPr lang="en-IN" sz="1600" b="0" dirty="0" err="1">
+                <a:solidFill>
+                  <a:srgbClr val="FF0000"/>
+                </a:solidFill>
+                <a:effectLst/>
+                <a:latin typeface="Cadman Regular"/>
+              </a:rPr>
+              <a:t>rect</a:t>
+            </a:r>
+            <a:r>
+              <a:rPr lang="en-IN" sz="1600" b="0" dirty="0">
+                <a:solidFill>
+                  <a:srgbClr val="FF0000"/>
+                </a:solidFill>
+                <a:effectLst/>
+                <a:latin typeface="Cadman Regular"/>
+              </a:rPr>
+              <a:t> - defines a rectangular region</a:t>
+            </a:r>
+          </a:p>
+          <a:p>
+            <a:r>
+              <a:rPr lang="en-IN" sz="1600" b="0" dirty="0">
+                <a:solidFill>
+                  <a:srgbClr val="FF0000"/>
+                </a:solidFill>
+                <a:effectLst/>
+                <a:latin typeface="Cadman Regular"/>
+              </a:rPr>
+              <a:t>circle - defines a circular region</a:t>
+            </a:r>
+          </a:p>
+          <a:p>
+            <a:r>
+              <a:rPr lang="en-IN" sz="1600" b="0" dirty="0">
+                <a:solidFill>
+                  <a:srgbClr val="FF0000"/>
+                </a:solidFill>
+                <a:effectLst/>
+                <a:latin typeface="Cadman Regular"/>
+              </a:rPr>
+              <a:t>poly - defines a polygonal region</a:t>
+            </a:r>
+          </a:p>
+          <a:p>
+            <a:r>
+              <a:rPr lang="en-IN" sz="1600" b="0" dirty="0">
+                <a:solidFill>
+                  <a:srgbClr val="FF0000"/>
+                </a:solidFill>
+                <a:effectLst/>
+                <a:latin typeface="Cadman Regular"/>
+              </a:rPr>
+              <a:t>default - defines the entire region</a:t>
+            </a:r>
+          </a:p>
+          <a:p>
+            <a:r>
+              <a:rPr lang="en-IN" sz="1600" b="0" dirty="0">
+                <a:solidFill>
+                  <a:srgbClr val="FF0000"/>
+                </a:solidFill>
+                <a:effectLst/>
+                <a:latin typeface="Cadman Regular"/>
+              </a:rPr>
+              <a:t>for reference generator - https://www.image-map.net/</a:t>
+            </a:r>
+          </a:p>
+          <a:p>
+            <a:endParaRPr lang="en-IN" sz="1600" dirty="0">
+              <a:solidFill>
+                <a:srgbClr val="FF0000"/>
+              </a:solidFill>
+            </a:endParaRPr>
+          </a:p>
+        </p:txBody>
+      </p:sp>
+    </p:spTree>
+    <p:extLst>
+      <p:ext uri="{BB962C8B-B14F-4D97-AF65-F5344CB8AC3E}">
+        <p14:creationId xmlns:p14="http://schemas.microsoft.com/office/powerpoint/2010/main" val="4248547633"/>
+      </p:ext>
+    </p:extLst>
+  </p:cSld>
+  <p:clrMapOvr>
+    <a:masterClrMapping/>
+  </p:clrMapOvr>
+</p:sld>
+</file>
+
+<file path=ppt/slides/slide23.xml><?xml version="1.0" encoding="utf-8"?>
+<p:sld xmlns:a="http://schemas.openxmlformats.org/drawingml/2006/main" xmlns:r="http://schemas.openxmlformats.org/officeDocument/2006/relationships" xmlns:p="http://schemas.openxmlformats.org/presentationml/2006/main">
+  <p:cSld>
+    <p:spTree>
+      <p:nvGrpSpPr>
+        <p:cNvPr id="1" name=""/>
+        <p:cNvGrpSpPr/>
+        <p:nvPr/>
+      </p:nvGrpSpPr>
+      <p:grpSpPr>
+        <a:xfrm>
+          <a:off x="0" y="0"/>
+          <a:ext cx="0" cy="0"/>
+          <a:chOff x="0" y="0"/>
+          <a:chExt cx="0" cy="0"/>
+        </a:xfrm>
+      </p:grpSpPr>
+      <p:sp>
+        <p:nvSpPr>
+          <p:cNvPr id="2" name="Title 1">
+            <a:extLst>
+              <a:ext uri="{FF2B5EF4-FFF2-40B4-BE49-F238E27FC236}">
+                <a16:creationId xmlns:a16="http://schemas.microsoft.com/office/drawing/2014/main" id="{347729C4-E267-4BB5-AC19-71D8262497F4}"/>
+              </a:ext>
+            </a:extLst>
+          </p:cNvPr>
+          <p:cNvSpPr>
+            <a:spLocks noGrp="1"/>
+          </p:cNvSpPr>
+          <p:nvPr>
+            <p:ph type="title"/>
+          </p:nvPr>
+        </p:nvSpPr>
+        <p:spPr/>
+        <p:txBody>
+          <a:bodyPr>
+            <a:normAutofit/>
+          </a:bodyPr>
+          <a:lstStyle/>
+          <a:p>
+            <a:r>
+              <a:rPr lang="en-IN" b="0" dirty="0">
+                <a:solidFill>
+                  <a:srgbClr val="6A9955"/>
+                </a:solidFill>
+                <a:effectLst/>
+                <a:latin typeface="Cadman Regular"/>
+              </a:rPr>
+              <a:t>HTML tables</a:t>
+            </a:r>
+            <a:br>
+              <a:rPr lang="en-IN" b="0" dirty="0">
+                <a:solidFill>
+                  <a:srgbClr val="D4D4D4"/>
+                </a:solidFill>
+                <a:effectLst/>
+                <a:latin typeface="Cadman Regular"/>
+              </a:rPr>
+            </a:br>
+            <a:endParaRPr lang="en-IN" dirty="0"/>
+          </a:p>
+        </p:txBody>
+      </p:sp>
+      <p:sp>
+        <p:nvSpPr>
+          <p:cNvPr id="3" name="Content Placeholder 2">
+            <a:extLst>
+              <a:ext uri="{FF2B5EF4-FFF2-40B4-BE49-F238E27FC236}">
+                <a16:creationId xmlns:a16="http://schemas.microsoft.com/office/drawing/2014/main" id="{5E4BAD0C-AA04-4DCE-84BD-7586CD712740}"/>
+              </a:ext>
+            </a:extLst>
+          </p:cNvPr>
+          <p:cNvSpPr>
+            <a:spLocks noGrp="1"/>
+          </p:cNvSpPr>
+          <p:nvPr>
+            <p:ph idx="1"/>
+          </p:nvPr>
+        </p:nvSpPr>
+        <p:spPr>
+          <a:xfrm>
+            <a:off x="677334" y="1270000"/>
+            <a:ext cx="8596668" cy="3880773"/>
+          </a:xfrm>
+        </p:spPr>
+        <p:txBody>
+          <a:bodyPr>
+            <a:noAutofit/>
+          </a:bodyPr>
+          <a:lstStyle/>
+          <a:p>
+            <a:r>
+              <a:rPr lang="en-US" sz="1600" b="0" dirty="0" err="1">
+                <a:solidFill>
+                  <a:srgbClr val="FF0000"/>
+                </a:solidFill>
+                <a:effectLst/>
+                <a:latin typeface="Cadman Regular"/>
+              </a:rPr>
+              <a:t>colspan</a:t>
+            </a:r>
+            <a:endParaRPr lang="en-US" sz="1600" b="0" dirty="0">
+              <a:solidFill>
+                <a:srgbClr val="FF0000"/>
+              </a:solidFill>
+              <a:effectLst/>
+              <a:latin typeface="Cadman Regular"/>
+            </a:endParaRPr>
+          </a:p>
+          <a:p>
+            <a:r>
+              <a:rPr lang="en-US" sz="1600" b="0" dirty="0">
+                <a:solidFill>
+                  <a:srgbClr val="FF0000"/>
+                </a:solidFill>
+                <a:effectLst/>
+                <a:latin typeface="Cadman Regular"/>
+              </a:rPr>
+              <a:t>    </a:t>
+            </a:r>
+            <a:r>
+              <a:rPr lang="en-US" sz="1600" b="0" dirty="0" err="1">
+                <a:solidFill>
+                  <a:srgbClr val="FF0000"/>
+                </a:solidFill>
+                <a:effectLst/>
+                <a:latin typeface="Cadman Regular"/>
+              </a:rPr>
+              <a:t>rowspan</a:t>
+            </a:r>
+            <a:endParaRPr lang="en-US" sz="1600" b="0" dirty="0">
+              <a:solidFill>
+                <a:srgbClr val="FF0000"/>
+              </a:solidFill>
+              <a:effectLst/>
+              <a:latin typeface="Cadman Regular"/>
+            </a:endParaRPr>
+          </a:p>
+          <a:p>
+            <a:r>
+              <a:rPr lang="en-US" sz="1600" b="0" dirty="0">
+                <a:solidFill>
+                  <a:srgbClr val="FF0000"/>
+                </a:solidFill>
+                <a:effectLst/>
+                <a:latin typeface="Cadman Regular"/>
+              </a:rPr>
+              <a:t>    &lt;table style="width:100%"&gt;</a:t>
+            </a:r>
+          </a:p>
+          <a:p>
+            <a:r>
+              <a:rPr lang="en-US" sz="1600" b="0" dirty="0">
+                <a:solidFill>
+                  <a:srgbClr val="FF0000"/>
+                </a:solidFill>
+                <a:effectLst/>
+                <a:latin typeface="Cadman Regular"/>
+              </a:rPr>
+              <a:t>        &lt;</a:t>
+            </a:r>
+            <a:r>
+              <a:rPr lang="en-US" sz="1600" b="0" dirty="0" err="1">
+                <a:solidFill>
+                  <a:srgbClr val="FF0000"/>
+                </a:solidFill>
+                <a:effectLst/>
+                <a:latin typeface="Cadman Regular"/>
+              </a:rPr>
+              <a:t>thead</a:t>
+            </a:r>
+            <a:r>
+              <a:rPr lang="en-US" sz="1600" b="0" dirty="0">
+                <a:solidFill>
+                  <a:srgbClr val="FF0000"/>
+                </a:solidFill>
+                <a:effectLst/>
+                <a:latin typeface="Cadman Regular"/>
+              </a:rPr>
+              <a:t>&gt;</a:t>
+            </a:r>
+          </a:p>
+          <a:p>
+            <a:r>
+              <a:rPr lang="en-US" sz="1600" b="0" dirty="0">
+                <a:solidFill>
+                  <a:srgbClr val="FF0000"/>
+                </a:solidFill>
+                <a:effectLst/>
+                <a:latin typeface="Cadman Regular"/>
+              </a:rPr>
+              <a:t>            &lt;tr&gt;</a:t>
+            </a:r>
+          </a:p>
+          <a:p>
+            <a:r>
+              <a:rPr lang="en-US" sz="1600" b="0" dirty="0">
+                <a:solidFill>
+                  <a:srgbClr val="FF0000"/>
+                </a:solidFill>
+                <a:effectLst/>
+                <a:latin typeface="Cadman Regular"/>
+              </a:rPr>
+              <a:t>                &lt;</a:t>
+            </a:r>
+            <a:r>
+              <a:rPr lang="en-US" sz="1600" b="0" dirty="0" err="1">
+                <a:solidFill>
+                  <a:srgbClr val="FF0000"/>
+                </a:solidFill>
+                <a:effectLst/>
+                <a:latin typeface="Cadman Regular"/>
+              </a:rPr>
+              <a:t>th</a:t>
+            </a:r>
+            <a:r>
+              <a:rPr lang="en-US" sz="1600" b="0" dirty="0">
+                <a:solidFill>
+                  <a:srgbClr val="FF0000"/>
+                </a:solidFill>
+                <a:effectLst/>
+                <a:latin typeface="Cadman Regular"/>
+              </a:rPr>
+              <a:t>&gt;</a:t>
+            </a:r>
+            <a:r>
+              <a:rPr lang="en-US" sz="1600" b="0" dirty="0" err="1">
+                <a:solidFill>
+                  <a:srgbClr val="FF0000"/>
+                </a:solidFill>
+                <a:effectLst/>
+                <a:latin typeface="Cadman Regular"/>
+              </a:rPr>
+              <a:t>Firstname</a:t>
+            </a:r>
+            <a:r>
+              <a:rPr lang="en-US" sz="1600" b="0" dirty="0">
+                <a:solidFill>
+                  <a:srgbClr val="FF0000"/>
+                </a:solidFill>
+                <a:effectLst/>
+                <a:latin typeface="Cadman Regular"/>
+              </a:rPr>
+              <a:t>&lt;/</a:t>
+            </a:r>
+            <a:r>
+              <a:rPr lang="en-US" sz="1600" b="0" dirty="0" err="1">
+                <a:solidFill>
+                  <a:srgbClr val="FF0000"/>
+                </a:solidFill>
+                <a:effectLst/>
+                <a:latin typeface="Cadman Regular"/>
+              </a:rPr>
+              <a:t>th</a:t>
+            </a:r>
+            <a:r>
+              <a:rPr lang="en-US" sz="1600" b="0" dirty="0">
+                <a:solidFill>
+                  <a:srgbClr val="FF0000"/>
+                </a:solidFill>
+                <a:effectLst/>
+                <a:latin typeface="Cadman Regular"/>
+              </a:rPr>
+              <a:t>&gt;</a:t>
+            </a:r>
+          </a:p>
+          <a:p>
+            <a:r>
+              <a:rPr lang="en-US" sz="1600" b="0" dirty="0">
+                <a:solidFill>
+                  <a:srgbClr val="FF0000"/>
+                </a:solidFill>
+                <a:effectLst/>
+                <a:latin typeface="Cadman Regular"/>
+              </a:rPr>
+              <a:t>                &lt;</a:t>
+            </a:r>
+            <a:r>
+              <a:rPr lang="en-US" sz="1600" b="0" dirty="0" err="1">
+                <a:solidFill>
+                  <a:srgbClr val="FF0000"/>
+                </a:solidFill>
+                <a:effectLst/>
+                <a:latin typeface="Cadman Regular"/>
+              </a:rPr>
+              <a:t>th</a:t>
+            </a:r>
+            <a:r>
+              <a:rPr lang="en-US" sz="1600" b="0" dirty="0">
+                <a:solidFill>
+                  <a:srgbClr val="FF0000"/>
+                </a:solidFill>
+                <a:effectLst/>
+                <a:latin typeface="Cadman Regular"/>
+              </a:rPr>
+              <a:t>&gt;</a:t>
+            </a:r>
+            <a:r>
+              <a:rPr lang="en-US" sz="1600" b="0" dirty="0" err="1">
+                <a:solidFill>
+                  <a:srgbClr val="FF0000"/>
+                </a:solidFill>
+                <a:effectLst/>
+                <a:latin typeface="Cadman Regular"/>
+              </a:rPr>
+              <a:t>Lastname</a:t>
+            </a:r>
+            <a:r>
+              <a:rPr lang="en-US" sz="1600" b="0" dirty="0">
+                <a:solidFill>
+                  <a:srgbClr val="FF0000"/>
+                </a:solidFill>
+                <a:effectLst/>
+                <a:latin typeface="Cadman Regular"/>
+              </a:rPr>
+              <a:t>&lt;/</a:t>
+            </a:r>
+            <a:r>
+              <a:rPr lang="en-US" sz="1600" b="0" dirty="0" err="1">
+                <a:solidFill>
+                  <a:srgbClr val="FF0000"/>
+                </a:solidFill>
+                <a:effectLst/>
+                <a:latin typeface="Cadman Regular"/>
+              </a:rPr>
+              <a:t>th</a:t>
+            </a:r>
+            <a:r>
+              <a:rPr lang="en-US" sz="1600" b="0" dirty="0">
+                <a:solidFill>
+                  <a:srgbClr val="FF0000"/>
+                </a:solidFill>
+                <a:effectLst/>
+                <a:latin typeface="Cadman Regular"/>
+              </a:rPr>
+              <a:t>&gt;</a:t>
+            </a:r>
+          </a:p>
+          <a:p>
+            <a:r>
+              <a:rPr lang="en-US" sz="1600" b="0" dirty="0">
+                <a:solidFill>
+                  <a:srgbClr val="FF0000"/>
+                </a:solidFill>
+                <a:effectLst/>
+                <a:latin typeface="Cadman Regular"/>
+              </a:rPr>
+              <a:t>                &lt;</a:t>
+            </a:r>
+            <a:r>
+              <a:rPr lang="en-US" sz="1600" b="0" dirty="0" err="1">
+                <a:solidFill>
+                  <a:srgbClr val="FF0000"/>
+                </a:solidFill>
+                <a:effectLst/>
+                <a:latin typeface="Cadman Regular"/>
+              </a:rPr>
+              <a:t>th</a:t>
+            </a:r>
+            <a:r>
+              <a:rPr lang="en-US" sz="1600" b="0" dirty="0">
+                <a:solidFill>
+                  <a:srgbClr val="FF0000"/>
+                </a:solidFill>
+                <a:effectLst/>
+                <a:latin typeface="Cadman Regular"/>
+              </a:rPr>
+              <a:t>&gt;Age&lt;/</a:t>
+            </a:r>
+            <a:r>
+              <a:rPr lang="en-US" sz="1600" b="0" dirty="0" err="1">
+                <a:solidFill>
+                  <a:srgbClr val="FF0000"/>
+                </a:solidFill>
+                <a:effectLst/>
+                <a:latin typeface="Cadman Regular"/>
+              </a:rPr>
+              <a:t>th</a:t>
+            </a:r>
+            <a:r>
+              <a:rPr lang="en-US" sz="1600" b="0" dirty="0">
+                <a:solidFill>
+                  <a:srgbClr val="FF0000"/>
+                </a:solidFill>
+                <a:effectLst/>
+                <a:latin typeface="Cadman Regular"/>
+              </a:rPr>
+              <a:t>&gt;</a:t>
+            </a:r>
+          </a:p>
+          <a:p>
+            <a:r>
+              <a:rPr lang="en-US" sz="1600" b="0" dirty="0">
+                <a:solidFill>
+                  <a:srgbClr val="FF0000"/>
+                </a:solidFill>
+                <a:effectLst/>
+                <a:latin typeface="Cadman Regular"/>
+              </a:rPr>
+              <a:t>            &lt;/tr&gt;</a:t>
+            </a:r>
+          </a:p>
+          <a:p>
+            <a:r>
+              <a:rPr lang="en-US" sz="1600" b="0" dirty="0">
+                <a:solidFill>
+                  <a:srgbClr val="FF0000"/>
+                </a:solidFill>
+                <a:effectLst/>
+                <a:latin typeface="Cadman Regular"/>
+              </a:rPr>
+              <a:t>        &lt;/</a:t>
+            </a:r>
+            <a:r>
+              <a:rPr lang="en-US" sz="1600" b="0" dirty="0" err="1">
+                <a:solidFill>
+                  <a:srgbClr val="FF0000"/>
+                </a:solidFill>
+                <a:effectLst/>
+                <a:latin typeface="Cadman Regular"/>
+              </a:rPr>
+              <a:t>thead</a:t>
+            </a:r>
+            <a:r>
+              <a:rPr lang="en-US" sz="1600" b="0" dirty="0">
+                <a:solidFill>
+                  <a:srgbClr val="FF0000"/>
+                </a:solidFill>
+                <a:effectLst/>
+                <a:latin typeface="Cadman Regular"/>
+              </a:rPr>
+              <a:t>&gt;</a:t>
+            </a:r>
+          </a:p>
+          <a:p>
+            <a:r>
+              <a:rPr lang="en-US" sz="1600" b="0" dirty="0">
+                <a:solidFill>
+                  <a:srgbClr val="FF0000"/>
+                </a:solidFill>
+                <a:effectLst/>
+                <a:latin typeface="Cadman Regular"/>
+              </a:rPr>
+              <a:t>        &lt;</a:t>
+            </a:r>
+            <a:r>
+              <a:rPr lang="en-US" sz="1600" b="0" dirty="0" err="1">
+                <a:solidFill>
+                  <a:srgbClr val="FF0000"/>
+                </a:solidFill>
+                <a:effectLst/>
+                <a:latin typeface="Cadman Regular"/>
+              </a:rPr>
+              <a:t>tbody</a:t>
+            </a:r>
+            <a:r>
+              <a:rPr lang="en-US" sz="1600" b="0" dirty="0">
+                <a:solidFill>
+                  <a:srgbClr val="FF0000"/>
+                </a:solidFill>
+                <a:effectLst/>
+                <a:latin typeface="Cadman Regular"/>
+              </a:rPr>
+              <a:t>&gt;</a:t>
+            </a:r>
+          </a:p>
+          <a:p>
+            <a:r>
+              <a:rPr lang="en-US" sz="1600" b="0" dirty="0">
+                <a:solidFill>
+                  <a:srgbClr val="FF0000"/>
+                </a:solidFill>
+                <a:effectLst/>
+                <a:latin typeface="Cadman Regular"/>
+              </a:rPr>
+              <a:t>            &lt;tr&gt;</a:t>
+            </a:r>
+          </a:p>
+          <a:p>
+            <a:r>
+              <a:rPr lang="en-US" sz="1600" b="0" dirty="0">
+                <a:solidFill>
+                  <a:srgbClr val="FF0000"/>
+                </a:solidFill>
+                <a:effectLst/>
+                <a:latin typeface="Cadman Regular"/>
+              </a:rPr>
+              <a:t>                &lt;td&gt;Jill&lt;/td&gt;</a:t>
+            </a:r>
+          </a:p>
+          <a:p>
+            <a:r>
+              <a:rPr lang="en-US" sz="1600" b="0" dirty="0">
+                <a:solidFill>
+                  <a:srgbClr val="FF0000"/>
+                </a:solidFill>
+                <a:effectLst/>
+                <a:latin typeface="Cadman Regular"/>
+              </a:rPr>
+              <a:t>                &lt;td&gt;Smith&lt;/td&gt;</a:t>
+            </a:r>
+          </a:p>
+          <a:p>
+            <a:r>
+              <a:rPr lang="en-US" sz="1600" b="0" dirty="0">
+                <a:solidFill>
+                  <a:srgbClr val="FF0000"/>
+                </a:solidFill>
+                <a:effectLst/>
+                <a:latin typeface="Cadman Regular"/>
+              </a:rPr>
+              <a:t>                &lt;td&gt;50&lt;/td&gt;</a:t>
+            </a:r>
+          </a:p>
+          <a:p>
+            <a:r>
+              <a:rPr lang="en-US" sz="1600" b="0" dirty="0">
+                <a:solidFill>
+                  <a:srgbClr val="FF0000"/>
+                </a:solidFill>
+                <a:effectLst/>
+                <a:latin typeface="Cadman Regular"/>
+              </a:rPr>
+              <a:t>            &lt;/tr&gt;</a:t>
+            </a:r>
+          </a:p>
+          <a:p>
+            <a:r>
+              <a:rPr lang="en-US" sz="1600" b="0" dirty="0">
+                <a:solidFill>
+                  <a:srgbClr val="FF0000"/>
+                </a:solidFill>
+                <a:effectLst/>
+                <a:latin typeface="Cadman Regular"/>
+              </a:rPr>
+              <a:t>            &lt;tr&gt;</a:t>
+            </a:r>
+          </a:p>
+          <a:p>
+            <a:r>
+              <a:rPr lang="en-US" sz="1600" b="0" dirty="0">
+                <a:solidFill>
+                  <a:srgbClr val="FF0000"/>
+                </a:solidFill>
+                <a:effectLst/>
+                <a:latin typeface="Cadman Regular"/>
+              </a:rPr>
+              <a:t>                &lt;td&gt;Eve&lt;/td&gt;</a:t>
+            </a:r>
+          </a:p>
+          <a:p>
+            <a:r>
+              <a:rPr lang="en-US" sz="1600" b="0" dirty="0">
+                <a:solidFill>
+                  <a:srgbClr val="FF0000"/>
+                </a:solidFill>
+                <a:effectLst/>
+                <a:latin typeface="Cadman Regular"/>
+              </a:rPr>
+              <a:t>                &lt;td&gt;Jackson&lt;/td&gt;</a:t>
+            </a:r>
+          </a:p>
+          <a:p>
+            <a:r>
+              <a:rPr lang="en-US" sz="1600" b="0" dirty="0">
+                <a:solidFill>
+                  <a:srgbClr val="FF0000"/>
+                </a:solidFill>
+                <a:effectLst/>
+                <a:latin typeface="Cadman Regular"/>
+              </a:rPr>
+              <a:t>                &lt;td&gt;94&lt;/td&gt;</a:t>
+            </a:r>
+          </a:p>
+          <a:p>
+            <a:r>
+              <a:rPr lang="en-US" sz="1600" b="0" dirty="0">
+                <a:solidFill>
+                  <a:srgbClr val="FF0000"/>
+                </a:solidFill>
+                <a:effectLst/>
+                <a:latin typeface="Cadman Regular"/>
+              </a:rPr>
+              <a:t>            &lt;/tr&gt;</a:t>
+            </a:r>
+          </a:p>
+          <a:p>
+            <a:r>
+              <a:rPr lang="en-US" sz="1600" b="0" dirty="0">
+                <a:solidFill>
+                  <a:srgbClr val="FF0000"/>
+                </a:solidFill>
+                <a:effectLst/>
+                <a:latin typeface="Cadman Regular"/>
+              </a:rPr>
+              <a:t>        &lt;/</a:t>
+            </a:r>
+            <a:r>
+              <a:rPr lang="en-US" sz="1600" b="0" dirty="0" err="1">
+                <a:solidFill>
+                  <a:srgbClr val="FF0000"/>
+                </a:solidFill>
+                <a:effectLst/>
+                <a:latin typeface="Cadman Regular"/>
+              </a:rPr>
+              <a:t>tbody</a:t>
+            </a:r>
+            <a:r>
+              <a:rPr lang="en-US" sz="1600" b="0" dirty="0">
+                <a:solidFill>
+                  <a:srgbClr val="FF0000"/>
+                </a:solidFill>
+                <a:effectLst/>
+                <a:latin typeface="Cadman Regular"/>
+              </a:rPr>
+              <a:t>&gt;</a:t>
+            </a:r>
+          </a:p>
+          <a:p>
+            <a:r>
+              <a:rPr lang="en-US" sz="1600" b="0" dirty="0">
+                <a:solidFill>
+                  <a:srgbClr val="FF0000"/>
+                </a:solidFill>
+                <a:effectLst/>
+                <a:latin typeface="Cadman Regular"/>
+              </a:rPr>
+              <a:t>&lt;/table&gt;</a:t>
+            </a:r>
+          </a:p>
+          <a:p>
+            <a:endParaRPr lang="en-IN" sz="1600" dirty="0">
+              <a:solidFill>
+                <a:srgbClr val="FF0000"/>
+              </a:solidFill>
+            </a:endParaRPr>
+          </a:p>
+        </p:txBody>
+      </p:sp>
+    </p:spTree>
+    <p:extLst>
+      <p:ext uri="{BB962C8B-B14F-4D97-AF65-F5344CB8AC3E}">
+        <p14:creationId xmlns:p14="http://schemas.microsoft.com/office/powerpoint/2010/main" val="2160357466"/>
+      </p:ext>
+    </p:extLst>
+  </p:cSld>
+  <p:clrMapOvr>
+    <a:masterClrMapping/>
+  </p:clrMapOvr>
+</p:sld>
+</file>
+
+<file path=ppt/slides/slide24.xml><?xml version="1.0" encoding="utf-8"?>
+<p:sld xmlns:a="http://schemas.openxmlformats.org/drawingml/2006/main" xmlns:r="http://schemas.openxmlformats.org/officeDocument/2006/relationships" xmlns:p="http://schemas.openxmlformats.org/presentationml/2006/main">
+  <p:cSld>
+    <p:spTree>
+      <p:nvGrpSpPr>
+        <p:cNvPr id="1" name=""/>
+        <p:cNvGrpSpPr/>
+        <p:nvPr/>
+      </p:nvGrpSpPr>
+      <p:grpSpPr>
+        <a:xfrm>
+          <a:off x="0" y="0"/>
+          <a:ext cx="0" cy="0"/>
+          <a:chOff x="0" y="0"/>
+          <a:chExt cx="0" cy="0"/>
+        </a:xfrm>
+      </p:grpSpPr>
+      <p:sp>
+        <p:nvSpPr>
+          <p:cNvPr id="2" name="Title 1">
+            <a:extLst>
+              <a:ext uri="{FF2B5EF4-FFF2-40B4-BE49-F238E27FC236}">
+                <a16:creationId xmlns:a16="http://schemas.microsoft.com/office/drawing/2014/main" id="{8DE69837-68C3-4DE6-9668-813B1F3E95C8}"/>
+              </a:ext>
+            </a:extLst>
+          </p:cNvPr>
+          <p:cNvSpPr>
+            <a:spLocks noGrp="1"/>
+          </p:cNvSpPr>
+          <p:nvPr>
+            <p:ph type="title"/>
+          </p:nvPr>
+        </p:nvSpPr>
+        <p:spPr/>
+        <p:txBody>
+          <a:bodyPr>
+            <a:normAutofit/>
+          </a:bodyPr>
+          <a:lstStyle/>
+          <a:p>
+            <a:r>
+              <a:rPr lang="en-IN" b="0" dirty="0">
+                <a:solidFill>
+                  <a:srgbClr val="6A9955"/>
+                </a:solidFill>
+                <a:effectLst/>
+                <a:latin typeface="Cadman Regular"/>
+              </a:rPr>
+              <a:t>HTML Lists</a:t>
+            </a:r>
+            <a:br>
+              <a:rPr lang="en-IN" b="0" dirty="0">
+                <a:solidFill>
+                  <a:srgbClr val="D4D4D4"/>
+                </a:solidFill>
+                <a:effectLst/>
+                <a:latin typeface="Cadman Regular"/>
+              </a:rPr>
+            </a:br>
+            <a:endParaRPr lang="en-IN" dirty="0"/>
+          </a:p>
+        </p:txBody>
+      </p:sp>
+      <p:sp>
+        <p:nvSpPr>
+          <p:cNvPr id="3" name="Content Placeholder 2">
+            <a:extLst>
+              <a:ext uri="{FF2B5EF4-FFF2-40B4-BE49-F238E27FC236}">
+                <a16:creationId xmlns:a16="http://schemas.microsoft.com/office/drawing/2014/main" id="{71E6D110-9A5C-4EC2-A430-99E2B1BFA39E}"/>
+              </a:ext>
+            </a:extLst>
+          </p:cNvPr>
+          <p:cNvSpPr>
+            <a:spLocks noGrp="1"/>
+          </p:cNvSpPr>
+          <p:nvPr>
+            <p:ph idx="1"/>
+          </p:nvPr>
+        </p:nvSpPr>
+        <p:spPr>
+          <a:xfrm>
+            <a:off x="677334" y="1488613"/>
+            <a:ext cx="8596668" cy="3880773"/>
+          </a:xfrm>
+        </p:spPr>
+        <p:txBody>
+          <a:bodyPr>
+            <a:normAutofit/>
+          </a:bodyPr>
+          <a:lstStyle/>
+          <a:p>
+            <a:r>
+              <a:rPr lang="it-IT" sz="1600" b="0" dirty="0">
+                <a:solidFill>
+                  <a:srgbClr val="FF0000"/>
+                </a:solidFill>
+                <a:effectLst/>
+                <a:latin typeface="Cadman Regular"/>
+              </a:rPr>
+              <a:t>&lt;ul&gt;</a:t>
+            </a:r>
+          </a:p>
+          <a:p>
+            <a:r>
+              <a:rPr lang="it-IT" sz="1600" b="0" dirty="0">
+                <a:solidFill>
+                  <a:srgbClr val="FF0000"/>
+                </a:solidFill>
+                <a:effectLst/>
+                <a:latin typeface="Cadman Regular"/>
+              </a:rPr>
+              <a:t>  &lt;li&gt;Coffee&lt;/li&gt;</a:t>
+            </a:r>
+          </a:p>
+          <a:p>
+            <a:r>
+              <a:rPr lang="it-IT" sz="1600" b="0" dirty="0">
+                <a:solidFill>
+                  <a:srgbClr val="FF0000"/>
+                </a:solidFill>
+                <a:effectLst/>
+                <a:latin typeface="Cadman Regular"/>
+              </a:rPr>
+              <a:t>  &lt;li&gt;Tea&lt;/li&gt;</a:t>
+            </a:r>
+          </a:p>
+          <a:p>
+            <a:r>
+              <a:rPr lang="it-IT" sz="1600" b="0" dirty="0">
+                <a:solidFill>
+                  <a:srgbClr val="FF0000"/>
+                </a:solidFill>
+                <a:effectLst/>
+                <a:latin typeface="Cadman Regular"/>
+              </a:rPr>
+              <a:t>  &lt;li&gt;Milk&lt;/li&gt;</a:t>
+            </a:r>
+          </a:p>
+          <a:p>
+            <a:r>
+              <a:rPr lang="it-IT" sz="1600" b="0" dirty="0">
+                <a:solidFill>
+                  <a:srgbClr val="FF0000"/>
+                </a:solidFill>
+                <a:effectLst/>
+                <a:latin typeface="Cadman Regular"/>
+              </a:rPr>
+              <a:t>&lt;/ul&gt;</a:t>
+            </a:r>
+          </a:p>
+          <a:p>
+            <a:r>
+              <a:rPr lang="it-IT" sz="1600" b="0" dirty="0">
+                <a:solidFill>
+                  <a:srgbClr val="FF0000"/>
+                </a:solidFill>
+                <a:effectLst/>
+                <a:latin typeface="Cadman Regular"/>
+              </a:rPr>
+              <a:t>&lt;ol&gt;</a:t>
+            </a:r>
+          </a:p>
+          <a:p>
+            <a:r>
+              <a:rPr lang="it-IT" sz="1600" b="0" dirty="0">
+                <a:solidFill>
+                  <a:srgbClr val="FF0000"/>
+                </a:solidFill>
+                <a:effectLst/>
+                <a:latin typeface="Cadman Regular"/>
+              </a:rPr>
+              <a:t>  &lt;li&gt;Coffee&lt;/li&gt;</a:t>
+            </a:r>
+          </a:p>
+          <a:p>
+            <a:r>
+              <a:rPr lang="it-IT" sz="1600" b="0" dirty="0">
+                <a:solidFill>
+                  <a:srgbClr val="FF0000"/>
+                </a:solidFill>
+                <a:effectLst/>
+                <a:latin typeface="Cadman Regular"/>
+              </a:rPr>
+              <a:t>  &lt;li&gt;Tea&lt;/li&gt;</a:t>
+            </a:r>
+          </a:p>
+          <a:p>
+            <a:r>
+              <a:rPr lang="it-IT" sz="1600" b="0" dirty="0">
+                <a:solidFill>
+                  <a:srgbClr val="FF0000"/>
+                </a:solidFill>
+                <a:effectLst/>
+                <a:latin typeface="Cadman Regular"/>
+              </a:rPr>
+              <a:t>  &lt;li&gt;Milk&lt;/li&gt;</a:t>
+            </a:r>
+          </a:p>
+          <a:p>
+            <a:r>
+              <a:rPr lang="it-IT" sz="1600" b="0" dirty="0">
+                <a:solidFill>
+                  <a:srgbClr val="FF0000"/>
+                </a:solidFill>
+                <a:effectLst/>
+                <a:latin typeface="Cadman Regular"/>
+              </a:rPr>
+              <a:t>&lt;/ol&gt;</a:t>
+            </a:r>
+          </a:p>
+          <a:p>
+            <a:endParaRPr lang="en-IN" sz="1600" dirty="0">
+              <a:solidFill>
+                <a:srgbClr val="FF0000"/>
+              </a:solidFill>
+            </a:endParaRPr>
+          </a:p>
+        </p:txBody>
+      </p:sp>
+    </p:spTree>
+    <p:extLst>
+      <p:ext uri="{BB962C8B-B14F-4D97-AF65-F5344CB8AC3E}">
+        <p14:creationId xmlns:p14="http://schemas.microsoft.com/office/powerpoint/2010/main" val="4020521157"/>
+      </p:ext>
+    </p:extLst>
+  </p:cSld>
+  <p:clrMapOvr>
+    <a:masterClrMapping/>
+  </p:clrMapOvr>
+</p:sld>
+</file>
+
+<file path=ppt/slides/slide25.xml><?xml version="1.0" encoding="utf-8"?>
+<p:sld xmlns:a="http://schemas.openxmlformats.org/drawingml/2006/main" xmlns:r="http://schemas.openxmlformats.org/officeDocument/2006/relationships" xmlns:p="http://schemas.openxmlformats.org/presentationml/2006/main">
+  <p:cSld>
+    <p:spTree>
+      <p:nvGrpSpPr>
+        <p:cNvPr id="1" name=""/>
+        <p:cNvGrpSpPr/>
+        <p:nvPr/>
+      </p:nvGrpSpPr>
+      <p:grpSpPr>
+        <a:xfrm>
+          <a:off x="0" y="0"/>
+          <a:ext cx="0" cy="0"/>
+          <a:chOff x="0" y="0"/>
+          <a:chExt cx="0" cy="0"/>
+        </a:xfrm>
+      </p:grpSpPr>
+      <p:sp>
+        <p:nvSpPr>
+          <p:cNvPr id="2" name="Title 1">
+            <a:extLst>
+              <a:ext uri="{FF2B5EF4-FFF2-40B4-BE49-F238E27FC236}">
+                <a16:creationId xmlns:a16="http://schemas.microsoft.com/office/drawing/2014/main" id="{C14DF448-0D52-41FC-B4EB-26C3B2C5BC73}"/>
+              </a:ext>
+            </a:extLst>
+          </p:cNvPr>
+          <p:cNvSpPr>
+            <a:spLocks noGrp="1"/>
+          </p:cNvSpPr>
+          <p:nvPr>
+            <p:ph type="title"/>
+          </p:nvPr>
+        </p:nvSpPr>
+        <p:spPr/>
+        <p:txBody>
+          <a:bodyPr>
+            <a:normAutofit/>
+          </a:bodyPr>
+          <a:lstStyle/>
+          <a:p>
+            <a:r>
+              <a:rPr lang="en-US" b="0" dirty="0">
+                <a:solidFill>
+                  <a:srgbClr val="6A9955"/>
+                </a:solidFill>
+                <a:effectLst/>
+                <a:latin typeface="Cadman Regular"/>
+              </a:rPr>
+              <a:t>HTML Block and Inline Elements</a:t>
+            </a:r>
+            <a:br>
+              <a:rPr lang="en-US" b="0" dirty="0">
+                <a:solidFill>
+                  <a:srgbClr val="D4D4D4"/>
+                </a:solidFill>
+                <a:effectLst/>
+                <a:latin typeface="Cadman Regular"/>
+              </a:rPr>
+            </a:br>
+            <a:endParaRPr lang="en-IN" dirty="0"/>
+          </a:p>
+        </p:txBody>
+      </p:sp>
+      <p:sp>
+        <p:nvSpPr>
+          <p:cNvPr id="3" name="Content Placeholder 2">
+            <a:extLst>
+              <a:ext uri="{FF2B5EF4-FFF2-40B4-BE49-F238E27FC236}">
+                <a16:creationId xmlns:a16="http://schemas.microsoft.com/office/drawing/2014/main" id="{2E8ABDE9-4C54-47BD-A97E-85E87A964F51}"/>
+              </a:ext>
+            </a:extLst>
+          </p:cNvPr>
+          <p:cNvSpPr>
+            <a:spLocks noGrp="1"/>
+          </p:cNvSpPr>
+          <p:nvPr>
+            <p:ph idx="1"/>
+          </p:nvPr>
+        </p:nvSpPr>
+        <p:spPr>
+          <a:xfrm>
+            <a:off x="677334" y="1488613"/>
+            <a:ext cx="9423012" cy="3880773"/>
+          </a:xfrm>
+        </p:spPr>
+        <p:txBody>
+          <a:bodyPr>
+            <a:normAutofit/>
+          </a:bodyPr>
+          <a:lstStyle/>
+          <a:p>
+            <a:r>
+              <a:rPr lang="en-IN" sz="1600" b="0" dirty="0">
+                <a:solidFill>
+                  <a:srgbClr val="6A9955"/>
+                </a:solidFill>
+                <a:effectLst/>
+                <a:latin typeface="Cadman Regular"/>
+              </a:rPr>
+              <a:t>The </a:t>
+            </a:r>
+            <a:r>
+              <a:rPr lang="en-IN" sz="1600" b="0" dirty="0">
+                <a:solidFill>
+                  <a:srgbClr val="FF0000"/>
+                </a:solidFill>
+                <a:effectLst/>
+                <a:latin typeface="Cadman Regular"/>
+              </a:rPr>
+              <a:t>&lt;div&gt; </a:t>
+            </a:r>
+            <a:r>
+              <a:rPr lang="en-IN" sz="1600" b="0" dirty="0">
+                <a:solidFill>
+                  <a:srgbClr val="6A9955"/>
+                </a:solidFill>
+                <a:effectLst/>
+                <a:latin typeface="Cadman Regular"/>
+              </a:rPr>
+              <a:t>element is often used as a container for other HTML elements.</a:t>
+            </a:r>
+            <a:endParaRPr lang="en-IN" sz="1600" b="0" dirty="0">
+              <a:solidFill>
+                <a:srgbClr val="D4D4D4"/>
+              </a:solidFill>
+              <a:effectLst/>
+              <a:latin typeface="Cadman Regular"/>
+            </a:endParaRPr>
+          </a:p>
+          <a:p>
+            <a:r>
+              <a:rPr lang="en-IN" sz="1600" b="0" dirty="0">
+                <a:solidFill>
+                  <a:srgbClr val="6A9955"/>
+                </a:solidFill>
+                <a:effectLst/>
+                <a:latin typeface="Cadman Regular"/>
+              </a:rPr>
+              <a:t>The </a:t>
+            </a:r>
+            <a:r>
+              <a:rPr lang="en-IN" sz="1600" b="0" dirty="0">
+                <a:solidFill>
+                  <a:srgbClr val="FF0000"/>
+                </a:solidFill>
+                <a:effectLst/>
+                <a:latin typeface="Cadman Regular"/>
+              </a:rPr>
+              <a:t>&lt;div&gt; </a:t>
+            </a:r>
+            <a:r>
+              <a:rPr lang="en-IN" sz="1600" b="0" dirty="0">
+                <a:solidFill>
+                  <a:srgbClr val="6A9955"/>
+                </a:solidFill>
+                <a:effectLst/>
+                <a:latin typeface="Cadman Regular"/>
+              </a:rPr>
+              <a:t>element has no required attributes, but style, class and id are common.</a:t>
+            </a:r>
+            <a:endParaRPr lang="en-IN" sz="1600" b="0" dirty="0">
+              <a:solidFill>
+                <a:srgbClr val="D4D4D4"/>
+              </a:solidFill>
+              <a:effectLst/>
+              <a:latin typeface="Cadman Regular"/>
+            </a:endParaRPr>
+          </a:p>
+          <a:p>
+            <a:r>
+              <a:rPr lang="en-IN" sz="1600" b="0" dirty="0">
+                <a:solidFill>
+                  <a:srgbClr val="6A9955"/>
+                </a:solidFill>
+                <a:effectLst/>
+                <a:latin typeface="Cadman Regular"/>
+              </a:rPr>
+              <a:t>The </a:t>
+            </a:r>
+            <a:r>
+              <a:rPr lang="en-IN" sz="1600" b="0" dirty="0">
+                <a:solidFill>
+                  <a:srgbClr val="FF0000"/>
+                </a:solidFill>
+                <a:effectLst/>
+                <a:latin typeface="Cadman Regular"/>
+              </a:rPr>
+              <a:t>&lt;div&gt; </a:t>
+            </a:r>
+            <a:r>
+              <a:rPr lang="en-IN" sz="1600" b="0" dirty="0">
+                <a:solidFill>
+                  <a:srgbClr val="6A9955"/>
+                </a:solidFill>
+                <a:effectLst/>
+                <a:latin typeface="Cadman Regular"/>
+              </a:rPr>
+              <a:t>element is a block-level element.</a:t>
+            </a:r>
+            <a:endParaRPr lang="en-IN" sz="1600" b="0" dirty="0">
+              <a:solidFill>
+                <a:srgbClr val="D4D4D4"/>
+              </a:solidFill>
+              <a:effectLst/>
+              <a:latin typeface="Cadman Regular"/>
+            </a:endParaRPr>
+          </a:p>
+          <a:p>
+            <a:r>
+              <a:rPr lang="en-IN" sz="1600" b="0" dirty="0">
+                <a:solidFill>
+                  <a:srgbClr val="6A9955"/>
+                </a:solidFill>
+                <a:effectLst/>
+                <a:latin typeface="Cadman Regular"/>
+              </a:rPr>
+              <a:t>This is a </a:t>
+            </a:r>
+            <a:r>
+              <a:rPr lang="en-IN" sz="1600" b="0" dirty="0">
+                <a:solidFill>
+                  <a:srgbClr val="FF0000"/>
+                </a:solidFill>
+                <a:effectLst/>
+                <a:latin typeface="Cadman Regular"/>
+              </a:rPr>
+              <a:t>&lt;span&gt; </a:t>
+            </a:r>
+            <a:r>
+              <a:rPr lang="en-IN" sz="1600" b="0" dirty="0">
+                <a:solidFill>
+                  <a:srgbClr val="6A9955"/>
+                </a:solidFill>
+                <a:effectLst/>
+                <a:latin typeface="Cadman Regular"/>
+              </a:rPr>
+              <a:t>element which is inline element.</a:t>
+            </a:r>
+            <a:endParaRPr lang="en-IN" sz="1600" b="0" dirty="0">
+              <a:solidFill>
+                <a:srgbClr val="FF0000"/>
+              </a:solidFill>
+              <a:effectLst/>
+              <a:latin typeface="Cadman Regular"/>
+            </a:endParaRPr>
+          </a:p>
+          <a:p>
+            <a:endParaRPr lang="en-IN" sz="1600" dirty="0"/>
+          </a:p>
+        </p:txBody>
+      </p:sp>
+    </p:spTree>
+    <p:extLst>
+      <p:ext uri="{BB962C8B-B14F-4D97-AF65-F5344CB8AC3E}">
+        <p14:creationId xmlns:p14="http://schemas.microsoft.com/office/powerpoint/2010/main" val="3385529143"/>
+      </p:ext>
+    </p:extLst>
+  </p:cSld>
+  <p:clrMapOvr>
+    <a:masterClrMapping/>
+  </p:clrMapOvr>
+</p:sld>
+</file>
+
+<file path=ppt/slides/slide26.xml><?xml version="1.0" encoding="utf-8"?>
+<p:sld xmlns:a="http://schemas.openxmlformats.org/drawingml/2006/main" xmlns:r="http://schemas.openxmlformats.org/officeDocument/2006/relationships" xmlns:p="http://schemas.openxmlformats.org/presentationml/2006/main">
+  <p:cSld>
+    <p:spTree>
+      <p:nvGrpSpPr>
+        <p:cNvPr id="1" name=""/>
+        <p:cNvGrpSpPr/>
+        <p:nvPr/>
+      </p:nvGrpSpPr>
+      <p:grpSpPr>
+        <a:xfrm>
+          <a:off x="0" y="0"/>
+          <a:ext cx="0" cy="0"/>
+          <a:chOff x="0" y="0"/>
+          <a:chExt cx="0" cy="0"/>
+        </a:xfrm>
+      </p:grpSpPr>
+      <p:sp>
+        <p:nvSpPr>
+          <p:cNvPr id="2" name="Title 1">
+            <a:extLst>
+              <a:ext uri="{FF2B5EF4-FFF2-40B4-BE49-F238E27FC236}">
+                <a16:creationId xmlns:a16="http://schemas.microsoft.com/office/drawing/2014/main" id="{46842DA5-9422-44D2-908B-2E8384A0F60A}"/>
+              </a:ext>
+            </a:extLst>
+          </p:cNvPr>
+          <p:cNvSpPr>
+            <a:spLocks noGrp="1"/>
+          </p:cNvSpPr>
+          <p:nvPr>
+            <p:ph type="title"/>
+          </p:nvPr>
+        </p:nvSpPr>
+        <p:spPr/>
+        <p:txBody>
+          <a:bodyPr>
+            <a:normAutofit/>
+          </a:bodyPr>
+          <a:lstStyle/>
+          <a:p>
+            <a:r>
+              <a:rPr lang="en-IN" b="0" dirty="0">
+                <a:solidFill>
+                  <a:srgbClr val="6A9955"/>
+                </a:solidFill>
+                <a:effectLst/>
+                <a:latin typeface="Cadman Regular"/>
+              </a:rPr>
+              <a:t>HTML iframes</a:t>
+            </a:r>
+            <a:br>
+              <a:rPr lang="en-IN" b="0" dirty="0">
+                <a:solidFill>
+                  <a:srgbClr val="D4D4D4"/>
+                </a:solidFill>
+                <a:effectLst/>
+                <a:latin typeface="Cadman Regular"/>
+              </a:rPr>
+            </a:br>
+            <a:endParaRPr lang="en-IN" dirty="0"/>
+          </a:p>
+        </p:txBody>
+      </p:sp>
+      <p:sp>
+        <p:nvSpPr>
+          <p:cNvPr id="3" name="Content Placeholder 2">
+            <a:extLst>
+              <a:ext uri="{FF2B5EF4-FFF2-40B4-BE49-F238E27FC236}">
+                <a16:creationId xmlns:a16="http://schemas.microsoft.com/office/drawing/2014/main" id="{998273D7-6DB7-4273-915A-81320B319CBD}"/>
+              </a:ext>
+            </a:extLst>
+          </p:cNvPr>
+          <p:cNvSpPr>
+            <a:spLocks noGrp="1"/>
+          </p:cNvSpPr>
+          <p:nvPr>
+            <p:ph idx="1"/>
+          </p:nvPr>
+        </p:nvSpPr>
+        <p:spPr>
+          <a:xfrm>
+            <a:off x="677333" y="1488613"/>
+            <a:ext cx="9087451" cy="3880773"/>
+          </a:xfrm>
+        </p:spPr>
+        <p:txBody>
+          <a:bodyPr>
+            <a:normAutofit/>
+          </a:bodyPr>
+          <a:lstStyle/>
+          <a:p>
+            <a:r>
+              <a:rPr lang="en-US" sz="1600" b="0" dirty="0">
+                <a:solidFill>
+                  <a:srgbClr val="6A9955"/>
+                </a:solidFill>
+                <a:effectLst/>
+                <a:latin typeface="Cadman Regular"/>
+              </a:rPr>
+              <a:t>An HTML </a:t>
+            </a:r>
+            <a:r>
+              <a:rPr lang="en-US" sz="1600" b="0" dirty="0">
+                <a:solidFill>
+                  <a:srgbClr val="FF0000"/>
+                </a:solidFill>
+                <a:effectLst/>
+                <a:latin typeface="Cadman Regular"/>
+              </a:rPr>
+              <a:t>iframe</a:t>
+            </a:r>
+            <a:r>
+              <a:rPr lang="en-US" sz="1600" b="0" dirty="0">
+                <a:solidFill>
+                  <a:srgbClr val="6A9955"/>
+                </a:solidFill>
+                <a:effectLst/>
+                <a:latin typeface="Cadman Regular"/>
+              </a:rPr>
+              <a:t> is used to display a web page or </a:t>
+            </a:r>
+            <a:r>
+              <a:rPr lang="en-US" sz="1600" b="0" dirty="0" err="1">
+                <a:solidFill>
+                  <a:srgbClr val="6A9955"/>
+                </a:solidFill>
+                <a:effectLst/>
+                <a:latin typeface="Cadman Regular"/>
+              </a:rPr>
+              <a:t>youtube</a:t>
+            </a:r>
+            <a:r>
+              <a:rPr lang="en-US" sz="1600" b="0" dirty="0">
+                <a:solidFill>
+                  <a:srgbClr val="6A9955"/>
+                </a:solidFill>
+                <a:effectLst/>
+                <a:latin typeface="Cadman Regular"/>
+              </a:rPr>
+              <a:t> videos or any other outside page within a web page.</a:t>
+            </a:r>
+            <a:endParaRPr lang="en-US" sz="1600" b="0" dirty="0">
+              <a:solidFill>
+                <a:srgbClr val="D4D4D4"/>
+              </a:solidFill>
+              <a:effectLst/>
+              <a:latin typeface="Cadman Regular"/>
+            </a:endParaRPr>
+          </a:p>
+          <a:p>
+            <a:r>
+              <a:rPr lang="en-US" sz="1600" b="0" dirty="0">
+                <a:solidFill>
+                  <a:srgbClr val="6A9955"/>
+                </a:solidFill>
+                <a:effectLst/>
+                <a:latin typeface="Cadman Regular"/>
+              </a:rPr>
+              <a:t>The </a:t>
+            </a:r>
+            <a:r>
+              <a:rPr lang="en-US" sz="1600" b="0" dirty="0" err="1">
+                <a:solidFill>
+                  <a:srgbClr val="FF0000"/>
+                </a:solidFill>
+                <a:effectLst/>
+                <a:latin typeface="Cadman Regular"/>
+              </a:rPr>
+              <a:t>src</a:t>
+            </a:r>
+            <a:r>
+              <a:rPr lang="en-US" sz="1600" b="0" dirty="0">
+                <a:solidFill>
+                  <a:srgbClr val="6A9955"/>
+                </a:solidFill>
+                <a:effectLst/>
+                <a:latin typeface="Cadman Regular"/>
+              </a:rPr>
+              <a:t> attribute defines the URL of the page to embed</a:t>
+            </a:r>
+            <a:endParaRPr lang="en-US" sz="1600" b="0" dirty="0">
+              <a:solidFill>
+                <a:srgbClr val="D4D4D4"/>
+              </a:solidFill>
+              <a:effectLst/>
+              <a:latin typeface="Cadman Regular"/>
+            </a:endParaRPr>
+          </a:p>
+          <a:p>
+            <a:r>
+              <a:rPr lang="en-US" sz="1600" b="0" dirty="0">
+                <a:solidFill>
+                  <a:srgbClr val="6A9955"/>
+                </a:solidFill>
+                <a:effectLst/>
+                <a:latin typeface="Cadman Regular"/>
+              </a:rPr>
+              <a:t>Always include a </a:t>
+            </a:r>
+            <a:r>
+              <a:rPr lang="en-US" sz="1600" b="0" dirty="0">
+                <a:solidFill>
+                  <a:srgbClr val="FF0000"/>
+                </a:solidFill>
+                <a:effectLst/>
+                <a:latin typeface="Cadman Regular"/>
+              </a:rPr>
+              <a:t>title</a:t>
+            </a:r>
+            <a:r>
+              <a:rPr lang="en-US" sz="1600" b="0" dirty="0">
+                <a:solidFill>
+                  <a:srgbClr val="6A9955"/>
+                </a:solidFill>
+                <a:effectLst/>
+                <a:latin typeface="Cadman Regular"/>
+              </a:rPr>
+              <a:t> attribute (for screen readers)</a:t>
+            </a:r>
+            <a:endParaRPr lang="en-US" sz="1600" b="0" dirty="0">
+              <a:solidFill>
+                <a:srgbClr val="D4D4D4"/>
+              </a:solidFill>
+              <a:effectLst/>
+              <a:latin typeface="Cadman Regular"/>
+            </a:endParaRPr>
+          </a:p>
+          <a:p>
+            <a:r>
+              <a:rPr lang="en-US" sz="1600" b="0" dirty="0">
+                <a:solidFill>
+                  <a:srgbClr val="6A9955"/>
+                </a:solidFill>
+                <a:effectLst/>
+                <a:latin typeface="Cadman Regular"/>
+              </a:rPr>
+              <a:t>The </a:t>
+            </a:r>
+            <a:r>
+              <a:rPr lang="en-US" sz="1600" b="0" dirty="0">
+                <a:solidFill>
+                  <a:srgbClr val="FF0000"/>
+                </a:solidFill>
+                <a:effectLst/>
+                <a:latin typeface="Cadman Regular"/>
+              </a:rPr>
+              <a:t>height</a:t>
+            </a:r>
+            <a:r>
+              <a:rPr lang="en-US" sz="1600" b="0" dirty="0">
+                <a:solidFill>
+                  <a:srgbClr val="6A9955"/>
+                </a:solidFill>
+                <a:effectLst/>
+                <a:latin typeface="Cadman Regular"/>
+              </a:rPr>
+              <a:t> and </a:t>
+            </a:r>
+            <a:r>
+              <a:rPr lang="en-US" sz="1600" b="0" dirty="0">
+                <a:solidFill>
+                  <a:srgbClr val="FF0000"/>
+                </a:solidFill>
+                <a:effectLst/>
+                <a:latin typeface="Cadman Regular"/>
+              </a:rPr>
+              <a:t>width</a:t>
+            </a:r>
+            <a:r>
+              <a:rPr lang="en-US" sz="1600" b="0" dirty="0">
+                <a:solidFill>
+                  <a:srgbClr val="6A9955"/>
+                </a:solidFill>
+                <a:effectLst/>
+                <a:latin typeface="Cadman Regular"/>
+              </a:rPr>
+              <a:t> attributes specifies the size of the iframe</a:t>
+            </a:r>
+            <a:endParaRPr lang="en-US" sz="1600" b="0" dirty="0">
+              <a:solidFill>
+                <a:srgbClr val="D4D4D4"/>
+              </a:solidFill>
+              <a:effectLst/>
+              <a:latin typeface="Cadman Regular"/>
+            </a:endParaRPr>
+          </a:p>
+          <a:p>
+            <a:r>
+              <a:rPr lang="en-US" sz="1600" b="0" dirty="0">
+                <a:solidFill>
+                  <a:srgbClr val="6A9955"/>
+                </a:solidFill>
+                <a:effectLst/>
+                <a:latin typeface="Cadman Regular"/>
+              </a:rPr>
+              <a:t>Use </a:t>
+            </a:r>
+            <a:r>
+              <a:rPr lang="en-US" sz="1600" b="0" dirty="0" err="1">
+                <a:solidFill>
+                  <a:srgbClr val="FF0000"/>
+                </a:solidFill>
+                <a:effectLst/>
+                <a:latin typeface="Cadman Regular"/>
+              </a:rPr>
+              <a:t>border:none</a:t>
+            </a:r>
+            <a:r>
+              <a:rPr lang="en-US" sz="1600" b="0" dirty="0">
+                <a:solidFill>
+                  <a:srgbClr val="FF0000"/>
+                </a:solidFill>
+                <a:effectLst/>
+                <a:latin typeface="Cadman Regular"/>
+              </a:rPr>
+              <a:t>;</a:t>
+            </a:r>
+            <a:r>
+              <a:rPr lang="en-US" sz="1600" b="0" dirty="0">
+                <a:solidFill>
+                  <a:srgbClr val="6A9955"/>
+                </a:solidFill>
+                <a:effectLst/>
+                <a:latin typeface="Cadman Regular"/>
+              </a:rPr>
+              <a:t> to remove the border around the iframe</a:t>
+            </a:r>
+            <a:endParaRPr lang="en-US" sz="1600" b="0" dirty="0">
+              <a:solidFill>
+                <a:srgbClr val="D4D4D4"/>
+              </a:solidFill>
+              <a:effectLst/>
+              <a:latin typeface="Cadman Regular"/>
+            </a:endParaRPr>
+          </a:p>
+          <a:p>
+            <a:endParaRPr lang="en-IN" sz="1600" dirty="0"/>
+          </a:p>
+        </p:txBody>
+      </p:sp>
+    </p:spTree>
+    <p:extLst>
+      <p:ext uri="{BB962C8B-B14F-4D97-AF65-F5344CB8AC3E}">
+        <p14:creationId xmlns:p14="http://schemas.microsoft.com/office/powerpoint/2010/main" val="3809668990"/>
+      </p:ext>
+    </p:extLst>
+  </p:cSld>
+  <p:clrMapOvr>
+    <a:masterClrMapping/>
+  </p:clrMapOvr>
+</p:sld>
+</file>
+
+<file path=ppt/slides/slide27.xml><?xml version="1.0" encoding="utf-8"?>
+<p:sld xmlns:a="http://schemas.openxmlformats.org/drawingml/2006/main" xmlns:r="http://schemas.openxmlformats.org/officeDocument/2006/relationships" xmlns:p="http://schemas.openxmlformats.org/presentationml/2006/main">
+  <p:cSld>
+    <p:spTree>
+      <p:nvGrpSpPr>
+        <p:cNvPr id="1" name=""/>
+        <p:cNvGrpSpPr/>
+        <p:nvPr/>
+      </p:nvGrpSpPr>
+      <p:grpSpPr>
+        <a:xfrm>
+          <a:off x="0" y="0"/>
+          <a:ext cx="0" cy="0"/>
+          <a:chOff x="0" y="0"/>
+          <a:chExt cx="0" cy="0"/>
+        </a:xfrm>
+      </p:grpSpPr>
+      <p:sp>
+        <p:nvSpPr>
+          <p:cNvPr id="2" name="Title 1">
+            <a:extLst>
+              <a:ext uri="{FF2B5EF4-FFF2-40B4-BE49-F238E27FC236}">
+                <a16:creationId xmlns:a16="http://schemas.microsoft.com/office/drawing/2014/main" id="{AA0A251E-4353-4BE8-AC15-549DA665452D}"/>
+              </a:ext>
+            </a:extLst>
+          </p:cNvPr>
+          <p:cNvSpPr>
+            <a:spLocks noGrp="1"/>
+          </p:cNvSpPr>
+          <p:nvPr>
+            <p:ph type="title"/>
+          </p:nvPr>
+        </p:nvSpPr>
+        <p:spPr/>
+        <p:txBody>
+          <a:bodyPr>
+            <a:normAutofit/>
+          </a:bodyPr>
+          <a:lstStyle/>
+          <a:p>
+            <a:r>
+              <a:rPr lang="en-IN" b="0" dirty="0">
+                <a:solidFill>
+                  <a:srgbClr val="6A9955"/>
+                </a:solidFill>
+                <a:effectLst/>
+                <a:latin typeface="Cadman Regular"/>
+              </a:rPr>
+              <a:t>HTML Forms</a:t>
+            </a:r>
+            <a:br>
+              <a:rPr lang="en-IN" b="0" dirty="0">
+                <a:solidFill>
+                  <a:srgbClr val="D4D4D4"/>
+                </a:solidFill>
+                <a:effectLst/>
+                <a:latin typeface="Cadman Regular"/>
+              </a:rPr>
+            </a:br>
+            <a:endParaRPr lang="en-IN" dirty="0"/>
+          </a:p>
+        </p:txBody>
+      </p:sp>
+      <p:sp>
+        <p:nvSpPr>
+          <p:cNvPr id="3" name="Content Placeholder 2">
+            <a:extLst>
+              <a:ext uri="{FF2B5EF4-FFF2-40B4-BE49-F238E27FC236}">
+                <a16:creationId xmlns:a16="http://schemas.microsoft.com/office/drawing/2014/main" id="{6B9B820B-885C-49C4-92C3-C775A2A0A307}"/>
+              </a:ext>
+            </a:extLst>
+          </p:cNvPr>
+          <p:cNvSpPr>
+            <a:spLocks noGrp="1"/>
+          </p:cNvSpPr>
+          <p:nvPr>
+            <p:ph idx="1"/>
+          </p:nvPr>
+        </p:nvSpPr>
+        <p:spPr>
+          <a:xfrm>
+            <a:off x="677334" y="1488613"/>
+            <a:ext cx="8596668" cy="3880773"/>
+          </a:xfrm>
+        </p:spPr>
+        <p:txBody>
+          <a:bodyPr>
+            <a:normAutofit/>
+          </a:bodyPr>
+          <a:lstStyle/>
+          <a:p>
+            <a:r>
+              <a:rPr lang="en-US" sz="1600" b="0" dirty="0">
+                <a:solidFill>
+                  <a:srgbClr val="6A9955"/>
+                </a:solidFill>
+                <a:effectLst/>
+                <a:latin typeface="Cadman Regular"/>
+              </a:rPr>
+              <a:t>An HTML </a:t>
+            </a:r>
+            <a:r>
+              <a:rPr lang="en-US" sz="1600" b="0" dirty="0">
+                <a:solidFill>
+                  <a:srgbClr val="FF0000"/>
+                </a:solidFill>
+                <a:effectLst/>
+                <a:latin typeface="Cadman Regular"/>
+              </a:rPr>
+              <a:t>form</a:t>
+            </a:r>
+            <a:r>
+              <a:rPr lang="en-US" sz="1600" b="0" dirty="0">
+                <a:solidFill>
+                  <a:srgbClr val="6A9955"/>
+                </a:solidFill>
+                <a:effectLst/>
+                <a:latin typeface="Cadman Regular"/>
+              </a:rPr>
+              <a:t> is used to collect user input. The user input is most often sent to a server for processing.</a:t>
+            </a:r>
+            <a:endParaRPr lang="en-US" sz="1600" b="0" dirty="0">
+              <a:solidFill>
+                <a:srgbClr val="D4D4D4"/>
+              </a:solidFill>
+              <a:effectLst/>
+              <a:latin typeface="Cadman Regular"/>
+            </a:endParaRPr>
+          </a:p>
+          <a:p>
+            <a:r>
+              <a:rPr lang="en-US" sz="1600" b="0" dirty="0">
+                <a:solidFill>
+                  <a:srgbClr val="FF0000"/>
+                </a:solidFill>
+                <a:effectLst/>
+                <a:latin typeface="Cadman Regular"/>
+              </a:rPr>
+              <a:t>form</a:t>
+            </a:r>
+          </a:p>
+          <a:p>
+            <a:r>
+              <a:rPr lang="en-US" sz="1600" b="0" dirty="0">
+                <a:solidFill>
+                  <a:srgbClr val="FF0000"/>
+                </a:solidFill>
+                <a:effectLst/>
+                <a:latin typeface="Cadman Regular"/>
+              </a:rPr>
+              <a:t>label</a:t>
+            </a:r>
+          </a:p>
+          <a:p>
+            <a:r>
+              <a:rPr lang="en-US" sz="1600" b="0" dirty="0">
+                <a:solidFill>
+                  <a:srgbClr val="FF0000"/>
+                </a:solidFill>
+                <a:effectLst/>
+                <a:latin typeface="Cadman Regular"/>
+              </a:rPr>
+              <a:t>input</a:t>
+            </a:r>
+          </a:p>
+          <a:p>
+            <a:r>
+              <a:rPr lang="en-US" sz="1600" b="0" dirty="0" err="1">
+                <a:solidFill>
+                  <a:srgbClr val="FF0000"/>
+                </a:solidFill>
+                <a:effectLst/>
+                <a:latin typeface="Cadman Regular"/>
+              </a:rPr>
+              <a:t>textarea</a:t>
+            </a:r>
+            <a:r>
+              <a:rPr lang="en-US" sz="1600" b="0" dirty="0">
+                <a:solidFill>
+                  <a:srgbClr val="FF0000"/>
+                </a:solidFill>
+                <a:effectLst/>
+                <a:latin typeface="Cadman Regular"/>
+              </a:rPr>
+              <a:t> - rows cols</a:t>
+            </a:r>
+          </a:p>
+          <a:p>
+            <a:r>
+              <a:rPr lang="en-US" sz="1600" b="0" dirty="0">
+                <a:solidFill>
+                  <a:srgbClr val="FF0000"/>
+                </a:solidFill>
+                <a:effectLst/>
+                <a:latin typeface="Cadman Regular"/>
+              </a:rPr>
+              <a:t>select - option</a:t>
+            </a:r>
+          </a:p>
+          <a:p>
+            <a:endParaRPr lang="en-IN" sz="1600" dirty="0"/>
+          </a:p>
+        </p:txBody>
+      </p:sp>
+    </p:spTree>
+    <p:extLst>
+      <p:ext uri="{BB962C8B-B14F-4D97-AF65-F5344CB8AC3E}">
+        <p14:creationId xmlns:p14="http://schemas.microsoft.com/office/powerpoint/2010/main" val="965735586"/>
+      </p:ext>
+    </p:extLst>
+  </p:cSld>
+  <p:clrMapOvr>
+    <a:masterClrMapping/>
+  </p:clrMapOvr>
+</p:sld>
+</file>
+
+<file path=ppt/slides/slide28.xml><?xml version="1.0" encoding="utf-8"?>
+<p:sld xmlns:a="http://schemas.openxmlformats.org/drawingml/2006/main" xmlns:r="http://schemas.openxmlformats.org/officeDocument/2006/relationships" xmlns:p="http://schemas.openxmlformats.org/presentationml/2006/main">
+  <p:cSld>
+    <p:spTree>
+      <p:nvGrpSpPr>
+        <p:cNvPr id="1" name=""/>
+        <p:cNvGrpSpPr/>
+        <p:nvPr/>
+      </p:nvGrpSpPr>
+      <p:grpSpPr>
+        <a:xfrm>
+          <a:off x="0" y="0"/>
+          <a:ext cx="0" cy="0"/>
+          <a:chOff x="0" y="0"/>
+          <a:chExt cx="0" cy="0"/>
+        </a:xfrm>
+      </p:grpSpPr>
+      <p:sp>
+        <p:nvSpPr>
+          <p:cNvPr id="2" name="Title 1">
+            <a:extLst>
+              <a:ext uri="{FF2B5EF4-FFF2-40B4-BE49-F238E27FC236}">
+                <a16:creationId xmlns:a16="http://schemas.microsoft.com/office/drawing/2014/main" id="{14E1E036-B10D-43CE-B4C3-1C0B541D25B2}"/>
+              </a:ext>
+            </a:extLst>
+          </p:cNvPr>
+          <p:cNvSpPr>
+            <a:spLocks noGrp="1"/>
+          </p:cNvSpPr>
+          <p:nvPr>
+            <p:ph type="title"/>
+          </p:nvPr>
+        </p:nvSpPr>
+        <p:spPr/>
+        <p:txBody>
+          <a:bodyPr/>
+          <a:lstStyle/>
+          <a:p>
+            <a:r>
+              <a:rPr lang="en-IN" dirty="0"/>
+              <a:t>types</a:t>
+            </a:r>
+          </a:p>
+        </p:txBody>
+      </p:sp>
+      <p:sp>
+        <p:nvSpPr>
+          <p:cNvPr id="3" name="Content Placeholder 2">
+            <a:extLst>
+              <a:ext uri="{FF2B5EF4-FFF2-40B4-BE49-F238E27FC236}">
+                <a16:creationId xmlns:a16="http://schemas.microsoft.com/office/drawing/2014/main" id="{32A9CA60-C978-4593-BC84-4B223F471847}"/>
+              </a:ext>
+            </a:extLst>
+          </p:cNvPr>
+          <p:cNvSpPr>
+            <a:spLocks noGrp="1"/>
+          </p:cNvSpPr>
+          <p:nvPr>
+            <p:ph idx="1"/>
+          </p:nvPr>
+        </p:nvSpPr>
+        <p:spPr>
+          <a:xfrm>
+            <a:off x="677334" y="1488613"/>
+            <a:ext cx="8596668" cy="4141370"/>
+          </a:xfrm>
+        </p:spPr>
+        <p:txBody>
+          <a:bodyPr>
+            <a:noAutofit/>
+          </a:bodyPr>
+          <a:lstStyle/>
+          <a:p>
+            <a:r>
+              <a:rPr lang="en-US" sz="1600" b="0" dirty="0">
+                <a:solidFill>
+                  <a:srgbClr val="FF0000"/>
+                </a:solidFill>
+                <a:effectLst/>
+                <a:latin typeface="Cadman Regular"/>
+              </a:rPr>
+              <a:t>checkbox</a:t>
+            </a:r>
+          </a:p>
+          <a:p>
+            <a:r>
+              <a:rPr lang="en-US" sz="1600" b="0" dirty="0">
+                <a:solidFill>
+                  <a:srgbClr val="FF0000"/>
+                </a:solidFill>
+                <a:effectLst/>
+                <a:latin typeface="Cadman Regular"/>
+              </a:rPr>
+              <a:t>radio</a:t>
+            </a:r>
+          </a:p>
+          <a:p>
+            <a:r>
+              <a:rPr lang="en-US" sz="1600" b="0" dirty="0">
+                <a:solidFill>
+                  <a:srgbClr val="FF0000"/>
+                </a:solidFill>
+                <a:effectLst/>
+                <a:latin typeface="Cadman Regular"/>
+              </a:rPr>
+              <a:t>date</a:t>
+            </a:r>
+          </a:p>
+          <a:p>
+            <a:r>
+              <a:rPr lang="en-US" sz="1600" b="0" dirty="0">
+                <a:solidFill>
+                  <a:srgbClr val="FF0000"/>
+                </a:solidFill>
+                <a:effectLst/>
+                <a:latin typeface="Cadman Regular"/>
+              </a:rPr>
+              <a:t>number</a:t>
+            </a:r>
+          </a:p>
+          <a:p>
+            <a:r>
+              <a:rPr lang="en-US" sz="1600" b="0" dirty="0">
+                <a:solidFill>
+                  <a:srgbClr val="FF0000"/>
+                </a:solidFill>
+                <a:effectLst/>
+                <a:latin typeface="Cadman Regular"/>
+              </a:rPr>
+              <a:t>text</a:t>
+            </a:r>
+          </a:p>
+          <a:p>
+            <a:r>
+              <a:rPr lang="en-US" sz="1600" b="0" dirty="0">
+                <a:solidFill>
+                  <a:srgbClr val="FF0000"/>
+                </a:solidFill>
+                <a:effectLst/>
+                <a:latin typeface="Cadman Regular"/>
+              </a:rPr>
+              <a:t>file</a:t>
+            </a:r>
+          </a:p>
+          <a:p>
+            <a:r>
+              <a:rPr lang="en-US" sz="1600" b="0" dirty="0">
+                <a:solidFill>
+                  <a:srgbClr val="FF0000"/>
+                </a:solidFill>
+                <a:effectLst/>
+                <a:latin typeface="Cadman Regular"/>
+              </a:rPr>
+              <a:t>password</a:t>
+            </a:r>
+          </a:p>
+          <a:p>
+            <a:r>
+              <a:rPr lang="en-US" sz="1600" b="0" dirty="0">
+                <a:solidFill>
+                  <a:srgbClr val="FF0000"/>
+                </a:solidFill>
+                <a:effectLst/>
+                <a:latin typeface="Cadman Regular"/>
+              </a:rPr>
+              <a:t>range</a:t>
+            </a:r>
+          </a:p>
+          <a:p>
+            <a:r>
+              <a:rPr lang="en-US" sz="1600" b="0" dirty="0">
+                <a:solidFill>
+                  <a:srgbClr val="FF0000"/>
+                </a:solidFill>
+                <a:effectLst/>
+                <a:latin typeface="Cadman Regular"/>
+              </a:rPr>
+              <a:t>time</a:t>
+            </a:r>
+          </a:p>
+          <a:p>
+            <a:r>
+              <a:rPr lang="en-US" sz="1600" b="0" dirty="0">
+                <a:solidFill>
+                  <a:srgbClr val="FF0000"/>
+                </a:solidFill>
+                <a:effectLst/>
+                <a:latin typeface="Cadman Regular"/>
+              </a:rPr>
+              <a:t>submit</a:t>
+            </a:r>
+          </a:p>
+          <a:p>
+            <a:r>
+              <a:rPr lang="en-US" sz="1600" b="0" dirty="0">
+                <a:solidFill>
+                  <a:srgbClr val="FF0000"/>
+                </a:solidFill>
+                <a:effectLst/>
+                <a:latin typeface="Cadman Regular"/>
+              </a:rPr>
+              <a:t>button</a:t>
+            </a:r>
+          </a:p>
+          <a:p>
+            <a:endParaRPr lang="en-IN" sz="1600" dirty="0">
+              <a:solidFill>
+                <a:srgbClr val="FF0000"/>
+              </a:solidFill>
+            </a:endParaRPr>
+          </a:p>
+        </p:txBody>
+      </p:sp>
+    </p:spTree>
+    <p:extLst>
+      <p:ext uri="{BB962C8B-B14F-4D97-AF65-F5344CB8AC3E}">
+        <p14:creationId xmlns:p14="http://schemas.microsoft.com/office/powerpoint/2010/main" val="3474343380"/>
+      </p:ext>
+    </p:extLst>
+  </p:cSld>
+  <p:clrMapOvr>
+    <a:masterClrMapping/>
+  </p:clrMapOvr>
+</p:sld>
+</file>
+
+<file path=ppt/slides/slide29.xml><?xml version="1.0" encoding="utf-8"?>
+<p:sld xmlns:a="http://schemas.openxmlformats.org/drawingml/2006/main" xmlns:r="http://schemas.openxmlformats.org/officeDocument/2006/relationships" xmlns:p="http://schemas.openxmlformats.org/presentationml/2006/main">
+  <p:cSld>
+    <p:spTree>
+      <p:nvGrpSpPr>
+        <p:cNvPr id="1" name=""/>
+        <p:cNvGrpSpPr/>
+        <p:nvPr/>
+      </p:nvGrpSpPr>
+      <p:grpSpPr>
+        <a:xfrm>
+          <a:off x="0" y="0"/>
+          <a:ext cx="0" cy="0"/>
+          <a:chOff x="0" y="0"/>
+          <a:chExt cx="0" cy="0"/>
+        </a:xfrm>
+      </p:grpSpPr>
+      <p:sp>
+        <p:nvSpPr>
+          <p:cNvPr id="2" name="Title 1">
+            <a:extLst>
+              <a:ext uri="{FF2B5EF4-FFF2-40B4-BE49-F238E27FC236}">
+                <a16:creationId xmlns:a16="http://schemas.microsoft.com/office/drawing/2014/main" id="{423BD360-DB04-45E6-8C20-79929F8DB495}"/>
+              </a:ext>
+            </a:extLst>
+          </p:cNvPr>
+          <p:cNvSpPr>
+            <a:spLocks noGrp="1"/>
+          </p:cNvSpPr>
+          <p:nvPr>
+            <p:ph type="title"/>
+          </p:nvPr>
+        </p:nvSpPr>
+        <p:spPr/>
+        <p:txBody>
+          <a:bodyPr>
+            <a:normAutofit/>
+          </a:bodyPr>
+          <a:lstStyle/>
+          <a:p>
+            <a:r>
+              <a:rPr lang="en-IN" b="0" dirty="0">
+                <a:solidFill>
+                  <a:srgbClr val="6A9955"/>
+                </a:solidFill>
+                <a:effectLst/>
+                <a:latin typeface="Cadman Regular"/>
+              </a:rPr>
+              <a:t>Form &amp; Input attributes</a:t>
+            </a:r>
+            <a:br>
+              <a:rPr lang="en-IN" b="0" dirty="0">
+                <a:solidFill>
+                  <a:srgbClr val="D4D4D4"/>
+                </a:solidFill>
+                <a:effectLst/>
+                <a:latin typeface="Cadman Regular"/>
+              </a:rPr>
+            </a:br>
+            <a:endParaRPr lang="en-IN" dirty="0"/>
+          </a:p>
+        </p:txBody>
+      </p:sp>
+      <p:sp>
+        <p:nvSpPr>
+          <p:cNvPr id="3" name="Content Placeholder 2">
+            <a:extLst>
+              <a:ext uri="{FF2B5EF4-FFF2-40B4-BE49-F238E27FC236}">
+                <a16:creationId xmlns:a16="http://schemas.microsoft.com/office/drawing/2014/main" id="{8D9D00B9-99F8-41DA-A20E-E01E018269E0}"/>
+              </a:ext>
+            </a:extLst>
+          </p:cNvPr>
+          <p:cNvSpPr>
+            <a:spLocks noGrp="1"/>
+          </p:cNvSpPr>
+          <p:nvPr>
+            <p:ph idx="1"/>
+          </p:nvPr>
+        </p:nvSpPr>
+        <p:spPr>
+          <a:xfrm>
+            <a:off x="677334" y="1488613"/>
+            <a:ext cx="8596668" cy="3880773"/>
+          </a:xfrm>
+        </p:spPr>
+        <p:txBody>
+          <a:bodyPr/>
+          <a:lstStyle/>
+          <a:p>
+            <a:r>
+              <a:rPr lang="en-US" b="0" dirty="0">
+                <a:solidFill>
+                  <a:srgbClr val="6A9955"/>
+                </a:solidFill>
+                <a:effectLst/>
+                <a:latin typeface="Cadman Regular"/>
+              </a:rPr>
+              <a:t>Form attributes - </a:t>
+            </a:r>
+            <a:r>
+              <a:rPr lang="en-US" b="0" dirty="0">
+                <a:solidFill>
+                  <a:srgbClr val="FF0000"/>
+                </a:solidFill>
+                <a:effectLst/>
+                <a:latin typeface="Cadman Regular"/>
+              </a:rPr>
+              <a:t>action, method, target, autocomplete</a:t>
+            </a:r>
+          </a:p>
+          <a:p>
+            <a:r>
+              <a:rPr lang="en-US" b="0" dirty="0">
+                <a:solidFill>
+                  <a:srgbClr val="6A9955"/>
+                </a:solidFill>
+                <a:effectLst/>
+                <a:latin typeface="Cadman Regular"/>
+              </a:rPr>
+              <a:t>Input attributes - </a:t>
+            </a:r>
+            <a:r>
+              <a:rPr lang="en-US" b="0" dirty="0">
+                <a:solidFill>
+                  <a:srgbClr val="FF0000"/>
+                </a:solidFill>
+                <a:effectLst/>
+                <a:latin typeface="Cadman Regular"/>
+              </a:rPr>
+              <a:t>value, </a:t>
+            </a:r>
+            <a:r>
+              <a:rPr lang="en-US" b="0" dirty="0" err="1">
+                <a:solidFill>
+                  <a:srgbClr val="FF0000"/>
+                </a:solidFill>
+                <a:effectLst/>
+                <a:latin typeface="Cadman Regular"/>
+              </a:rPr>
+              <a:t>readonly</a:t>
+            </a:r>
+            <a:r>
+              <a:rPr lang="en-US" b="0" dirty="0">
+                <a:solidFill>
+                  <a:srgbClr val="FF0000"/>
+                </a:solidFill>
+                <a:effectLst/>
+                <a:latin typeface="Cadman Regular"/>
+              </a:rPr>
+              <a:t>, disabled, size, </a:t>
+            </a:r>
+            <a:r>
+              <a:rPr lang="en-US" b="0" dirty="0" err="1">
+                <a:solidFill>
+                  <a:srgbClr val="FF0000"/>
+                </a:solidFill>
+                <a:effectLst/>
+                <a:latin typeface="Cadman Regular"/>
+              </a:rPr>
+              <a:t>maxlength</a:t>
+            </a:r>
+            <a:r>
+              <a:rPr lang="en-US" b="0" dirty="0">
+                <a:solidFill>
+                  <a:srgbClr val="FF0000"/>
+                </a:solidFill>
+                <a:effectLst/>
+                <a:latin typeface="Cadman Regular"/>
+              </a:rPr>
+              <a:t>, min, max, multiple with select and file, placeholder, required, height, width,</a:t>
+            </a:r>
+          </a:p>
+        </p:txBody>
+      </p:sp>
+    </p:spTree>
+    <p:extLst>
+      <p:ext uri="{BB962C8B-B14F-4D97-AF65-F5344CB8AC3E}">
+        <p14:creationId xmlns:p14="http://schemas.microsoft.com/office/powerpoint/2010/main" val="3948726633"/>
       </p:ext>
     </p:extLst>
   </p:cSld>
@@ -7206,6 +12603,1800 @@
 </p:sld>
 </file>
 
+<file path=ppt/slides/slide30.xml><?xml version="1.0" encoding="utf-8"?>
+<p:sld xmlns:a="http://schemas.openxmlformats.org/drawingml/2006/main" xmlns:r="http://schemas.openxmlformats.org/officeDocument/2006/relationships" xmlns:p="http://schemas.openxmlformats.org/presentationml/2006/main">
+  <p:cSld>
+    <p:spTree>
+      <p:nvGrpSpPr>
+        <p:cNvPr id="1" name=""/>
+        <p:cNvGrpSpPr/>
+        <p:nvPr/>
+      </p:nvGrpSpPr>
+      <p:grpSpPr>
+        <a:xfrm>
+          <a:off x="0" y="0"/>
+          <a:ext cx="0" cy="0"/>
+          <a:chOff x="0" y="0"/>
+          <a:chExt cx="0" cy="0"/>
+        </a:xfrm>
+      </p:grpSpPr>
+      <p:sp>
+        <p:nvSpPr>
+          <p:cNvPr id="2" name="Title 1">
+            <a:extLst>
+              <a:ext uri="{FF2B5EF4-FFF2-40B4-BE49-F238E27FC236}">
+                <a16:creationId xmlns:a16="http://schemas.microsoft.com/office/drawing/2014/main" id="{29C8E561-A1C4-4A5D-A1F0-299134207B37}"/>
+              </a:ext>
+            </a:extLst>
+          </p:cNvPr>
+          <p:cNvSpPr>
+            <a:spLocks noGrp="1"/>
+          </p:cNvSpPr>
+          <p:nvPr>
+            <p:ph type="title"/>
+          </p:nvPr>
+        </p:nvSpPr>
+        <p:spPr/>
+        <p:txBody>
+          <a:bodyPr>
+            <a:normAutofit fontScale="90000"/>
+          </a:bodyPr>
+          <a:lstStyle/>
+          <a:p>
+            <a:r>
+              <a:rPr lang="en-US" b="0" dirty="0">
+                <a:solidFill>
+                  <a:srgbClr val="6A9955"/>
+                </a:solidFill>
+                <a:effectLst/>
+                <a:latin typeface="Cadman Regular"/>
+              </a:rPr>
+              <a:t>Here are the different input types you     can use in HTML:</a:t>
+            </a:r>
+            <a:br>
+              <a:rPr lang="en-US" b="0" dirty="0">
+                <a:solidFill>
+                  <a:srgbClr val="D4D4D4"/>
+                </a:solidFill>
+                <a:effectLst/>
+                <a:latin typeface="Cadman Regular"/>
+              </a:rPr>
+            </a:br>
+            <a:endParaRPr lang="en-IN" dirty="0"/>
+          </a:p>
+        </p:txBody>
+      </p:sp>
+      <p:sp>
+        <p:nvSpPr>
+          <p:cNvPr id="3" name="Content Placeholder 2">
+            <a:extLst>
+              <a:ext uri="{FF2B5EF4-FFF2-40B4-BE49-F238E27FC236}">
+                <a16:creationId xmlns:a16="http://schemas.microsoft.com/office/drawing/2014/main" id="{95905FCA-733B-4BC4-97D8-FA213B620009}"/>
+              </a:ext>
+            </a:extLst>
+          </p:cNvPr>
+          <p:cNvSpPr>
+            <a:spLocks noGrp="1"/>
+          </p:cNvSpPr>
+          <p:nvPr>
+            <p:ph idx="1"/>
+          </p:nvPr>
+        </p:nvSpPr>
+        <p:spPr>
+          <a:xfrm>
+            <a:off x="677334" y="1692053"/>
+            <a:ext cx="8596668" cy="4920344"/>
+          </a:xfrm>
+        </p:spPr>
+        <p:txBody>
+          <a:bodyPr>
+            <a:noAutofit/>
+          </a:bodyPr>
+          <a:lstStyle/>
+          <a:p>
+            <a:r>
+              <a:rPr lang="en-IN" sz="1600" b="0" dirty="0">
+                <a:solidFill>
+                  <a:srgbClr val="FF0000"/>
+                </a:solidFill>
+                <a:effectLst/>
+                <a:latin typeface="Cadman Regular"/>
+              </a:rPr>
+              <a:t>&lt;input type="button"&gt;</a:t>
+            </a:r>
+          </a:p>
+          <a:p>
+            <a:r>
+              <a:rPr lang="en-IN" sz="1600" b="0" dirty="0">
+                <a:solidFill>
+                  <a:srgbClr val="FF0000"/>
+                </a:solidFill>
+                <a:effectLst/>
+                <a:latin typeface="Cadman Regular"/>
+              </a:rPr>
+              <a:t>&lt;input type="checkbox"&gt;</a:t>
+            </a:r>
+          </a:p>
+          <a:p>
+            <a:r>
+              <a:rPr lang="en-IN" sz="1600" b="0" dirty="0">
+                <a:solidFill>
+                  <a:srgbClr val="FF0000"/>
+                </a:solidFill>
+                <a:effectLst/>
+                <a:latin typeface="Cadman Regular"/>
+              </a:rPr>
+              <a:t>&lt;input type="color"&gt;</a:t>
+            </a:r>
+          </a:p>
+          <a:p>
+            <a:r>
+              <a:rPr lang="en-IN" sz="1600" b="0" dirty="0">
+                <a:solidFill>
+                  <a:srgbClr val="FF0000"/>
+                </a:solidFill>
+                <a:effectLst/>
+                <a:latin typeface="Cadman Regular"/>
+              </a:rPr>
+              <a:t>&lt;input type="date"&gt;</a:t>
+            </a:r>
+          </a:p>
+          <a:p>
+            <a:r>
+              <a:rPr lang="en-IN" sz="1600" b="0" dirty="0">
+                <a:solidFill>
+                  <a:srgbClr val="FF0000"/>
+                </a:solidFill>
+                <a:effectLst/>
+                <a:latin typeface="Cadman Regular"/>
+              </a:rPr>
+              <a:t>&lt;input type="datetime-local"&gt;</a:t>
+            </a:r>
+          </a:p>
+          <a:p>
+            <a:r>
+              <a:rPr lang="en-IN" sz="1600" b="0" dirty="0">
+                <a:solidFill>
+                  <a:srgbClr val="FF0000"/>
+                </a:solidFill>
+                <a:effectLst/>
+                <a:latin typeface="Cadman Regular"/>
+              </a:rPr>
+              <a:t>&lt;input type="email"&gt;</a:t>
+            </a:r>
+          </a:p>
+          <a:p>
+            <a:r>
+              <a:rPr lang="en-IN" sz="1600" b="0" dirty="0">
+                <a:solidFill>
+                  <a:srgbClr val="FF0000"/>
+                </a:solidFill>
+                <a:effectLst/>
+                <a:latin typeface="Cadman Regular"/>
+              </a:rPr>
+              <a:t>&lt;input type="file"&gt;</a:t>
+            </a:r>
+          </a:p>
+          <a:p>
+            <a:r>
+              <a:rPr lang="en-IN" sz="1600" b="0" dirty="0">
+                <a:solidFill>
+                  <a:srgbClr val="FF0000"/>
+                </a:solidFill>
+                <a:effectLst/>
+                <a:latin typeface="Cadman Regular"/>
+              </a:rPr>
+              <a:t>&lt;input type="hidden"&gt;</a:t>
+            </a:r>
+          </a:p>
+          <a:p>
+            <a:r>
+              <a:rPr lang="en-IN" sz="1600" b="0" dirty="0">
+                <a:solidFill>
+                  <a:srgbClr val="FF0000"/>
+                </a:solidFill>
+                <a:effectLst/>
+                <a:latin typeface="Cadman Regular"/>
+              </a:rPr>
+              <a:t>&lt;input type="image"&gt;</a:t>
+            </a:r>
+          </a:p>
+          <a:p>
+            <a:r>
+              <a:rPr lang="en-IN" sz="1600" b="0" dirty="0">
+                <a:solidFill>
+                  <a:srgbClr val="FF0000"/>
+                </a:solidFill>
+                <a:effectLst/>
+                <a:latin typeface="Cadman Regular"/>
+              </a:rPr>
+              <a:t>&lt;input type="month"&gt;</a:t>
+            </a:r>
+          </a:p>
+          <a:p>
+            <a:r>
+              <a:rPr lang="en-IN" sz="1600" b="0" dirty="0">
+                <a:solidFill>
+                  <a:srgbClr val="FF0000"/>
+                </a:solidFill>
+                <a:effectLst/>
+                <a:latin typeface="Cadman Regular"/>
+              </a:rPr>
+              <a:t>&lt;input type="number"&gt;</a:t>
+            </a:r>
+          </a:p>
+          <a:p>
+            <a:r>
+              <a:rPr lang="en-IN" sz="1600" b="0" dirty="0">
+                <a:solidFill>
+                  <a:srgbClr val="FF0000"/>
+                </a:solidFill>
+                <a:effectLst/>
+                <a:latin typeface="Cadman Regular"/>
+              </a:rPr>
+              <a:t>&lt;input type="password"&gt;</a:t>
+            </a:r>
+          </a:p>
+          <a:p>
+            <a:r>
+              <a:rPr lang="en-IN" sz="1600" b="0" dirty="0">
+                <a:solidFill>
+                  <a:srgbClr val="FF0000"/>
+                </a:solidFill>
+                <a:effectLst/>
+                <a:latin typeface="Cadman Regular"/>
+              </a:rPr>
+              <a:t>&lt;input type="radio"&gt;</a:t>
+            </a:r>
+          </a:p>
+          <a:p>
+            <a:r>
+              <a:rPr lang="en-IN" sz="1600" b="0" dirty="0">
+                <a:solidFill>
+                  <a:srgbClr val="FF0000"/>
+                </a:solidFill>
+                <a:effectLst/>
+                <a:latin typeface="Cadman Regular"/>
+              </a:rPr>
+              <a:t>&lt;input type="range"&gt;</a:t>
+            </a:r>
+          </a:p>
+          <a:p>
+            <a:r>
+              <a:rPr lang="en-IN" sz="1600" b="0" dirty="0">
+                <a:solidFill>
+                  <a:srgbClr val="FF0000"/>
+                </a:solidFill>
+                <a:effectLst/>
+                <a:latin typeface="Cadman Regular"/>
+              </a:rPr>
+              <a:t>&lt;input type="reset"&gt;</a:t>
+            </a:r>
+          </a:p>
+          <a:p>
+            <a:r>
+              <a:rPr lang="en-IN" sz="1600" b="0" dirty="0">
+                <a:solidFill>
+                  <a:srgbClr val="FF0000"/>
+                </a:solidFill>
+                <a:effectLst/>
+                <a:latin typeface="Cadman Regular"/>
+              </a:rPr>
+              <a:t>&lt;input type="search"&gt;</a:t>
+            </a:r>
+          </a:p>
+          <a:p>
+            <a:r>
+              <a:rPr lang="en-IN" sz="1600" b="0" dirty="0">
+                <a:solidFill>
+                  <a:srgbClr val="FF0000"/>
+                </a:solidFill>
+                <a:effectLst/>
+                <a:latin typeface="Cadman Regular"/>
+              </a:rPr>
+              <a:t>&lt;input type="submit"&gt;</a:t>
+            </a:r>
+          </a:p>
+          <a:p>
+            <a:r>
+              <a:rPr lang="en-IN" sz="1600" b="0" dirty="0">
+                <a:solidFill>
+                  <a:srgbClr val="FF0000"/>
+                </a:solidFill>
+                <a:effectLst/>
+                <a:latin typeface="Cadman Regular"/>
+              </a:rPr>
+              <a:t>&lt;input type="</a:t>
+            </a:r>
+            <a:r>
+              <a:rPr lang="en-IN" sz="1600" b="0" dirty="0" err="1">
+                <a:solidFill>
+                  <a:srgbClr val="FF0000"/>
+                </a:solidFill>
+                <a:effectLst/>
+                <a:latin typeface="Cadman Regular"/>
+              </a:rPr>
+              <a:t>tel</a:t>
+            </a:r>
+            <a:r>
+              <a:rPr lang="en-IN" sz="1600" b="0" dirty="0">
+                <a:solidFill>
+                  <a:srgbClr val="FF0000"/>
+                </a:solidFill>
+                <a:effectLst/>
+                <a:latin typeface="Cadman Regular"/>
+              </a:rPr>
+              <a:t>"&gt;</a:t>
+            </a:r>
+          </a:p>
+          <a:p>
+            <a:r>
+              <a:rPr lang="en-IN" sz="1600" b="0" dirty="0">
+                <a:solidFill>
+                  <a:srgbClr val="FF0000"/>
+                </a:solidFill>
+                <a:effectLst/>
+                <a:latin typeface="Cadman Regular"/>
+              </a:rPr>
+              <a:t>&lt;input type="text"&gt;</a:t>
+            </a:r>
+          </a:p>
+          <a:p>
+            <a:r>
+              <a:rPr lang="en-IN" sz="1600" b="0" dirty="0">
+                <a:solidFill>
+                  <a:srgbClr val="FF0000"/>
+                </a:solidFill>
+                <a:effectLst/>
+                <a:latin typeface="Cadman Regular"/>
+              </a:rPr>
+              <a:t>&lt;input type="time"&gt;</a:t>
+            </a:r>
+          </a:p>
+          <a:p>
+            <a:r>
+              <a:rPr lang="en-IN" sz="1600" b="0" dirty="0">
+                <a:solidFill>
+                  <a:srgbClr val="FF0000"/>
+                </a:solidFill>
+                <a:effectLst/>
+                <a:latin typeface="Cadman Regular"/>
+              </a:rPr>
+              <a:t>&lt;input type="</a:t>
+            </a:r>
+            <a:r>
+              <a:rPr lang="en-IN" sz="1600" b="0" dirty="0" err="1">
+                <a:solidFill>
+                  <a:srgbClr val="FF0000"/>
+                </a:solidFill>
+                <a:effectLst/>
+                <a:latin typeface="Cadman Regular"/>
+              </a:rPr>
+              <a:t>url</a:t>
+            </a:r>
+            <a:r>
+              <a:rPr lang="en-IN" sz="1600" b="0" dirty="0">
+                <a:solidFill>
+                  <a:srgbClr val="FF0000"/>
+                </a:solidFill>
+                <a:effectLst/>
+                <a:latin typeface="Cadman Regular"/>
+              </a:rPr>
+              <a:t>"&gt;</a:t>
+            </a:r>
+          </a:p>
+          <a:p>
+            <a:r>
+              <a:rPr lang="en-IN" sz="1600" b="0" dirty="0">
+                <a:solidFill>
+                  <a:srgbClr val="FF0000"/>
+                </a:solidFill>
+                <a:effectLst/>
+                <a:latin typeface="Cadman Regular"/>
+              </a:rPr>
+              <a:t>&lt;input type="week"&gt;</a:t>
+            </a:r>
+          </a:p>
+          <a:p>
+            <a:endParaRPr lang="en-IN" sz="1600" dirty="0">
+              <a:solidFill>
+                <a:srgbClr val="FF0000"/>
+              </a:solidFill>
+            </a:endParaRPr>
+          </a:p>
+        </p:txBody>
+      </p:sp>
+    </p:spTree>
+    <p:extLst>
+      <p:ext uri="{BB962C8B-B14F-4D97-AF65-F5344CB8AC3E}">
+        <p14:creationId xmlns:p14="http://schemas.microsoft.com/office/powerpoint/2010/main" val="1682901986"/>
+      </p:ext>
+    </p:extLst>
+  </p:cSld>
+  <p:clrMapOvr>
+    <a:masterClrMapping/>
+  </p:clrMapOvr>
+</p:sld>
+</file>
+
+<file path=ppt/slides/slide31.xml><?xml version="1.0" encoding="utf-8"?>
+<p:sld xmlns:a="http://schemas.openxmlformats.org/drawingml/2006/main" xmlns:r="http://schemas.openxmlformats.org/officeDocument/2006/relationships" xmlns:p="http://schemas.openxmlformats.org/presentationml/2006/main">
+  <p:cSld>
+    <p:spTree>
+      <p:nvGrpSpPr>
+        <p:cNvPr id="1" name=""/>
+        <p:cNvGrpSpPr/>
+        <p:nvPr/>
+      </p:nvGrpSpPr>
+      <p:grpSpPr>
+        <a:xfrm>
+          <a:off x="0" y="0"/>
+          <a:ext cx="0" cy="0"/>
+          <a:chOff x="0" y="0"/>
+          <a:chExt cx="0" cy="0"/>
+        </a:xfrm>
+      </p:grpSpPr>
+      <p:sp>
+        <p:nvSpPr>
+          <p:cNvPr id="2" name="Title 1">
+            <a:extLst>
+              <a:ext uri="{FF2B5EF4-FFF2-40B4-BE49-F238E27FC236}">
+                <a16:creationId xmlns:a16="http://schemas.microsoft.com/office/drawing/2014/main" id="{5F0D7199-8679-4EF6-A9ED-D712A67D157B}"/>
+              </a:ext>
+            </a:extLst>
+          </p:cNvPr>
+          <p:cNvSpPr>
+            <a:spLocks noGrp="1"/>
+          </p:cNvSpPr>
+          <p:nvPr>
+            <p:ph type="title"/>
+          </p:nvPr>
+        </p:nvSpPr>
+        <p:spPr/>
+        <p:txBody>
+          <a:bodyPr>
+            <a:normAutofit/>
+          </a:bodyPr>
+          <a:lstStyle/>
+          <a:p>
+            <a:r>
+              <a:rPr lang="en-IN" b="0" dirty="0">
+                <a:solidFill>
+                  <a:srgbClr val="6A9955"/>
+                </a:solidFill>
+                <a:effectLst/>
+                <a:latin typeface="Cadman Regular"/>
+              </a:rPr>
+              <a:t>HTML Multimedia</a:t>
+            </a:r>
+            <a:br>
+              <a:rPr lang="en-IN" b="0" dirty="0">
+                <a:solidFill>
+                  <a:srgbClr val="D4D4D4"/>
+                </a:solidFill>
+                <a:effectLst/>
+                <a:latin typeface="Cadman Regular"/>
+              </a:rPr>
+            </a:br>
+            <a:endParaRPr lang="en-IN" dirty="0"/>
+          </a:p>
+        </p:txBody>
+      </p:sp>
+      <p:sp>
+        <p:nvSpPr>
+          <p:cNvPr id="3" name="Content Placeholder 2">
+            <a:extLst>
+              <a:ext uri="{FF2B5EF4-FFF2-40B4-BE49-F238E27FC236}">
+                <a16:creationId xmlns:a16="http://schemas.microsoft.com/office/drawing/2014/main" id="{7853B2F3-AF94-4986-AAD2-6EE14FE81DF8}"/>
+              </a:ext>
+            </a:extLst>
+          </p:cNvPr>
+          <p:cNvSpPr>
+            <a:spLocks noGrp="1"/>
+          </p:cNvSpPr>
+          <p:nvPr>
+            <p:ph idx="1"/>
+          </p:nvPr>
+        </p:nvSpPr>
+        <p:spPr>
+          <a:xfrm>
+            <a:off x="677334" y="1420000"/>
+            <a:ext cx="8995658" cy="5131940"/>
+          </a:xfrm>
+        </p:spPr>
+        <p:txBody>
+          <a:bodyPr>
+            <a:noAutofit/>
+          </a:bodyPr>
+          <a:lstStyle/>
+          <a:p>
+            <a:r>
+              <a:rPr lang="en-US" sz="1400" b="0" dirty="0">
+                <a:solidFill>
+                  <a:srgbClr val="6A9955"/>
+                </a:solidFill>
+                <a:effectLst/>
+                <a:latin typeface="Cadman Regular"/>
+              </a:rPr>
+              <a:t>Multimedia comes in many different formats. It can be almost anything you can hear or see, like images, music, sound, videos, records, films, animations, and more.</a:t>
+            </a:r>
+            <a:endParaRPr lang="en-US" sz="1400" b="0" dirty="0">
+              <a:solidFill>
+                <a:srgbClr val="D4D4D4"/>
+              </a:solidFill>
+              <a:effectLst/>
+              <a:latin typeface="Cadman Regular"/>
+            </a:endParaRPr>
+          </a:p>
+          <a:p>
+            <a:r>
+              <a:rPr lang="en-US" sz="1400" b="0" dirty="0">
+                <a:solidFill>
+                  <a:srgbClr val="6A9955"/>
+                </a:solidFill>
+                <a:effectLst/>
+                <a:latin typeface="Cadman Regular"/>
+              </a:rPr>
+              <a:t>Web pages often contain multimedia elements of different types and formats.</a:t>
+            </a:r>
+            <a:endParaRPr lang="en-US" sz="1400" b="0" dirty="0">
+              <a:solidFill>
+                <a:srgbClr val="D4D4D4"/>
+              </a:solidFill>
+              <a:effectLst/>
+              <a:latin typeface="Cadman Regular"/>
+            </a:endParaRPr>
+          </a:p>
+          <a:p>
+            <a:r>
+              <a:rPr lang="en-US" sz="1400" b="0" dirty="0">
+                <a:solidFill>
+                  <a:srgbClr val="6A9955"/>
+                </a:solidFill>
+                <a:effectLst/>
+                <a:latin typeface="Cadman Regular"/>
+              </a:rPr>
+              <a:t>There are many video formats out there.</a:t>
+            </a:r>
+            <a:endParaRPr lang="en-US" sz="1400" b="0" dirty="0">
+              <a:solidFill>
+                <a:srgbClr val="D4D4D4"/>
+              </a:solidFill>
+              <a:effectLst/>
+              <a:latin typeface="Cadman Regular"/>
+            </a:endParaRPr>
+          </a:p>
+          <a:p>
+            <a:r>
+              <a:rPr lang="en-US" sz="1400" b="0" dirty="0">
+                <a:solidFill>
+                  <a:srgbClr val="6A9955"/>
+                </a:solidFill>
+                <a:effectLst/>
+                <a:latin typeface="Cadman Regular"/>
+              </a:rPr>
+              <a:t>The </a:t>
+            </a:r>
+            <a:r>
+              <a:rPr lang="en-US" sz="1400" b="0" dirty="0">
+                <a:solidFill>
+                  <a:srgbClr val="FF0000"/>
+                </a:solidFill>
+                <a:effectLst/>
+                <a:latin typeface="Cadman Regular"/>
+              </a:rPr>
+              <a:t>MP4, </a:t>
+            </a:r>
+            <a:r>
+              <a:rPr lang="en-US" sz="1400" b="0" dirty="0" err="1">
+                <a:solidFill>
+                  <a:srgbClr val="FF0000"/>
+                </a:solidFill>
+                <a:effectLst/>
+                <a:latin typeface="Cadman Regular"/>
+              </a:rPr>
+              <a:t>WebM</a:t>
+            </a:r>
+            <a:r>
+              <a:rPr lang="en-US" sz="1400" b="0" dirty="0">
+                <a:solidFill>
+                  <a:srgbClr val="FF0000"/>
+                </a:solidFill>
+                <a:effectLst/>
+                <a:latin typeface="Cadman Regular"/>
+              </a:rPr>
+              <a:t>,</a:t>
+            </a:r>
+            <a:r>
+              <a:rPr lang="en-US" sz="1400" b="0" dirty="0">
+                <a:solidFill>
+                  <a:srgbClr val="6A9955"/>
+                </a:solidFill>
+                <a:effectLst/>
+                <a:latin typeface="Cadman Regular"/>
+              </a:rPr>
+              <a:t> and </a:t>
+            </a:r>
+            <a:r>
+              <a:rPr lang="en-US" sz="1400" b="0" dirty="0" err="1">
+                <a:solidFill>
+                  <a:srgbClr val="FF0000"/>
+                </a:solidFill>
+                <a:effectLst/>
+                <a:latin typeface="Cadman Regular"/>
+              </a:rPr>
+              <a:t>Ogg</a:t>
+            </a:r>
+            <a:r>
+              <a:rPr lang="en-US" sz="1400" b="0" dirty="0">
+                <a:solidFill>
+                  <a:srgbClr val="6A9955"/>
+                </a:solidFill>
+                <a:effectLst/>
+                <a:latin typeface="Cadman Regular"/>
+              </a:rPr>
+              <a:t> formats are supported by HTML.</a:t>
+            </a:r>
+            <a:endParaRPr lang="en-US" sz="1400" b="0" dirty="0">
+              <a:solidFill>
+                <a:srgbClr val="D4D4D4"/>
+              </a:solidFill>
+              <a:effectLst/>
+              <a:latin typeface="Cadman Regular"/>
+            </a:endParaRPr>
+          </a:p>
+          <a:p>
+            <a:r>
+              <a:rPr lang="en-US" sz="1400" b="0" dirty="0">
+                <a:solidFill>
+                  <a:srgbClr val="6A9955"/>
+                </a:solidFill>
+                <a:effectLst/>
+                <a:latin typeface="Cadman Regular"/>
+              </a:rPr>
+              <a:t>The </a:t>
+            </a:r>
+            <a:r>
+              <a:rPr lang="en-US" sz="1400" b="0" dirty="0">
+                <a:solidFill>
+                  <a:srgbClr val="FF0000"/>
+                </a:solidFill>
+                <a:effectLst/>
+                <a:latin typeface="Cadman Regular"/>
+              </a:rPr>
+              <a:t>MP4</a:t>
+            </a:r>
+            <a:r>
+              <a:rPr lang="en-US" sz="1400" b="0" dirty="0">
+                <a:solidFill>
+                  <a:srgbClr val="6A9955"/>
+                </a:solidFill>
+                <a:effectLst/>
+                <a:latin typeface="Cadman Regular"/>
+              </a:rPr>
+              <a:t> format is recommended by YouTube.</a:t>
+            </a:r>
+            <a:endParaRPr lang="en-US" sz="1400" b="0" dirty="0">
+              <a:solidFill>
+                <a:srgbClr val="D4D4D4"/>
+              </a:solidFill>
+              <a:effectLst/>
+              <a:latin typeface="Cadman Regular"/>
+            </a:endParaRPr>
+          </a:p>
+          <a:p>
+            <a:r>
+              <a:rPr lang="en-US" sz="1400" b="0" dirty="0">
+                <a:solidFill>
+                  <a:srgbClr val="6A9955"/>
+                </a:solidFill>
+                <a:effectLst/>
+                <a:latin typeface="Cadman Regular"/>
+              </a:rPr>
+              <a:t>Note: Only </a:t>
+            </a:r>
+            <a:r>
+              <a:rPr lang="en-US" sz="1400" b="0" dirty="0">
+                <a:solidFill>
+                  <a:srgbClr val="FF0000"/>
+                </a:solidFill>
+                <a:effectLst/>
+                <a:latin typeface="Cadman Regular"/>
+              </a:rPr>
+              <a:t>MP4, </a:t>
+            </a:r>
+            <a:r>
+              <a:rPr lang="en-US" sz="1400" b="0" dirty="0" err="1">
+                <a:solidFill>
+                  <a:srgbClr val="FF0000"/>
+                </a:solidFill>
+                <a:effectLst/>
+                <a:latin typeface="Cadman Regular"/>
+              </a:rPr>
+              <a:t>WebM</a:t>
+            </a:r>
+            <a:r>
+              <a:rPr lang="en-US" sz="1400" b="0" dirty="0">
+                <a:solidFill>
+                  <a:srgbClr val="6A9955"/>
+                </a:solidFill>
+                <a:effectLst/>
+                <a:latin typeface="Cadman Regular"/>
+              </a:rPr>
+              <a:t>, and </a:t>
+            </a:r>
+            <a:r>
+              <a:rPr lang="en-US" sz="1400" b="0" dirty="0" err="1">
+                <a:solidFill>
+                  <a:srgbClr val="FF0000"/>
+                </a:solidFill>
+                <a:effectLst/>
+                <a:latin typeface="Cadman Regular"/>
+              </a:rPr>
+              <a:t>Ogg</a:t>
+            </a:r>
+            <a:r>
+              <a:rPr lang="en-US" sz="1400" b="0" dirty="0">
+                <a:solidFill>
+                  <a:srgbClr val="6A9955"/>
+                </a:solidFill>
+                <a:effectLst/>
+                <a:latin typeface="Cadman Regular"/>
+              </a:rPr>
+              <a:t> video are supported by the HTML standard.</a:t>
+            </a:r>
+            <a:endParaRPr lang="en-US" sz="1400" b="0" dirty="0">
+              <a:solidFill>
+                <a:srgbClr val="D4D4D4"/>
+              </a:solidFill>
+              <a:effectLst/>
+              <a:latin typeface="Cadman Regular"/>
+            </a:endParaRPr>
+          </a:p>
+          <a:p>
+            <a:r>
+              <a:rPr lang="en-US" sz="1400" b="0" dirty="0">
+                <a:solidFill>
+                  <a:srgbClr val="6A9955"/>
+                </a:solidFill>
+                <a:effectLst/>
+                <a:latin typeface="Cadman Regular"/>
+              </a:rPr>
+              <a:t>Video syntax:</a:t>
+            </a:r>
+            <a:endParaRPr lang="en-US" sz="1400" b="0" dirty="0">
+              <a:solidFill>
+                <a:srgbClr val="D4D4D4"/>
+              </a:solidFill>
+              <a:effectLst/>
+              <a:latin typeface="Cadman Regular"/>
+            </a:endParaRPr>
+          </a:p>
+          <a:p>
+            <a:r>
+              <a:rPr lang="en-US" sz="1400" b="0" dirty="0">
+                <a:solidFill>
+                  <a:srgbClr val="FF0000"/>
+                </a:solidFill>
+                <a:effectLst/>
+                <a:latin typeface="Cadman Regular"/>
+              </a:rPr>
+              <a:t>&lt;video width="320" height="240" </a:t>
+            </a:r>
+            <a:r>
+              <a:rPr lang="en-US" sz="1400" b="0" dirty="0" err="1">
+                <a:solidFill>
+                  <a:srgbClr val="FF0000"/>
+                </a:solidFill>
+                <a:effectLst/>
+                <a:latin typeface="Cadman Regular"/>
+              </a:rPr>
+              <a:t>autoplay</a:t>
+            </a:r>
+            <a:r>
+              <a:rPr lang="en-US" sz="1400" b="0" dirty="0">
+                <a:solidFill>
+                  <a:srgbClr val="FF0000"/>
+                </a:solidFill>
+                <a:effectLst/>
+                <a:latin typeface="Cadman Regular"/>
+              </a:rPr>
+              <a:t> controls&gt;</a:t>
+            </a:r>
+          </a:p>
+          <a:p>
+            <a:r>
+              <a:rPr lang="en-US" sz="1400" b="0" dirty="0">
+                <a:solidFill>
+                  <a:srgbClr val="FF0000"/>
+                </a:solidFill>
+                <a:effectLst/>
+                <a:latin typeface="Cadman Regular"/>
+              </a:rPr>
+              <a:t>  &lt;source </a:t>
+            </a:r>
+            <a:r>
+              <a:rPr lang="en-US" sz="1400" b="0" dirty="0" err="1">
+                <a:solidFill>
+                  <a:srgbClr val="FF0000"/>
+                </a:solidFill>
+                <a:effectLst/>
+                <a:latin typeface="Cadman Regular"/>
+              </a:rPr>
+              <a:t>src</a:t>
+            </a:r>
+            <a:r>
+              <a:rPr lang="en-US" sz="1400" b="0" dirty="0">
+                <a:solidFill>
+                  <a:srgbClr val="FF0000"/>
+                </a:solidFill>
+                <a:effectLst/>
+                <a:latin typeface="Cadman Regular"/>
+              </a:rPr>
+              <a:t>="movie.mp4" type="video/mp4"&gt;</a:t>
+            </a:r>
+          </a:p>
+          <a:p>
+            <a:r>
+              <a:rPr lang="en-US" sz="1400" b="0" dirty="0">
+                <a:solidFill>
+                  <a:srgbClr val="FF0000"/>
+                </a:solidFill>
+                <a:effectLst/>
+                <a:latin typeface="Cadman Regular"/>
+              </a:rPr>
+              <a:t>  &lt;source </a:t>
+            </a:r>
+            <a:r>
+              <a:rPr lang="en-US" sz="1400" b="0" dirty="0" err="1">
+                <a:solidFill>
+                  <a:srgbClr val="FF0000"/>
+                </a:solidFill>
+                <a:effectLst/>
+                <a:latin typeface="Cadman Regular"/>
+              </a:rPr>
+              <a:t>src</a:t>
+            </a:r>
+            <a:r>
+              <a:rPr lang="en-US" sz="1400" b="0" dirty="0">
+                <a:solidFill>
+                  <a:srgbClr val="FF0000"/>
+                </a:solidFill>
+                <a:effectLst/>
+                <a:latin typeface="Cadman Regular"/>
+              </a:rPr>
+              <a:t>="movie.ogg" type="video/</a:t>
+            </a:r>
+            <a:r>
+              <a:rPr lang="en-US" sz="1400" b="0" dirty="0" err="1">
+                <a:solidFill>
+                  <a:srgbClr val="FF0000"/>
+                </a:solidFill>
+                <a:effectLst/>
+                <a:latin typeface="Cadman Regular"/>
+              </a:rPr>
+              <a:t>ogg</a:t>
+            </a:r>
+            <a:r>
+              <a:rPr lang="en-US" sz="1400" b="0" dirty="0">
+                <a:solidFill>
+                  <a:srgbClr val="FF0000"/>
+                </a:solidFill>
+                <a:effectLst/>
+                <a:latin typeface="Cadman Regular"/>
+              </a:rPr>
+              <a:t>"&gt;</a:t>
+            </a:r>
+          </a:p>
+          <a:p>
+            <a:r>
+              <a:rPr lang="en-US" sz="1400" b="0" dirty="0">
+                <a:solidFill>
+                  <a:srgbClr val="FF0000"/>
+                </a:solidFill>
+                <a:effectLst/>
+                <a:latin typeface="Cadman Regular"/>
+              </a:rPr>
+              <a:t>  Your browser does not support the video tag.</a:t>
+            </a:r>
+          </a:p>
+          <a:p>
+            <a:r>
+              <a:rPr lang="en-US" sz="1400" b="0" dirty="0">
+                <a:solidFill>
+                  <a:srgbClr val="FF0000"/>
+                </a:solidFill>
+                <a:effectLst/>
+                <a:latin typeface="Cadman Regular"/>
+              </a:rPr>
+              <a:t>&lt;/video&gt;</a:t>
+            </a:r>
+          </a:p>
+          <a:p>
+            <a:r>
+              <a:rPr lang="en-US" sz="1400" b="0" dirty="0">
+                <a:solidFill>
+                  <a:srgbClr val="6A9955"/>
+                </a:solidFill>
+                <a:effectLst/>
+                <a:latin typeface="Cadman Regular"/>
+              </a:rPr>
+              <a:t>Note: The </a:t>
+            </a:r>
+            <a:r>
+              <a:rPr lang="en-US" sz="1400" b="0" dirty="0" err="1">
+                <a:solidFill>
+                  <a:srgbClr val="FF0000"/>
+                </a:solidFill>
+                <a:effectLst/>
+                <a:latin typeface="Cadman Regular"/>
+              </a:rPr>
+              <a:t>autoplay</a:t>
+            </a:r>
+            <a:r>
+              <a:rPr lang="en-US" sz="1400" b="0" dirty="0">
+                <a:solidFill>
+                  <a:srgbClr val="6A9955"/>
+                </a:solidFill>
+                <a:effectLst/>
+                <a:latin typeface="Cadman Regular"/>
+              </a:rPr>
+              <a:t> attribute does not work in mobile devices like iPad and iPhone.</a:t>
+            </a:r>
+            <a:endParaRPr lang="en-US" sz="1400" b="0" dirty="0">
+              <a:solidFill>
+                <a:srgbClr val="D4D4D4"/>
+              </a:solidFill>
+              <a:effectLst/>
+              <a:latin typeface="Cadman Regular"/>
+            </a:endParaRPr>
+          </a:p>
+          <a:p>
+            <a:endParaRPr lang="en-IN" sz="1400" dirty="0"/>
+          </a:p>
+        </p:txBody>
+      </p:sp>
+    </p:spTree>
+    <p:extLst>
+      <p:ext uri="{BB962C8B-B14F-4D97-AF65-F5344CB8AC3E}">
+        <p14:creationId xmlns:p14="http://schemas.microsoft.com/office/powerpoint/2010/main" val="2927816832"/>
+      </p:ext>
+    </p:extLst>
+  </p:cSld>
+  <p:clrMapOvr>
+    <a:masterClrMapping/>
+  </p:clrMapOvr>
+</p:sld>
+</file>
+
+<file path=ppt/slides/slide32.xml><?xml version="1.0" encoding="utf-8"?>
+<p:sld xmlns:a="http://schemas.openxmlformats.org/drawingml/2006/main" xmlns:r="http://schemas.openxmlformats.org/officeDocument/2006/relationships" xmlns:p="http://schemas.openxmlformats.org/presentationml/2006/main">
+  <p:cSld>
+    <p:spTree>
+      <p:nvGrpSpPr>
+        <p:cNvPr id="1" name=""/>
+        <p:cNvGrpSpPr/>
+        <p:nvPr/>
+      </p:nvGrpSpPr>
+      <p:grpSpPr>
+        <a:xfrm>
+          <a:off x="0" y="0"/>
+          <a:ext cx="0" cy="0"/>
+          <a:chOff x="0" y="0"/>
+          <a:chExt cx="0" cy="0"/>
+        </a:xfrm>
+      </p:grpSpPr>
+      <p:sp>
+        <p:nvSpPr>
+          <p:cNvPr id="2" name="Title 1">
+            <a:extLst>
+              <a:ext uri="{FF2B5EF4-FFF2-40B4-BE49-F238E27FC236}">
+                <a16:creationId xmlns:a16="http://schemas.microsoft.com/office/drawing/2014/main" id="{51C94CCC-45C0-46CA-8CB4-03259AE55CBF}"/>
+              </a:ext>
+            </a:extLst>
+          </p:cNvPr>
+          <p:cNvSpPr>
+            <a:spLocks noGrp="1"/>
+          </p:cNvSpPr>
+          <p:nvPr>
+            <p:ph type="title"/>
+          </p:nvPr>
+        </p:nvSpPr>
+        <p:spPr/>
+        <p:txBody>
+          <a:bodyPr>
+            <a:normAutofit/>
+          </a:bodyPr>
+          <a:lstStyle/>
+          <a:p>
+            <a:r>
+              <a:rPr lang="en-IN" b="0" dirty="0">
+                <a:solidFill>
+                  <a:srgbClr val="6A9955"/>
+                </a:solidFill>
+                <a:effectLst/>
+                <a:latin typeface="Cadman Regular"/>
+              </a:rPr>
+              <a:t>Audio syntax:</a:t>
+            </a:r>
+            <a:br>
+              <a:rPr lang="en-IN" b="0" dirty="0">
+                <a:solidFill>
+                  <a:srgbClr val="D4D4D4"/>
+                </a:solidFill>
+                <a:effectLst/>
+                <a:latin typeface="Cadman Regular"/>
+              </a:rPr>
+            </a:br>
+            <a:endParaRPr lang="en-IN" dirty="0"/>
+          </a:p>
+        </p:txBody>
+      </p:sp>
+      <p:sp>
+        <p:nvSpPr>
+          <p:cNvPr id="3" name="Content Placeholder 2">
+            <a:extLst>
+              <a:ext uri="{FF2B5EF4-FFF2-40B4-BE49-F238E27FC236}">
+                <a16:creationId xmlns:a16="http://schemas.microsoft.com/office/drawing/2014/main" id="{0FE41856-D3D1-4E6C-9D5B-92F898524547}"/>
+              </a:ext>
+            </a:extLst>
+          </p:cNvPr>
+          <p:cNvSpPr>
+            <a:spLocks noGrp="1"/>
+          </p:cNvSpPr>
+          <p:nvPr>
+            <p:ph idx="1"/>
+          </p:nvPr>
+        </p:nvSpPr>
+        <p:spPr>
+          <a:xfrm>
+            <a:off x="677334" y="1488613"/>
+            <a:ext cx="8596668" cy="3880773"/>
+          </a:xfrm>
+        </p:spPr>
+        <p:txBody>
+          <a:bodyPr/>
+          <a:lstStyle/>
+          <a:p>
+            <a:r>
+              <a:rPr lang="en-IN" b="0" dirty="0">
+                <a:solidFill>
+                  <a:srgbClr val="FF0000"/>
+                </a:solidFill>
+                <a:effectLst/>
+                <a:latin typeface="Cadman Regular"/>
+              </a:rPr>
+              <a:t>&lt;audio controls&gt;</a:t>
+            </a:r>
+          </a:p>
+          <a:p>
+            <a:r>
+              <a:rPr lang="en-IN" b="0" dirty="0">
+                <a:solidFill>
+                  <a:srgbClr val="FF0000"/>
+                </a:solidFill>
+                <a:effectLst/>
+                <a:latin typeface="Cadman Regular"/>
+              </a:rPr>
+              <a:t>  &lt;source </a:t>
+            </a:r>
+            <a:r>
+              <a:rPr lang="en-IN" b="0" dirty="0" err="1">
+                <a:solidFill>
+                  <a:srgbClr val="FF0000"/>
+                </a:solidFill>
+                <a:effectLst/>
+                <a:latin typeface="Cadman Regular"/>
+              </a:rPr>
+              <a:t>src</a:t>
+            </a:r>
+            <a:r>
+              <a:rPr lang="en-IN" b="0" dirty="0">
+                <a:solidFill>
+                  <a:srgbClr val="FF0000"/>
+                </a:solidFill>
+                <a:effectLst/>
+                <a:latin typeface="Cadman Regular"/>
+              </a:rPr>
+              <a:t>="horse.ogg" type="audio/</a:t>
+            </a:r>
+            <a:r>
+              <a:rPr lang="en-IN" b="0" dirty="0" err="1">
+                <a:solidFill>
+                  <a:srgbClr val="FF0000"/>
+                </a:solidFill>
+                <a:effectLst/>
+                <a:latin typeface="Cadman Regular"/>
+              </a:rPr>
+              <a:t>ogg</a:t>
+            </a:r>
+            <a:r>
+              <a:rPr lang="en-IN" b="0" dirty="0">
+                <a:solidFill>
+                  <a:srgbClr val="FF0000"/>
+                </a:solidFill>
+                <a:effectLst/>
+                <a:latin typeface="Cadman Regular"/>
+              </a:rPr>
+              <a:t>"&gt;</a:t>
+            </a:r>
+          </a:p>
+          <a:p>
+            <a:r>
+              <a:rPr lang="en-IN" b="0" dirty="0">
+                <a:solidFill>
+                  <a:srgbClr val="FF0000"/>
+                </a:solidFill>
+                <a:effectLst/>
+                <a:latin typeface="Cadman Regular"/>
+              </a:rPr>
+              <a:t>  &lt;source </a:t>
+            </a:r>
+            <a:r>
+              <a:rPr lang="en-IN" b="0" dirty="0" err="1">
+                <a:solidFill>
+                  <a:srgbClr val="FF0000"/>
+                </a:solidFill>
+                <a:effectLst/>
+                <a:latin typeface="Cadman Regular"/>
+              </a:rPr>
+              <a:t>src</a:t>
+            </a:r>
+            <a:r>
+              <a:rPr lang="en-IN" b="0" dirty="0">
+                <a:solidFill>
+                  <a:srgbClr val="FF0000"/>
+                </a:solidFill>
+                <a:effectLst/>
+                <a:latin typeface="Cadman Regular"/>
+              </a:rPr>
+              <a:t>="horse.mp3" type="audio/mpeg"&gt;</a:t>
+            </a:r>
+          </a:p>
+          <a:p>
+            <a:r>
+              <a:rPr lang="en-IN" b="0" dirty="0">
+                <a:solidFill>
+                  <a:srgbClr val="FF0000"/>
+                </a:solidFill>
+                <a:effectLst/>
+                <a:latin typeface="Cadman Regular"/>
+              </a:rPr>
+              <a:t>Your browser does not support the audio element.</a:t>
+            </a:r>
+          </a:p>
+          <a:p>
+            <a:r>
+              <a:rPr lang="en-IN" b="0" dirty="0">
+                <a:solidFill>
+                  <a:srgbClr val="FF0000"/>
+                </a:solidFill>
+                <a:effectLst/>
+                <a:latin typeface="Cadman Regular"/>
+              </a:rPr>
+              <a:t>&lt;/audio&gt;</a:t>
+            </a:r>
+          </a:p>
+          <a:p>
+            <a:endParaRPr lang="en-IN" dirty="0">
+              <a:solidFill>
+                <a:srgbClr val="FF0000"/>
+              </a:solidFill>
+            </a:endParaRPr>
+          </a:p>
+        </p:txBody>
+      </p:sp>
+    </p:spTree>
+    <p:extLst>
+      <p:ext uri="{BB962C8B-B14F-4D97-AF65-F5344CB8AC3E}">
+        <p14:creationId xmlns:p14="http://schemas.microsoft.com/office/powerpoint/2010/main" val="3563076077"/>
+      </p:ext>
+    </p:extLst>
+  </p:cSld>
+  <p:clrMapOvr>
+    <a:masterClrMapping/>
+  </p:clrMapOvr>
+</p:sld>
+</file>
+
+<file path=ppt/slides/slide33.xml><?xml version="1.0" encoding="utf-8"?>
+<p:sld xmlns:a="http://schemas.openxmlformats.org/drawingml/2006/main" xmlns:r="http://schemas.openxmlformats.org/officeDocument/2006/relationships" xmlns:p="http://schemas.openxmlformats.org/presentationml/2006/main">
+  <p:cSld>
+    <p:spTree>
+      <p:nvGrpSpPr>
+        <p:cNvPr id="1" name=""/>
+        <p:cNvGrpSpPr/>
+        <p:nvPr/>
+      </p:nvGrpSpPr>
+      <p:grpSpPr>
+        <a:xfrm>
+          <a:off x="0" y="0"/>
+          <a:ext cx="0" cy="0"/>
+          <a:chOff x="0" y="0"/>
+          <a:chExt cx="0" cy="0"/>
+        </a:xfrm>
+      </p:grpSpPr>
+      <p:sp>
+        <p:nvSpPr>
+          <p:cNvPr id="2" name="Title 1">
+            <a:extLst>
+              <a:ext uri="{FF2B5EF4-FFF2-40B4-BE49-F238E27FC236}">
+                <a16:creationId xmlns:a16="http://schemas.microsoft.com/office/drawing/2014/main" id="{E6E6E014-4198-4674-BC28-67421108C4EC}"/>
+              </a:ext>
+            </a:extLst>
+          </p:cNvPr>
+          <p:cNvSpPr>
+            <a:spLocks noGrp="1"/>
+          </p:cNvSpPr>
+          <p:nvPr>
+            <p:ph type="title"/>
+          </p:nvPr>
+        </p:nvSpPr>
+        <p:spPr/>
+        <p:txBody>
+          <a:bodyPr>
+            <a:normAutofit/>
+          </a:bodyPr>
+          <a:lstStyle/>
+          <a:p>
+            <a:r>
+              <a:rPr lang="en-IN" b="0" dirty="0" err="1">
+                <a:solidFill>
+                  <a:srgbClr val="6A9955"/>
+                </a:solidFill>
+                <a:effectLst/>
+                <a:latin typeface="Cadman Regular"/>
+              </a:rPr>
+              <a:t>Youtube</a:t>
+            </a:r>
+            <a:r>
+              <a:rPr lang="en-IN" b="0" dirty="0">
+                <a:solidFill>
+                  <a:srgbClr val="6A9955"/>
+                </a:solidFill>
+                <a:effectLst/>
+                <a:latin typeface="Cadman Regular"/>
+              </a:rPr>
+              <a:t> Syntax:</a:t>
+            </a:r>
+            <a:br>
+              <a:rPr lang="en-IN" b="0" dirty="0">
+                <a:solidFill>
+                  <a:srgbClr val="D4D4D4"/>
+                </a:solidFill>
+                <a:effectLst/>
+                <a:latin typeface="Cadman Regular"/>
+              </a:rPr>
+            </a:br>
+            <a:endParaRPr lang="en-IN" dirty="0"/>
+          </a:p>
+        </p:txBody>
+      </p:sp>
+      <p:sp>
+        <p:nvSpPr>
+          <p:cNvPr id="3" name="Content Placeholder 2">
+            <a:extLst>
+              <a:ext uri="{FF2B5EF4-FFF2-40B4-BE49-F238E27FC236}">
+                <a16:creationId xmlns:a16="http://schemas.microsoft.com/office/drawing/2014/main" id="{F8FE8988-4FFC-446E-B922-907EF24C4D3D}"/>
+              </a:ext>
+            </a:extLst>
+          </p:cNvPr>
+          <p:cNvSpPr>
+            <a:spLocks noGrp="1"/>
+          </p:cNvSpPr>
+          <p:nvPr>
+            <p:ph idx="1"/>
+          </p:nvPr>
+        </p:nvSpPr>
+        <p:spPr/>
+        <p:txBody>
+          <a:bodyPr/>
+          <a:lstStyle/>
+          <a:p>
+            <a:r>
+              <a:rPr lang="en-IN" b="0" dirty="0">
+                <a:solidFill>
+                  <a:srgbClr val="FF0000"/>
+                </a:solidFill>
+                <a:effectLst/>
+                <a:latin typeface="Cadman Regular"/>
+              </a:rPr>
+              <a:t>&lt;iframe width="560" height="315" </a:t>
+            </a:r>
+            <a:r>
+              <a:rPr lang="en-IN" b="0" dirty="0" err="1">
+                <a:solidFill>
+                  <a:srgbClr val="FF0000"/>
+                </a:solidFill>
+                <a:effectLst/>
+                <a:latin typeface="Cadman Regular"/>
+              </a:rPr>
+              <a:t>src</a:t>
+            </a:r>
+            <a:r>
+              <a:rPr lang="en-IN" b="0" dirty="0">
+                <a:solidFill>
+                  <a:srgbClr val="FF0000"/>
+                </a:solidFill>
+                <a:effectLst/>
+                <a:latin typeface="Cadman Regular"/>
+              </a:rPr>
+              <a:t>="https://www.youtube.com/embed/NZqXvPl7BOw" frameborder="0" allow="accelerometer; </a:t>
+            </a:r>
+            <a:r>
+              <a:rPr lang="en-IN" b="0" dirty="0" err="1">
+                <a:solidFill>
+                  <a:srgbClr val="FF0000"/>
+                </a:solidFill>
+                <a:effectLst/>
+                <a:latin typeface="Cadman Regular"/>
+              </a:rPr>
+              <a:t>autoplay</a:t>
+            </a:r>
+            <a:r>
+              <a:rPr lang="en-IN" b="0" dirty="0">
+                <a:solidFill>
+                  <a:srgbClr val="FF0000"/>
+                </a:solidFill>
+                <a:effectLst/>
+                <a:latin typeface="Cadman Regular"/>
+              </a:rPr>
+              <a:t>; clipboard-write; encrypted-media; gyroscope; picture-in-picture" </a:t>
+            </a:r>
+            <a:r>
+              <a:rPr lang="en-IN" b="0" dirty="0" err="1">
+                <a:solidFill>
+                  <a:srgbClr val="FF0000"/>
+                </a:solidFill>
+                <a:effectLst/>
+                <a:latin typeface="Cadman Regular"/>
+              </a:rPr>
+              <a:t>allowfullscreen</a:t>
+            </a:r>
+            <a:r>
+              <a:rPr lang="en-IN" b="0" dirty="0">
+                <a:solidFill>
+                  <a:srgbClr val="FF0000"/>
+                </a:solidFill>
+                <a:effectLst/>
+                <a:latin typeface="Cadman Regular"/>
+              </a:rPr>
+              <a:t>&gt;&lt;/iframe&gt;</a:t>
+            </a:r>
+          </a:p>
+          <a:p>
+            <a:endParaRPr lang="en-IN" dirty="0">
+              <a:solidFill>
+                <a:srgbClr val="FF0000"/>
+              </a:solidFill>
+            </a:endParaRPr>
+          </a:p>
+        </p:txBody>
+      </p:sp>
+    </p:spTree>
+    <p:extLst>
+      <p:ext uri="{BB962C8B-B14F-4D97-AF65-F5344CB8AC3E}">
+        <p14:creationId xmlns:p14="http://schemas.microsoft.com/office/powerpoint/2010/main" val="919085205"/>
+      </p:ext>
+    </p:extLst>
+  </p:cSld>
+  <p:clrMapOvr>
+    <a:masterClrMapping/>
+  </p:clrMapOvr>
+</p:sld>
+</file>
+
+<file path=ppt/slides/slide34.xml><?xml version="1.0" encoding="utf-8"?>
+<p:sld xmlns:a="http://schemas.openxmlformats.org/drawingml/2006/main" xmlns:r="http://schemas.openxmlformats.org/officeDocument/2006/relationships" xmlns:p="http://schemas.openxmlformats.org/presentationml/2006/main">
+  <p:cSld>
+    <p:spTree>
+      <p:nvGrpSpPr>
+        <p:cNvPr id="1" name=""/>
+        <p:cNvGrpSpPr/>
+        <p:nvPr/>
+      </p:nvGrpSpPr>
+      <p:grpSpPr>
+        <a:xfrm>
+          <a:off x="0" y="0"/>
+          <a:ext cx="0" cy="0"/>
+          <a:chOff x="0" y="0"/>
+          <a:chExt cx="0" cy="0"/>
+        </a:xfrm>
+      </p:grpSpPr>
+      <p:sp>
+        <p:nvSpPr>
+          <p:cNvPr id="2" name="Title 1">
+            <a:extLst>
+              <a:ext uri="{FF2B5EF4-FFF2-40B4-BE49-F238E27FC236}">
+                <a16:creationId xmlns:a16="http://schemas.microsoft.com/office/drawing/2014/main" id="{C5B24CDC-E679-44FF-98D5-BBA23DFA75BF}"/>
+              </a:ext>
+            </a:extLst>
+          </p:cNvPr>
+          <p:cNvSpPr>
+            <a:spLocks noGrp="1"/>
+          </p:cNvSpPr>
+          <p:nvPr>
+            <p:ph type="title"/>
+          </p:nvPr>
+        </p:nvSpPr>
+        <p:spPr/>
+        <p:txBody>
+          <a:bodyPr>
+            <a:normAutofit/>
+          </a:bodyPr>
+          <a:lstStyle/>
+          <a:p>
+            <a:r>
+              <a:rPr lang="en-IN" b="0" dirty="0">
+                <a:solidFill>
+                  <a:srgbClr val="6A9955"/>
+                </a:solidFill>
+                <a:effectLst/>
+                <a:latin typeface="Cadman Regular"/>
+              </a:rPr>
+              <a:t>HTML Entities &amp; HTML Symbol Entities</a:t>
+            </a:r>
+            <a:br>
+              <a:rPr lang="en-IN" b="0" dirty="0">
+                <a:solidFill>
+                  <a:srgbClr val="D4D4D4"/>
+                </a:solidFill>
+                <a:effectLst/>
+                <a:latin typeface="Cadman Regular"/>
+              </a:rPr>
+            </a:br>
+            <a:endParaRPr lang="en-IN" dirty="0"/>
+          </a:p>
+        </p:txBody>
+      </p:sp>
+      <p:sp>
+        <p:nvSpPr>
+          <p:cNvPr id="3" name="Content Placeholder 2">
+            <a:extLst>
+              <a:ext uri="{FF2B5EF4-FFF2-40B4-BE49-F238E27FC236}">
+                <a16:creationId xmlns:a16="http://schemas.microsoft.com/office/drawing/2014/main" id="{9589228B-C239-4048-BE09-6AD13A76CA71}"/>
+              </a:ext>
+            </a:extLst>
+          </p:cNvPr>
+          <p:cNvSpPr>
+            <a:spLocks noGrp="1"/>
+          </p:cNvSpPr>
+          <p:nvPr>
+            <p:ph idx="1"/>
+          </p:nvPr>
+        </p:nvSpPr>
+        <p:spPr>
+          <a:xfrm>
+            <a:off x="677333" y="1488613"/>
+            <a:ext cx="9414623" cy="5088356"/>
+          </a:xfrm>
+        </p:spPr>
+        <p:txBody>
+          <a:bodyPr>
+            <a:noAutofit/>
+          </a:bodyPr>
+          <a:lstStyle/>
+          <a:p>
+            <a:r>
+              <a:rPr lang="en-IN" sz="1600" b="0" dirty="0">
+                <a:solidFill>
+                  <a:srgbClr val="6A9955"/>
+                </a:solidFill>
+                <a:effectLst/>
+                <a:latin typeface="Cadman Regular"/>
+              </a:rPr>
+              <a:t>Some characters are reserved in HTML.</a:t>
+            </a:r>
+            <a:endParaRPr lang="en-IN" sz="1600" b="0" dirty="0">
+              <a:solidFill>
+                <a:srgbClr val="D4D4D4"/>
+              </a:solidFill>
+              <a:effectLst/>
+              <a:latin typeface="Cadman Regular"/>
+            </a:endParaRPr>
+          </a:p>
+          <a:p>
+            <a:r>
+              <a:rPr lang="en-IN" sz="1600" b="0" dirty="0">
+                <a:solidFill>
+                  <a:srgbClr val="6A9955"/>
+                </a:solidFill>
+                <a:effectLst/>
+                <a:latin typeface="Cadman Regular"/>
+              </a:rPr>
+              <a:t>If you use the less than </a:t>
+            </a:r>
+            <a:r>
+              <a:rPr lang="en-IN" sz="1600" b="0" dirty="0">
+                <a:solidFill>
+                  <a:srgbClr val="FF0000"/>
+                </a:solidFill>
+                <a:effectLst/>
+                <a:latin typeface="Cadman Regular"/>
+              </a:rPr>
+              <a:t>(&lt;)</a:t>
+            </a:r>
+            <a:r>
+              <a:rPr lang="en-IN" sz="1600" b="0" dirty="0">
+                <a:solidFill>
+                  <a:srgbClr val="6A9955"/>
+                </a:solidFill>
+                <a:effectLst/>
+                <a:latin typeface="Cadman Regular"/>
+              </a:rPr>
+              <a:t> or greater than</a:t>
+            </a:r>
+            <a:r>
+              <a:rPr lang="en-IN" sz="1600" b="0" dirty="0">
+                <a:solidFill>
+                  <a:srgbClr val="FF0000"/>
+                </a:solidFill>
+                <a:effectLst/>
+                <a:latin typeface="Cadman Regular"/>
+              </a:rPr>
+              <a:t> (&gt;) </a:t>
+            </a:r>
+            <a:r>
+              <a:rPr lang="en-IN" sz="1600" b="0" dirty="0">
+                <a:solidFill>
+                  <a:srgbClr val="6A9955"/>
+                </a:solidFill>
+                <a:effectLst/>
+                <a:latin typeface="Cadman Regular"/>
+              </a:rPr>
+              <a:t>signs in your text, the browser might mix them with tags.</a:t>
+            </a:r>
+            <a:endParaRPr lang="en-IN" sz="1600" b="0" dirty="0">
+              <a:solidFill>
+                <a:srgbClr val="D4D4D4"/>
+              </a:solidFill>
+              <a:effectLst/>
+              <a:latin typeface="Cadman Regular"/>
+            </a:endParaRPr>
+          </a:p>
+          <a:p>
+            <a:r>
+              <a:rPr lang="en-IN" sz="1600" b="0" dirty="0">
+                <a:solidFill>
+                  <a:srgbClr val="6A9955"/>
+                </a:solidFill>
+                <a:effectLst/>
+                <a:latin typeface="Cadman Regular"/>
+              </a:rPr>
+              <a:t>Character entities are used to display reserved characters in HTML.</a:t>
+            </a:r>
+            <a:endParaRPr lang="en-IN" sz="1600" b="0" dirty="0">
+              <a:solidFill>
+                <a:srgbClr val="D4D4D4"/>
+              </a:solidFill>
+              <a:effectLst/>
+              <a:latin typeface="Cadman Regular"/>
+            </a:endParaRPr>
+          </a:p>
+          <a:p>
+            <a:r>
+              <a:rPr lang="en-IN" sz="1600" b="0" dirty="0">
+                <a:solidFill>
+                  <a:srgbClr val="6A9955"/>
+                </a:solidFill>
+                <a:effectLst/>
+                <a:latin typeface="Cadman Regular"/>
+              </a:rPr>
+              <a:t>To display a less than sign </a:t>
+            </a:r>
+            <a:r>
+              <a:rPr lang="en-IN" sz="1600" b="0" dirty="0">
+                <a:solidFill>
+                  <a:srgbClr val="FF0000"/>
+                </a:solidFill>
+                <a:effectLst/>
+                <a:latin typeface="Cadman Regular"/>
+              </a:rPr>
+              <a:t>(&lt;)</a:t>
+            </a:r>
+            <a:r>
+              <a:rPr lang="en-IN" sz="1600" b="0" dirty="0">
+                <a:solidFill>
+                  <a:srgbClr val="6A9955"/>
+                </a:solidFill>
+                <a:effectLst/>
+                <a:latin typeface="Cadman Regular"/>
+              </a:rPr>
+              <a:t> we must write: </a:t>
+            </a:r>
+            <a:r>
+              <a:rPr lang="en-IN" sz="1600" b="0" dirty="0">
+                <a:solidFill>
+                  <a:srgbClr val="FF0000"/>
+                </a:solidFill>
+                <a:effectLst/>
+                <a:latin typeface="Cadman Regular"/>
+              </a:rPr>
+              <a:t>&amp;</a:t>
+            </a:r>
+            <a:r>
+              <a:rPr lang="en-IN" sz="1600" b="0" dirty="0" err="1">
+                <a:solidFill>
+                  <a:srgbClr val="FF0000"/>
+                </a:solidFill>
+                <a:effectLst/>
+                <a:latin typeface="Cadman Regular"/>
+              </a:rPr>
+              <a:t>lt</a:t>
+            </a:r>
+            <a:r>
+              <a:rPr lang="en-IN" sz="1600" b="0" dirty="0">
+                <a:solidFill>
+                  <a:srgbClr val="FF0000"/>
+                </a:solidFill>
+                <a:effectLst/>
+                <a:latin typeface="Cadman Regular"/>
+              </a:rPr>
+              <a:t>; </a:t>
+            </a:r>
+            <a:r>
+              <a:rPr lang="en-IN" sz="1600" b="0" dirty="0">
+                <a:solidFill>
+                  <a:srgbClr val="6A9955"/>
+                </a:solidFill>
+                <a:effectLst/>
+                <a:latin typeface="Cadman Regular"/>
+              </a:rPr>
+              <a:t>or </a:t>
+            </a:r>
+            <a:r>
+              <a:rPr lang="en-IN" sz="1600" b="0" dirty="0">
+                <a:solidFill>
+                  <a:srgbClr val="FF0000"/>
+                </a:solidFill>
+                <a:effectLst/>
+                <a:latin typeface="Cadman Regular"/>
+              </a:rPr>
+              <a:t>&amp;#60;</a:t>
+            </a:r>
+          </a:p>
+          <a:p>
+            <a:r>
+              <a:rPr lang="en-IN" sz="1600" b="0" dirty="0">
+                <a:solidFill>
+                  <a:srgbClr val="6A9955"/>
+                </a:solidFill>
+                <a:effectLst/>
+                <a:latin typeface="Cadman Regular"/>
+              </a:rPr>
+              <a:t>Character Entities:</a:t>
+            </a:r>
+            <a:endParaRPr lang="en-IN" sz="1600" b="0" dirty="0">
+              <a:solidFill>
+                <a:srgbClr val="D4D4D4"/>
+              </a:solidFill>
+              <a:effectLst/>
+              <a:latin typeface="Cadman Regular"/>
+            </a:endParaRPr>
+          </a:p>
+          <a:p>
+            <a:r>
+              <a:rPr lang="en-IN" sz="1600" b="0" dirty="0">
+                <a:solidFill>
+                  <a:srgbClr val="FF0000"/>
+                </a:solidFill>
+                <a:effectLst/>
+                <a:latin typeface="Cadman Regular"/>
+              </a:rPr>
+              <a:t>https://www.w3schools.com/html/html_entities.asp</a:t>
+            </a:r>
+          </a:p>
+          <a:p>
+            <a:r>
+              <a:rPr lang="en-IN" sz="1600" b="0" dirty="0">
+                <a:solidFill>
+                  <a:srgbClr val="6A9955"/>
+                </a:solidFill>
+                <a:effectLst/>
+                <a:latin typeface="Cadman Regular"/>
+              </a:rPr>
+              <a:t>Miscellaneous Symbols</a:t>
+            </a:r>
+            <a:endParaRPr lang="en-IN" sz="1600" b="0" dirty="0">
+              <a:solidFill>
+                <a:srgbClr val="D4D4D4"/>
+              </a:solidFill>
+              <a:effectLst/>
+              <a:latin typeface="Cadman Regular"/>
+            </a:endParaRPr>
+          </a:p>
+          <a:p>
+            <a:r>
+              <a:rPr lang="en-IN" sz="1600" b="0" dirty="0">
+                <a:solidFill>
+                  <a:srgbClr val="FF0000"/>
+                </a:solidFill>
+                <a:effectLst/>
+                <a:latin typeface="Cadman Regular"/>
+              </a:rPr>
+              <a:t>https://www.w3schools.com/charsets/ref_utf_symbols.asp</a:t>
+            </a:r>
+          </a:p>
+          <a:p>
+            <a:r>
+              <a:rPr lang="en-IN" sz="1600" b="0" dirty="0">
+                <a:solidFill>
+                  <a:srgbClr val="6A9955"/>
+                </a:solidFill>
+                <a:effectLst/>
+                <a:latin typeface="Cadman Regular"/>
+              </a:rPr>
+              <a:t>Arrows</a:t>
+            </a:r>
+            <a:endParaRPr lang="en-IN" sz="1600" b="0" dirty="0">
+              <a:solidFill>
+                <a:srgbClr val="D4D4D4"/>
+              </a:solidFill>
+              <a:effectLst/>
+              <a:latin typeface="Cadman Regular"/>
+            </a:endParaRPr>
+          </a:p>
+          <a:p>
+            <a:r>
+              <a:rPr lang="en-IN" sz="1600" b="0" dirty="0">
+                <a:solidFill>
+                  <a:srgbClr val="FF0000"/>
+                </a:solidFill>
+                <a:effectLst/>
+                <a:latin typeface="Cadman Regular"/>
+              </a:rPr>
+              <a:t>https://www.w3schools.com/charsets/ref_utf_arrows.asp</a:t>
+            </a:r>
+          </a:p>
+          <a:p>
+            <a:r>
+              <a:rPr lang="en-IN" sz="1600" b="0" dirty="0">
+                <a:solidFill>
+                  <a:srgbClr val="6A9955"/>
+                </a:solidFill>
+                <a:effectLst/>
+                <a:latin typeface="Cadman Regular"/>
+              </a:rPr>
+              <a:t>Currency Symbols</a:t>
+            </a:r>
+            <a:endParaRPr lang="en-IN" sz="1600" b="0" dirty="0">
+              <a:solidFill>
+                <a:srgbClr val="D4D4D4"/>
+              </a:solidFill>
+              <a:effectLst/>
+              <a:latin typeface="Cadman Regular"/>
+            </a:endParaRPr>
+          </a:p>
+          <a:p>
+            <a:r>
+              <a:rPr lang="en-IN" sz="1600" b="0" dirty="0">
+                <a:solidFill>
+                  <a:srgbClr val="FF0000"/>
+                </a:solidFill>
+                <a:effectLst/>
+                <a:latin typeface="Cadman Regular"/>
+              </a:rPr>
+              <a:t>https://www.w3schools.com/charsets/ref_utf_currency.asp</a:t>
+            </a:r>
+          </a:p>
+          <a:p>
+            <a:endParaRPr lang="en-IN" sz="1600" dirty="0"/>
+          </a:p>
+        </p:txBody>
+      </p:sp>
+    </p:spTree>
+    <p:extLst>
+      <p:ext uri="{BB962C8B-B14F-4D97-AF65-F5344CB8AC3E}">
+        <p14:creationId xmlns:p14="http://schemas.microsoft.com/office/powerpoint/2010/main" val="2102278574"/>
+      </p:ext>
+    </p:extLst>
+  </p:cSld>
+  <p:clrMapOvr>
+    <a:masterClrMapping/>
+  </p:clrMapOvr>
+</p:sld>
+</file>
+
 <file path=ppt/slides/slide4.xml><?xml version="1.0" encoding="utf-8"?>
 <p:sld xmlns:a="http://schemas.openxmlformats.org/drawingml/2006/main" xmlns:r="http://schemas.openxmlformats.org/officeDocument/2006/relationships" xmlns:p="http://schemas.openxmlformats.org/presentationml/2006/main">
   <p:cSld>
@@ -7252,7 +14443,27 @@
                 <a:effectLst/>
                 <a:latin typeface="Cadman Regular"/>
               </a:rPr>
-              <a:t>2. What is an HTML Element?</a:t>
+              <a:t>2. What </a:t>
+            </a:r>
+            <a:r>
+              <a:rPr lang="en-US" b="0">
+                <a:solidFill>
+                  <a:srgbClr val="6A9955"/>
+                </a:solidFill>
+                <a:effectLst/>
+                <a:latin typeface="Cadman Regular"/>
+              </a:rPr>
+              <a:t>is Html tag</a:t>
+            </a:r>
+            <a:r>
+              <a:rPr lang="en-US" b="0" dirty="0">
+                <a:solidFill>
+                  <a:srgbClr val="6A9955"/>
+                </a:solidFill>
+                <a:effectLst/>
+                <a:latin typeface="Cadman Regular"/>
+              </a:rPr>
+              <a:t>?</a:t>
             </a:r>
             <a:endParaRPr lang="en-US" b="0" dirty="0">
               <a:solidFill>
@@ -7302,6 +14513,20 @@
               </a:rPr>
               <a:t>The HTML element is everything from the start tag to the end tag.</a:t>
             </a:r>
+          </a:p>
+          <a:p>
+            <a:r>
+              <a:rPr lang="en-US" sz="1600" b="0" dirty="0">
+                <a:solidFill>
+                  <a:srgbClr val="FF0000"/>
+                </a:solidFill>
+                <a:effectLst/>
+                <a:latin typeface="Cadman Regular"/>
+              </a:rPr>
+              <a:t>&lt;p&gt;My first paragraph.&lt;/p&gt;</a:t>
+            </a:r>
+          </a:p>
+          <a:p>
             <a:endParaRPr lang="en-US" sz="1600" b="0" dirty="0">
               <a:solidFill>
                 <a:srgbClr val="D4D4D4"/>
@@ -7363,7 +14588,9 @@
         </p:nvSpPr>
         <p:spPr/>
         <p:txBody>
-          <a:bodyPr/>
+          <a:bodyPr>
+            <a:normAutofit/>
+          </a:bodyPr>
           <a:lstStyle/>
           <a:p>
             <a:r>
@@ -7408,7 +14635,7 @@
         <p:spPr>
           <a:xfrm>
             <a:off x="677334" y="1541002"/>
-            <a:ext cx="8596668" cy="3880773"/>
+            <a:ext cx="8428881" cy="3880773"/>
           </a:xfrm>
         </p:spPr>
         <p:txBody>
@@ -7446,6 +14673,20 @@
               </a:rPr>
               <a:t>A browser does not display the HTML tags, but uses them to determine how to display the document:</a:t>
             </a:r>
+          </a:p>
+          <a:p>
+            <a:r>
+              <a:rPr lang="en-US" sz="1600" b="0" dirty="0">
+                <a:solidFill>
+                  <a:srgbClr val="FF0000"/>
+                </a:solidFill>
+                <a:effectLst/>
+                <a:latin typeface="Cadman Regular"/>
+              </a:rPr>
+              <a:t>&lt;p&gt;My first paragraph.&lt;/p&gt;</a:t>
+            </a:r>
+          </a:p>
+          <a:p>
             <a:endParaRPr lang="en-US" sz="1600" b="0" dirty="0">
               <a:solidFill>
                 <a:srgbClr val="D4D4D4"/>
@@ -7507,7 +14748,9 @@
         </p:nvSpPr>
         <p:spPr/>
         <p:txBody>
-          <a:bodyPr/>
+          <a:bodyPr>
+            <a:normAutofit/>
+          </a:bodyPr>
           <a:lstStyle/>
           <a:p>
             <a:r>
@@ -7795,7 +15038,9 @@
         </p:nvSpPr>
         <p:spPr/>
         <p:txBody>
-          <a:bodyPr/>
+          <a:bodyPr>
+            <a:normAutofit/>
+          </a:bodyPr>
           <a:lstStyle/>
           <a:p>
             <a:r>
@@ -8003,7 +15248,12 @@
             <p:ph idx="1"/>
           </p:nvPr>
         </p:nvSpPr>
-        <p:spPr/>
+        <p:spPr>
+          <a:xfrm>
+            <a:off x="677334" y="2160589"/>
+            <a:ext cx="8421324" cy="3880773"/>
+          </a:xfrm>
+        </p:spPr>
         <p:txBody>
           <a:bodyPr>
             <a:normAutofit/>
@@ -8119,7 +15369,9 @@
         </p:nvSpPr>
         <p:spPr/>
         <p:txBody>
-          <a:bodyPr/>
+          <a:bodyPr>
+            <a:normAutofit/>
+          </a:bodyPr>
           <a:lstStyle/>
           <a:p>
             <a:r>
@@ -8164,7 +15416,7 @@
         <p:spPr>
           <a:xfrm>
             <a:off x="677334" y="1488613"/>
-            <a:ext cx="8684780" cy="4635350"/>
+            <a:ext cx="8761390" cy="4635350"/>
           </a:xfrm>
         </p:spPr>
         <p:txBody>

--- a/Web Design Course.pptx
+++ b/Web Design Course.pptx
@@ -39,6 +39,7 @@
     <p:sldId id="291" r:id="rId33"/>
     <p:sldId id="292" r:id="rId34"/>
     <p:sldId id="293" r:id="rId35"/>
+    <p:sldId id="294" r:id="rId36"/>
   </p:sldIdLst>
   <p:sldSz cx="12192000" cy="6858000"/>
   <p:notesSz cx="6858000" cy="9144000"/>
@@ -867,7 +868,7 @@
           <a:p>
             <a:fld id="{75E69215-EAA4-4F90-9BCE-10367BACC5EF}" type="datetimeFigureOut">
               <a:rPr lang="en-IN" smtClean="0"/>
-              <a:t>19-11-2020</a:t>
+              <a:t>20-11-2020</a:t>
             </a:fld>
             <a:endParaRPr lang="en-IN"/>
           </a:p>
@@ -1118,7 +1119,7 @@
           <a:p>
             <a:fld id="{75E69215-EAA4-4F90-9BCE-10367BACC5EF}" type="datetimeFigureOut">
               <a:rPr lang="en-IN" smtClean="0"/>
-              <a:t>19-11-2020</a:t>
+              <a:t>20-11-2020</a:t>
             </a:fld>
             <a:endParaRPr lang="en-IN"/>
           </a:p>
@@ -1432,7 +1433,7 @@
           <a:p>
             <a:fld id="{75E69215-EAA4-4F90-9BCE-10367BACC5EF}" type="datetimeFigureOut">
               <a:rPr lang="en-IN" smtClean="0"/>
-              <a:t>19-11-2020</a:t>
+              <a:t>20-11-2020</a:t>
             </a:fld>
             <a:endParaRPr lang="en-IN"/>
           </a:p>
@@ -1773,7 +1774,7 @@
           <a:p>
             <a:fld id="{75E69215-EAA4-4F90-9BCE-10367BACC5EF}" type="datetimeFigureOut">
               <a:rPr lang="en-IN" smtClean="0"/>
-              <a:t>19-11-2020</a:t>
+              <a:t>20-11-2020</a:t>
             </a:fld>
             <a:endParaRPr lang="en-IN"/>
           </a:p>
@@ -2087,7 +2088,7 @@
           <a:p>
             <a:fld id="{75E69215-EAA4-4F90-9BCE-10367BACC5EF}" type="datetimeFigureOut">
               <a:rPr lang="en-IN" smtClean="0"/>
-              <a:t>19-11-2020</a:t>
+              <a:t>20-11-2020</a:t>
             </a:fld>
             <a:endParaRPr lang="en-IN"/>
           </a:p>
@@ -2480,7 +2481,7 @@
           <a:p>
             <a:fld id="{75E69215-EAA4-4F90-9BCE-10367BACC5EF}" type="datetimeFigureOut">
               <a:rPr lang="en-IN" smtClean="0"/>
-              <a:t>19-11-2020</a:t>
+              <a:t>20-11-2020</a:t>
             </a:fld>
             <a:endParaRPr lang="en-IN"/>
           </a:p>
@@ -2650,7 +2651,7 @@
           <a:p>
             <a:fld id="{75E69215-EAA4-4F90-9BCE-10367BACC5EF}" type="datetimeFigureOut">
               <a:rPr lang="en-IN" smtClean="0"/>
-              <a:t>19-11-2020</a:t>
+              <a:t>20-11-2020</a:t>
             </a:fld>
             <a:endParaRPr lang="en-IN"/>
           </a:p>
@@ -2830,7 +2831,7 @@
           <a:p>
             <a:fld id="{75E69215-EAA4-4F90-9BCE-10367BACC5EF}" type="datetimeFigureOut">
               <a:rPr lang="en-IN" smtClean="0"/>
-              <a:t>19-11-2020</a:t>
+              <a:t>20-11-2020</a:t>
             </a:fld>
             <a:endParaRPr lang="en-IN"/>
           </a:p>
@@ -3006,7 +3007,7 @@
           <a:p>
             <a:fld id="{75E69215-EAA4-4F90-9BCE-10367BACC5EF}" type="datetimeFigureOut">
               <a:rPr lang="en-IN" smtClean="0"/>
-              <a:t>19-11-2020</a:t>
+              <a:t>20-11-2020</a:t>
             </a:fld>
             <a:endParaRPr lang="en-IN"/>
           </a:p>
@@ -3253,7 +3254,7 @@
           <a:p>
             <a:fld id="{75E69215-EAA4-4F90-9BCE-10367BACC5EF}" type="datetimeFigureOut">
               <a:rPr lang="en-IN" smtClean="0"/>
-              <a:t>19-11-2020</a:t>
+              <a:t>20-11-2020</a:t>
             </a:fld>
             <a:endParaRPr lang="en-IN"/>
           </a:p>
@@ -3485,7 +3486,7 @@
           <a:p>
             <a:fld id="{75E69215-EAA4-4F90-9BCE-10367BACC5EF}" type="datetimeFigureOut">
               <a:rPr lang="en-IN" smtClean="0"/>
-              <a:t>19-11-2020</a:t>
+              <a:t>20-11-2020</a:t>
             </a:fld>
             <a:endParaRPr lang="en-IN"/>
           </a:p>
@@ -3859,7 +3860,7 @@
           <a:p>
             <a:fld id="{75E69215-EAA4-4F90-9BCE-10367BACC5EF}" type="datetimeFigureOut">
               <a:rPr lang="en-IN" smtClean="0"/>
-              <a:t>19-11-2020</a:t>
+              <a:t>20-11-2020</a:t>
             </a:fld>
             <a:endParaRPr lang="en-IN"/>
           </a:p>
@@ -3982,7 +3983,7 @@
           <a:p>
             <a:fld id="{75E69215-EAA4-4F90-9BCE-10367BACC5EF}" type="datetimeFigureOut">
               <a:rPr lang="en-IN" smtClean="0"/>
-              <a:t>19-11-2020</a:t>
+              <a:t>20-11-2020</a:t>
             </a:fld>
             <a:endParaRPr lang="en-IN"/>
           </a:p>
@@ -4077,7 +4078,7 @@
           <a:p>
             <a:fld id="{75E69215-EAA4-4F90-9BCE-10367BACC5EF}" type="datetimeFigureOut">
               <a:rPr lang="en-IN" smtClean="0"/>
-              <a:t>19-11-2020</a:t>
+              <a:t>20-11-2020</a:t>
             </a:fld>
             <a:endParaRPr lang="en-IN"/>
           </a:p>
@@ -4332,7 +4333,7 @@
           <a:p>
             <a:fld id="{75E69215-EAA4-4F90-9BCE-10367BACC5EF}" type="datetimeFigureOut">
               <a:rPr lang="en-IN" smtClean="0"/>
-              <a:t>19-11-2020</a:t>
+              <a:t>20-11-2020</a:t>
             </a:fld>
             <a:endParaRPr lang="en-IN"/>
           </a:p>
@@ -4595,7 +4596,7 @@
           <a:p>
             <a:fld id="{75E69215-EAA4-4F90-9BCE-10367BACC5EF}" type="datetimeFigureOut">
               <a:rPr lang="en-IN" smtClean="0"/>
-              <a:t>19-11-2020</a:t>
+              <a:t>20-11-2020</a:t>
             </a:fld>
             <a:endParaRPr lang="en-IN"/>
           </a:p>
@@ -5338,7 +5339,7 @@
           <a:p>
             <a:fld id="{75E69215-EAA4-4F90-9BCE-10367BACC5EF}" type="datetimeFigureOut">
               <a:rPr lang="en-IN" smtClean="0"/>
-              <a:t>19-11-2020</a:t>
+              <a:t>20-11-2020</a:t>
             </a:fld>
             <a:endParaRPr lang="en-IN"/>
           </a:p>
@@ -14397,6 +14398,126 @@
 </p:sld>
 </file>
 
+<file path=ppt/slides/slide35.xml><?xml version="1.0" encoding="utf-8"?>
+<p:sld xmlns:a="http://schemas.openxmlformats.org/drawingml/2006/main" xmlns:r="http://schemas.openxmlformats.org/officeDocument/2006/relationships" xmlns:p="http://schemas.openxmlformats.org/presentationml/2006/main">
+  <p:cSld>
+    <p:spTree>
+      <p:nvGrpSpPr>
+        <p:cNvPr id="1" name=""/>
+        <p:cNvGrpSpPr/>
+        <p:nvPr/>
+      </p:nvGrpSpPr>
+      <p:grpSpPr>
+        <a:xfrm>
+          <a:off x="0" y="0"/>
+          <a:ext cx="0" cy="0"/>
+          <a:chOff x="0" y="0"/>
+          <a:chExt cx="0" cy="0"/>
+        </a:xfrm>
+      </p:grpSpPr>
+      <p:sp>
+        <p:nvSpPr>
+          <p:cNvPr id="2" name="Title 1">
+            <a:extLst>
+              <a:ext uri="{FF2B5EF4-FFF2-40B4-BE49-F238E27FC236}">
+                <a16:creationId xmlns:a16="http://schemas.microsoft.com/office/drawing/2014/main" id="{A78692DC-B354-4CD0-BEAE-89FF430DC016}"/>
+              </a:ext>
+            </a:extLst>
+          </p:cNvPr>
+          <p:cNvSpPr>
+            <a:spLocks noGrp="1"/>
+          </p:cNvSpPr>
+          <p:nvPr>
+            <p:ph type="title"/>
+          </p:nvPr>
+        </p:nvSpPr>
+        <p:spPr/>
+        <p:txBody>
+          <a:bodyPr/>
+          <a:lstStyle/>
+          <a:p>
+            <a:r>
+              <a:rPr lang="en-IN" b="0" dirty="0" err="1">
+                <a:solidFill>
+                  <a:srgbClr val="6A9955"/>
+                </a:solidFill>
+                <a:effectLst/>
+                <a:latin typeface="Cadman Regular"/>
+              </a:rPr>
+              <a:t>FontAwesome</a:t>
+            </a:r>
+            <a:endParaRPr lang="en-IN" dirty="0"/>
+          </a:p>
+        </p:txBody>
+      </p:sp>
+      <p:sp>
+        <p:nvSpPr>
+          <p:cNvPr id="3" name="Content Placeholder 2">
+            <a:extLst>
+              <a:ext uri="{FF2B5EF4-FFF2-40B4-BE49-F238E27FC236}">
+                <a16:creationId xmlns:a16="http://schemas.microsoft.com/office/drawing/2014/main" id="{5D03F6AD-0866-4261-B9D4-82617D2A5420}"/>
+              </a:ext>
+            </a:extLst>
+          </p:cNvPr>
+          <p:cNvSpPr>
+            <a:spLocks noGrp="1"/>
+          </p:cNvSpPr>
+          <p:nvPr>
+            <p:ph idx="1"/>
+          </p:nvPr>
+        </p:nvSpPr>
+        <p:spPr/>
+        <p:txBody>
+          <a:bodyPr/>
+          <a:lstStyle/>
+          <a:p>
+            <a:r>
+              <a:rPr lang="en-IN" dirty="0">
+                <a:hlinkClick r:id="rId2"/>
+              </a:rPr>
+              <a:t>https://fontawesome.com/v4.7.0/icons/</a:t>
+            </a:r>
+            <a:endParaRPr lang="en-IN" dirty="0"/>
+          </a:p>
+          <a:p>
+            <a:r>
+              <a:rPr lang="en-IN" dirty="0">
+                <a:hlinkClick r:id="rId3"/>
+              </a:rPr>
+              <a:t>https://stackpath.bootstrapcdn.com/font-awesome/4.7.0/css/font-awesome.min.css</a:t>
+            </a:r>
+            <a:endParaRPr lang="en-IN" dirty="0"/>
+          </a:p>
+          <a:p>
+            <a:endParaRPr lang="en-IN" dirty="0"/>
+          </a:p>
+          <a:p>
+            <a:r>
+              <a:rPr lang="en-IN" dirty="0"/>
+              <a:t>https://fontawesome.com/icons?d=gallery</a:t>
+            </a:r>
+          </a:p>
+          <a:p>
+            <a:r>
+              <a:rPr lang="en-IN" dirty="0"/>
+              <a:t>https://pro.fontawesome.com/releases/v5.10.0/css/all.css</a:t>
+            </a:r>
+          </a:p>
+        </p:txBody>
+      </p:sp>
+    </p:spTree>
+    <p:extLst>
+      <p:ext uri="{BB962C8B-B14F-4D97-AF65-F5344CB8AC3E}">
+        <p14:creationId xmlns:p14="http://schemas.microsoft.com/office/powerpoint/2010/main" val="676470097"/>
+      </p:ext>
+    </p:extLst>
+  </p:cSld>
+  <p:clrMapOvr>
+    <a:masterClrMapping/>
+  </p:clrMapOvr>
+</p:sld>
+</file>
+
 <file path=ppt/slides/slide4.xml><?xml version="1.0" encoding="utf-8"?>
 <p:sld xmlns:a="http://schemas.openxmlformats.org/drawingml/2006/main" xmlns:r="http://schemas.openxmlformats.org/officeDocument/2006/relationships" xmlns:p="http://schemas.openxmlformats.org/presentationml/2006/main">
   <p:cSld>

--- a/Web Design Course.pptx
+++ b/Web Design Course.pptx
@@ -868,7 +868,7 @@
           <a:p>
             <a:fld id="{75E69215-EAA4-4F90-9BCE-10367BACC5EF}" type="datetimeFigureOut">
               <a:rPr lang="en-IN" smtClean="0"/>
-              <a:t>20-11-2020</a:t>
+              <a:t>28-11-2020</a:t>
             </a:fld>
             <a:endParaRPr lang="en-IN"/>
           </a:p>
@@ -1119,7 +1119,7 @@
           <a:p>
             <a:fld id="{75E69215-EAA4-4F90-9BCE-10367BACC5EF}" type="datetimeFigureOut">
               <a:rPr lang="en-IN" smtClean="0"/>
-              <a:t>20-11-2020</a:t>
+              <a:t>28-11-2020</a:t>
             </a:fld>
             <a:endParaRPr lang="en-IN"/>
           </a:p>
@@ -1433,7 +1433,7 @@
           <a:p>
             <a:fld id="{75E69215-EAA4-4F90-9BCE-10367BACC5EF}" type="datetimeFigureOut">
               <a:rPr lang="en-IN" smtClean="0"/>
-              <a:t>20-11-2020</a:t>
+              <a:t>28-11-2020</a:t>
             </a:fld>
             <a:endParaRPr lang="en-IN"/>
           </a:p>
@@ -1774,7 +1774,7 @@
           <a:p>
             <a:fld id="{75E69215-EAA4-4F90-9BCE-10367BACC5EF}" type="datetimeFigureOut">
               <a:rPr lang="en-IN" smtClean="0"/>
-              <a:t>20-11-2020</a:t>
+              <a:t>28-11-2020</a:t>
             </a:fld>
             <a:endParaRPr lang="en-IN"/>
           </a:p>
@@ -2088,7 +2088,7 @@
           <a:p>
             <a:fld id="{75E69215-EAA4-4F90-9BCE-10367BACC5EF}" type="datetimeFigureOut">
               <a:rPr lang="en-IN" smtClean="0"/>
-              <a:t>20-11-2020</a:t>
+              <a:t>28-11-2020</a:t>
             </a:fld>
             <a:endParaRPr lang="en-IN"/>
           </a:p>
@@ -2481,7 +2481,7 @@
           <a:p>
             <a:fld id="{75E69215-EAA4-4F90-9BCE-10367BACC5EF}" type="datetimeFigureOut">
               <a:rPr lang="en-IN" smtClean="0"/>
-              <a:t>20-11-2020</a:t>
+              <a:t>28-11-2020</a:t>
             </a:fld>
             <a:endParaRPr lang="en-IN"/>
           </a:p>
@@ -2651,7 +2651,7 @@
           <a:p>
             <a:fld id="{75E69215-EAA4-4F90-9BCE-10367BACC5EF}" type="datetimeFigureOut">
               <a:rPr lang="en-IN" smtClean="0"/>
-              <a:t>20-11-2020</a:t>
+              <a:t>28-11-2020</a:t>
             </a:fld>
             <a:endParaRPr lang="en-IN"/>
           </a:p>
@@ -2831,7 +2831,7 @@
           <a:p>
             <a:fld id="{75E69215-EAA4-4F90-9BCE-10367BACC5EF}" type="datetimeFigureOut">
               <a:rPr lang="en-IN" smtClean="0"/>
-              <a:t>20-11-2020</a:t>
+              <a:t>28-11-2020</a:t>
             </a:fld>
             <a:endParaRPr lang="en-IN"/>
           </a:p>
@@ -3007,7 +3007,7 @@
           <a:p>
             <a:fld id="{75E69215-EAA4-4F90-9BCE-10367BACC5EF}" type="datetimeFigureOut">
               <a:rPr lang="en-IN" smtClean="0"/>
-              <a:t>20-11-2020</a:t>
+              <a:t>28-11-2020</a:t>
             </a:fld>
             <a:endParaRPr lang="en-IN"/>
           </a:p>
@@ -3254,7 +3254,7 @@
           <a:p>
             <a:fld id="{75E69215-EAA4-4F90-9BCE-10367BACC5EF}" type="datetimeFigureOut">
               <a:rPr lang="en-IN" smtClean="0"/>
-              <a:t>20-11-2020</a:t>
+              <a:t>28-11-2020</a:t>
             </a:fld>
             <a:endParaRPr lang="en-IN"/>
           </a:p>
@@ -3486,7 +3486,7 @@
           <a:p>
             <a:fld id="{75E69215-EAA4-4F90-9BCE-10367BACC5EF}" type="datetimeFigureOut">
               <a:rPr lang="en-IN" smtClean="0"/>
-              <a:t>20-11-2020</a:t>
+              <a:t>28-11-2020</a:t>
             </a:fld>
             <a:endParaRPr lang="en-IN"/>
           </a:p>
@@ -3860,7 +3860,7 @@
           <a:p>
             <a:fld id="{75E69215-EAA4-4F90-9BCE-10367BACC5EF}" type="datetimeFigureOut">
               <a:rPr lang="en-IN" smtClean="0"/>
-              <a:t>20-11-2020</a:t>
+              <a:t>28-11-2020</a:t>
             </a:fld>
             <a:endParaRPr lang="en-IN"/>
           </a:p>
@@ -3983,7 +3983,7 @@
           <a:p>
             <a:fld id="{75E69215-EAA4-4F90-9BCE-10367BACC5EF}" type="datetimeFigureOut">
               <a:rPr lang="en-IN" smtClean="0"/>
-              <a:t>20-11-2020</a:t>
+              <a:t>28-11-2020</a:t>
             </a:fld>
             <a:endParaRPr lang="en-IN"/>
           </a:p>
@@ -4078,7 +4078,7 @@
           <a:p>
             <a:fld id="{75E69215-EAA4-4F90-9BCE-10367BACC5EF}" type="datetimeFigureOut">
               <a:rPr lang="en-IN" smtClean="0"/>
-              <a:t>20-11-2020</a:t>
+              <a:t>28-11-2020</a:t>
             </a:fld>
             <a:endParaRPr lang="en-IN"/>
           </a:p>
@@ -4333,7 +4333,7 @@
           <a:p>
             <a:fld id="{75E69215-EAA4-4F90-9BCE-10367BACC5EF}" type="datetimeFigureOut">
               <a:rPr lang="en-IN" smtClean="0"/>
-              <a:t>20-11-2020</a:t>
+              <a:t>28-11-2020</a:t>
             </a:fld>
             <a:endParaRPr lang="en-IN"/>
           </a:p>
@@ -4596,7 +4596,7 @@
           <a:p>
             <a:fld id="{75E69215-EAA4-4F90-9BCE-10367BACC5EF}" type="datetimeFigureOut">
               <a:rPr lang="en-IN" smtClean="0"/>
-              <a:t>20-11-2020</a:t>
+              <a:t>28-11-2020</a:t>
             </a:fld>
             <a:endParaRPr lang="en-IN"/>
           </a:p>
@@ -5339,7 +5339,7 @@
           <a:p>
             <a:fld id="{75E69215-EAA4-4F90-9BCE-10367BACC5EF}" type="datetimeFigureOut">
               <a:rPr lang="en-IN" smtClean="0"/>
-              <a:t>20-11-2020</a:t>
+              <a:t>28-11-2020</a:t>
             </a:fld>
             <a:endParaRPr lang="en-IN"/>
           </a:p>
@@ -9196,11 +9196,7 @@
               </a:lnSpc>
             </a:pPr>
             <a:r>
-              <a:rPr lang="en-IN" sz="1500" dirty="0">
-                <a:highlight>
-                  <a:srgbClr val="00FFFF"/>
-                </a:highlight>
-              </a:rPr>
+              <a:rPr lang="en-IN" sz="1500" dirty="0"/>
               <a:t>Html5</a:t>
             </a:r>
           </a:p>
@@ -9211,11 +9207,7 @@
               </a:lnSpc>
             </a:pPr>
             <a:r>
-              <a:rPr lang="en-IN" sz="1500" dirty="0">
-                <a:highlight>
-                  <a:srgbClr val="00FFFF"/>
-                </a:highlight>
-              </a:rPr>
+              <a:rPr lang="en-IN" sz="1500" dirty="0"/>
               <a:t>Css3</a:t>
             </a:r>
           </a:p>
@@ -9226,11 +9218,7 @@
               </a:lnSpc>
             </a:pPr>
             <a:r>
-              <a:rPr lang="en-IN" sz="1500" dirty="0">
-                <a:highlight>
-                  <a:srgbClr val="00FFFF"/>
-                </a:highlight>
-              </a:rPr>
+              <a:rPr lang="en-IN" sz="1500" dirty="0"/>
               <a:t>Media Queries</a:t>
             </a:r>
           </a:p>
@@ -9241,12 +9229,8 @@
               </a:lnSpc>
             </a:pPr>
             <a:r>
-              <a:rPr lang="en-IN" sz="1500" dirty="0">
-                <a:highlight>
-                  <a:srgbClr val="00FFFF"/>
-                </a:highlight>
-              </a:rPr>
-              <a:t>12 Column Custom CSS Grid - Float</a:t>
+              <a:rPr lang="en-IN" sz="1500" dirty="0"/>
+              <a:t>Photoshop – (basic)</a:t>
             </a:r>
           </a:p>
           <a:p>
@@ -9256,12 +9240,8 @@
               </a:lnSpc>
             </a:pPr>
             <a:r>
-              <a:rPr lang="en-IN" sz="1500" dirty="0">
-                <a:highlight>
-                  <a:srgbClr val="00FFFF"/>
-                </a:highlight>
-              </a:rPr>
-              <a:t>Photoshop – (basic)</a:t>
+              <a:rPr lang="en-IN" sz="1500" dirty="0"/>
+              <a:t>12 Column Custom CSS Grid - Float</a:t>
             </a:r>
           </a:p>
           <a:p>
@@ -9271,28 +9251,24 @@
               </a:lnSpc>
             </a:pPr>
             <a:r>
-              <a:rPr lang="en-IN" sz="1500" dirty="0">
-                <a:highlight>
-                  <a:srgbClr val="00FFFF"/>
-                </a:highlight>
-              </a:rPr>
+              <a:rPr lang="en-IN" sz="1500" dirty="0"/>
               <a:t>Project – </a:t>
             </a:r>
             <a:r>
-              <a:rPr lang="en-IN" sz="1500" dirty="0" err="1">
-                <a:highlight>
-                  <a:srgbClr val="00FFFF"/>
-                </a:highlight>
-              </a:rPr>
+              <a:rPr lang="en-IN" sz="1500" dirty="0" err="1"/>
               <a:t>psd</a:t>
             </a:r>
             <a:r>
-              <a:rPr lang="en-IN" sz="1500" dirty="0">
-                <a:highlight>
-                  <a:srgbClr val="00FFFF"/>
-                </a:highlight>
-              </a:rPr>
-              <a:t> to html - Float</a:t>
+              <a:rPr lang="en-IN" sz="1500" dirty="0"/>
+              <a:t> to html with </a:t>
+            </a:r>
+            <a:r>
+              <a:rPr lang="en-IN" sz="1500" dirty="0" err="1"/>
+              <a:t>jquery</a:t>
+            </a:r>
+            <a:r>
+              <a:rPr lang="en-IN" sz="1500" dirty="0"/>
+              <a:t> plugins</a:t>
             </a:r>
           </a:p>
           <a:p>
@@ -9302,20 +9278,8 @@
               </a:lnSpc>
             </a:pPr>
             <a:r>
-              <a:rPr lang="en-IN" sz="1500" dirty="0" err="1">
-                <a:highlight>
-                  <a:srgbClr val="00FFFF"/>
-                </a:highlight>
-              </a:rPr>
-              <a:t>Jquery</a:t>
-            </a:r>
-            <a:r>
-              <a:rPr lang="en-IN" sz="1500" dirty="0">
-                <a:highlight>
-                  <a:srgbClr val="00FFFF"/>
-                </a:highlight>
-              </a:rPr>
-              <a:t> - Plugins</a:t>
+              <a:rPr lang="en-IN" sz="1500" dirty="0"/>
+              <a:t>Flexbox</a:t>
             </a:r>
           </a:p>
           <a:p>
@@ -9325,12 +9289,8 @@
               </a:lnSpc>
             </a:pPr>
             <a:r>
-              <a:rPr lang="en-IN" sz="1500" dirty="0">
-                <a:highlight>
-                  <a:srgbClr val="FFFF00"/>
-                </a:highlight>
-              </a:rPr>
-              <a:t>Flexbox</a:t>
+              <a:rPr lang="en-IN" sz="1500" dirty="0"/>
+              <a:t>12 Column Custom Grid with Flexbox</a:t>
             </a:r>
           </a:p>
           <a:p>
@@ -9340,12 +9300,24 @@
               </a:lnSpc>
             </a:pPr>
             <a:r>
-              <a:rPr lang="en-IN" sz="1500" dirty="0">
-                <a:highlight>
-                  <a:srgbClr val="FFFF00"/>
-                </a:highlight>
-              </a:rPr>
-              <a:t>12 Column Custom Grid with Flexbox</a:t>
+              <a:rPr lang="en-IN" sz="1500" dirty="0"/>
+              <a:t>Project – </a:t>
+            </a:r>
+            <a:r>
+              <a:rPr lang="en-IN" sz="1500" dirty="0" err="1"/>
+              <a:t>psd</a:t>
+            </a:r>
+            <a:r>
+              <a:rPr lang="en-IN" sz="1500" dirty="0"/>
+              <a:t> to html with </a:t>
+            </a:r>
+            <a:r>
+              <a:rPr lang="en-IN" sz="1500" dirty="0" err="1"/>
+              <a:t>jquery</a:t>
+            </a:r>
+            <a:r>
+              <a:rPr lang="en-IN" sz="1500" dirty="0"/>
+              <a:t> plugins</a:t>
             </a:r>
           </a:p>
           <a:p>
@@ -9355,28 +9327,8 @@
               </a:lnSpc>
             </a:pPr>
             <a:r>
-              <a:rPr lang="en-IN" sz="1500" dirty="0">
-                <a:highlight>
-                  <a:srgbClr val="FFFF00"/>
-                </a:highlight>
-              </a:rPr>
-              <a:t>Project – </a:t>
-            </a:r>
-            <a:r>
-              <a:rPr lang="en-IN" sz="1500" dirty="0" err="1">
-                <a:highlight>
-                  <a:srgbClr val="FFFF00"/>
-                </a:highlight>
-              </a:rPr>
-              <a:t>psd</a:t>
-            </a:r>
-            <a:r>
-              <a:rPr lang="en-IN" sz="1500" dirty="0">
-                <a:highlight>
-                  <a:srgbClr val="FFFF00"/>
-                </a:highlight>
-              </a:rPr>
-              <a:t> to html - Flexbox</a:t>
+              <a:rPr lang="en-IN" sz="1500" dirty="0"/>
+              <a:t>Bootstrap 5 – Css Framework</a:t>
             </a:r>
           </a:p>
           <a:p>
@@ -9386,42 +9338,15 @@
               </a:lnSpc>
             </a:pPr>
             <a:r>
-              <a:rPr lang="en-IN" sz="1500" dirty="0">
-                <a:highlight>
-                  <a:srgbClr val="00FF00"/>
-                </a:highlight>
-              </a:rPr>
-              <a:t>Bootstrap 5 – Css Framework</a:t>
-            </a:r>
-          </a:p>
-          <a:p>
-            <a:pPr>
-              <a:lnSpc>
-                <a:spcPct val="90000"/>
-              </a:lnSpc>
-            </a:pPr>
-            <a:r>
-              <a:rPr lang="en-IN" sz="1500" dirty="0">
-                <a:highlight>
-                  <a:srgbClr val="00FF00"/>
-                </a:highlight>
-              </a:rPr>
+              <a:rPr lang="en-IN" sz="1500" dirty="0"/>
               <a:t>Project – </a:t>
             </a:r>
             <a:r>
-              <a:rPr lang="en-IN" sz="1500" dirty="0" err="1">
-                <a:highlight>
-                  <a:srgbClr val="00FF00"/>
-                </a:highlight>
-              </a:rPr>
+              <a:rPr lang="en-IN" sz="1500" dirty="0" err="1"/>
               <a:t>psd</a:t>
             </a:r>
             <a:r>
-              <a:rPr lang="en-IN" sz="1500" dirty="0">
-                <a:highlight>
-                  <a:srgbClr val="00FF00"/>
-                </a:highlight>
-              </a:rPr>
+              <a:rPr lang="en-IN" sz="1500" dirty="0"/>
               <a:t> to html – Bootstrap 5</a:t>
             </a:r>
           </a:p>
